--- a/Summary/figures.pptx
+++ b/Summary/figures.pptx
@@ -5,15 +5,16 @@
     <p:sldMasterId id="2147483672" r:id="rId1"/>
   </p:sldMasterIdLst>
   <p:notesMasterIdLst>
-    <p:notesMasterId r:id="rId8"/>
+    <p:notesMasterId r:id="rId9"/>
   </p:notesMasterIdLst>
   <p:sldIdLst>
     <p:sldId id="422" r:id="rId2"/>
     <p:sldId id="423" r:id="rId3"/>
     <p:sldId id="513" r:id="rId4"/>
-    <p:sldId id="514" r:id="rId5"/>
-    <p:sldId id="511" r:id="rId6"/>
-    <p:sldId id="512" r:id="rId7"/>
+    <p:sldId id="515" r:id="rId5"/>
+    <p:sldId id="514" r:id="rId6"/>
+    <p:sldId id="511" r:id="rId7"/>
+    <p:sldId id="512" r:id="rId8"/>
   </p:sldIdLst>
   <p:sldSz cx="22860000" cy="22860000"/>
   <p:notesSz cx="6858000" cy="9144000"/>
@@ -120,6 +121,7 @@
             <p14:sldId id="422"/>
             <p14:sldId id="423"/>
             <p14:sldId id="513"/>
+            <p14:sldId id="515"/>
             <p14:sldId id="514"/>
             <p14:sldId id="511"/>
             <p14:sldId id="512"/>
@@ -137,7 +139,7 @@
 <file path=ppt/revisionInfo.xml><?xml version="1.0" encoding="utf-8"?>
 <p1510:revInfo xmlns:a="http://schemas.openxmlformats.org/drawingml/2006/main" xmlns:r="http://schemas.openxmlformats.org/officeDocument/2006/relationships" xmlns:p1510="http://schemas.microsoft.com/office/powerpoint/2015/10/main">
   <p1510:revLst>
-    <p1510:client id="{A9C2D69E-D7C9-482D-BD86-D021A5A5A4BC}" v="12" dt="2025-09-18T14:18:22.586"/>
+    <p1510:client id="{D0E1D0F2-3E04-4D0A-847D-0FECA4BDAAD3}" v="1" dt="2025-10-27T18:54:56.750"/>
   </p1510:revLst>
 </p1510:revInfo>
 </file>
@@ -157,102 +159,6 @@
           <pc:docMk/>
           <pc:sldMk cId="2802148690" sldId="511"/>
         </pc:sldMkLst>
-        <pc:spChg chg="add mod">
-          <ac:chgData name="Jonathan Mah" userId="5261b2f2f3e51194" providerId="LiveId" clId="{A5D66373-2F43-49C1-972D-0BE2B77E544E}" dt="2025-09-18T14:18:22.586" v="211"/>
-          <ac:spMkLst>
-            <pc:docMk/>
-            <pc:sldMk cId="2802148690" sldId="511"/>
-            <ac:spMk id="2" creationId="{60542D96-FF60-ECA1-6057-C2ACDF999B03}"/>
-          </ac:spMkLst>
-        </pc:spChg>
-        <pc:spChg chg="add mod">
-          <ac:chgData name="Jonathan Mah" userId="5261b2f2f3e51194" providerId="LiveId" clId="{A5D66373-2F43-49C1-972D-0BE2B77E544E}" dt="2025-09-18T14:18:22.586" v="211"/>
-          <ac:spMkLst>
-            <pc:docMk/>
-            <pc:sldMk cId="2802148690" sldId="511"/>
-            <ac:spMk id="5" creationId="{96A0025B-8A69-C4CF-91B6-E1E7752BA3FC}"/>
-          </ac:spMkLst>
-        </pc:spChg>
-        <pc:spChg chg="add mod">
-          <ac:chgData name="Jonathan Mah" userId="5261b2f2f3e51194" providerId="LiveId" clId="{A5D66373-2F43-49C1-972D-0BE2B77E544E}" dt="2025-09-18T14:18:22.586" v="211"/>
-          <ac:spMkLst>
-            <pc:docMk/>
-            <pc:sldMk cId="2802148690" sldId="511"/>
-            <ac:spMk id="6" creationId="{CE3B1FC4-4ED6-C87B-1315-F18E45DF43B2}"/>
-          </ac:spMkLst>
-        </pc:spChg>
-        <pc:spChg chg="add mod">
-          <ac:chgData name="Jonathan Mah" userId="5261b2f2f3e51194" providerId="LiveId" clId="{A5D66373-2F43-49C1-972D-0BE2B77E544E}" dt="2025-09-18T14:18:22.586" v="211"/>
-          <ac:spMkLst>
-            <pc:docMk/>
-            <pc:sldMk cId="2802148690" sldId="511"/>
-            <ac:spMk id="9" creationId="{3EBA55B4-FC9C-3E86-4029-BCD7B578EE63}"/>
-          </ac:spMkLst>
-        </pc:spChg>
-        <pc:spChg chg="add mod">
-          <ac:chgData name="Jonathan Mah" userId="5261b2f2f3e51194" providerId="LiveId" clId="{A5D66373-2F43-49C1-972D-0BE2B77E544E}" dt="2025-09-18T14:18:22.586" v="211"/>
-          <ac:spMkLst>
-            <pc:docMk/>
-            <pc:sldMk cId="2802148690" sldId="511"/>
-            <ac:spMk id="10" creationId="{F3E1D971-95F8-7EF5-0F96-DB3EF7734734}"/>
-          </ac:spMkLst>
-        </pc:spChg>
-        <pc:spChg chg="add mod">
-          <ac:chgData name="Jonathan Mah" userId="5261b2f2f3e51194" providerId="LiveId" clId="{A5D66373-2F43-49C1-972D-0BE2B77E544E}" dt="2025-09-18T14:18:22.586" v="211"/>
-          <ac:spMkLst>
-            <pc:docMk/>
-            <pc:sldMk cId="2802148690" sldId="511"/>
-            <ac:spMk id="11" creationId="{CE142DD9-B208-2540-777F-147A620A1205}"/>
-          </ac:spMkLst>
-        </pc:spChg>
-        <pc:spChg chg="add mod">
-          <ac:chgData name="Jonathan Mah" userId="5261b2f2f3e51194" providerId="LiveId" clId="{A5D66373-2F43-49C1-972D-0BE2B77E544E}" dt="2025-09-18T14:18:22.586" v="211"/>
-          <ac:spMkLst>
-            <pc:docMk/>
-            <pc:sldMk cId="2802148690" sldId="511"/>
-            <ac:spMk id="13" creationId="{77EF0786-4FDD-BE25-1D42-C54282FE144D}"/>
-          </ac:spMkLst>
-        </pc:spChg>
-        <pc:spChg chg="add mod">
-          <ac:chgData name="Jonathan Mah" userId="5261b2f2f3e51194" providerId="LiveId" clId="{A5D66373-2F43-49C1-972D-0BE2B77E544E}" dt="2025-09-18T14:18:22.586" v="211"/>
-          <ac:spMkLst>
-            <pc:docMk/>
-            <pc:sldMk cId="2802148690" sldId="511"/>
-            <ac:spMk id="15" creationId="{37ADB705-605C-9F27-1127-79D955CAA08A}"/>
-          </ac:spMkLst>
-        </pc:spChg>
-        <pc:spChg chg="add mod">
-          <ac:chgData name="Jonathan Mah" userId="5261b2f2f3e51194" providerId="LiveId" clId="{A5D66373-2F43-49C1-972D-0BE2B77E544E}" dt="2025-09-18T14:18:22.586" v="211"/>
-          <ac:spMkLst>
-            <pc:docMk/>
-            <pc:sldMk cId="2802148690" sldId="511"/>
-            <ac:spMk id="24" creationId="{C14B3BB8-6FF5-40D2-52B1-E36AF0C31AC2}"/>
-          </ac:spMkLst>
-        </pc:spChg>
-        <pc:spChg chg="add del mod">
-          <ac:chgData name="Jonathan Mah" userId="5261b2f2f3e51194" providerId="LiveId" clId="{A5D66373-2F43-49C1-972D-0BE2B77E544E}" dt="2025-09-18T14:18:25.310" v="214"/>
-          <ac:spMkLst>
-            <pc:docMk/>
-            <pc:sldMk cId="2802148690" sldId="511"/>
-            <ac:spMk id="27" creationId="{9FDFF586-96EC-CAAB-783E-B91F7212A3E6}"/>
-          </ac:spMkLst>
-        </pc:spChg>
-        <pc:spChg chg="del">
-          <ac:chgData name="Jonathan Mah" userId="5261b2f2f3e51194" providerId="LiveId" clId="{A5D66373-2F43-49C1-972D-0BE2B77E544E}" dt="2025-09-18T14:18:28.421" v="215" actId="478"/>
-          <ac:spMkLst>
-            <pc:docMk/>
-            <pc:sldMk cId="2802148690" sldId="511"/>
-            <ac:spMk id="28" creationId="{B10DAA7A-4528-6EE9-7D2D-6963C42B0DB9}"/>
-          </ac:spMkLst>
-        </pc:spChg>
-        <pc:spChg chg="del">
-          <ac:chgData name="Jonathan Mah" userId="5261b2f2f3e51194" providerId="LiveId" clId="{A5D66373-2F43-49C1-972D-0BE2B77E544E}" dt="2025-09-18T14:18:29.994" v="216" actId="478"/>
-          <ac:spMkLst>
-            <pc:docMk/>
-            <pc:sldMk cId="2802148690" sldId="511"/>
-            <ac:spMk id="29" creationId="{3589FBF4-C294-779D-CE9E-307FEF211416}"/>
-          </ac:spMkLst>
-        </pc:spChg>
       </pc:sldChg>
       <pc:sldChg chg="addSp delSp modSp add mod">
         <pc:chgData name="Jonathan Mah" userId="5261b2f2f3e51194" providerId="LiveId" clId="{A5D66373-2F43-49C1-972D-0BE2B77E544E}" dt="2025-09-18T14:15:50.827" v="210" actId="20577"/>
@@ -260,116 +166,196 @@
           <pc:docMk/>
           <pc:sldMk cId="3115890439" sldId="514"/>
         </pc:sldMkLst>
-        <pc:spChg chg="add mod">
-          <ac:chgData name="Jonathan Mah" userId="5261b2f2f3e51194" providerId="LiveId" clId="{A5D66373-2F43-49C1-972D-0BE2B77E544E}" dt="2025-09-18T14:15:27.841" v="188" actId="1076"/>
+      </pc:sldChg>
+    </pc:docChg>
+  </pc:docChgLst>
+  <pc:docChgLst>
+    <pc:chgData name="Jonathan Mah" userId="5261b2f2f3e51194" providerId="LiveId" clId="{DB9BCF8B-E91B-491C-8171-92D39BBC1534}"/>
+    <pc:docChg chg="undo custSel addSld modSld">
+      <pc:chgData name="Jonathan Mah" userId="5261b2f2f3e51194" providerId="LiveId" clId="{DB9BCF8B-E91B-491C-8171-92D39BBC1534}" dt="2025-10-27T18:56:13.273" v="4" actId="1076"/>
+      <pc:docMkLst>
+        <pc:docMk/>
+      </pc:docMkLst>
+      <pc:sldChg chg="addSp delSp modSp add mod">
+        <pc:chgData name="Jonathan Mah" userId="5261b2f2f3e51194" providerId="LiveId" clId="{DB9BCF8B-E91B-491C-8171-92D39BBC1534}" dt="2025-10-27T18:56:13.273" v="4" actId="1076"/>
+        <pc:sldMkLst>
+          <pc:docMk/>
+          <pc:sldMk cId="1666089732" sldId="515"/>
+        </pc:sldMkLst>
+        <pc:spChg chg="del">
+          <ac:chgData name="Jonathan Mah" userId="5261b2f2f3e51194" providerId="LiveId" clId="{DB9BCF8B-E91B-491C-8171-92D39BBC1534}" dt="2025-10-27T18:56:07.722" v="3" actId="478"/>
           <ac:spMkLst>
             <pc:docMk/>
-            <pc:sldMk cId="3115890439" sldId="514"/>
-            <ac:spMk id="2" creationId="{5B31E4C3-ACD0-B366-CF24-E7E3204453B7}"/>
+            <pc:sldMk cId="1666089732" sldId="515"/>
+            <ac:spMk id="5" creationId="{6B865D07-4C72-B6CB-97A2-29F00608E546}"/>
           </ac:spMkLst>
         </pc:spChg>
-        <pc:spChg chg="add mod">
-          <ac:chgData name="Jonathan Mah" userId="5261b2f2f3e51194" providerId="LiveId" clId="{A5D66373-2F43-49C1-972D-0BE2B77E544E}" dt="2025-09-18T14:15:27.841" v="188" actId="1076"/>
+        <pc:spChg chg="del">
+          <ac:chgData name="Jonathan Mah" userId="5261b2f2f3e51194" providerId="LiveId" clId="{DB9BCF8B-E91B-491C-8171-92D39BBC1534}" dt="2025-10-27T18:56:07.722" v="3" actId="478"/>
           <ac:spMkLst>
             <pc:docMk/>
-            <pc:sldMk cId="3115890439" sldId="514"/>
-            <ac:spMk id="3" creationId="{D06C547C-ED59-3A59-A77A-5707E1067237}"/>
+            <pc:sldMk cId="1666089732" sldId="515"/>
+            <ac:spMk id="6" creationId="{1CC46A6B-749D-F810-3F4C-DB1E81EC4043}"/>
           </ac:spMkLst>
         </pc:spChg>
-        <pc:spChg chg="add mod">
-          <ac:chgData name="Jonathan Mah" userId="5261b2f2f3e51194" providerId="LiveId" clId="{A5D66373-2F43-49C1-972D-0BE2B77E544E}" dt="2025-09-18T14:13:32.156" v="19" actId="1076"/>
+        <pc:spChg chg="del">
+          <ac:chgData name="Jonathan Mah" userId="5261b2f2f3e51194" providerId="LiveId" clId="{DB9BCF8B-E91B-491C-8171-92D39BBC1534}" dt="2025-10-27T18:56:07.722" v="3" actId="478"/>
           <ac:spMkLst>
             <pc:docMk/>
-            <pc:sldMk cId="3115890439" sldId="514"/>
-            <ac:spMk id="4" creationId="{BEF183FC-8E40-0805-F970-6BC2CD35B945}"/>
+            <pc:sldMk cId="1666089732" sldId="515"/>
+            <ac:spMk id="24" creationId="{4BC049B8-29DF-B95A-8E1F-FBCB139B3430}"/>
           </ac:spMkLst>
         </pc:spChg>
-        <pc:spChg chg="add mod">
-          <ac:chgData name="Jonathan Mah" userId="5261b2f2f3e51194" providerId="LiveId" clId="{A5D66373-2F43-49C1-972D-0BE2B77E544E}" dt="2025-09-18T14:15:27.841" v="188" actId="1076"/>
+        <pc:spChg chg="del">
+          <ac:chgData name="Jonathan Mah" userId="5261b2f2f3e51194" providerId="LiveId" clId="{DB9BCF8B-E91B-491C-8171-92D39BBC1534}" dt="2025-10-27T18:56:07.722" v="3" actId="478"/>
           <ac:spMkLst>
             <pc:docMk/>
-            <pc:sldMk cId="3115890439" sldId="514"/>
-            <ac:spMk id="7" creationId="{E162C257-86B9-7CEF-6B47-486CF3A3FD28}"/>
+            <pc:sldMk cId="1666089732" sldId="515"/>
+            <ac:spMk id="37" creationId="{B8C6A34E-FA37-D764-7E5D-0D197880B0A5}"/>
           </ac:spMkLst>
         </pc:spChg>
-        <pc:spChg chg="add mod">
-          <ac:chgData name="Jonathan Mah" userId="5261b2f2f3e51194" providerId="LiveId" clId="{A5D66373-2F43-49C1-972D-0BE2B77E544E}" dt="2025-09-18T14:15:27.841" v="188" actId="1076"/>
+        <pc:spChg chg="del">
+          <ac:chgData name="Jonathan Mah" userId="5261b2f2f3e51194" providerId="LiveId" clId="{DB9BCF8B-E91B-491C-8171-92D39BBC1534}" dt="2025-10-27T18:56:07.722" v="3" actId="478"/>
           <ac:spMkLst>
             <pc:docMk/>
-            <pc:sldMk cId="3115890439" sldId="514"/>
-            <ac:spMk id="11" creationId="{1D7B2B36-D8C1-E308-1094-93B527AE3601}"/>
-          </ac:spMkLst>
-        </pc:spChg>
-        <pc:spChg chg="add mod">
-          <ac:chgData name="Jonathan Mah" userId="5261b2f2f3e51194" providerId="LiveId" clId="{A5D66373-2F43-49C1-972D-0BE2B77E544E}" dt="2025-09-18T14:15:27.841" v="188" actId="1076"/>
-          <ac:spMkLst>
-            <pc:docMk/>
-            <pc:sldMk cId="3115890439" sldId="514"/>
-            <ac:spMk id="12" creationId="{26803EF5-4780-4CA6-BA89-06DCBE1A1C3D}"/>
-          </ac:spMkLst>
-        </pc:spChg>
-        <pc:spChg chg="add mod">
-          <ac:chgData name="Jonathan Mah" userId="5261b2f2f3e51194" providerId="LiveId" clId="{A5D66373-2F43-49C1-972D-0BE2B77E544E}" dt="2025-09-18T14:15:27.841" v="188" actId="1076"/>
-          <ac:spMkLst>
-            <pc:docMk/>
-            <pc:sldMk cId="3115890439" sldId="514"/>
-            <ac:spMk id="16" creationId="{5A08003B-9790-BBBD-46D9-E44CA2E022E2}"/>
+            <pc:sldMk cId="1666089732" sldId="515"/>
+            <ac:spMk id="38" creationId="{43D39FAD-60C1-8F48-8C8A-1DACF388858F}"/>
           </ac:spMkLst>
         </pc:spChg>
         <pc:spChg chg="add del mod">
-          <ac:chgData name="Jonathan Mah" userId="5261b2f2f3e51194" providerId="LiveId" clId="{A5D66373-2F43-49C1-972D-0BE2B77E544E}" dt="2025-09-18T14:12:52.564" v="10" actId="478"/>
+          <ac:chgData name="Jonathan Mah" userId="5261b2f2f3e51194" providerId="LiveId" clId="{DB9BCF8B-E91B-491C-8171-92D39BBC1534}" dt="2025-10-27T18:56:13.273" v="4" actId="1076"/>
           <ac:spMkLst>
             <pc:docMk/>
-            <pc:sldMk cId="3115890439" sldId="514"/>
-            <ac:spMk id="19" creationId="{02977B1A-9C2E-0F5E-FE8D-4644B77F7B1E}"/>
-          </ac:spMkLst>
-        </pc:spChg>
-        <pc:spChg chg="add mod">
-          <ac:chgData name="Jonathan Mah" userId="5261b2f2f3e51194" providerId="LiveId" clId="{A5D66373-2F43-49C1-972D-0BE2B77E544E}" dt="2025-09-18T14:15:27.841" v="188" actId="1076"/>
-          <ac:spMkLst>
-            <pc:docMk/>
-            <pc:sldMk cId="3115890439" sldId="514"/>
-            <ac:spMk id="23" creationId="{BAF9DAE4-BB5B-6D57-46DD-8EE5E2A65F53}"/>
+            <pc:sldMk cId="1666089732" sldId="515"/>
+            <ac:spMk id="40" creationId="{E43E9A23-1084-6191-D181-568C629F19FD}"/>
           </ac:spMkLst>
         </pc:spChg>
         <pc:spChg chg="add del mod">
-          <ac:chgData name="Jonathan Mah" userId="5261b2f2f3e51194" providerId="LiveId" clId="{A5D66373-2F43-49C1-972D-0BE2B77E544E}" dt="2025-09-18T14:14:41.547" v="127" actId="478"/>
+          <ac:chgData name="Jonathan Mah" userId="5261b2f2f3e51194" providerId="LiveId" clId="{DB9BCF8B-E91B-491C-8171-92D39BBC1534}" dt="2025-10-27T18:56:13.273" v="4" actId="1076"/>
           <ac:spMkLst>
             <pc:docMk/>
-            <pc:sldMk cId="3115890439" sldId="514"/>
-            <ac:spMk id="27" creationId="{55DC2F69-5B5E-5F9C-1BC0-8324138262ED}"/>
-          </ac:spMkLst>
-        </pc:spChg>
-        <pc:spChg chg="add mod">
-          <ac:chgData name="Jonathan Mah" userId="5261b2f2f3e51194" providerId="LiveId" clId="{A5D66373-2F43-49C1-972D-0BE2B77E544E}" dt="2025-09-18T14:15:27.841" v="188" actId="1076"/>
-          <ac:spMkLst>
-            <pc:docMk/>
-            <pc:sldMk cId="3115890439" sldId="514"/>
-            <ac:spMk id="28" creationId="{D69448EE-8142-CF05-66CE-EAE7A4C9278F}"/>
-          </ac:spMkLst>
-        </pc:spChg>
-        <pc:spChg chg="add mod">
-          <ac:chgData name="Jonathan Mah" userId="5261b2f2f3e51194" providerId="LiveId" clId="{A5D66373-2F43-49C1-972D-0BE2B77E544E}" dt="2025-09-18T14:15:50.827" v="210" actId="20577"/>
-          <ac:spMkLst>
-            <pc:docMk/>
-            <pc:sldMk cId="3115890439" sldId="514"/>
-            <ac:spMk id="29" creationId="{0BC98B23-169F-16C2-A3FC-62053088ACC3}"/>
+            <pc:sldMk cId="1666089732" sldId="515"/>
+            <ac:spMk id="538" creationId="{AD0E0F85-21C5-DFEF-E6D7-923F1E3EA965}"/>
           </ac:spMkLst>
         </pc:spChg>
         <pc:spChg chg="add del mod">
-          <ac:chgData name="Jonathan Mah" userId="5261b2f2f3e51194" providerId="LiveId" clId="{A5D66373-2F43-49C1-972D-0BE2B77E544E}" dt="2025-09-18T14:15:44.954" v="189" actId="478"/>
+          <ac:chgData name="Jonathan Mah" userId="5261b2f2f3e51194" providerId="LiveId" clId="{DB9BCF8B-E91B-491C-8171-92D39BBC1534}" dt="2025-10-27T18:56:13.273" v="4" actId="1076"/>
           <ac:spMkLst>
             <pc:docMk/>
-            <pc:sldMk cId="3115890439" sldId="514"/>
-            <ac:spMk id="30" creationId="{5CD631AB-3AA6-A137-CB4F-6FF5A686495D}"/>
+            <pc:sldMk cId="1666089732" sldId="515"/>
+            <ac:spMk id="539" creationId="{9975C59D-791C-52DD-7DB5-6CC5C2F26773}"/>
           </ac:spMkLst>
         </pc:spChg>
-        <pc:cxnChg chg="add mod">
-          <ac:chgData name="Jonathan Mah" userId="5261b2f2f3e51194" providerId="LiveId" clId="{A5D66373-2F43-49C1-972D-0BE2B77E544E}" dt="2025-09-18T14:13:29.255" v="18" actId="1076"/>
+        <pc:spChg chg="add del mod">
+          <ac:chgData name="Jonathan Mah" userId="5261b2f2f3e51194" providerId="LiveId" clId="{DB9BCF8B-E91B-491C-8171-92D39BBC1534}" dt="2025-10-27T18:56:13.273" v="4" actId="1076"/>
+          <ac:spMkLst>
+            <pc:docMk/>
+            <pc:sldMk cId="1666089732" sldId="515"/>
+            <ac:spMk id="540" creationId="{7698DC7E-2D0B-FA32-551F-39A15FC65BD0}"/>
+          </ac:spMkLst>
+        </pc:spChg>
+        <pc:spChg chg="add del mod">
+          <ac:chgData name="Jonathan Mah" userId="5261b2f2f3e51194" providerId="LiveId" clId="{DB9BCF8B-E91B-491C-8171-92D39BBC1534}" dt="2025-10-27T18:56:13.273" v="4" actId="1076"/>
+          <ac:spMkLst>
+            <pc:docMk/>
+            <pc:sldMk cId="1666089732" sldId="515"/>
+            <ac:spMk id="541" creationId="{FAA75828-3204-999D-301D-48FB2A613454}"/>
+          </ac:spMkLst>
+        </pc:spChg>
+        <pc:spChg chg="del">
+          <ac:chgData name="Jonathan Mah" userId="5261b2f2f3e51194" providerId="LiveId" clId="{DB9BCF8B-E91B-491C-8171-92D39BBC1534}" dt="2025-10-27T18:56:07.722" v="3" actId="478"/>
+          <ac:spMkLst>
+            <pc:docMk/>
+            <pc:sldMk cId="1666089732" sldId="515"/>
+            <ac:spMk id="548" creationId="{AA28EE31-778F-9B39-B822-AA14B5EA23DA}"/>
+          </ac:spMkLst>
+        </pc:spChg>
+        <pc:spChg chg="del">
+          <ac:chgData name="Jonathan Mah" userId="5261b2f2f3e51194" providerId="LiveId" clId="{DB9BCF8B-E91B-491C-8171-92D39BBC1534}" dt="2025-10-27T18:56:07.722" v="3" actId="478"/>
+          <ac:spMkLst>
+            <pc:docMk/>
+            <pc:sldMk cId="1666089732" sldId="515"/>
+            <ac:spMk id="550" creationId="{F8958593-761E-1348-C695-EAFDF4AC479B}"/>
+          </ac:spMkLst>
+        </pc:spChg>
+        <pc:spChg chg="del">
+          <ac:chgData name="Jonathan Mah" userId="5261b2f2f3e51194" providerId="LiveId" clId="{DB9BCF8B-E91B-491C-8171-92D39BBC1534}" dt="2025-10-27T18:56:07.722" v="3" actId="478"/>
+          <ac:spMkLst>
+            <pc:docMk/>
+            <pc:sldMk cId="1666089732" sldId="515"/>
+            <ac:spMk id="606" creationId="{27CE1610-503D-7BD6-D731-6D35C633552E}"/>
+          </ac:spMkLst>
+        </pc:spChg>
+        <pc:spChg chg="del">
+          <ac:chgData name="Jonathan Mah" userId="5261b2f2f3e51194" providerId="LiveId" clId="{DB9BCF8B-E91B-491C-8171-92D39BBC1534}" dt="2025-10-27T18:56:07.722" v="3" actId="478"/>
+          <ac:spMkLst>
+            <pc:docMk/>
+            <pc:sldMk cId="1666089732" sldId="515"/>
+            <ac:spMk id="609" creationId="{A696D7AD-5981-87D3-54FD-75F021F8AFED}"/>
+          </ac:spMkLst>
+        </pc:spChg>
+        <pc:spChg chg="del">
+          <ac:chgData name="Jonathan Mah" userId="5261b2f2f3e51194" providerId="LiveId" clId="{DB9BCF8B-E91B-491C-8171-92D39BBC1534}" dt="2025-10-27T18:56:07.722" v="3" actId="478"/>
+          <ac:spMkLst>
+            <pc:docMk/>
+            <pc:sldMk cId="1666089732" sldId="515"/>
+            <ac:spMk id="610" creationId="{13FE62D4-2309-F839-5E89-DF1AC7E73D8C}"/>
+          </ac:spMkLst>
+        </pc:spChg>
+        <pc:cxnChg chg="mod">
+          <ac:chgData name="Jonathan Mah" userId="5261b2f2f3e51194" providerId="LiveId" clId="{DB9BCF8B-E91B-491C-8171-92D39BBC1534}" dt="2025-10-27T18:56:13.273" v="4" actId="1076"/>
           <ac:cxnSpMkLst>
             <pc:docMk/>
-            <pc:sldMk cId="3115890439" sldId="514"/>
-            <ac:cxnSpMk id="20" creationId="{069D5CDA-8392-0C20-7FB2-2DAB479B884D}"/>
+            <pc:sldMk cId="1666089732" sldId="515"/>
+            <ac:cxnSpMk id="21" creationId="{8FAD01CF-9F4E-98A3-7AA4-0360AB30F0BA}"/>
+          </ac:cxnSpMkLst>
+        </pc:cxnChg>
+        <pc:cxnChg chg="add del mod">
+          <ac:chgData name="Jonathan Mah" userId="5261b2f2f3e51194" providerId="LiveId" clId="{DB9BCF8B-E91B-491C-8171-92D39BBC1534}" dt="2025-10-27T18:55:30.586" v="2" actId="478"/>
+          <ac:cxnSpMkLst>
+            <pc:docMk/>
+            <pc:sldMk cId="1666089732" sldId="515"/>
+            <ac:cxnSpMk id="42" creationId="{E6AF9B5D-72F5-2F34-19BB-65FA386A7AEB}"/>
+          </ac:cxnSpMkLst>
+        </pc:cxnChg>
+        <pc:cxnChg chg="add del mod">
+          <ac:chgData name="Jonathan Mah" userId="5261b2f2f3e51194" providerId="LiveId" clId="{DB9BCF8B-E91B-491C-8171-92D39BBC1534}" dt="2025-10-27T18:56:13.273" v="4" actId="1076"/>
+          <ac:cxnSpMkLst>
+            <pc:docMk/>
+            <pc:sldMk cId="1666089732" sldId="515"/>
+            <ac:cxnSpMk id="43" creationId="{21008F3A-F0DF-8269-11DE-E50028068E5E}"/>
+          </ac:cxnSpMkLst>
+        </pc:cxnChg>
+        <pc:cxnChg chg="add del">
+          <ac:chgData name="Jonathan Mah" userId="5261b2f2f3e51194" providerId="LiveId" clId="{DB9BCF8B-E91B-491C-8171-92D39BBC1534}" dt="2025-10-27T18:55:30.586" v="2" actId="478"/>
+          <ac:cxnSpMkLst>
+            <pc:docMk/>
+            <pc:sldMk cId="1666089732" sldId="515"/>
+            <ac:cxnSpMk id="44" creationId="{29B0B883-64DF-43F0-A2CD-F997C490DEA9}"/>
+          </ac:cxnSpMkLst>
+        </pc:cxnChg>
+        <pc:cxnChg chg="mod">
+          <ac:chgData name="Jonathan Mah" userId="5261b2f2f3e51194" providerId="LiveId" clId="{DB9BCF8B-E91B-491C-8171-92D39BBC1534}" dt="2025-10-27T18:56:13.273" v="4" actId="1076"/>
+          <ac:cxnSpMkLst>
+            <pc:docMk/>
+            <pc:sldMk cId="1666089732" sldId="515"/>
+            <ac:cxnSpMk id="559" creationId="{42F599DD-5FD9-2398-6E21-F8FA19559033}"/>
+          </ac:cxnSpMkLst>
+        </pc:cxnChg>
+        <pc:cxnChg chg="mod">
+          <ac:chgData name="Jonathan Mah" userId="5261b2f2f3e51194" providerId="LiveId" clId="{DB9BCF8B-E91B-491C-8171-92D39BBC1534}" dt="2025-10-27T18:56:13.273" v="4" actId="1076"/>
+          <ac:cxnSpMkLst>
+            <pc:docMk/>
+            <pc:sldMk cId="1666089732" sldId="515"/>
+            <ac:cxnSpMk id="560" creationId="{30728EEE-F47E-1D88-0B37-FC13F4BF070A}"/>
+          </ac:cxnSpMkLst>
+        </pc:cxnChg>
+        <pc:cxnChg chg="mod">
+          <ac:chgData name="Jonathan Mah" userId="5261b2f2f3e51194" providerId="LiveId" clId="{DB9BCF8B-E91B-491C-8171-92D39BBC1534}" dt="2025-10-27T18:56:13.273" v="4" actId="1076"/>
+          <ac:cxnSpMkLst>
+            <pc:docMk/>
+            <pc:sldMk cId="1666089732" sldId="515"/>
+            <ac:cxnSpMk id="564" creationId="{56CD55BF-8DC9-E33A-DD55-97C789B720E9}"/>
           </ac:cxnSpMkLst>
         </pc:cxnChg>
       </pc:sldChg>
@@ -966,7 +952,7 @@
           <a:p>
             <a:fld id="{224F4B04-6A50-4A51-B675-D86EC6563060}" type="datetimeFigureOut">
               <a:rPr lang="en-US" smtClean="0"/>
-              <a:t>9/18/2025</a:t>
+              <a:t>10/27/2025</a:t>
             </a:fld>
             <a:endParaRPr lang="en-US"/>
           </a:p>
@@ -1476,7 +1462,7 @@
           <a:p>
             <a:fld id="{54E435BD-4569-4C00-96FD-DE6EEAA430DA}" type="datetimeFigureOut">
               <a:rPr lang="en-US" smtClean="0"/>
-              <a:t>9/18/2025</a:t>
+              <a:t>10/27/2025</a:t>
             </a:fld>
             <a:endParaRPr lang="en-US"/>
           </a:p>
@@ -1646,7 +1632,7 @@
           <a:p>
             <a:fld id="{54E435BD-4569-4C00-96FD-DE6EEAA430DA}" type="datetimeFigureOut">
               <a:rPr lang="en-US" smtClean="0"/>
-              <a:t>9/18/2025</a:t>
+              <a:t>10/27/2025</a:t>
             </a:fld>
             <a:endParaRPr lang="en-US"/>
           </a:p>
@@ -1826,7 +1812,7 @@
           <a:p>
             <a:fld id="{54E435BD-4569-4C00-96FD-DE6EEAA430DA}" type="datetimeFigureOut">
               <a:rPr lang="en-US" smtClean="0"/>
-              <a:t>9/18/2025</a:t>
+              <a:t>10/27/2025</a:t>
             </a:fld>
             <a:endParaRPr lang="en-US"/>
           </a:p>
@@ -1996,7 +1982,7 @@
           <a:p>
             <a:fld id="{54E435BD-4569-4C00-96FD-DE6EEAA430DA}" type="datetimeFigureOut">
               <a:rPr lang="en-US" smtClean="0"/>
-              <a:t>9/18/2025</a:t>
+              <a:t>10/27/2025</a:t>
             </a:fld>
             <a:endParaRPr lang="en-US"/>
           </a:p>
@@ -2240,7 +2226,7 @@
           <a:p>
             <a:fld id="{54E435BD-4569-4C00-96FD-DE6EEAA430DA}" type="datetimeFigureOut">
               <a:rPr lang="en-US" smtClean="0"/>
-              <a:t>9/18/2025</a:t>
+              <a:t>10/27/2025</a:t>
             </a:fld>
             <a:endParaRPr lang="en-US"/>
           </a:p>
@@ -2472,7 +2458,7 @@
           <a:p>
             <a:fld id="{54E435BD-4569-4C00-96FD-DE6EEAA430DA}" type="datetimeFigureOut">
               <a:rPr lang="en-US" smtClean="0"/>
-              <a:t>9/18/2025</a:t>
+              <a:t>10/27/2025</a:t>
             </a:fld>
             <a:endParaRPr lang="en-US"/>
           </a:p>
@@ -2839,7 +2825,7 @@
           <a:p>
             <a:fld id="{54E435BD-4569-4C00-96FD-DE6EEAA430DA}" type="datetimeFigureOut">
               <a:rPr lang="en-US" smtClean="0"/>
-              <a:t>9/18/2025</a:t>
+              <a:t>10/27/2025</a:t>
             </a:fld>
             <a:endParaRPr lang="en-US"/>
           </a:p>
@@ -2957,7 +2943,7 @@
           <a:p>
             <a:fld id="{54E435BD-4569-4C00-96FD-DE6EEAA430DA}" type="datetimeFigureOut">
               <a:rPr lang="en-US" smtClean="0"/>
-              <a:t>9/18/2025</a:t>
+              <a:t>10/27/2025</a:t>
             </a:fld>
             <a:endParaRPr lang="en-US"/>
           </a:p>
@@ -3052,7 +3038,7 @@
           <a:p>
             <a:fld id="{54E435BD-4569-4C00-96FD-DE6EEAA430DA}" type="datetimeFigureOut">
               <a:rPr lang="en-US" smtClean="0"/>
-              <a:t>9/18/2025</a:t>
+              <a:t>10/27/2025</a:t>
             </a:fld>
             <a:endParaRPr lang="en-US"/>
           </a:p>
@@ -3329,7 +3315,7 @@
           <a:p>
             <a:fld id="{54E435BD-4569-4C00-96FD-DE6EEAA430DA}" type="datetimeFigureOut">
               <a:rPr lang="en-US" smtClean="0"/>
-              <a:t>9/18/2025</a:t>
+              <a:t>10/27/2025</a:t>
             </a:fld>
             <a:endParaRPr lang="en-US"/>
           </a:p>
@@ -3586,7 +3572,7 @@
           <a:p>
             <a:fld id="{54E435BD-4569-4C00-96FD-DE6EEAA430DA}" type="datetimeFigureOut">
               <a:rPr lang="en-US" smtClean="0"/>
-              <a:t>9/18/2025</a:t>
+              <a:t>10/27/2025</a:t>
             </a:fld>
             <a:endParaRPr lang="en-US"/>
           </a:p>
@@ -3799,7 +3785,7 @@
           <a:p>
             <a:fld id="{54E435BD-4569-4C00-96FD-DE6EEAA430DA}" type="datetimeFigureOut">
               <a:rPr lang="en-US" smtClean="0"/>
-              <a:t>9/18/2025</a:t>
+              <a:t>10/27/2025</a:t>
             </a:fld>
             <a:endParaRPr lang="en-US"/>
           </a:p>
@@ -16191,6 +16177,2139 @@
         <p:cNvPr id="1" name="">
           <a:extLst>
             <a:ext uri="{FF2B5EF4-FFF2-40B4-BE49-F238E27FC236}">
+              <a16:creationId xmlns:a16="http://schemas.microsoft.com/office/drawing/2014/main" id="{8BF4F152-094D-186E-9B02-BF230F9B02B2}"/>
+            </a:ext>
+          </a:extLst>
+        </p:cNvPr>
+        <p:cNvGrpSpPr/>
+        <p:nvPr/>
+      </p:nvGrpSpPr>
+      <p:grpSpPr>
+        <a:xfrm>
+          <a:off x="0" y="0"/>
+          <a:ext cx="0" cy="0"/>
+          <a:chOff x="0" y="0"/>
+          <a:chExt cx="0" cy="0"/>
+        </a:xfrm>
+      </p:grpSpPr>
+      <p:sp>
+        <p:nvSpPr>
+          <p:cNvPr id="40" name="Rectangle 39">
+            <a:extLst>
+              <a:ext uri="{FF2B5EF4-FFF2-40B4-BE49-F238E27FC236}">
+                <a16:creationId xmlns:a16="http://schemas.microsoft.com/office/drawing/2014/main" id="{E43E9A23-1084-6191-D181-568C629F19FD}"/>
+              </a:ext>
+            </a:extLst>
+          </p:cNvPr>
+          <p:cNvSpPr/>
+          <p:nvPr/>
+        </p:nvSpPr>
+        <p:spPr>
+          <a:xfrm>
+            <a:off x="6782234" y="6269217"/>
+            <a:ext cx="717709" cy="3382528"/>
+          </a:xfrm>
+          <a:prstGeom prst="rect">
+            <a:avLst/>
+          </a:prstGeom>
+          <a:solidFill>
+            <a:schemeClr val="bg1"/>
+          </a:solidFill>
+          <a:ln w="28575">
+            <a:solidFill>
+              <a:schemeClr val="tx1"/>
+            </a:solidFill>
+          </a:ln>
+        </p:spPr>
+        <p:style>
+          <a:lnRef idx="2">
+            <a:schemeClr val="accent1">
+              <a:shade val="15000"/>
+            </a:schemeClr>
+          </a:lnRef>
+          <a:fillRef idx="1">
+            <a:schemeClr val="accent1"/>
+          </a:fillRef>
+          <a:effectRef idx="0">
+            <a:schemeClr val="accent1"/>
+          </a:effectRef>
+          <a:fontRef idx="minor">
+            <a:schemeClr val="lt1"/>
+          </a:fontRef>
+        </p:style>
+        <p:txBody>
+          <a:bodyPr rtlCol="0" anchor="ctr"/>
+          <a:lstStyle/>
+          <a:p>
+            <a:pPr algn="ctr"/>
+            <a:endParaRPr lang="en-US" dirty="0"/>
+          </a:p>
+        </p:txBody>
+      </p:sp>
+      <p:cxnSp>
+        <p:nvCxnSpPr>
+          <p:cNvPr id="42" name="Straight Connector 41">
+            <a:extLst>
+              <a:ext uri="{FF2B5EF4-FFF2-40B4-BE49-F238E27FC236}">
+                <a16:creationId xmlns:a16="http://schemas.microsoft.com/office/drawing/2014/main" id="{E6AF9B5D-72F5-2F34-19BB-65FA386A7AEB}"/>
+              </a:ext>
+            </a:extLst>
+          </p:cNvPr>
+          <p:cNvCxnSpPr>
+            <a:cxnSpLocks/>
+            <a:stCxn id="40" idx="1"/>
+            <a:endCxn id="40" idx="3"/>
+          </p:cNvCxnSpPr>
+          <p:nvPr/>
+        </p:nvCxnSpPr>
+        <p:spPr>
+          <a:xfrm>
+            <a:off x="6782234" y="7960481"/>
+            <a:ext cx="717709" cy="0"/>
+          </a:xfrm>
+          <a:prstGeom prst="line">
+            <a:avLst/>
+          </a:prstGeom>
+          <a:ln w="28575"/>
+        </p:spPr>
+        <p:style>
+          <a:lnRef idx="1">
+            <a:schemeClr val="dk1"/>
+          </a:lnRef>
+          <a:fillRef idx="0">
+            <a:schemeClr val="dk1"/>
+          </a:fillRef>
+          <a:effectRef idx="0">
+            <a:schemeClr val="dk1"/>
+          </a:effectRef>
+          <a:fontRef idx="minor">
+            <a:schemeClr val="tx1"/>
+          </a:fontRef>
+        </p:style>
+      </p:cxnSp>
+      <p:cxnSp>
+        <p:nvCxnSpPr>
+          <p:cNvPr id="43" name="Straight Connector 42">
+            <a:extLst>
+              <a:ext uri="{FF2B5EF4-FFF2-40B4-BE49-F238E27FC236}">
+                <a16:creationId xmlns:a16="http://schemas.microsoft.com/office/drawing/2014/main" id="{21008F3A-F0DF-8269-11DE-E50028068E5E}"/>
+              </a:ext>
+            </a:extLst>
+          </p:cNvPr>
+          <p:cNvCxnSpPr/>
+          <p:nvPr/>
+        </p:nvCxnSpPr>
+        <p:spPr>
+          <a:xfrm>
+            <a:off x="6782234" y="8789610"/>
+            <a:ext cx="717709" cy="0"/>
+          </a:xfrm>
+          <a:prstGeom prst="line">
+            <a:avLst/>
+          </a:prstGeom>
+          <a:ln w="28575"/>
+        </p:spPr>
+        <p:style>
+          <a:lnRef idx="1">
+            <a:schemeClr val="dk1"/>
+          </a:lnRef>
+          <a:fillRef idx="0">
+            <a:schemeClr val="dk1"/>
+          </a:fillRef>
+          <a:effectRef idx="0">
+            <a:schemeClr val="dk1"/>
+          </a:effectRef>
+          <a:fontRef idx="minor">
+            <a:schemeClr val="tx1"/>
+          </a:fontRef>
+        </p:style>
+      </p:cxnSp>
+      <p:cxnSp>
+        <p:nvCxnSpPr>
+          <p:cNvPr id="44" name="Straight Connector 43">
+            <a:extLst>
+              <a:ext uri="{FF2B5EF4-FFF2-40B4-BE49-F238E27FC236}">
+                <a16:creationId xmlns:a16="http://schemas.microsoft.com/office/drawing/2014/main" id="{29B0B883-64DF-43F0-A2CD-F997C490DEA9}"/>
+              </a:ext>
+            </a:extLst>
+          </p:cNvPr>
+          <p:cNvCxnSpPr/>
+          <p:nvPr/>
+        </p:nvCxnSpPr>
+        <p:spPr>
+          <a:xfrm>
+            <a:off x="6782234" y="9273659"/>
+            <a:ext cx="717709" cy="0"/>
+          </a:xfrm>
+          <a:prstGeom prst="line">
+            <a:avLst/>
+          </a:prstGeom>
+          <a:ln w="28575"/>
+        </p:spPr>
+        <p:style>
+          <a:lnRef idx="1">
+            <a:schemeClr val="dk1"/>
+          </a:lnRef>
+          <a:fillRef idx="0">
+            <a:schemeClr val="dk1"/>
+          </a:fillRef>
+          <a:effectRef idx="0">
+            <a:schemeClr val="dk1"/>
+          </a:effectRef>
+          <a:fontRef idx="minor">
+            <a:schemeClr val="tx1"/>
+          </a:fontRef>
+        </p:style>
+      </p:cxnSp>
+      <p:sp>
+        <p:nvSpPr>
+          <p:cNvPr id="8" name="Rectangle 7">
+            <a:extLst>
+              <a:ext uri="{FF2B5EF4-FFF2-40B4-BE49-F238E27FC236}">
+                <a16:creationId xmlns:a16="http://schemas.microsoft.com/office/drawing/2014/main" id="{3D5CDDE7-6EEF-2B97-6DDF-3092F093EF1A}"/>
+              </a:ext>
+            </a:extLst>
+          </p:cNvPr>
+          <p:cNvSpPr/>
+          <p:nvPr/>
+        </p:nvSpPr>
+        <p:spPr>
+          <a:xfrm>
+            <a:off x="11820497" y="6304050"/>
+            <a:ext cx="717709" cy="3382528"/>
+          </a:xfrm>
+          <a:prstGeom prst="rect">
+            <a:avLst/>
+          </a:prstGeom>
+          <a:solidFill>
+            <a:schemeClr val="bg1"/>
+          </a:solidFill>
+          <a:ln w="28575">
+            <a:solidFill>
+              <a:schemeClr val="tx1"/>
+            </a:solidFill>
+          </a:ln>
+        </p:spPr>
+        <p:style>
+          <a:lnRef idx="2">
+            <a:schemeClr val="accent1">
+              <a:shade val="15000"/>
+            </a:schemeClr>
+          </a:lnRef>
+          <a:fillRef idx="1">
+            <a:schemeClr val="accent1"/>
+          </a:fillRef>
+          <a:effectRef idx="0">
+            <a:schemeClr val="accent1"/>
+          </a:effectRef>
+          <a:fontRef idx="minor">
+            <a:schemeClr val="lt1"/>
+          </a:fontRef>
+        </p:style>
+        <p:txBody>
+          <a:bodyPr rtlCol="0" anchor="ctr"/>
+          <a:lstStyle/>
+          <a:p>
+            <a:pPr algn="ctr"/>
+            <a:endParaRPr lang="en-US"/>
+          </a:p>
+        </p:txBody>
+      </p:sp>
+      <p:cxnSp>
+        <p:nvCxnSpPr>
+          <p:cNvPr id="9" name="Straight Connector 8">
+            <a:extLst>
+              <a:ext uri="{FF2B5EF4-FFF2-40B4-BE49-F238E27FC236}">
+                <a16:creationId xmlns:a16="http://schemas.microsoft.com/office/drawing/2014/main" id="{6F480E24-E27C-883D-DCC6-1641F582D50B}"/>
+              </a:ext>
+            </a:extLst>
+          </p:cNvPr>
+          <p:cNvCxnSpPr>
+            <a:stCxn id="8" idx="1"/>
+            <a:endCxn id="8" idx="3"/>
+          </p:cNvCxnSpPr>
+          <p:nvPr/>
+        </p:nvCxnSpPr>
+        <p:spPr>
+          <a:xfrm>
+            <a:off x="11820497" y="7995314"/>
+            <a:ext cx="717709" cy="0"/>
+          </a:xfrm>
+          <a:prstGeom prst="line">
+            <a:avLst/>
+          </a:prstGeom>
+          <a:ln w="28575"/>
+        </p:spPr>
+        <p:style>
+          <a:lnRef idx="1">
+            <a:schemeClr val="dk1"/>
+          </a:lnRef>
+          <a:fillRef idx="0">
+            <a:schemeClr val="dk1"/>
+          </a:fillRef>
+          <a:effectRef idx="0">
+            <a:schemeClr val="dk1"/>
+          </a:effectRef>
+          <a:fontRef idx="minor">
+            <a:schemeClr val="tx1"/>
+          </a:fontRef>
+        </p:style>
+      </p:cxnSp>
+      <p:cxnSp>
+        <p:nvCxnSpPr>
+          <p:cNvPr id="10" name="Straight Connector 9">
+            <a:extLst>
+              <a:ext uri="{FF2B5EF4-FFF2-40B4-BE49-F238E27FC236}">
+                <a16:creationId xmlns:a16="http://schemas.microsoft.com/office/drawing/2014/main" id="{25B7844C-F3F5-DDF7-FE2F-63FD747DA6E6}"/>
+              </a:ext>
+            </a:extLst>
+          </p:cNvPr>
+          <p:cNvCxnSpPr/>
+          <p:nvPr/>
+        </p:nvCxnSpPr>
+        <p:spPr>
+          <a:xfrm>
+            <a:off x="11820497" y="8452514"/>
+            <a:ext cx="717709" cy="0"/>
+          </a:xfrm>
+          <a:prstGeom prst="line">
+            <a:avLst/>
+          </a:prstGeom>
+          <a:ln w="28575"/>
+        </p:spPr>
+        <p:style>
+          <a:lnRef idx="1">
+            <a:schemeClr val="dk1"/>
+          </a:lnRef>
+          <a:fillRef idx="0">
+            <a:schemeClr val="dk1"/>
+          </a:fillRef>
+          <a:effectRef idx="0">
+            <a:schemeClr val="dk1"/>
+          </a:effectRef>
+          <a:fontRef idx="minor">
+            <a:schemeClr val="tx1"/>
+          </a:fontRef>
+        </p:style>
+      </p:cxnSp>
+      <p:cxnSp>
+        <p:nvCxnSpPr>
+          <p:cNvPr id="13" name="Straight Connector 12">
+            <a:extLst>
+              <a:ext uri="{FF2B5EF4-FFF2-40B4-BE49-F238E27FC236}">
+                <a16:creationId xmlns:a16="http://schemas.microsoft.com/office/drawing/2014/main" id="{88EB2631-923D-8F64-EEE0-70B8EDFD4CF2}"/>
+              </a:ext>
+            </a:extLst>
+          </p:cNvPr>
+          <p:cNvCxnSpPr/>
+          <p:nvPr/>
+        </p:nvCxnSpPr>
+        <p:spPr>
+          <a:xfrm>
+            <a:off x="11820497" y="8863994"/>
+            <a:ext cx="717709" cy="0"/>
+          </a:xfrm>
+          <a:prstGeom prst="line">
+            <a:avLst/>
+          </a:prstGeom>
+          <a:ln w="28575"/>
+        </p:spPr>
+        <p:style>
+          <a:lnRef idx="1">
+            <a:schemeClr val="dk1"/>
+          </a:lnRef>
+          <a:fillRef idx="0">
+            <a:schemeClr val="dk1"/>
+          </a:fillRef>
+          <a:effectRef idx="0">
+            <a:schemeClr val="dk1"/>
+          </a:effectRef>
+          <a:fontRef idx="minor">
+            <a:schemeClr val="tx1"/>
+          </a:fontRef>
+        </p:style>
+      </p:cxnSp>
+      <p:cxnSp>
+        <p:nvCxnSpPr>
+          <p:cNvPr id="14" name="Straight Connector 13">
+            <a:extLst>
+              <a:ext uri="{FF2B5EF4-FFF2-40B4-BE49-F238E27FC236}">
+                <a16:creationId xmlns:a16="http://schemas.microsoft.com/office/drawing/2014/main" id="{897B4CC8-EF96-394B-FCEF-EA201B8FD3BF}"/>
+              </a:ext>
+            </a:extLst>
+          </p:cNvPr>
+          <p:cNvCxnSpPr/>
+          <p:nvPr/>
+        </p:nvCxnSpPr>
+        <p:spPr>
+          <a:xfrm>
+            <a:off x="11820497" y="9220440"/>
+            <a:ext cx="717709" cy="0"/>
+          </a:xfrm>
+          <a:prstGeom prst="line">
+            <a:avLst/>
+          </a:prstGeom>
+          <a:ln w="28575"/>
+        </p:spPr>
+        <p:style>
+          <a:lnRef idx="1">
+            <a:schemeClr val="dk1"/>
+          </a:lnRef>
+          <a:fillRef idx="0">
+            <a:schemeClr val="dk1"/>
+          </a:fillRef>
+          <a:effectRef idx="0">
+            <a:schemeClr val="dk1"/>
+          </a:effectRef>
+          <a:fontRef idx="minor">
+            <a:schemeClr val="tx1"/>
+          </a:fontRef>
+        </p:style>
+      </p:cxnSp>
+      <p:cxnSp>
+        <p:nvCxnSpPr>
+          <p:cNvPr id="15" name="Straight Connector 14">
+            <a:extLst>
+              <a:ext uri="{FF2B5EF4-FFF2-40B4-BE49-F238E27FC236}">
+                <a16:creationId xmlns:a16="http://schemas.microsoft.com/office/drawing/2014/main" id="{6D272E4E-B606-C969-28B9-DAA688F2CA90}"/>
+              </a:ext>
+            </a:extLst>
+          </p:cNvPr>
+          <p:cNvCxnSpPr/>
+          <p:nvPr/>
+        </p:nvCxnSpPr>
+        <p:spPr>
+          <a:xfrm>
+            <a:off x="11820497" y="9487307"/>
+            <a:ext cx="717709" cy="0"/>
+          </a:xfrm>
+          <a:prstGeom prst="line">
+            <a:avLst/>
+          </a:prstGeom>
+          <a:ln w="28575"/>
+        </p:spPr>
+        <p:style>
+          <a:lnRef idx="1">
+            <a:schemeClr val="dk1"/>
+          </a:lnRef>
+          <a:fillRef idx="0">
+            <a:schemeClr val="dk1"/>
+          </a:fillRef>
+          <a:effectRef idx="0">
+            <a:schemeClr val="dk1"/>
+          </a:effectRef>
+          <a:fontRef idx="minor">
+            <a:schemeClr val="tx1"/>
+          </a:fontRef>
+        </p:style>
+      </p:cxnSp>
+      <p:cxnSp>
+        <p:nvCxnSpPr>
+          <p:cNvPr id="17" name="Straight Connector 16">
+            <a:extLst>
+              <a:ext uri="{FF2B5EF4-FFF2-40B4-BE49-F238E27FC236}">
+                <a16:creationId xmlns:a16="http://schemas.microsoft.com/office/drawing/2014/main" id="{BC8D8F22-8DC8-F3F5-4882-F48B00610B1F}"/>
+              </a:ext>
+            </a:extLst>
+          </p:cNvPr>
+          <p:cNvCxnSpPr/>
+          <p:nvPr/>
+        </p:nvCxnSpPr>
+        <p:spPr>
+          <a:xfrm>
+            <a:off x="9091612" y="6022374"/>
+            <a:ext cx="0" cy="267579"/>
+          </a:xfrm>
+          <a:prstGeom prst="line">
+            <a:avLst/>
+          </a:prstGeom>
+          <a:ln w="28575"/>
+        </p:spPr>
+        <p:style>
+          <a:lnRef idx="1">
+            <a:schemeClr val="dk1"/>
+          </a:lnRef>
+          <a:fillRef idx="0">
+            <a:schemeClr val="dk1"/>
+          </a:fillRef>
+          <a:effectRef idx="0">
+            <a:schemeClr val="dk1"/>
+          </a:effectRef>
+          <a:fontRef idx="minor">
+            <a:schemeClr val="tx1"/>
+          </a:fontRef>
+        </p:style>
+      </p:cxnSp>
+      <p:cxnSp>
+        <p:nvCxnSpPr>
+          <p:cNvPr id="18" name="Straight Connector 17">
+            <a:extLst>
+              <a:ext uri="{FF2B5EF4-FFF2-40B4-BE49-F238E27FC236}">
+                <a16:creationId xmlns:a16="http://schemas.microsoft.com/office/drawing/2014/main" id="{0DB1E440-8A14-8950-0036-0C6A326C38CB}"/>
+              </a:ext>
+            </a:extLst>
+          </p:cNvPr>
+          <p:cNvCxnSpPr>
+            <a:cxnSpLocks/>
+          </p:cNvCxnSpPr>
+          <p:nvPr/>
+        </p:nvCxnSpPr>
+        <p:spPr>
+          <a:xfrm>
+            <a:off x="8458200" y="6290821"/>
+            <a:ext cx="0" cy="1687092"/>
+          </a:xfrm>
+          <a:prstGeom prst="line">
+            <a:avLst/>
+          </a:prstGeom>
+          <a:ln w="28575"/>
+        </p:spPr>
+        <p:style>
+          <a:lnRef idx="1">
+            <a:schemeClr val="dk1"/>
+          </a:lnRef>
+          <a:fillRef idx="0">
+            <a:schemeClr val="dk1"/>
+          </a:fillRef>
+          <a:effectRef idx="0">
+            <a:schemeClr val="dk1"/>
+          </a:effectRef>
+          <a:fontRef idx="minor">
+            <a:schemeClr val="tx1"/>
+          </a:fontRef>
+        </p:style>
+      </p:cxnSp>
+      <p:cxnSp>
+        <p:nvCxnSpPr>
+          <p:cNvPr id="21" name="Straight Connector 20">
+            <a:extLst>
+              <a:ext uri="{FF2B5EF4-FFF2-40B4-BE49-F238E27FC236}">
+                <a16:creationId xmlns:a16="http://schemas.microsoft.com/office/drawing/2014/main" id="{8FAD01CF-9F4E-98A3-7AA4-0360AB30F0BA}"/>
+              </a:ext>
+            </a:extLst>
+          </p:cNvPr>
+          <p:cNvCxnSpPr>
+            <a:cxnSpLocks/>
+          </p:cNvCxnSpPr>
+          <p:nvPr/>
+        </p:nvCxnSpPr>
+        <p:spPr>
+          <a:xfrm>
+            <a:off x="9725024" y="6287572"/>
+            <a:ext cx="0" cy="2913436"/>
+          </a:xfrm>
+          <a:prstGeom prst="line">
+            <a:avLst/>
+          </a:prstGeom>
+          <a:ln w="28575"/>
+        </p:spPr>
+        <p:style>
+          <a:lnRef idx="1">
+            <a:schemeClr val="dk1"/>
+          </a:lnRef>
+          <a:fillRef idx="0">
+            <a:schemeClr val="dk1"/>
+          </a:fillRef>
+          <a:effectRef idx="0">
+            <a:schemeClr val="dk1"/>
+          </a:effectRef>
+          <a:fontRef idx="minor">
+            <a:schemeClr val="tx1"/>
+          </a:fontRef>
+        </p:style>
+      </p:cxnSp>
+      <p:cxnSp>
+        <p:nvCxnSpPr>
+          <p:cNvPr id="22" name="Straight Connector 21">
+            <a:extLst>
+              <a:ext uri="{FF2B5EF4-FFF2-40B4-BE49-F238E27FC236}">
+                <a16:creationId xmlns:a16="http://schemas.microsoft.com/office/drawing/2014/main" id="{89E5BB75-1AE2-7188-0E80-E975C1B042B8}"/>
+              </a:ext>
+            </a:extLst>
+          </p:cNvPr>
+          <p:cNvCxnSpPr>
+            <a:cxnSpLocks/>
+          </p:cNvCxnSpPr>
+          <p:nvPr/>
+        </p:nvCxnSpPr>
+        <p:spPr>
+          <a:xfrm flipH="1">
+            <a:off x="8458200" y="6289953"/>
+            <a:ext cx="1266824" cy="0"/>
+          </a:xfrm>
+          <a:prstGeom prst="line">
+            <a:avLst/>
+          </a:prstGeom>
+          <a:ln w="28575"/>
+        </p:spPr>
+        <p:style>
+          <a:lnRef idx="1">
+            <a:schemeClr val="dk1"/>
+          </a:lnRef>
+          <a:fillRef idx="0">
+            <a:schemeClr val="dk1"/>
+          </a:fillRef>
+          <a:effectRef idx="0">
+            <a:schemeClr val="dk1"/>
+          </a:effectRef>
+          <a:fontRef idx="minor">
+            <a:schemeClr val="tx1"/>
+          </a:fontRef>
+        </p:style>
+      </p:cxnSp>
+      <p:cxnSp>
+        <p:nvCxnSpPr>
+          <p:cNvPr id="48" name="Straight Connector 47">
+            <a:extLst>
+              <a:ext uri="{FF2B5EF4-FFF2-40B4-BE49-F238E27FC236}">
+                <a16:creationId xmlns:a16="http://schemas.microsoft.com/office/drawing/2014/main" id="{8D3B7C63-D8DD-1DA5-D0AC-424B55C1D943}"/>
+              </a:ext>
+            </a:extLst>
+          </p:cNvPr>
+          <p:cNvCxnSpPr/>
+          <p:nvPr/>
+        </p:nvCxnSpPr>
+        <p:spPr>
+          <a:xfrm>
+            <a:off x="8099345" y="7977913"/>
+            <a:ext cx="717709" cy="0"/>
+          </a:xfrm>
+          <a:prstGeom prst="line">
+            <a:avLst/>
+          </a:prstGeom>
+          <a:ln w="28575"/>
+        </p:spPr>
+        <p:style>
+          <a:lnRef idx="1">
+            <a:schemeClr val="dk1"/>
+          </a:lnRef>
+          <a:fillRef idx="0">
+            <a:schemeClr val="dk1"/>
+          </a:fillRef>
+          <a:effectRef idx="0">
+            <a:schemeClr val="dk1"/>
+          </a:effectRef>
+          <a:fontRef idx="minor">
+            <a:schemeClr val="tx1"/>
+          </a:fontRef>
+        </p:style>
+      </p:cxnSp>
+      <p:cxnSp>
+        <p:nvCxnSpPr>
+          <p:cNvPr id="54" name="Straight Connector 53">
+            <a:extLst>
+              <a:ext uri="{FF2B5EF4-FFF2-40B4-BE49-F238E27FC236}">
+                <a16:creationId xmlns:a16="http://schemas.microsoft.com/office/drawing/2014/main" id="{D3219ADA-9099-1A29-D615-E4666239D73F}"/>
+              </a:ext>
+            </a:extLst>
+          </p:cNvPr>
+          <p:cNvCxnSpPr>
+            <a:cxnSpLocks/>
+          </p:cNvCxnSpPr>
+          <p:nvPr/>
+        </p:nvCxnSpPr>
+        <p:spPr>
+          <a:xfrm>
+            <a:off x="8817054" y="7977913"/>
+            <a:ext cx="0" cy="791136"/>
+          </a:xfrm>
+          <a:prstGeom prst="line">
+            <a:avLst/>
+          </a:prstGeom>
+          <a:ln w="28575"/>
+        </p:spPr>
+        <p:style>
+          <a:lnRef idx="1">
+            <a:schemeClr val="dk1"/>
+          </a:lnRef>
+          <a:fillRef idx="0">
+            <a:schemeClr val="dk1"/>
+          </a:fillRef>
+          <a:effectRef idx="0">
+            <a:schemeClr val="dk1"/>
+          </a:effectRef>
+          <a:fontRef idx="minor">
+            <a:schemeClr val="tx1"/>
+          </a:fontRef>
+        </p:style>
+      </p:cxnSp>
+      <p:cxnSp>
+        <p:nvCxnSpPr>
+          <p:cNvPr id="72" name="Straight Connector 71">
+            <a:extLst>
+              <a:ext uri="{FF2B5EF4-FFF2-40B4-BE49-F238E27FC236}">
+                <a16:creationId xmlns:a16="http://schemas.microsoft.com/office/drawing/2014/main" id="{32BFEA31-5408-03C8-C92A-422D89B4A89B}"/>
+              </a:ext>
+            </a:extLst>
+          </p:cNvPr>
+          <p:cNvCxnSpPr>
+            <a:cxnSpLocks/>
+          </p:cNvCxnSpPr>
+          <p:nvPr/>
+        </p:nvCxnSpPr>
+        <p:spPr>
+          <a:xfrm>
+            <a:off x="8099345" y="7970293"/>
+            <a:ext cx="0" cy="1673832"/>
+          </a:xfrm>
+          <a:prstGeom prst="line">
+            <a:avLst/>
+          </a:prstGeom>
+          <a:ln w="28575"/>
+        </p:spPr>
+        <p:style>
+          <a:lnRef idx="1">
+            <a:schemeClr val="dk1"/>
+          </a:lnRef>
+          <a:fillRef idx="0">
+            <a:schemeClr val="dk1"/>
+          </a:fillRef>
+          <a:effectRef idx="0">
+            <a:schemeClr val="dk1"/>
+          </a:effectRef>
+          <a:fontRef idx="minor">
+            <a:schemeClr val="tx1"/>
+          </a:fontRef>
+        </p:style>
+      </p:cxnSp>
+      <p:sp>
+        <p:nvSpPr>
+          <p:cNvPr id="538" name="TextBox 537">
+            <a:extLst>
+              <a:ext uri="{FF2B5EF4-FFF2-40B4-BE49-F238E27FC236}">
+                <a16:creationId xmlns:a16="http://schemas.microsoft.com/office/drawing/2014/main" id="{AD0E0F85-21C5-DFEF-E6D7-923F1E3EA965}"/>
+              </a:ext>
+            </a:extLst>
+          </p:cNvPr>
+          <p:cNvSpPr txBox="1"/>
+          <p:nvPr/>
+        </p:nvSpPr>
+        <p:spPr>
+          <a:xfrm>
+            <a:off x="6962864" y="6963995"/>
+            <a:ext cx="360996" cy="307777"/>
+          </a:xfrm>
+          <a:prstGeom prst="rect">
+            <a:avLst/>
+          </a:prstGeom>
+          <a:noFill/>
+        </p:spPr>
+        <p:txBody>
+          <a:bodyPr wrap="none" rtlCol="0">
+            <a:spAutoFit/>
+          </a:bodyPr>
+          <a:lstStyle/>
+          <a:p>
+            <a:r>
+              <a:rPr lang="en-US" sz="1400" dirty="0">
+                <a:latin typeface="Arial" panose="020B0604020202020204" pitchFamily="34" charset="0"/>
+                <a:cs typeface="Arial" panose="020B0604020202020204" pitchFamily="34" charset="0"/>
+              </a:rPr>
+              <a:t>T</a:t>
+            </a:r>
+            <a:r>
+              <a:rPr lang="en-US" sz="1400" baseline="-25000" dirty="0">
+                <a:latin typeface="Arial" panose="020B0604020202020204" pitchFamily="34" charset="0"/>
+                <a:cs typeface="Arial" panose="020B0604020202020204" pitchFamily="34" charset="0"/>
+              </a:rPr>
+              <a:t>2</a:t>
+            </a:r>
+          </a:p>
+        </p:txBody>
+      </p:sp>
+      <p:sp>
+        <p:nvSpPr>
+          <p:cNvPr id="539" name="TextBox 538">
+            <a:extLst>
+              <a:ext uri="{FF2B5EF4-FFF2-40B4-BE49-F238E27FC236}">
+                <a16:creationId xmlns:a16="http://schemas.microsoft.com/office/drawing/2014/main" id="{9975C59D-791C-52DD-7DB5-6CC5C2F26773}"/>
+              </a:ext>
+            </a:extLst>
+          </p:cNvPr>
+          <p:cNvSpPr txBox="1"/>
+          <p:nvPr/>
+        </p:nvSpPr>
+        <p:spPr>
+          <a:xfrm>
+            <a:off x="6966498" y="8199674"/>
+            <a:ext cx="360996" cy="307777"/>
+          </a:xfrm>
+          <a:prstGeom prst="rect">
+            <a:avLst/>
+          </a:prstGeom>
+          <a:noFill/>
+        </p:spPr>
+        <p:txBody>
+          <a:bodyPr wrap="none" rtlCol="0">
+            <a:spAutoFit/>
+          </a:bodyPr>
+          <a:lstStyle/>
+          <a:p>
+            <a:r>
+              <a:rPr lang="en-US" sz="1400" dirty="0">
+                <a:latin typeface="Arial" panose="020B0604020202020204" pitchFamily="34" charset="0"/>
+                <a:cs typeface="Arial" panose="020B0604020202020204" pitchFamily="34" charset="0"/>
+              </a:rPr>
+              <a:t>T</a:t>
+            </a:r>
+            <a:r>
+              <a:rPr lang="en-US" sz="1400" baseline="-25000" dirty="0">
+                <a:latin typeface="Arial" panose="020B0604020202020204" pitchFamily="34" charset="0"/>
+                <a:cs typeface="Arial" panose="020B0604020202020204" pitchFamily="34" charset="0"/>
+              </a:rPr>
+              <a:t>3</a:t>
+            </a:r>
+          </a:p>
+        </p:txBody>
+      </p:sp>
+      <p:sp>
+        <p:nvSpPr>
+          <p:cNvPr id="540" name="TextBox 539">
+            <a:extLst>
+              <a:ext uri="{FF2B5EF4-FFF2-40B4-BE49-F238E27FC236}">
+                <a16:creationId xmlns:a16="http://schemas.microsoft.com/office/drawing/2014/main" id="{7698DC7E-2D0B-FA32-551F-39A15FC65BD0}"/>
+              </a:ext>
+            </a:extLst>
+          </p:cNvPr>
+          <p:cNvSpPr txBox="1"/>
+          <p:nvPr/>
+        </p:nvSpPr>
+        <p:spPr>
+          <a:xfrm>
+            <a:off x="6959592" y="8872016"/>
+            <a:ext cx="360996" cy="307777"/>
+          </a:xfrm>
+          <a:prstGeom prst="rect">
+            <a:avLst/>
+          </a:prstGeom>
+          <a:noFill/>
+        </p:spPr>
+        <p:txBody>
+          <a:bodyPr wrap="none" rtlCol="0">
+            <a:spAutoFit/>
+          </a:bodyPr>
+          <a:lstStyle/>
+          <a:p>
+            <a:r>
+              <a:rPr lang="en-US" sz="1400" dirty="0">
+                <a:latin typeface="Arial" panose="020B0604020202020204" pitchFamily="34" charset="0"/>
+                <a:cs typeface="Arial" panose="020B0604020202020204" pitchFamily="34" charset="0"/>
+              </a:rPr>
+              <a:t>T</a:t>
+            </a:r>
+            <a:r>
+              <a:rPr lang="en-US" sz="1400" baseline="-25000" dirty="0">
+                <a:latin typeface="Arial" panose="020B0604020202020204" pitchFamily="34" charset="0"/>
+                <a:cs typeface="Arial" panose="020B0604020202020204" pitchFamily="34" charset="0"/>
+              </a:rPr>
+              <a:t>4</a:t>
+            </a:r>
+          </a:p>
+        </p:txBody>
+      </p:sp>
+      <p:sp>
+        <p:nvSpPr>
+          <p:cNvPr id="541" name="TextBox 540">
+            <a:extLst>
+              <a:ext uri="{FF2B5EF4-FFF2-40B4-BE49-F238E27FC236}">
+                <a16:creationId xmlns:a16="http://schemas.microsoft.com/office/drawing/2014/main" id="{FAA75828-3204-999D-301D-48FB2A613454}"/>
+              </a:ext>
+            </a:extLst>
+          </p:cNvPr>
+          <p:cNvSpPr txBox="1"/>
+          <p:nvPr/>
+        </p:nvSpPr>
+        <p:spPr>
+          <a:xfrm>
+            <a:off x="6967056" y="9314140"/>
+            <a:ext cx="360996" cy="307777"/>
+          </a:xfrm>
+          <a:prstGeom prst="rect">
+            <a:avLst/>
+          </a:prstGeom>
+          <a:noFill/>
+        </p:spPr>
+        <p:txBody>
+          <a:bodyPr wrap="none" rtlCol="0">
+            <a:spAutoFit/>
+          </a:bodyPr>
+          <a:lstStyle/>
+          <a:p>
+            <a:r>
+              <a:rPr lang="en-US" sz="1400" dirty="0">
+                <a:latin typeface="Arial" panose="020B0604020202020204" pitchFamily="34" charset="0"/>
+                <a:cs typeface="Arial" panose="020B0604020202020204" pitchFamily="34" charset="0"/>
+              </a:rPr>
+              <a:t>T</a:t>
+            </a:r>
+            <a:r>
+              <a:rPr lang="en-US" sz="1400" baseline="-25000" dirty="0">
+                <a:latin typeface="Arial" panose="020B0604020202020204" pitchFamily="34" charset="0"/>
+                <a:cs typeface="Arial" panose="020B0604020202020204" pitchFamily="34" charset="0"/>
+              </a:rPr>
+              <a:t>5</a:t>
+            </a:r>
+          </a:p>
+        </p:txBody>
+      </p:sp>
+      <p:sp>
+        <p:nvSpPr>
+          <p:cNvPr id="542" name="TextBox 541">
+            <a:extLst>
+              <a:ext uri="{FF2B5EF4-FFF2-40B4-BE49-F238E27FC236}">
+                <a16:creationId xmlns:a16="http://schemas.microsoft.com/office/drawing/2014/main" id="{5C5F971F-36E9-C0B3-3FFD-9AF32F16CB60}"/>
+              </a:ext>
+            </a:extLst>
+          </p:cNvPr>
+          <p:cNvSpPr txBox="1"/>
+          <p:nvPr/>
+        </p:nvSpPr>
+        <p:spPr>
+          <a:xfrm>
+            <a:off x="11995400" y="6906247"/>
+            <a:ext cx="360996" cy="307777"/>
+          </a:xfrm>
+          <a:prstGeom prst="rect">
+            <a:avLst/>
+          </a:prstGeom>
+          <a:noFill/>
+        </p:spPr>
+        <p:txBody>
+          <a:bodyPr wrap="none" rtlCol="0">
+            <a:spAutoFit/>
+          </a:bodyPr>
+          <a:lstStyle/>
+          <a:p>
+            <a:r>
+              <a:rPr lang="en-US" sz="1400" dirty="0">
+                <a:latin typeface="Arial" panose="020B0604020202020204" pitchFamily="34" charset="0"/>
+                <a:cs typeface="Arial" panose="020B0604020202020204" pitchFamily="34" charset="0"/>
+              </a:rPr>
+              <a:t>T</a:t>
+            </a:r>
+            <a:r>
+              <a:rPr lang="en-US" sz="1400" baseline="-25000" dirty="0">
+                <a:latin typeface="Arial" panose="020B0604020202020204" pitchFamily="34" charset="0"/>
+                <a:cs typeface="Arial" panose="020B0604020202020204" pitchFamily="34" charset="0"/>
+              </a:rPr>
+              <a:t>2</a:t>
+            </a:r>
+          </a:p>
+        </p:txBody>
+      </p:sp>
+      <p:sp>
+        <p:nvSpPr>
+          <p:cNvPr id="543" name="TextBox 542">
+            <a:extLst>
+              <a:ext uri="{FF2B5EF4-FFF2-40B4-BE49-F238E27FC236}">
+                <a16:creationId xmlns:a16="http://schemas.microsoft.com/office/drawing/2014/main" id="{A6239FB0-2020-E052-829B-4BF092A92D20}"/>
+              </a:ext>
+            </a:extLst>
+          </p:cNvPr>
+          <p:cNvSpPr txBox="1"/>
+          <p:nvPr/>
+        </p:nvSpPr>
+        <p:spPr>
+          <a:xfrm>
+            <a:off x="12004463" y="8077720"/>
+            <a:ext cx="360996" cy="307777"/>
+          </a:xfrm>
+          <a:prstGeom prst="rect">
+            <a:avLst/>
+          </a:prstGeom>
+          <a:noFill/>
+        </p:spPr>
+        <p:txBody>
+          <a:bodyPr wrap="none" rtlCol="0">
+            <a:spAutoFit/>
+          </a:bodyPr>
+          <a:lstStyle/>
+          <a:p>
+            <a:r>
+              <a:rPr lang="en-US" sz="1400" dirty="0">
+                <a:latin typeface="Arial" panose="020B0604020202020204" pitchFamily="34" charset="0"/>
+                <a:cs typeface="Arial" panose="020B0604020202020204" pitchFamily="34" charset="0"/>
+              </a:rPr>
+              <a:t>T</a:t>
+            </a:r>
+            <a:r>
+              <a:rPr lang="en-US" sz="1400" baseline="-25000" dirty="0">
+                <a:latin typeface="Arial" panose="020B0604020202020204" pitchFamily="34" charset="0"/>
+                <a:cs typeface="Arial" panose="020B0604020202020204" pitchFamily="34" charset="0"/>
+              </a:rPr>
+              <a:t>3</a:t>
+            </a:r>
+          </a:p>
+        </p:txBody>
+      </p:sp>
+      <p:sp>
+        <p:nvSpPr>
+          <p:cNvPr id="544" name="TextBox 543">
+            <a:extLst>
+              <a:ext uri="{FF2B5EF4-FFF2-40B4-BE49-F238E27FC236}">
+                <a16:creationId xmlns:a16="http://schemas.microsoft.com/office/drawing/2014/main" id="{8CD7B19A-9C81-EDE6-4C4D-E1B2F48AEA63}"/>
+              </a:ext>
+            </a:extLst>
+          </p:cNvPr>
+          <p:cNvSpPr txBox="1"/>
+          <p:nvPr/>
+        </p:nvSpPr>
+        <p:spPr>
+          <a:xfrm>
+            <a:off x="11995400" y="8518530"/>
+            <a:ext cx="360996" cy="307777"/>
+          </a:xfrm>
+          <a:prstGeom prst="rect">
+            <a:avLst/>
+          </a:prstGeom>
+          <a:noFill/>
+        </p:spPr>
+        <p:txBody>
+          <a:bodyPr wrap="none" rtlCol="0">
+            <a:spAutoFit/>
+          </a:bodyPr>
+          <a:lstStyle/>
+          <a:p>
+            <a:r>
+              <a:rPr lang="en-US" sz="1400" dirty="0">
+                <a:latin typeface="Arial" panose="020B0604020202020204" pitchFamily="34" charset="0"/>
+                <a:cs typeface="Arial" panose="020B0604020202020204" pitchFamily="34" charset="0"/>
+              </a:rPr>
+              <a:t>T</a:t>
+            </a:r>
+            <a:r>
+              <a:rPr lang="en-US" sz="1400" baseline="-25000" dirty="0">
+                <a:latin typeface="Arial" panose="020B0604020202020204" pitchFamily="34" charset="0"/>
+                <a:cs typeface="Arial" panose="020B0604020202020204" pitchFamily="34" charset="0"/>
+              </a:rPr>
+              <a:t>4</a:t>
+            </a:r>
+          </a:p>
+        </p:txBody>
+      </p:sp>
+      <p:sp>
+        <p:nvSpPr>
+          <p:cNvPr id="545" name="TextBox 544">
+            <a:extLst>
+              <a:ext uri="{FF2B5EF4-FFF2-40B4-BE49-F238E27FC236}">
+                <a16:creationId xmlns:a16="http://schemas.microsoft.com/office/drawing/2014/main" id="{FA55485C-8B7F-637F-DFC1-C1F861B41E01}"/>
+              </a:ext>
+            </a:extLst>
+          </p:cNvPr>
+          <p:cNvSpPr txBox="1"/>
+          <p:nvPr/>
+        </p:nvSpPr>
+        <p:spPr>
+          <a:xfrm>
+            <a:off x="11995400" y="8896023"/>
+            <a:ext cx="360996" cy="307777"/>
+          </a:xfrm>
+          <a:prstGeom prst="rect">
+            <a:avLst/>
+          </a:prstGeom>
+          <a:noFill/>
+        </p:spPr>
+        <p:txBody>
+          <a:bodyPr wrap="none" rtlCol="0">
+            <a:spAutoFit/>
+          </a:bodyPr>
+          <a:lstStyle/>
+          <a:p>
+            <a:r>
+              <a:rPr lang="en-US" sz="1400" dirty="0">
+                <a:latin typeface="Arial" panose="020B0604020202020204" pitchFamily="34" charset="0"/>
+                <a:cs typeface="Arial" panose="020B0604020202020204" pitchFamily="34" charset="0"/>
+              </a:rPr>
+              <a:t>T</a:t>
+            </a:r>
+            <a:r>
+              <a:rPr lang="en-US" sz="1400" baseline="-25000" dirty="0">
+                <a:latin typeface="Arial" panose="020B0604020202020204" pitchFamily="34" charset="0"/>
+                <a:cs typeface="Arial" panose="020B0604020202020204" pitchFamily="34" charset="0"/>
+              </a:rPr>
+              <a:t>5</a:t>
+            </a:r>
+          </a:p>
+        </p:txBody>
+      </p:sp>
+      <p:sp>
+        <p:nvSpPr>
+          <p:cNvPr id="546" name="TextBox 545">
+            <a:extLst>
+              <a:ext uri="{FF2B5EF4-FFF2-40B4-BE49-F238E27FC236}">
+                <a16:creationId xmlns:a16="http://schemas.microsoft.com/office/drawing/2014/main" id="{F325B038-F520-27C3-AAC3-87A7841E400F}"/>
+              </a:ext>
+            </a:extLst>
+          </p:cNvPr>
+          <p:cNvSpPr txBox="1"/>
+          <p:nvPr/>
+        </p:nvSpPr>
+        <p:spPr>
+          <a:xfrm>
+            <a:off x="11995400" y="9194919"/>
+            <a:ext cx="360996" cy="307777"/>
+          </a:xfrm>
+          <a:prstGeom prst="rect">
+            <a:avLst/>
+          </a:prstGeom>
+          <a:noFill/>
+        </p:spPr>
+        <p:txBody>
+          <a:bodyPr wrap="none" rtlCol="0">
+            <a:spAutoFit/>
+          </a:bodyPr>
+          <a:lstStyle/>
+          <a:p>
+            <a:r>
+              <a:rPr lang="en-US" sz="1400" dirty="0">
+                <a:latin typeface="Arial" panose="020B0604020202020204" pitchFamily="34" charset="0"/>
+                <a:cs typeface="Arial" panose="020B0604020202020204" pitchFamily="34" charset="0"/>
+              </a:rPr>
+              <a:t>T</a:t>
+            </a:r>
+            <a:r>
+              <a:rPr lang="en-US" sz="1400" baseline="-25000" dirty="0">
+                <a:latin typeface="Arial" panose="020B0604020202020204" pitchFamily="34" charset="0"/>
+                <a:cs typeface="Arial" panose="020B0604020202020204" pitchFamily="34" charset="0"/>
+              </a:rPr>
+              <a:t>6</a:t>
+            </a:r>
+          </a:p>
+        </p:txBody>
+      </p:sp>
+      <p:sp>
+        <p:nvSpPr>
+          <p:cNvPr id="547" name="TextBox 546">
+            <a:extLst>
+              <a:ext uri="{FF2B5EF4-FFF2-40B4-BE49-F238E27FC236}">
+                <a16:creationId xmlns:a16="http://schemas.microsoft.com/office/drawing/2014/main" id="{EE391E8A-0915-070E-E43A-F9768243C862}"/>
+              </a:ext>
+            </a:extLst>
+          </p:cNvPr>
+          <p:cNvSpPr txBox="1"/>
+          <p:nvPr/>
+        </p:nvSpPr>
+        <p:spPr>
+          <a:xfrm>
+            <a:off x="11995400" y="9435743"/>
+            <a:ext cx="360996" cy="307777"/>
+          </a:xfrm>
+          <a:prstGeom prst="rect">
+            <a:avLst/>
+          </a:prstGeom>
+          <a:noFill/>
+        </p:spPr>
+        <p:txBody>
+          <a:bodyPr wrap="none" rtlCol="0">
+            <a:spAutoFit/>
+          </a:bodyPr>
+          <a:lstStyle/>
+          <a:p>
+            <a:r>
+              <a:rPr lang="en-US" sz="1400" dirty="0">
+                <a:latin typeface="Arial" panose="020B0604020202020204" pitchFamily="34" charset="0"/>
+                <a:cs typeface="Arial" panose="020B0604020202020204" pitchFamily="34" charset="0"/>
+              </a:rPr>
+              <a:t>T</a:t>
+            </a:r>
+            <a:r>
+              <a:rPr lang="en-US" sz="1400" baseline="-25000" dirty="0">
+                <a:latin typeface="Arial" panose="020B0604020202020204" pitchFamily="34" charset="0"/>
+                <a:cs typeface="Arial" panose="020B0604020202020204" pitchFamily="34" charset="0"/>
+              </a:rPr>
+              <a:t>7</a:t>
+            </a:r>
+          </a:p>
+        </p:txBody>
+      </p:sp>
+      <p:cxnSp>
+        <p:nvCxnSpPr>
+          <p:cNvPr id="559" name="Straight Connector 558">
+            <a:extLst>
+              <a:ext uri="{FF2B5EF4-FFF2-40B4-BE49-F238E27FC236}">
+                <a16:creationId xmlns:a16="http://schemas.microsoft.com/office/drawing/2014/main" id="{42F599DD-5FD9-2398-6E21-F8FA19559033}"/>
+              </a:ext>
+            </a:extLst>
+          </p:cNvPr>
+          <p:cNvCxnSpPr/>
+          <p:nvPr/>
+        </p:nvCxnSpPr>
+        <p:spPr>
+          <a:xfrm>
+            <a:off x="8542019" y="8769049"/>
+            <a:ext cx="548640" cy="0"/>
+          </a:xfrm>
+          <a:prstGeom prst="line">
+            <a:avLst/>
+          </a:prstGeom>
+          <a:ln w="28575"/>
+        </p:spPr>
+        <p:style>
+          <a:lnRef idx="1">
+            <a:schemeClr val="dk1"/>
+          </a:lnRef>
+          <a:fillRef idx="0">
+            <a:schemeClr val="dk1"/>
+          </a:fillRef>
+          <a:effectRef idx="0">
+            <a:schemeClr val="dk1"/>
+          </a:effectRef>
+          <a:fontRef idx="minor">
+            <a:schemeClr val="tx1"/>
+          </a:fontRef>
+        </p:style>
+      </p:cxnSp>
+      <p:cxnSp>
+        <p:nvCxnSpPr>
+          <p:cNvPr id="560" name="Straight Connector 559">
+            <a:extLst>
+              <a:ext uri="{FF2B5EF4-FFF2-40B4-BE49-F238E27FC236}">
+                <a16:creationId xmlns:a16="http://schemas.microsoft.com/office/drawing/2014/main" id="{30728EEE-F47E-1D88-0B37-FC13F4BF070A}"/>
+              </a:ext>
+            </a:extLst>
+          </p:cNvPr>
+          <p:cNvCxnSpPr>
+            <a:cxnSpLocks/>
+          </p:cNvCxnSpPr>
+          <p:nvPr/>
+        </p:nvCxnSpPr>
+        <p:spPr>
+          <a:xfrm>
+            <a:off x="8542734" y="8754353"/>
+            <a:ext cx="0" cy="889772"/>
+          </a:xfrm>
+          <a:prstGeom prst="line">
+            <a:avLst/>
+          </a:prstGeom>
+          <a:ln w="28575"/>
+        </p:spPr>
+        <p:style>
+          <a:lnRef idx="1">
+            <a:schemeClr val="dk1"/>
+          </a:lnRef>
+          <a:fillRef idx="0">
+            <a:schemeClr val="dk1"/>
+          </a:fillRef>
+          <a:effectRef idx="0">
+            <a:schemeClr val="dk1"/>
+          </a:effectRef>
+          <a:fontRef idx="minor">
+            <a:schemeClr val="tx1"/>
+          </a:fontRef>
+        </p:style>
+      </p:cxnSp>
+      <p:cxnSp>
+        <p:nvCxnSpPr>
+          <p:cNvPr id="562" name="Straight Connector 561">
+            <a:extLst>
+              <a:ext uri="{FF2B5EF4-FFF2-40B4-BE49-F238E27FC236}">
+                <a16:creationId xmlns:a16="http://schemas.microsoft.com/office/drawing/2014/main" id="{BF6685DB-B3A5-2F71-799F-B315B9A7DCF7}"/>
+              </a:ext>
+            </a:extLst>
+          </p:cNvPr>
+          <p:cNvCxnSpPr>
+            <a:cxnSpLocks/>
+          </p:cNvCxnSpPr>
+          <p:nvPr/>
+        </p:nvCxnSpPr>
+        <p:spPr>
+          <a:xfrm>
+            <a:off x="9073276" y="8761973"/>
+            <a:ext cx="0" cy="889772"/>
+          </a:xfrm>
+          <a:prstGeom prst="line">
+            <a:avLst/>
+          </a:prstGeom>
+          <a:ln w="28575"/>
+        </p:spPr>
+        <p:style>
+          <a:lnRef idx="1">
+            <a:schemeClr val="dk1"/>
+          </a:lnRef>
+          <a:fillRef idx="0">
+            <a:schemeClr val="dk1"/>
+          </a:fillRef>
+          <a:effectRef idx="0">
+            <a:schemeClr val="dk1"/>
+          </a:effectRef>
+          <a:fontRef idx="minor">
+            <a:schemeClr val="tx1"/>
+          </a:fontRef>
+        </p:style>
+      </p:cxnSp>
+      <p:cxnSp>
+        <p:nvCxnSpPr>
+          <p:cNvPr id="563" name="Straight Connector 562">
+            <a:extLst>
+              <a:ext uri="{FF2B5EF4-FFF2-40B4-BE49-F238E27FC236}">
+                <a16:creationId xmlns:a16="http://schemas.microsoft.com/office/drawing/2014/main" id="{22B405F8-04AC-024E-6A83-2333B13CA65E}"/>
+              </a:ext>
+            </a:extLst>
+          </p:cNvPr>
+          <p:cNvCxnSpPr/>
+          <p:nvPr/>
+        </p:nvCxnSpPr>
+        <p:spPr>
+          <a:xfrm>
+            <a:off x="9479279" y="9227437"/>
+            <a:ext cx="548640" cy="0"/>
+          </a:xfrm>
+          <a:prstGeom prst="line">
+            <a:avLst/>
+          </a:prstGeom>
+          <a:ln w="28575"/>
+        </p:spPr>
+        <p:style>
+          <a:lnRef idx="1">
+            <a:schemeClr val="dk1"/>
+          </a:lnRef>
+          <a:fillRef idx="0">
+            <a:schemeClr val="dk1"/>
+          </a:fillRef>
+          <a:effectRef idx="0">
+            <a:schemeClr val="dk1"/>
+          </a:effectRef>
+          <a:fontRef idx="minor">
+            <a:schemeClr val="tx1"/>
+          </a:fontRef>
+        </p:style>
+      </p:cxnSp>
+      <p:cxnSp>
+        <p:nvCxnSpPr>
+          <p:cNvPr id="564" name="Straight Connector 563">
+            <a:extLst>
+              <a:ext uri="{FF2B5EF4-FFF2-40B4-BE49-F238E27FC236}">
+                <a16:creationId xmlns:a16="http://schemas.microsoft.com/office/drawing/2014/main" id="{56CD55BF-8DC9-E33A-DD55-97C789B720E9}"/>
+              </a:ext>
+            </a:extLst>
+          </p:cNvPr>
+          <p:cNvCxnSpPr>
+            <a:cxnSpLocks/>
+          </p:cNvCxnSpPr>
+          <p:nvPr/>
+        </p:nvCxnSpPr>
+        <p:spPr>
+          <a:xfrm>
+            <a:off x="9479994" y="9212741"/>
+            <a:ext cx="0" cy="431384"/>
+          </a:xfrm>
+          <a:prstGeom prst="line">
+            <a:avLst/>
+          </a:prstGeom>
+          <a:ln w="28575"/>
+        </p:spPr>
+        <p:style>
+          <a:lnRef idx="1">
+            <a:schemeClr val="dk1"/>
+          </a:lnRef>
+          <a:fillRef idx="0">
+            <a:schemeClr val="dk1"/>
+          </a:fillRef>
+          <a:effectRef idx="0">
+            <a:schemeClr val="dk1"/>
+          </a:effectRef>
+          <a:fontRef idx="minor">
+            <a:schemeClr val="tx1"/>
+          </a:fontRef>
+        </p:style>
+      </p:cxnSp>
+      <p:cxnSp>
+        <p:nvCxnSpPr>
+          <p:cNvPr id="565" name="Straight Connector 564">
+            <a:extLst>
+              <a:ext uri="{FF2B5EF4-FFF2-40B4-BE49-F238E27FC236}">
+                <a16:creationId xmlns:a16="http://schemas.microsoft.com/office/drawing/2014/main" id="{28D306AA-7184-0C43-DEB2-BAABD0F0AC3A}"/>
+              </a:ext>
+            </a:extLst>
+          </p:cNvPr>
+          <p:cNvCxnSpPr>
+            <a:cxnSpLocks/>
+          </p:cNvCxnSpPr>
+          <p:nvPr/>
+        </p:nvCxnSpPr>
+        <p:spPr>
+          <a:xfrm>
+            <a:off x="10010536" y="9220361"/>
+            <a:ext cx="0" cy="423764"/>
+          </a:xfrm>
+          <a:prstGeom prst="line">
+            <a:avLst/>
+          </a:prstGeom>
+          <a:ln w="28575"/>
+        </p:spPr>
+        <p:style>
+          <a:lnRef idx="1">
+            <a:schemeClr val="dk1"/>
+          </a:lnRef>
+          <a:fillRef idx="0">
+            <a:schemeClr val="dk1"/>
+          </a:fillRef>
+          <a:effectRef idx="0">
+            <a:schemeClr val="dk1"/>
+          </a:effectRef>
+          <a:fontRef idx="minor">
+            <a:schemeClr val="tx1"/>
+          </a:fontRef>
+        </p:style>
+      </p:cxnSp>
+      <p:cxnSp>
+        <p:nvCxnSpPr>
+          <p:cNvPr id="569" name="Straight Connector 568">
+            <a:extLst>
+              <a:ext uri="{FF2B5EF4-FFF2-40B4-BE49-F238E27FC236}">
+                <a16:creationId xmlns:a16="http://schemas.microsoft.com/office/drawing/2014/main" id="{13B124B8-89C9-BC4B-A0FE-D72AC3F21D57}"/>
+              </a:ext>
+            </a:extLst>
+          </p:cNvPr>
+          <p:cNvCxnSpPr/>
+          <p:nvPr/>
+        </p:nvCxnSpPr>
+        <p:spPr>
+          <a:xfrm>
+            <a:off x="14120812" y="6012866"/>
+            <a:ext cx="0" cy="267579"/>
+          </a:xfrm>
+          <a:prstGeom prst="line">
+            <a:avLst/>
+          </a:prstGeom>
+          <a:ln w="28575"/>
+        </p:spPr>
+        <p:style>
+          <a:lnRef idx="1">
+            <a:schemeClr val="dk1"/>
+          </a:lnRef>
+          <a:fillRef idx="0">
+            <a:schemeClr val="dk1"/>
+          </a:fillRef>
+          <a:effectRef idx="0">
+            <a:schemeClr val="dk1"/>
+          </a:effectRef>
+          <a:fontRef idx="minor">
+            <a:schemeClr val="tx1"/>
+          </a:fontRef>
+        </p:style>
+      </p:cxnSp>
+      <p:cxnSp>
+        <p:nvCxnSpPr>
+          <p:cNvPr id="570" name="Straight Connector 569">
+            <a:extLst>
+              <a:ext uri="{FF2B5EF4-FFF2-40B4-BE49-F238E27FC236}">
+                <a16:creationId xmlns:a16="http://schemas.microsoft.com/office/drawing/2014/main" id="{9CE28DFE-9F28-FEEA-EA6E-A72184EB0CD4}"/>
+              </a:ext>
+            </a:extLst>
+          </p:cNvPr>
+          <p:cNvCxnSpPr>
+            <a:cxnSpLocks/>
+          </p:cNvCxnSpPr>
+          <p:nvPr/>
+        </p:nvCxnSpPr>
+        <p:spPr>
+          <a:xfrm>
+            <a:off x="13487400" y="6281313"/>
+            <a:ext cx="0" cy="1687092"/>
+          </a:xfrm>
+          <a:prstGeom prst="line">
+            <a:avLst/>
+          </a:prstGeom>
+          <a:ln w="28575"/>
+        </p:spPr>
+        <p:style>
+          <a:lnRef idx="1">
+            <a:schemeClr val="dk1"/>
+          </a:lnRef>
+          <a:fillRef idx="0">
+            <a:schemeClr val="dk1"/>
+          </a:fillRef>
+          <a:effectRef idx="0">
+            <a:schemeClr val="dk1"/>
+          </a:effectRef>
+          <a:fontRef idx="minor">
+            <a:schemeClr val="tx1"/>
+          </a:fontRef>
+        </p:style>
+      </p:cxnSp>
+      <p:cxnSp>
+        <p:nvCxnSpPr>
+          <p:cNvPr id="571" name="Straight Connector 570">
+            <a:extLst>
+              <a:ext uri="{FF2B5EF4-FFF2-40B4-BE49-F238E27FC236}">
+                <a16:creationId xmlns:a16="http://schemas.microsoft.com/office/drawing/2014/main" id="{011BBB8C-864B-08A6-8BFE-343287E3F97B}"/>
+              </a:ext>
+            </a:extLst>
+          </p:cNvPr>
+          <p:cNvCxnSpPr>
+            <a:cxnSpLocks/>
+          </p:cNvCxnSpPr>
+          <p:nvPr/>
+        </p:nvCxnSpPr>
+        <p:spPr>
+          <a:xfrm>
+            <a:off x="14754224" y="6278064"/>
+            <a:ext cx="0" cy="2913436"/>
+          </a:xfrm>
+          <a:prstGeom prst="line">
+            <a:avLst/>
+          </a:prstGeom>
+          <a:ln w="28575"/>
+        </p:spPr>
+        <p:style>
+          <a:lnRef idx="1">
+            <a:schemeClr val="dk1"/>
+          </a:lnRef>
+          <a:fillRef idx="0">
+            <a:schemeClr val="dk1"/>
+          </a:fillRef>
+          <a:effectRef idx="0">
+            <a:schemeClr val="dk1"/>
+          </a:effectRef>
+          <a:fontRef idx="minor">
+            <a:schemeClr val="tx1"/>
+          </a:fontRef>
+        </p:style>
+      </p:cxnSp>
+      <p:cxnSp>
+        <p:nvCxnSpPr>
+          <p:cNvPr id="572" name="Straight Connector 571">
+            <a:extLst>
+              <a:ext uri="{FF2B5EF4-FFF2-40B4-BE49-F238E27FC236}">
+                <a16:creationId xmlns:a16="http://schemas.microsoft.com/office/drawing/2014/main" id="{619083B7-F8F6-4663-88CA-F731160F3900}"/>
+              </a:ext>
+            </a:extLst>
+          </p:cNvPr>
+          <p:cNvCxnSpPr>
+            <a:cxnSpLocks/>
+          </p:cNvCxnSpPr>
+          <p:nvPr/>
+        </p:nvCxnSpPr>
+        <p:spPr>
+          <a:xfrm flipH="1">
+            <a:off x="13487400" y="6280445"/>
+            <a:ext cx="1266824" cy="0"/>
+          </a:xfrm>
+          <a:prstGeom prst="line">
+            <a:avLst/>
+          </a:prstGeom>
+          <a:ln w="28575"/>
+        </p:spPr>
+        <p:style>
+          <a:lnRef idx="1">
+            <a:schemeClr val="dk1"/>
+          </a:lnRef>
+          <a:fillRef idx="0">
+            <a:schemeClr val="dk1"/>
+          </a:fillRef>
+          <a:effectRef idx="0">
+            <a:schemeClr val="dk1"/>
+          </a:effectRef>
+          <a:fontRef idx="minor">
+            <a:schemeClr val="tx1"/>
+          </a:fontRef>
+        </p:style>
+      </p:cxnSp>
+      <p:cxnSp>
+        <p:nvCxnSpPr>
+          <p:cNvPr id="573" name="Straight Connector 572">
+            <a:extLst>
+              <a:ext uri="{FF2B5EF4-FFF2-40B4-BE49-F238E27FC236}">
+                <a16:creationId xmlns:a16="http://schemas.microsoft.com/office/drawing/2014/main" id="{18BBDE7A-DFB1-5821-32AF-60E1D7399C02}"/>
+              </a:ext>
+            </a:extLst>
+          </p:cNvPr>
+          <p:cNvCxnSpPr/>
+          <p:nvPr/>
+        </p:nvCxnSpPr>
+        <p:spPr>
+          <a:xfrm>
+            <a:off x="13128545" y="7968405"/>
+            <a:ext cx="717709" cy="0"/>
+          </a:xfrm>
+          <a:prstGeom prst="line">
+            <a:avLst/>
+          </a:prstGeom>
+          <a:ln w="28575"/>
+        </p:spPr>
+        <p:style>
+          <a:lnRef idx="1">
+            <a:schemeClr val="dk1"/>
+          </a:lnRef>
+          <a:fillRef idx="0">
+            <a:schemeClr val="dk1"/>
+          </a:fillRef>
+          <a:effectRef idx="0">
+            <a:schemeClr val="dk1"/>
+          </a:effectRef>
+          <a:fontRef idx="minor">
+            <a:schemeClr val="tx1"/>
+          </a:fontRef>
+        </p:style>
+      </p:cxnSp>
+      <p:cxnSp>
+        <p:nvCxnSpPr>
+          <p:cNvPr id="574" name="Straight Connector 573">
+            <a:extLst>
+              <a:ext uri="{FF2B5EF4-FFF2-40B4-BE49-F238E27FC236}">
+                <a16:creationId xmlns:a16="http://schemas.microsoft.com/office/drawing/2014/main" id="{684945CA-108D-4574-BFC5-D852CCAA8892}"/>
+              </a:ext>
+            </a:extLst>
+          </p:cNvPr>
+          <p:cNvCxnSpPr>
+            <a:cxnSpLocks/>
+          </p:cNvCxnSpPr>
+          <p:nvPr/>
+        </p:nvCxnSpPr>
+        <p:spPr>
+          <a:xfrm>
+            <a:off x="13846254" y="7968405"/>
+            <a:ext cx="0" cy="835586"/>
+          </a:xfrm>
+          <a:prstGeom prst="line">
+            <a:avLst/>
+          </a:prstGeom>
+          <a:ln w="28575"/>
+        </p:spPr>
+        <p:style>
+          <a:lnRef idx="1">
+            <a:schemeClr val="dk1"/>
+          </a:lnRef>
+          <a:fillRef idx="0">
+            <a:schemeClr val="dk1"/>
+          </a:fillRef>
+          <a:effectRef idx="0">
+            <a:schemeClr val="dk1"/>
+          </a:effectRef>
+          <a:fontRef idx="minor">
+            <a:schemeClr val="tx1"/>
+          </a:fontRef>
+        </p:style>
+      </p:cxnSp>
+      <p:cxnSp>
+        <p:nvCxnSpPr>
+          <p:cNvPr id="575" name="Straight Connector 574">
+            <a:extLst>
+              <a:ext uri="{FF2B5EF4-FFF2-40B4-BE49-F238E27FC236}">
+                <a16:creationId xmlns:a16="http://schemas.microsoft.com/office/drawing/2014/main" id="{CDAED0D4-77A5-8985-6E42-04B8AF717D35}"/>
+              </a:ext>
+            </a:extLst>
+          </p:cNvPr>
+          <p:cNvCxnSpPr>
+            <a:cxnSpLocks/>
+          </p:cNvCxnSpPr>
+          <p:nvPr/>
+        </p:nvCxnSpPr>
+        <p:spPr>
+          <a:xfrm>
+            <a:off x="13128545" y="7960785"/>
+            <a:ext cx="0" cy="491729"/>
+          </a:xfrm>
+          <a:prstGeom prst="line">
+            <a:avLst/>
+          </a:prstGeom>
+          <a:ln w="28575"/>
+        </p:spPr>
+        <p:style>
+          <a:lnRef idx="1">
+            <a:schemeClr val="dk1"/>
+          </a:lnRef>
+          <a:fillRef idx="0">
+            <a:schemeClr val="dk1"/>
+          </a:fillRef>
+          <a:effectRef idx="0">
+            <a:schemeClr val="dk1"/>
+          </a:effectRef>
+          <a:fontRef idx="minor">
+            <a:schemeClr val="tx1"/>
+          </a:fontRef>
+        </p:style>
+      </p:cxnSp>
+      <p:cxnSp>
+        <p:nvCxnSpPr>
+          <p:cNvPr id="577" name="Straight Connector 576">
+            <a:extLst>
+              <a:ext uri="{FF2B5EF4-FFF2-40B4-BE49-F238E27FC236}">
+                <a16:creationId xmlns:a16="http://schemas.microsoft.com/office/drawing/2014/main" id="{A701DA67-4909-2EEF-51FA-CD6FE919C2BC}"/>
+              </a:ext>
+            </a:extLst>
+          </p:cNvPr>
+          <p:cNvCxnSpPr>
+            <a:cxnSpLocks/>
+          </p:cNvCxnSpPr>
+          <p:nvPr/>
+        </p:nvCxnSpPr>
+        <p:spPr>
+          <a:xfrm>
+            <a:off x="13679884" y="8800907"/>
+            <a:ext cx="5357" cy="701789"/>
+          </a:xfrm>
+          <a:prstGeom prst="line">
+            <a:avLst/>
+          </a:prstGeom>
+          <a:ln w="28575"/>
+        </p:spPr>
+        <p:style>
+          <a:lnRef idx="1">
+            <a:schemeClr val="dk1"/>
+          </a:lnRef>
+          <a:fillRef idx="0">
+            <a:schemeClr val="dk1"/>
+          </a:fillRef>
+          <a:effectRef idx="0">
+            <a:schemeClr val="dk1"/>
+          </a:effectRef>
+          <a:fontRef idx="minor">
+            <a:schemeClr val="tx1"/>
+          </a:fontRef>
+        </p:style>
+      </p:cxnSp>
+      <p:cxnSp>
+        <p:nvCxnSpPr>
+          <p:cNvPr id="578" name="Straight Connector 577">
+            <a:extLst>
+              <a:ext uri="{FF2B5EF4-FFF2-40B4-BE49-F238E27FC236}">
+                <a16:creationId xmlns:a16="http://schemas.microsoft.com/office/drawing/2014/main" id="{2E21A739-E108-A702-AC3F-62E8F319AEC1}"/>
+              </a:ext>
+            </a:extLst>
+          </p:cNvPr>
+          <p:cNvCxnSpPr>
+            <a:cxnSpLocks/>
+          </p:cNvCxnSpPr>
+          <p:nvPr/>
+        </p:nvCxnSpPr>
+        <p:spPr>
+          <a:xfrm>
+            <a:off x="14019926" y="8800907"/>
+            <a:ext cx="0" cy="854189"/>
+          </a:xfrm>
+          <a:prstGeom prst="line">
+            <a:avLst/>
+          </a:prstGeom>
+          <a:ln w="28575"/>
+        </p:spPr>
+        <p:style>
+          <a:lnRef idx="1">
+            <a:schemeClr val="dk1"/>
+          </a:lnRef>
+          <a:fillRef idx="0">
+            <a:schemeClr val="dk1"/>
+          </a:fillRef>
+          <a:effectRef idx="0">
+            <a:schemeClr val="dk1"/>
+          </a:effectRef>
+          <a:fontRef idx="minor">
+            <a:schemeClr val="tx1"/>
+          </a:fontRef>
+        </p:style>
+      </p:cxnSp>
+      <p:cxnSp>
+        <p:nvCxnSpPr>
+          <p:cNvPr id="580" name="Straight Connector 579">
+            <a:extLst>
+              <a:ext uri="{FF2B5EF4-FFF2-40B4-BE49-F238E27FC236}">
+                <a16:creationId xmlns:a16="http://schemas.microsoft.com/office/drawing/2014/main" id="{D1DC8395-E6BD-5616-87EE-271A0D1160C3}"/>
+              </a:ext>
+            </a:extLst>
+          </p:cNvPr>
+          <p:cNvCxnSpPr>
+            <a:cxnSpLocks/>
+          </p:cNvCxnSpPr>
+          <p:nvPr/>
+        </p:nvCxnSpPr>
+        <p:spPr>
+          <a:xfrm>
+            <a:off x="14591744" y="9196883"/>
+            <a:ext cx="0" cy="431384"/>
+          </a:xfrm>
+          <a:prstGeom prst="line">
+            <a:avLst/>
+          </a:prstGeom>
+          <a:ln w="28575"/>
+        </p:spPr>
+        <p:style>
+          <a:lnRef idx="1">
+            <a:schemeClr val="dk1"/>
+          </a:lnRef>
+          <a:fillRef idx="0">
+            <a:schemeClr val="dk1"/>
+          </a:fillRef>
+          <a:effectRef idx="0">
+            <a:schemeClr val="dk1"/>
+          </a:effectRef>
+          <a:fontRef idx="minor">
+            <a:schemeClr val="tx1"/>
+          </a:fontRef>
+        </p:style>
+      </p:cxnSp>
+      <p:cxnSp>
+        <p:nvCxnSpPr>
+          <p:cNvPr id="581" name="Straight Connector 580">
+            <a:extLst>
+              <a:ext uri="{FF2B5EF4-FFF2-40B4-BE49-F238E27FC236}">
+                <a16:creationId xmlns:a16="http://schemas.microsoft.com/office/drawing/2014/main" id="{E939B712-0136-C412-B53F-CCE5314FED81}"/>
+              </a:ext>
+            </a:extLst>
+          </p:cNvPr>
+          <p:cNvCxnSpPr>
+            <a:cxnSpLocks/>
+          </p:cNvCxnSpPr>
+          <p:nvPr/>
+        </p:nvCxnSpPr>
+        <p:spPr>
+          <a:xfrm>
+            <a:off x="14925436" y="9198153"/>
+            <a:ext cx="0" cy="423764"/>
+          </a:xfrm>
+          <a:prstGeom prst="line">
+            <a:avLst/>
+          </a:prstGeom>
+          <a:ln w="28575"/>
+        </p:spPr>
+        <p:style>
+          <a:lnRef idx="1">
+            <a:schemeClr val="dk1"/>
+          </a:lnRef>
+          <a:fillRef idx="0">
+            <a:schemeClr val="dk1"/>
+          </a:fillRef>
+          <a:effectRef idx="0">
+            <a:schemeClr val="dk1"/>
+          </a:effectRef>
+          <a:fontRef idx="minor">
+            <a:schemeClr val="tx1"/>
+          </a:fontRef>
+        </p:style>
+      </p:cxnSp>
+      <p:cxnSp>
+        <p:nvCxnSpPr>
+          <p:cNvPr id="589" name="Straight Connector 588">
+            <a:extLst>
+              <a:ext uri="{FF2B5EF4-FFF2-40B4-BE49-F238E27FC236}">
+                <a16:creationId xmlns:a16="http://schemas.microsoft.com/office/drawing/2014/main" id="{3AED6F6A-F99F-30C9-1D38-C4352481D0B5}"/>
+              </a:ext>
+            </a:extLst>
+          </p:cNvPr>
+          <p:cNvCxnSpPr>
+            <a:cxnSpLocks/>
+          </p:cNvCxnSpPr>
+          <p:nvPr/>
+        </p:nvCxnSpPr>
+        <p:spPr>
+          <a:xfrm>
+            <a:off x="12961182" y="8458864"/>
+            <a:ext cx="322025" cy="0"/>
+          </a:xfrm>
+          <a:prstGeom prst="line">
+            <a:avLst/>
+          </a:prstGeom>
+          <a:ln w="28575"/>
+        </p:spPr>
+        <p:style>
+          <a:lnRef idx="1">
+            <a:schemeClr val="dk1"/>
+          </a:lnRef>
+          <a:fillRef idx="0">
+            <a:schemeClr val="dk1"/>
+          </a:fillRef>
+          <a:effectRef idx="0">
+            <a:schemeClr val="dk1"/>
+          </a:effectRef>
+          <a:fontRef idx="minor">
+            <a:schemeClr val="tx1"/>
+          </a:fontRef>
+        </p:style>
+      </p:cxnSp>
+      <p:cxnSp>
+        <p:nvCxnSpPr>
+          <p:cNvPr id="591" name="Straight Connector 590">
+            <a:extLst>
+              <a:ext uri="{FF2B5EF4-FFF2-40B4-BE49-F238E27FC236}">
+                <a16:creationId xmlns:a16="http://schemas.microsoft.com/office/drawing/2014/main" id="{D71D2965-4C6A-AB80-B910-B889468E8B32}"/>
+              </a:ext>
+            </a:extLst>
+          </p:cNvPr>
+          <p:cNvCxnSpPr>
+            <a:cxnSpLocks/>
+          </p:cNvCxnSpPr>
+          <p:nvPr/>
+        </p:nvCxnSpPr>
+        <p:spPr>
+          <a:xfrm>
+            <a:off x="13685241" y="8813607"/>
+            <a:ext cx="322025" cy="0"/>
+          </a:xfrm>
+          <a:prstGeom prst="line">
+            <a:avLst/>
+          </a:prstGeom>
+          <a:ln w="28575"/>
+        </p:spPr>
+        <p:style>
+          <a:lnRef idx="1">
+            <a:schemeClr val="dk1"/>
+          </a:lnRef>
+          <a:fillRef idx="0">
+            <a:schemeClr val="dk1"/>
+          </a:fillRef>
+          <a:effectRef idx="0">
+            <a:schemeClr val="dk1"/>
+          </a:effectRef>
+          <a:fontRef idx="minor">
+            <a:schemeClr val="tx1"/>
+          </a:fontRef>
+        </p:style>
+      </p:cxnSp>
+      <p:cxnSp>
+        <p:nvCxnSpPr>
+          <p:cNvPr id="592" name="Straight Connector 591">
+            <a:extLst>
+              <a:ext uri="{FF2B5EF4-FFF2-40B4-BE49-F238E27FC236}">
+                <a16:creationId xmlns:a16="http://schemas.microsoft.com/office/drawing/2014/main" id="{97F5E254-64DC-E27B-435B-CAB3FCD3BCBF}"/>
+              </a:ext>
+            </a:extLst>
+          </p:cNvPr>
+          <p:cNvCxnSpPr>
+            <a:cxnSpLocks/>
+          </p:cNvCxnSpPr>
+          <p:nvPr/>
+        </p:nvCxnSpPr>
+        <p:spPr>
+          <a:xfrm>
+            <a:off x="14596306" y="9207740"/>
+            <a:ext cx="322025" cy="0"/>
+          </a:xfrm>
+          <a:prstGeom prst="line">
+            <a:avLst/>
+          </a:prstGeom>
+          <a:ln w="28575"/>
+        </p:spPr>
+        <p:style>
+          <a:lnRef idx="1">
+            <a:schemeClr val="dk1"/>
+          </a:lnRef>
+          <a:fillRef idx="0">
+            <a:schemeClr val="dk1"/>
+          </a:fillRef>
+          <a:effectRef idx="0">
+            <a:schemeClr val="dk1"/>
+          </a:effectRef>
+          <a:fontRef idx="minor">
+            <a:schemeClr val="tx1"/>
+          </a:fontRef>
+        </p:style>
+      </p:cxnSp>
+      <p:cxnSp>
+        <p:nvCxnSpPr>
+          <p:cNvPr id="595" name="Straight Connector 594">
+            <a:extLst>
+              <a:ext uri="{FF2B5EF4-FFF2-40B4-BE49-F238E27FC236}">
+                <a16:creationId xmlns:a16="http://schemas.microsoft.com/office/drawing/2014/main" id="{9E9AED02-3DE5-D355-3F54-CAD76D06C0D1}"/>
+              </a:ext>
+            </a:extLst>
+          </p:cNvPr>
+          <p:cNvCxnSpPr>
+            <a:cxnSpLocks/>
+          </p:cNvCxnSpPr>
+          <p:nvPr/>
+        </p:nvCxnSpPr>
+        <p:spPr>
+          <a:xfrm>
+            <a:off x="13524229" y="9487971"/>
+            <a:ext cx="322025" cy="0"/>
+          </a:xfrm>
+          <a:prstGeom prst="line">
+            <a:avLst/>
+          </a:prstGeom>
+          <a:ln w="28575"/>
+        </p:spPr>
+        <p:style>
+          <a:lnRef idx="1">
+            <a:schemeClr val="dk1"/>
+          </a:lnRef>
+          <a:fillRef idx="0">
+            <a:schemeClr val="dk1"/>
+          </a:fillRef>
+          <a:effectRef idx="0">
+            <a:schemeClr val="dk1"/>
+          </a:effectRef>
+          <a:fontRef idx="minor">
+            <a:schemeClr val="tx1"/>
+          </a:fontRef>
+        </p:style>
+      </p:cxnSp>
+      <p:cxnSp>
+        <p:nvCxnSpPr>
+          <p:cNvPr id="596" name="Straight Connector 595">
+            <a:extLst>
+              <a:ext uri="{FF2B5EF4-FFF2-40B4-BE49-F238E27FC236}">
+                <a16:creationId xmlns:a16="http://schemas.microsoft.com/office/drawing/2014/main" id="{D62F0689-9B4B-0DAE-F777-0B0997455D80}"/>
+              </a:ext>
+            </a:extLst>
+          </p:cNvPr>
+          <p:cNvCxnSpPr>
+            <a:cxnSpLocks/>
+          </p:cNvCxnSpPr>
+          <p:nvPr/>
+        </p:nvCxnSpPr>
+        <p:spPr>
+          <a:xfrm>
+            <a:off x="13837641" y="9480957"/>
+            <a:ext cx="0" cy="167789"/>
+          </a:xfrm>
+          <a:prstGeom prst="line">
+            <a:avLst/>
+          </a:prstGeom>
+          <a:ln w="28575"/>
+        </p:spPr>
+        <p:style>
+          <a:lnRef idx="1">
+            <a:schemeClr val="dk1"/>
+          </a:lnRef>
+          <a:fillRef idx="0">
+            <a:schemeClr val="dk1"/>
+          </a:fillRef>
+          <a:effectRef idx="0">
+            <a:schemeClr val="dk1"/>
+          </a:effectRef>
+          <a:fontRef idx="minor">
+            <a:schemeClr val="tx1"/>
+          </a:fontRef>
+        </p:style>
+      </p:cxnSp>
+      <p:cxnSp>
+        <p:nvCxnSpPr>
+          <p:cNvPr id="598" name="Straight Connector 597">
+            <a:extLst>
+              <a:ext uri="{FF2B5EF4-FFF2-40B4-BE49-F238E27FC236}">
+                <a16:creationId xmlns:a16="http://schemas.microsoft.com/office/drawing/2014/main" id="{7D70ED43-122E-ED79-8199-00CD034ACD9B}"/>
+              </a:ext>
+            </a:extLst>
+          </p:cNvPr>
+          <p:cNvCxnSpPr>
+            <a:cxnSpLocks/>
+          </p:cNvCxnSpPr>
+          <p:nvPr/>
+        </p:nvCxnSpPr>
+        <p:spPr>
+          <a:xfrm>
+            <a:off x="13531570" y="9480957"/>
+            <a:ext cx="0" cy="167789"/>
+          </a:xfrm>
+          <a:prstGeom prst="line">
+            <a:avLst/>
+          </a:prstGeom>
+          <a:ln w="28575"/>
+        </p:spPr>
+        <p:style>
+          <a:lnRef idx="1">
+            <a:schemeClr val="dk1"/>
+          </a:lnRef>
+          <a:fillRef idx="0">
+            <a:schemeClr val="dk1"/>
+          </a:fillRef>
+          <a:effectRef idx="0">
+            <a:schemeClr val="dk1"/>
+          </a:effectRef>
+          <a:fontRef idx="minor">
+            <a:schemeClr val="tx1"/>
+          </a:fontRef>
+        </p:style>
+      </p:cxnSp>
+      <p:cxnSp>
+        <p:nvCxnSpPr>
+          <p:cNvPr id="601" name="Straight Connector 600">
+            <a:extLst>
+              <a:ext uri="{FF2B5EF4-FFF2-40B4-BE49-F238E27FC236}">
+                <a16:creationId xmlns:a16="http://schemas.microsoft.com/office/drawing/2014/main" id="{6477757E-EBE9-FA47-49BB-20660E83EB95}"/>
+              </a:ext>
+            </a:extLst>
+          </p:cNvPr>
+          <p:cNvCxnSpPr>
+            <a:cxnSpLocks/>
+          </p:cNvCxnSpPr>
+          <p:nvPr/>
+        </p:nvCxnSpPr>
+        <p:spPr>
+          <a:xfrm>
+            <a:off x="13274138" y="8452514"/>
+            <a:ext cx="0" cy="1202582"/>
+          </a:xfrm>
+          <a:prstGeom prst="line">
+            <a:avLst/>
+          </a:prstGeom>
+          <a:ln w="28575"/>
+        </p:spPr>
+        <p:style>
+          <a:lnRef idx="1">
+            <a:schemeClr val="dk1"/>
+          </a:lnRef>
+          <a:fillRef idx="0">
+            <a:schemeClr val="dk1"/>
+          </a:fillRef>
+          <a:effectRef idx="0">
+            <a:schemeClr val="dk1"/>
+          </a:effectRef>
+          <a:fontRef idx="minor">
+            <a:schemeClr val="tx1"/>
+          </a:fontRef>
+        </p:style>
+      </p:cxnSp>
+      <p:cxnSp>
+        <p:nvCxnSpPr>
+          <p:cNvPr id="604" name="Straight Connector 603">
+            <a:extLst>
+              <a:ext uri="{FF2B5EF4-FFF2-40B4-BE49-F238E27FC236}">
+                <a16:creationId xmlns:a16="http://schemas.microsoft.com/office/drawing/2014/main" id="{1B657AFC-A550-98E3-20AB-02BEE1909AEC}"/>
+              </a:ext>
+            </a:extLst>
+          </p:cNvPr>
+          <p:cNvCxnSpPr>
+            <a:cxnSpLocks/>
+          </p:cNvCxnSpPr>
+          <p:nvPr/>
+        </p:nvCxnSpPr>
+        <p:spPr>
+          <a:xfrm>
+            <a:off x="12967532" y="8446164"/>
+            <a:ext cx="0" cy="1202582"/>
+          </a:xfrm>
+          <a:prstGeom prst="line">
+            <a:avLst/>
+          </a:prstGeom>
+          <a:ln w="28575"/>
+        </p:spPr>
+        <p:style>
+          <a:lnRef idx="1">
+            <a:schemeClr val="dk1"/>
+          </a:lnRef>
+          <a:fillRef idx="0">
+            <a:schemeClr val="dk1"/>
+          </a:fillRef>
+          <a:effectRef idx="0">
+            <a:schemeClr val="dk1"/>
+          </a:effectRef>
+          <a:fontRef idx="minor">
+            <a:schemeClr val="tx1"/>
+          </a:fontRef>
+        </p:style>
+      </p:cxnSp>
+    </p:spTree>
+    <p:extLst>
+      <p:ext uri="{BB962C8B-B14F-4D97-AF65-F5344CB8AC3E}">
+        <p14:creationId xmlns:p14="http://schemas.microsoft.com/office/powerpoint/2010/main" val="1666089732"/>
+      </p:ext>
+    </p:extLst>
+  </p:cSld>
+  <p:clrMapOvr>
+    <a:masterClrMapping/>
+  </p:clrMapOvr>
+</p:sld>
+</file>
+
+<file path=ppt/slides/slide5.xml><?xml version="1.0" encoding="utf-8"?>
+<p:sld xmlns:a="http://schemas.openxmlformats.org/drawingml/2006/main" xmlns:r="http://schemas.openxmlformats.org/officeDocument/2006/relationships" xmlns:p="http://schemas.openxmlformats.org/presentationml/2006/main">
+  <p:cSld>
+    <p:spTree>
+      <p:nvGrpSpPr>
+        <p:cNvPr id="1" name="">
+          <a:extLst>
+            <a:ext uri="{FF2B5EF4-FFF2-40B4-BE49-F238E27FC236}">
               <a16:creationId xmlns:a16="http://schemas.microsoft.com/office/drawing/2014/main" id="{F22158A4-33AD-0136-CDEE-9A8C6E08FB96}"/>
             </a:ext>
           </a:extLst>
@@ -22585,7 +24704,7 @@
 </p:sld>
 </file>
 
-<file path=ppt/slides/slide5.xml><?xml version="1.0" encoding="utf-8"?>
+<file path=ppt/slides/slide6.xml><?xml version="1.0" encoding="utf-8"?>
 <p:sld xmlns:a="http://schemas.openxmlformats.org/drawingml/2006/main" xmlns:r="http://schemas.openxmlformats.org/officeDocument/2006/relationships" xmlns:p="http://schemas.openxmlformats.org/presentationml/2006/main">
   <p:cSld>
     <p:spTree>
@@ -23927,7 +26046,7 @@
 </p:sld>
 </file>
 
-<file path=ppt/slides/slide6.xml><?xml version="1.0" encoding="utf-8"?>
+<file path=ppt/slides/slide7.xml><?xml version="1.0" encoding="utf-8"?>
 <p:sld xmlns:a="http://schemas.openxmlformats.org/drawingml/2006/main" xmlns:r="http://schemas.openxmlformats.org/officeDocument/2006/relationships" xmlns:p="http://schemas.openxmlformats.org/presentationml/2006/main">
   <p:cSld>
     <p:spTree>

--- a/Summary/figures.pptx
+++ b/Summary/figures.pptx
@@ -5,7 +5,7 @@
     <p:sldMasterId id="2147483672" r:id="rId1"/>
   </p:sldMasterIdLst>
   <p:notesMasterIdLst>
-    <p:notesMasterId r:id="rId9"/>
+    <p:notesMasterId r:id="rId10"/>
   </p:notesMasterIdLst>
   <p:sldIdLst>
     <p:sldId id="422" r:id="rId2"/>
@@ -14,7 +14,8 @@
     <p:sldId id="515" r:id="rId5"/>
     <p:sldId id="514" r:id="rId6"/>
     <p:sldId id="511" r:id="rId7"/>
-    <p:sldId id="512" r:id="rId8"/>
+    <p:sldId id="516" r:id="rId8"/>
+    <p:sldId id="512" r:id="rId9"/>
   </p:sldIdLst>
   <p:sldSz cx="22860000" cy="22860000"/>
   <p:notesSz cx="6858000" cy="9144000"/>
@@ -124,6 +125,7 @@
             <p14:sldId id="515"/>
             <p14:sldId id="514"/>
             <p14:sldId id="511"/>
+            <p14:sldId id="516"/>
             <p14:sldId id="512"/>
           </p14:sldIdLst>
         </p14:section>
@@ -139,7 +141,7 @@
 <file path=ppt/revisionInfo.xml><?xml version="1.0" encoding="utf-8"?>
 <p1510:revInfo xmlns:a="http://schemas.openxmlformats.org/drawingml/2006/main" xmlns:r="http://schemas.openxmlformats.org/officeDocument/2006/relationships" xmlns:p1510="http://schemas.microsoft.com/office/powerpoint/2015/10/main">
   <p1510:revLst>
-    <p1510:client id="{D0E1D0F2-3E04-4D0A-847D-0FECA4BDAAD3}" v="1" dt="2025-10-27T18:54:56.750"/>
+    <p1510:client id="{DBF99A9D-B754-40AC-9440-88193A800468}" v="19" dt="2025-12-03T08:50:09.739"/>
   </p1510:revLst>
 </p1510:revInfo>
 </file>
@@ -148,721 +150,295 @@
 <pc:chgInfo xmlns:a="http://schemas.openxmlformats.org/drawingml/2006/main" xmlns:r="http://schemas.openxmlformats.org/officeDocument/2006/relationships" xmlns:ac="http://schemas.microsoft.com/office/drawing/2013/main/command" xmlns:pc="http://schemas.microsoft.com/office/powerpoint/2013/main/command">
   <pc:docChgLst>
     <pc:chgData name="Jonathan Mah" userId="5261b2f2f3e51194" providerId="LiveId" clId="{A5D66373-2F43-49C1-972D-0BE2B77E544E}"/>
-    <pc:docChg chg="custSel addSld modSld">
-      <pc:chgData name="Jonathan Mah" userId="5261b2f2f3e51194" providerId="LiveId" clId="{A5D66373-2F43-49C1-972D-0BE2B77E544E}" dt="2025-09-18T14:18:29.994" v="216" actId="478"/>
+    <pc:docChg chg="undo custSel addSld modSld sldOrd">
+      <pc:chgData name="Jonathan Mah" userId="5261b2f2f3e51194" providerId="LiveId" clId="{A5D66373-2F43-49C1-972D-0BE2B77E544E}" dt="2025-12-03T08:50:25.310" v="498" actId="1076"/>
       <pc:docMkLst>
         <pc:docMk/>
       </pc:docMkLst>
-      <pc:sldChg chg="addSp delSp modSp mod">
-        <pc:chgData name="Jonathan Mah" userId="5261b2f2f3e51194" providerId="LiveId" clId="{A5D66373-2F43-49C1-972D-0BE2B77E544E}" dt="2025-09-18T14:18:29.994" v="216" actId="478"/>
+      <pc:sldChg chg="addSp delSp modSp mod ord">
+        <pc:chgData name="Jonathan Mah" userId="5261b2f2f3e51194" providerId="LiveId" clId="{A5D66373-2F43-49C1-972D-0BE2B77E544E}" dt="2025-12-03T08:50:25.310" v="498" actId="1076"/>
         <pc:sldMkLst>
           <pc:docMk/>
-          <pc:sldMk cId="2802148690" sldId="511"/>
+          <pc:sldMk cId="1601061642" sldId="512"/>
         </pc:sldMkLst>
-      </pc:sldChg>
-      <pc:sldChg chg="addSp delSp modSp add mod">
-        <pc:chgData name="Jonathan Mah" userId="5261b2f2f3e51194" providerId="LiveId" clId="{A5D66373-2F43-49C1-972D-0BE2B77E544E}" dt="2025-09-18T14:15:50.827" v="210" actId="20577"/>
-        <pc:sldMkLst>
-          <pc:docMk/>
-          <pc:sldMk cId="3115890439" sldId="514"/>
-        </pc:sldMkLst>
-      </pc:sldChg>
-    </pc:docChg>
-  </pc:docChgLst>
-  <pc:docChgLst>
-    <pc:chgData name="Jonathan Mah" userId="5261b2f2f3e51194" providerId="LiveId" clId="{DB9BCF8B-E91B-491C-8171-92D39BBC1534}"/>
-    <pc:docChg chg="undo custSel addSld modSld">
-      <pc:chgData name="Jonathan Mah" userId="5261b2f2f3e51194" providerId="LiveId" clId="{DB9BCF8B-E91B-491C-8171-92D39BBC1534}" dt="2025-10-27T18:56:13.273" v="4" actId="1076"/>
-      <pc:docMkLst>
-        <pc:docMk/>
-      </pc:docMkLst>
-      <pc:sldChg chg="addSp delSp modSp add mod">
-        <pc:chgData name="Jonathan Mah" userId="5261b2f2f3e51194" providerId="LiveId" clId="{DB9BCF8B-E91B-491C-8171-92D39BBC1534}" dt="2025-10-27T18:56:13.273" v="4" actId="1076"/>
-        <pc:sldMkLst>
-          <pc:docMk/>
-          <pc:sldMk cId="1666089732" sldId="515"/>
-        </pc:sldMkLst>
-        <pc:spChg chg="del">
-          <ac:chgData name="Jonathan Mah" userId="5261b2f2f3e51194" providerId="LiveId" clId="{DB9BCF8B-E91B-491C-8171-92D39BBC1534}" dt="2025-10-27T18:56:07.722" v="3" actId="478"/>
+        <pc:spChg chg="add mod">
+          <ac:chgData name="Jonathan Mah" userId="5261b2f2f3e51194" providerId="LiveId" clId="{A5D66373-2F43-49C1-972D-0BE2B77E544E}" dt="2025-12-03T08:46:17.764" v="421" actId="1076"/>
           <ac:spMkLst>
             <pc:docMk/>
-            <pc:sldMk cId="1666089732" sldId="515"/>
-            <ac:spMk id="5" creationId="{6B865D07-4C72-B6CB-97A2-29F00608E546}"/>
+            <pc:sldMk cId="1601061642" sldId="512"/>
+            <ac:spMk id="2" creationId="{DDD4D748-316D-5606-4117-1B9ADD5F854D}"/>
           </ac:spMkLst>
         </pc:spChg>
-        <pc:spChg chg="del">
-          <ac:chgData name="Jonathan Mah" userId="5261b2f2f3e51194" providerId="LiveId" clId="{DB9BCF8B-E91B-491C-8171-92D39BBC1534}" dt="2025-10-27T18:56:07.722" v="3" actId="478"/>
+        <pc:spChg chg="add mod">
+          <ac:chgData name="Jonathan Mah" userId="5261b2f2f3e51194" providerId="LiveId" clId="{A5D66373-2F43-49C1-972D-0BE2B77E544E}" dt="2025-12-03T08:47:50.693" v="448" actId="14100"/>
           <ac:spMkLst>
             <pc:docMk/>
-            <pc:sldMk cId="1666089732" sldId="515"/>
-            <ac:spMk id="6" creationId="{1CC46A6B-749D-F810-3F4C-DB1E81EC4043}"/>
+            <pc:sldMk cId="1601061642" sldId="512"/>
+            <ac:spMk id="3" creationId="{B5123F49-0B34-4F56-4362-2BB67D7555B3}"/>
           </ac:spMkLst>
         </pc:spChg>
-        <pc:spChg chg="del">
-          <ac:chgData name="Jonathan Mah" userId="5261b2f2f3e51194" providerId="LiveId" clId="{DB9BCF8B-E91B-491C-8171-92D39BBC1534}" dt="2025-10-27T18:56:07.722" v="3" actId="478"/>
+        <pc:spChg chg="add mod">
+          <ac:chgData name="Jonathan Mah" userId="5261b2f2f3e51194" providerId="LiveId" clId="{A5D66373-2F43-49C1-972D-0BE2B77E544E}" dt="2025-12-03T08:48:08.973" v="453" actId="1076"/>
           <ac:spMkLst>
             <pc:docMk/>
-            <pc:sldMk cId="1666089732" sldId="515"/>
-            <ac:spMk id="24" creationId="{4BC049B8-29DF-B95A-8E1F-FBCB139B3430}"/>
+            <pc:sldMk cId="1601061642" sldId="512"/>
+            <ac:spMk id="4" creationId="{448C7351-E1F0-15A3-22AF-D474C2065115}"/>
           </ac:spMkLst>
         </pc:spChg>
-        <pc:spChg chg="del">
-          <ac:chgData name="Jonathan Mah" userId="5261b2f2f3e51194" providerId="LiveId" clId="{DB9BCF8B-E91B-491C-8171-92D39BBC1534}" dt="2025-10-27T18:56:07.722" v="3" actId="478"/>
+        <pc:spChg chg="add mod">
+          <ac:chgData name="Jonathan Mah" userId="5261b2f2f3e51194" providerId="LiveId" clId="{A5D66373-2F43-49C1-972D-0BE2B77E544E}" dt="2025-12-03T08:48:01.237" v="451" actId="14100"/>
           <ac:spMkLst>
             <pc:docMk/>
-            <pc:sldMk cId="1666089732" sldId="515"/>
-            <ac:spMk id="37" creationId="{B8C6A34E-FA37-D764-7E5D-0D197880B0A5}"/>
+            <pc:sldMk cId="1601061642" sldId="512"/>
+            <ac:spMk id="5" creationId="{35080CE1-E5E9-3FAC-AE10-330C9B8411AE}"/>
           </ac:spMkLst>
         </pc:spChg>
-        <pc:spChg chg="del">
-          <ac:chgData name="Jonathan Mah" userId="5261b2f2f3e51194" providerId="LiveId" clId="{DB9BCF8B-E91B-491C-8171-92D39BBC1534}" dt="2025-10-27T18:56:07.722" v="3" actId="478"/>
+        <pc:spChg chg="add mod">
+          <ac:chgData name="Jonathan Mah" userId="5261b2f2f3e51194" providerId="LiveId" clId="{A5D66373-2F43-49C1-972D-0BE2B77E544E}" dt="2025-12-03T08:46:17.764" v="421" actId="1076"/>
           <ac:spMkLst>
             <pc:docMk/>
-            <pc:sldMk cId="1666089732" sldId="515"/>
-            <ac:spMk id="38" creationId="{43D39FAD-60C1-8F48-8C8A-1DACF388858F}"/>
+            <pc:sldMk cId="1601061642" sldId="512"/>
+            <ac:spMk id="8" creationId="{20EE986B-3628-5E33-64FD-9C4FC78DD678}"/>
+          </ac:spMkLst>
+        </pc:spChg>
+        <pc:spChg chg="mod">
+          <ac:chgData name="Jonathan Mah" userId="5261b2f2f3e51194" providerId="LiveId" clId="{A5D66373-2F43-49C1-972D-0BE2B77E544E}" dt="2025-12-03T08:48:41.750" v="472" actId="1076"/>
+          <ac:spMkLst>
+            <pc:docMk/>
+            <pc:sldMk cId="1601061642" sldId="512"/>
+            <ac:spMk id="9" creationId="{F7246C0D-7BA6-41D6-C320-1A24DB75A41B}"/>
+          </ac:spMkLst>
+        </pc:spChg>
+        <pc:spChg chg="add mod">
+          <ac:chgData name="Jonathan Mah" userId="5261b2f2f3e51194" providerId="LiveId" clId="{A5D66373-2F43-49C1-972D-0BE2B77E544E}" dt="2025-12-03T08:49:06.902" v="476" actId="1076"/>
+          <ac:spMkLst>
+            <pc:docMk/>
+            <pc:sldMk cId="1601061642" sldId="512"/>
+            <ac:spMk id="10" creationId="{F969B816-1836-9294-742B-96942DDF7418}"/>
+          </ac:spMkLst>
+        </pc:spChg>
+        <pc:spChg chg="add mod">
+          <ac:chgData name="Jonathan Mah" userId="5261b2f2f3e51194" providerId="LiveId" clId="{A5D66373-2F43-49C1-972D-0BE2B77E544E}" dt="2025-12-03T08:47:55.253" v="450" actId="14100"/>
+          <ac:spMkLst>
+            <pc:docMk/>
+            <pc:sldMk cId="1601061642" sldId="512"/>
+            <ac:spMk id="11" creationId="{2D320388-1D65-6692-A4B2-EE9163C7B475}"/>
+          </ac:spMkLst>
+        </pc:spChg>
+        <pc:spChg chg="mod">
+          <ac:chgData name="Jonathan Mah" userId="5261b2f2f3e51194" providerId="LiveId" clId="{A5D66373-2F43-49C1-972D-0BE2B77E544E}" dt="2025-12-03T08:47:12.733" v="432" actId="1076"/>
+          <ac:spMkLst>
+            <pc:docMk/>
+            <pc:sldMk cId="1601061642" sldId="512"/>
+            <ac:spMk id="12" creationId="{E924E80D-ED2B-72E9-A108-EA9118C67D64}"/>
+          </ac:spMkLst>
+        </pc:spChg>
+        <pc:spChg chg="add mod">
+          <ac:chgData name="Jonathan Mah" userId="5261b2f2f3e51194" providerId="LiveId" clId="{A5D66373-2F43-49C1-972D-0BE2B77E544E}" dt="2025-12-03T08:47:53.325" v="449" actId="14100"/>
+          <ac:spMkLst>
+            <pc:docMk/>
+            <pc:sldMk cId="1601061642" sldId="512"/>
+            <ac:spMk id="13" creationId="{1A16D876-3D2A-6700-0BD6-6FCABDF5F6C0}"/>
           </ac:spMkLst>
         </pc:spChg>
         <pc:spChg chg="add del mod">
-          <ac:chgData name="Jonathan Mah" userId="5261b2f2f3e51194" providerId="LiveId" clId="{DB9BCF8B-E91B-491C-8171-92D39BBC1534}" dt="2025-10-27T18:56:13.273" v="4" actId="1076"/>
+          <ac:chgData name="Jonathan Mah" userId="5261b2f2f3e51194" providerId="LiveId" clId="{A5D66373-2F43-49C1-972D-0BE2B77E544E}" dt="2025-12-03T08:36:15.671" v="242" actId="478"/>
           <ac:spMkLst>
             <pc:docMk/>
-            <pc:sldMk cId="1666089732" sldId="515"/>
-            <ac:spMk id="40" creationId="{E43E9A23-1084-6191-D181-568C629F19FD}"/>
+            <pc:sldMk cId="1601061642" sldId="512"/>
+            <ac:spMk id="14" creationId="{FE525588-EA35-E513-460D-016FD47DEB1D}"/>
+          </ac:spMkLst>
+        </pc:spChg>
+        <pc:spChg chg="add mod">
+          <ac:chgData name="Jonathan Mah" userId="5261b2f2f3e51194" providerId="LiveId" clId="{A5D66373-2F43-49C1-972D-0BE2B77E544E}" dt="2025-12-03T08:47:28.254" v="447" actId="1036"/>
+          <ac:spMkLst>
+            <pc:docMk/>
+            <pc:sldMk cId="1601061642" sldId="512"/>
+            <ac:spMk id="15" creationId="{A47FAB82-5C7F-868E-D96A-59F79C9F82E3}"/>
+          </ac:spMkLst>
+        </pc:spChg>
+        <pc:spChg chg="mod">
+          <ac:chgData name="Jonathan Mah" userId="5261b2f2f3e51194" providerId="LiveId" clId="{A5D66373-2F43-49C1-972D-0BE2B77E544E}" dt="2025-12-03T08:47:22.708" v="440" actId="1035"/>
+          <ac:spMkLst>
+            <pc:docMk/>
+            <pc:sldMk cId="1601061642" sldId="512"/>
+            <ac:spMk id="16" creationId="{AC24383B-9881-F2A1-21EC-E1F08400A776}"/>
+          </ac:spMkLst>
+        </pc:spChg>
+        <pc:spChg chg="add mod">
+          <ac:chgData name="Jonathan Mah" userId="5261b2f2f3e51194" providerId="LiveId" clId="{A5D66373-2F43-49C1-972D-0BE2B77E544E}" dt="2025-12-03T08:47:12.733" v="432" actId="1076"/>
+          <ac:spMkLst>
+            <pc:docMk/>
+            <pc:sldMk cId="1601061642" sldId="512"/>
+            <ac:spMk id="17" creationId="{65A0B147-7A62-6C7D-0F90-055F2D36001A}"/>
           </ac:spMkLst>
         </pc:spChg>
         <pc:spChg chg="add del mod">
-          <ac:chgData name="Jonathan Mah" userId="5261b2f2f3e51194" providerId="LiveId" clId="{DB9BCF8B-E91B-491C-8171-92D39BBC1534}" dt="2025-10-27T18:56:13.273" v="4" actId="1076"/>
+          <ac:chgData name="Jonathan Mah" userId="5261b2f2f3e51194" providerId="LiveId" clId="{A5D66373-2F43-49C1-972D-0BE2B77E544E}" dt="2025-12-03T08:45:59.523" v="416" actId="478"/>
           <ac:spMkLst>
             <pc:docMk/>
-            <pc:sldMk cId="1666089732" sldId="515"/>
-            <ac:spMk id="538" creationId="{AD0E0F85-21C5-DFEF-E6D7-923F1E3EA965}"/>
+            <pc:sldMk cId="1601061642" sldId="512"/>
+            <ac:spMk id="18" creationId="{4FB1C5C0-BD31-AE0A-B987-285F436BFAA5}"/>
           </ac:spMkLst>
         </pc:spChg>
-        <pc:spChg chg="add del mod">
-          <ac:chgData name="Jonathan Mah" userId="5261b2f2f3e51194" providerId="LiveId" clId="{DB9BCF8B-E91B-491C-8171-92D39BBC1534}" dt="2025-10-27T18:56:13.273" v="4" actId="1076"/>
+        <pc:spChg chg="add mod">
+          <ac:chgData name="Jonathan Mah" userId="5261b2f2f3e51194" providerId="LiveId" clId="{A5D66373-2F43-49C1-972D-0BE2B77E544E}" dt="2025-12-03T08:46:17.764" v="421" actId="1076"/>
           <ac:spMkLst>
             <pc:docMk/>
-            <pc:sldMk cId="1666089732" sldId="515"/>
-            <ac:spMk id="539" creationId="{9975C59D-791C-52DD-7DB5-6CC5C2F26773}"/>
+            <pc:sldMk cId="1601061642" sldId="512"/>
+            <ac:spMk id="21" creationId="{E4E7989C-1CF6-28FB-4967-C8FA080C3C9D}"/>
           </ac:spMkLst>
         </pc:spChg>
-        <pc:spChg chg="add del mod">
-          <ac:chgData name="Jonathan Mah" userId="5261b2f2f3e51194" providerId="LiveId" clId="{DB9BCF8B-E91B-491C-8171-92D39BBC1534}" dt="2025-10-27T18:56:13.273" v="4" actId="1076"/>
+        <pc:spChg chg="add mod">
+          <ac:chgData name="Jonathan Mah" userId="5261b2f2f3e51194" providerId="LiveId" clId="{A5D66373-2F43-49C1-972D-0BE2B77E544E}" dt="2025-12-03T08:45:19.828" v="375" actId="1076"/>
           <ac:spMkLst>
             <pc:docMk/>
-            <pc:sldMk cId="1666089732" sldId="515"/>
-            <ac:spMk id="540" creationId="{7698DC7E-2D0B-FA32-551F-39A15FC65BD0}"/>
+            <pc:sldMk cId="1601061642" sldId="512"/>
+            <ac:spMk id="24" creationId="{ACB078C8-4156-AC31-CFB4-4A88C1B62115}"/>
           </ac:spMkLst>
         </pc:spChg>
-        <pc:spChg chg="add del mod">
-          <ac:chgData name="Jonathan Mah" userId="5261b2f2f3e51194" providerId="LiveId" clId="{DB9BCF8B-E91B-491C-8171-92D39BBC1534}" dt="2025-10-27T18:56:13.273" v="4" actId="1076"/>
+        <pc:spChg chg="add mod">
+          <ac:chgData name="Jonathan Mah" userId="5261b2f2f3e51194" providerId="LiveId" clId="{A5D66373-2F43-49C1-972D-0BE2B77E544E}" dt="2025-12-03T08:46:17.764" v="421" actId="1076"/>
           <ac:spMkLst>
             <pc:docMk/>
-            <pc:sldMk cId="1666089732" sldId="515"/>
-            <ac:spMk id="541" creationId="{FAA75828-3204-999D-301D-48FB2A613454}"/>
+            <pc:sldMk cId="1601061642" sldId="512"/>
+            <ac:spMk id="25" creationId="{66BF2C94-935F-34B9-0B52-AD79BA960CCB}"/>
           </ac:spMkLst>
         </pc:spChg>
-        <pc:spChg chg="del">
-          <ac:chgData name="Jonathan Mah" userId="5261b2f2f3e51194" providerId="LiveId" clId="{DB9BCF8B-E91B-491C-8171-92D39BBC1534}" dt="2025-10-27T18:56:07.722" v="3" actId="478"/>
+        <pc:spChg chg="add mod">
+          <ac:chgData name="Jonathan Mah" userId="5261b2f2f3e51194" providerId="LiveId" clId="{A5D66373-2F43-49C1-972D-0BE2B77E544E}" dt="2025-12-03T08:45:19.828" v="375" actId="1076"/>
           <ac:spMkLst>
             <pc:docMk/>
-            <pc:sldMk cId="1666089732" sldId="515"/>
-            <ac:spMk id="548" creationId="{AA28EE31-778F-9B39-B822-AA14B5EA23DA}"/>
+            <pc:sldMk cId="1601061642" sldId="512"/>
+            <ac:spMk id="26" creationId="{9DD70F72-77C1-8EA5-551A-235221EC6AD1}"/>
           </ac:spMkLst>
         </pc:spChg>
-        <pc:spChg chg="del">
-          <ac:chgData name="Jonathan Mah" userId="5261b2f2f3e51194" providerId="LiveId" clId="{DB9BCF8B-E91B-491C-8171-92D39BBC1534}" dt="2025-10-27T18:56:07.722" v="3" actId="478"/>
+        <pc:spChg chg="add mod">
+          <ac:chgData name="Jonathan Mah" userId="5261b2f2f3e51194" providerId="LiveId" clId="{A5D66373-2F43-49C1-972D-0BE2B77E544E}" dt="2025-12-03T08:47:22.708" v="440" actId="1035"/>
           <ac:spMkLst>
             <pc:docMk/>
-            <pc:sldMk cId="1666089732" sldId="515"/>
-            <ac:spMk id="550" creationId="{F8958593-761E-1348-C695-EAFDF4AC479B}"/>
+            <pc:sldMk cId="1601061642" sldId="512"/>
+            <ac:spMk id="29" creationId="{614BC83A-B477-6D06-899E-F7C4E8AF95F0}"/>
           </ac:spMkLst>
         </pc:spChg>
-        <pc:spChg chg="del">
-          <ac:chgData name="Jonathan Mah" userId="5261b2f2f3e51194" providerId="LiveId" clId="{DB9BCF8B-E91B-491C-8171-92D39BBC1534}" dt="2025-10-27T18:56:07.722" v="3" actId="478"/>
+        <pc:spChg chg="add mod">
+          <ac:chgData name="Jonathan Mah" userId="5261b2f2f3e51194" providerId="LiveId" clId="{A5D66373-2F43-49C1-972D-0BE2B77E544E}" dt="2025-12-03T08:47:28.254" v="447" actId="1036"/>
           <ac:spMkLst>
             <pc:docMk/>
-            <pc:sldMk cId="1666089732" sldId="515"/>
-            <ac:spMk id="606" creationId="{27CE1610-503D-7BD6-D731-6D35C633552E}"/>
+            <pc:sldMk cId="1601061642" sldId="512"/>
+            <ac:spMk id="30" creationId="{FC1A50AB-9A7A-68FF-2DA1-3CC4AC4B2C10}"/>
           </ac:spMkLst>
         </pc:spChg>
-        <pc:spChg chg="del">
-          <ac:chgData name="Jonathan Mah" userId="5261b2f2f3e51194" providerId="LiveId" clId="{DB9BCF8B-E91B-491C-8171-92D39BBC1534}" dt="2025-10-27T18:56:07.722" v="3" actId="478"/>
+        <pc:spChg chg="add mod">
+          <ac:chgData name="Jonathan Mah" userId="5261b2f2f3e51194" providerId="LiveId" clId="{A5D66373-2F43-49C1-972D-0BE2B77E544E}" dt="2025-12-03T08:47:03.260" v="431" actId="1036"/>
           <ac:spMkLst>
             <pc:docMk/>
-            <pc:sldMk cId="1666089732" sldId="515"/>
-            <ac:spMk id="609" creationId="{A696D7AD-5981-87D3-54FD-75F021F8AFED}"/>
+            <pc:sldMk cId="1601061642" sldId="512"/>
+            <ac:spMk id="32" creationId="{CC1498EC-B75D-AB9B-E34F-27C8DCF3AA8B}"/>
           </ac:spMkLst>
         </pc:spChg>
-        <pc:spChg chg="del">
-          <ac:chgData name="Jonathan Mah" userId="5261b2f2f3e51194" providerId="LiveId" clId="{DB9BCF8B-E91B-491C-8171-92D39BBC1534}" dt="2025-10-27T18:56:07.722" v="3" actId="478"/>
+        <pc:spChg chg="add mod">
+          <ac:chgData name="Jonathan Mah" userId="5261b2f2f3e51194" providerId="LiveId" clId="{A5D66373-2F43-49C1-972D-0BE2B77E544E}" dt="2025-12-03T08:47:03.260" v="431" actId="1036"/>
           <ac:spMkLst>
             <pc:docMk/>
-            <pc:sldMk cId="1666089732" sldId="515"/>
-            <ac:spMk id="610" creationId="{13FE62D4-2309-F839-5E89-DF1AC7E73D8C}"/>
+            <pc:sldMk cId="1601061642" sldId="512"/>
+            <ac:spMk id="33" creationId="{FF20AB08-F6C7-DA2C-91D8-B9E1A0DB96C3}"/>
           </ac:spMkLst>
         </pc:spChg>
+        <pc:spChg chg="add mod">
+          <ac:chgData name="Jonathan Mah" userId="5261b2f2f3e51194" providerId="LiveId" clId="{A5D66373-2F43-49C1-972D-0BE2B77E544E}" dt="2025-12-03T08:48:35.998" v="471" actId="1076"/>
+          <ac:spMkLst>
+            <pc:docMk/>
+            <pc:sldMk cId="1601061642" sldId="512"/>
+            <ac:spMk id="34" creationId="{C88BE0C8-A8C9-57F6-6D7A-DC0D805FC6F9}"/>
+          </ac:spMkLst>
+        </pc:spChg>
+        <pc:spChg chg="add mod">
+          <ac:chgData name="Jonathan Mah" userId="5261b2f2f3e51194" providerId="LiveId" clId="{A5D66373-2F43-49C1-972D-0BE2B77E544E}" dt="2025-12-03T08:50:00.118" v="488" actId="1076"/>
+          <ac:spMkLst>
+            <pc:docMk/>
+            <pc:sldMk cId="1601061642" sldId="512"/>
+            <ac:spMk id="35" creationId="{4BA64D15-3279-904E-184A-FE3B778207E1}"/>
+          </ac:spMkLst>
+        </pc:spChg>
+        <pc:spChg chg="add mod">
+          <ac:chgData name="Jonathan Mah" userId="5261b2f2f3e51194" providerId="LiveId" clId="{A5D66373-2F43-49C1-972D-0BE2B77E544E}" dt="2025-12-03T08:50:07.582" v="493" actId="20577"/>
+          <ac:spMkLst>
+            <pc:docMk/>
+            <pc:sldMk cId="1601061642" sldId="512"/>
+            <ac:spMk id="36" creationId="{492268D4-7A91-5080-826D-45C0DE1DD1C3}"/>
+          </ac:spMkLst>
+        </pc:spChg>
+        <pc:spChg chg="add mod">
+          <ac:chgData name="Jonathan Mah" userId="5261b2f2f3e51194" providerId="LiveId" clId="{A5D66373-2F43-49C1-972D-0BE2B77E544E}" dt="2025-12-03T08:50:25.310" v="498" actId="1076"/>
+          <ac:spMkLst>
+            <pc:docMk/>
+            <pc:sldMk cId="1601061642" sldId="512"/>
+            <ac:spMk id="37" creationId="{FD72681F-F124-DEDC-B8D1-0989DA413C51}"/>
+          </ac:spMkLst>
+        </pc:spChg>
+        <pc:picChg chg="add mod">
+          <ac:chgData name="Jonathan Mah" userId="5261b2f2f3e51194" providerId="LiveId" clId="{A5D66373-2F43-49C1-972D-0BE2B77E544E}" dt="2025-12-03T08:45:19.828" v="375" actId="1076"/>
+          <ac:picMkLst>
+            <pc:docMk/>
+            <pc:sldMk cId="1601061642" sldId="512"/>
+            <ac:picMk id="20" creationId="{63E7276F-F01B-934A-CFDD-FB6D5F2EC7FE}"/>
+          </ac:picMkLst>
+        </pc:picChg>
+        <pc:picChg chg="add del mod">
+          <ac:chgData name="Jonathan Mah" userId="5261b2f2f3e51194" providerId="LiveId" clId="{A5D66373-2F43-49C1-972D-0BE2B77E544E}" dt="2025-12-03T08:43:15.899" v="321" actId="478"/>
+          <ac:picMkLst>
+            <pc:docMk/>
+            <pc:sldMk cId="1601061642" sldId="512"/>
+            <ac:picMk id="22" creationId="{42FBA657-CED5-FA6E-E468-A39906A06854}"/>
+          </ac:picMkLst>
+        </pc:picChg>
+        <pc:picChg chg="add del mod">
+          <ac:chgData name="Jonathan Mah" userId="5261b2f2f3e51194" providerId="LiveId" clId="{A5D66373-2F43-49C1-972D-0BE2B77E544E}" dt="2025-12-03T08:43:16.474" v="322" actId="478"/>
+          <ac:picMkLst>
+            <pc:docMk/>
+            <pc:sldMk cId="1601061642" sldId="512"/>
+            <ac:picMk id="23" creationId="{2AA692FC-120B-223B-D99B-215CC1ACE9B6}"/>
+          </ac:picMkLst>
+        </pc:picChg>
+        <pc:picChg chg="add mod">
+          <ac:chgData name="Jonathan Mah" userId="5261b2f2f3e51194" providerId="LiveId" clId="{A5D66373-2F43-49C1-972D-0BE2B77E544E}" dt="2025-12-03T08:45:19.828" v="375" actId="1076"/>
+          <ac:picMkLst>
+            <pc:docMk/>
+            <pc:sldMk cId="1601061642" sldId="512"/>
+            <ac:picMk id="27" creationId="{2D97DDCB-7229-9321-0F73-E66F51B159CC}"/>
+          </ac:picMkLst>
+        </pc:picChg>
+        <pc:picChg chg="add mod">
+          <ac:chgData name="Jonathan Mah" userId="5261b2f2f3e51194" providerId="LiveId" clId="{A5D66373-2F43-49C1-972D-0BE2B77E544E}" dt="2025-12-03T08:45:19.828" v="375" actId="1076"/>
+          <ac:picMkLst>
+            <pc:docMk/>
+            <pc:sldMk cId="1601061642" sldId="512"/>
+            <ac:picMk id="28" creationId="{D84EF3F0-23DB-F3D5-FE38-1150762ADF3E}"/>
+          </ac:picMkLst>
+        </pc:picChg>
         <pc:cxnChg chg="mod">
-          <ac:chgData name="Jonathan Mah" userId="5261b2f2f3e51194" providerId="LiveId" clId="{DB9BCF8B-E91B-491C-8171-92D39BBC1534}" dt="2025-10-27T18:56:13.273" v="4" actId="1076"/>
+          <ac:chgData name="Jonathan Mah" userId="5261b2f2f3e51194" providerId="LiveId" clId="{A5D66373-2F43-49C1-972D-0BE2B77E544E}" dt="2025-12-03T08:48:46.688" v="475" actId="14100"/>
           <ac:cxnSpMkLst>
             <pc:docMk/>
-            <pc:sldMk cId="1666089732" sldId="515"/>
-            <ac:cxnSpMk id="21" creationId="{8FAD01CF-9F4E-98A3-7AA4-0360AB30F0BA}"/>
+            <pc:sldMk cId="1601061642" sldId="512"/>
+            <ac:cxnSpMk id="6" creationId="{0C29B28B-7A9A-DC6F-F0AB-D90B76DF2B38}"/>
           </ac:cxnSpMkLst>
         </pc:cxnChg>
-        <pc:cxnChg chg="add del mod">
-          <ac:chgData name="Jonathan Mah" userId="5261b2f2f3e51194" providerId="LiveId" clId="{DB9BCF8B-E91B-491C-8171-92D39BBC1534}" dt="2025-10-27T18:55:30.586" v="2" actId="478"/>
+        <pc:cxnChg chg="add mod">
+          <ac:chgData name="Jonathan Mah" userId="5261b2f2f3e51194" providerId="LiveId" clId="{A5D66373-2F43-49C1-972D-0BE2B77E544E}" dt="2025-12-03T08:48:46.688" v="475" actId="14100"/>
           <ac:cxnSpMkLst>
             <pc:docMk/>
-            <pc:sldMk cId="1666089732" sldId="515"/>
-            <ac:cxnSpMk id="42" creationId="{E6AF9B5D-72F5-2F34-19BB-65FA386A7AEB}"/>
-          </ac:cxnSpMkLst>
-        </pc:cxnChg>
-        <pc:cxnChg chg="add del mod">
-          <ac:chgData name="Jonathan Mah" userId="5261b2f2f3e51194" providerId="LiveId" clId="{DB9BCF8B-E91B-491C-8171-92D39BBC1534}" dt="2025-10-27T18:56:13.273" v="4" actId="1076"/>
-          <ac:cxnSpMkLst>
-            <pc:docMk/>
-            <pc:sldMk cId="1666089732" sldId="515"/>
-            <ac:cxnSpMk id="43" creationId="{21008F3A-F0DF-8269-11DE-E50028068E5E}"/>
-          </ac:cxnSpMkLst>
-        </pc:cxnChg>
-        <pc:cxnChg chg="add del">
-          <ac:chgData name="Jonathan Mah" userId="5261b2f2f3e51194" providerId="LiveId" clId="{DB9BCF8B-E91B-491C-8171-92D39BBC1534}" dt="2025-10-27T18:55:30.586" v="2" actId="478"/>
-          <ac:cxnSpMkLst>
-            <pc:docMk/>
-            <pc:sldMk cId="1666089732" sldId="515"/>
-            <ac:cxnSpMk id="44" creationId="{29B0B883-64DF-43F0-A2CD-F997C490DEA9}"/>
-          </ac:cxnSpMkLst>
-        </pc:cxnChg>
-        <pc:cxnChg chg="mod">
-          <ac:chgData name="Jonathan Mah" userId="5261b2f2f3e51194" providerId="LiveId" clId="{DB9BCF8B-E91B-491C-8171-92D39BBC1534}" dt="2025-10-27T18:56:13.273" v="4" actId="1076"/>
-          <ac:cxnSpMkLst>
-            <pc:docMk/>
-            <pc:sldMk cId="1666089732" sldId="515"/>
-            <ac:cxnSpMk id="559" creationId="{42F599DD-5FD9-2398-6E21-F8FA19559033}"/>
-          </ac:cxnSpMkLst>
-        </pc:cxnChg>
-        <pc:cxnChg chg="mod">
-          <ac:chgData name="Jonathan Mah" userId="5261b2f2f3e51194" providerId="LiveId" clId="{DB9BCF8B-E91B-491C-8171-92D39BBC1534}" dt="2025-10-27T18:56:13.273" v="4" actId="1076"/>
-          <ac:cxnSpMkLst>
-            <pc:docMk/>
-            <pc:sldMk cId="1666089732" sldId="515"/>
-            <ac:cxnSpMk id="560" creationId="{30728EEE-F47E-1D88-0B37-FC13F4BF070A}"/>
-          </ac:cxnSpMkLst>
-        </pc:cxnChg>
-        <pc:cxnChg chg="mod">
-          <ac:chgData name="Jonathan Mah" userId="5261b2f2f3e51194" providerId="LiveId" clId="{DB9BCF8B-E91B-491C-8171-92D39BBC1534}" dt="2025-10-27T18:56:13.273" v="4" actId="1076"/>
-          <ac:cxnSpMkLst>
-            <pc:docMk/>
-            <pc:sldMk cId="1666089732" sldId="515"/>
-            <ac:cxnSpMk id="564" creationId="{56CD55BF-8DC9-E33A-DD55-97C789B720E9}"/>
+            <pc:sldMk cId="1601061642" sldId="512"/>
+            <ac:cxnSpMk id="31" creationId="{336F0EB5-4905-BF09-F000-B0455A2F984C}"/>
           </ac:cxnSpMkLst>
         </pc:cxnChg>
       </pc:sldChg>
-    </pc:docChg>
-  </pc:docChgLst>
-  <pc:docChgLst>
-    <pc:chgData name="Jonathan Mah" userId="5261b2f2f3e51194" providerId="LiveId" clId="{D0E1D0F2-3E04-4D0A-847D-0FECA4BDAAD3}"/>
-    <pc:docChg chg="undo custSel addSld delSld modSld delSection modSection">
-      <pc:chgData name="Jonathan Mah" userId="5261b2f2f3e51194" providerId="LiveId" clId="{D0E1D0F2-3E04-4D0A-847D-0FECA4BDAAD3}" dt="2025-07-28T22:06:25.700" v="2206" actId="1038"/>
-      <pc:docMkLst>
-        <pc:docMk/>
-      </pc:docMkLst>
-      <pc:sldChg chg="delSp del mod">
-        <pc:chgData name="Jonathan Mah" userId="5261b2f2f3e51194" providerId="LiveId" clId="{D0E1D0F2-3E04-4D0A-847D-0FECA4BDAAD3}" dt="2025-07-28T19:54:01.841" v="26" actId="47"/>
+      <pc:sldChg chg="add">
+        <pc:chgData name="Jonathan Mah" userId="5261b2f2f3e51194" providerId="LiveId" clId="{A5D66373-2F43-49C1-972D-0BE2B77E544E}" dt="2025-12-03T08:43:03.982" v="310"/>
         <pc:sldMkLst>
           <pc:docMk/>
-          <pc:sldMk cId="2548783154" sldId="412"/>
-        </pc:sldMkLst>
-      </pc:sldChg>
-      <pc:sldChg chg="del">
-        <pc:chgData name="Jonathan Mah" userId="5261b2f2f3e51194" providerId="LiveId" clId="{D0E1D0F2-3E04-4D0A-847D-0FECA4BDAAD3}" dt="2025-07-28T19:52:19.870" v="2" actId="47"/>
-        <pc:sldMkLst>
-          <pc:docMk/>
-          <pc:sldMk cId="3979493213" sldId="413"/>
-        </pc:sldMkLst>
-      </pc:sldChg>
-      <pc:sldChg chg="del">
-        <pc:chgData name="Jonathan Mah" userId="5261b2f2f3e51194" providerId="LiveId" clId="{D0E1D0F2-3E04-4D0A-847D-0FECA4BDAAD3}" dt="2025-07-28T19:52:21.048" v="3" actId="47"/>
-        <pc:sldMkLst>
-          <pc:docMk/>
-          <pc:sldMk cId="3956265726" sldId="414"/>
-        </pc:sldMkLst>
-      </pc:sldChg>
-      <pc:sldChg chg="del">
-        <pc:chgData name="Jonathan Mah" userId="5261b2f2f3e51194" providerId="LiveId" clId="{D0E1D0F2-3E04-4D0A-847D-0FECA4BDAAD3}" dt="2025-07-28T19:52:10.761" v="0" actId="47"/>
-        <pc:sldMkLst>
-          <pc:docMk/>
-          <pc:sldMk cId="3952196035" sldId="420"/>
-        </pc:sldMkLst>
-      </pc:sldChg>
-      <pc:sldChg chg="addSp delSp modSp mod">
-        <pc:chgData name="Jonathan Mah" userId="5261b2f2f3e51194" providerId="LiveId" clId="{D0E1D0F2-3E04-4D0A-847D-0FECA4BDAAD3}" dt="2025-07-28T21:07:52.079" v="452" actId="1076"/>
-        <pc:sldMkLst>
-          <pc:docMk/>
-          <pc:sldMk cId="2126933953" sldId="423"/>
-        </pc:sldMkLst>
-      </pc:sldChg>
-      <pc:sldChg chg="del">
-        <pc:chgData name="Jonathan Mah" userId="5261b2f2f3e51194" providerId="LiveId" clId="{D0E1D0F2-3E04-4D0A-847D-0FECA4BDAAD3}" dt="2025-07-28T19:52:18.375" v="1" actId="47"/>
-        <pc:sldMkLst>
-          <pc:docMk/>
-          <pc:sldMk cId="3690159507" sldId="425"/>
-        </pc:sldMkLst>
-      </pc:sldChg>
-      <pc:sldChg chg="del">
-        <pc:chgData name="Jonathan Mah" userId="5261b2f2f3e51194" providerId="LiveId" clId="{D0E1D0F2-3E04-4D0A-847D-0FECA4BDAAD3}" dt="2025-07-28T19:52:18.375" v="1" actId="47"/>
-        <pc:sldMkLst>
-          <pc:docMk/>
-          <pc:sldMk cId="3701550022" sldId="427"/>
-        </pc:sldMkLst>
-      </pc:sldChg>
-      <pc:sldChg chg="del">
-        <pc:chgData name="Jonathan Mah" userId="5261b2f2f3e51194" providerId="LiveId" clId="{D0E1D0F2-3E04-4D0A-847D-0FECA4BDAAD3}" dt="2025-07-28T19:52:22.386" v="4" actId="47"/>
-        <pc:sldMkLst>
-          <pc:docMk/>
-          <pc:sldMk cId="2775238939" sldId="430"/>
-        </pc:sldMkLst>
-      </pc:sldChg>
-      <pc:sldChg chg="del">
-        <pc:chgData name="Jonathan Mah" userId="5261b2f2f3e51194" providerId="LiveId" clId="{D0E1D0F2-3E04-4D0A-847D-0FECA4BDAAD3}" dt="2025-07-28T19:52:26.472" v="5" actId="47"/>
-        <pc:sldMkLst>
-          <pc:docMk/>
-          <pc:sldMk cId="1679589188" sldId="432"/>
-        </pc:sldMkLst>
-      </pc:sldChg>
-      <pc:sldChg chg="del">
-        <pc:chgData name="Jonathan Mah" userId="5261b2f2f3e51194" providerId="LiveId" clId="{D0E1D0F2-3E04-4D0A-847D-0FECA4BDAAD3}" dt="2025-07-28T19:52:26.472" v="5" actId="47"/>
-        <pc:sldMkLst>
-          <pc:docMk/>
-          <pc:sldMk cId="1330139619" sldId="433"/>
-        </pc:sldMkLst>
-      </pc:sldChg>
-      <pc:sldChg chg="del">
-        <pc:chgData name="Jonathan Mah" userId="5261b2f2f3e51194" providerId="LiveId" clId="{D0E1D0F2-3E04-4D0A-847D-0FECA4BDAAD3}" dt="2025-07-28T19:52:26.472" v="5" actId="47"/>
-        <pc:sldMkLst>
-          <pc:docMk/>
-          <pc:sldMk cId="777357300" sldId="434"/>
-        </pc:sldMkLst>
-      </pc:sldChg>
-      <pc:sldChg chg="del">
-        <pc:chgData name="Jonathan Mah" userId="5261b2f2f3e51194" providerId="LiveId" clId="{D0E1D0F2-3E04-4D0A-847D-0FECA4BDAAD3}" dt="2025-07-28T19:52:26.472" v="5" actId="47"/>
-        <pc:sldMkLst>
-          <pc:docMk/>
-          <pc:sldMk cId="2611612387" sldId="435"/>
-        </pc:sldMkLst>
-      </pc:sldChg>
-      <pc:sldChg chg="del">
-        <pc:chgData name="Jonathan Mah" userId="5261b2f2f3e51194" providerId="LiveId" clId="{D0E1D0F2-3E04-4D0A-847D-0FECA4BDAAD3}" dt="2025-07-28T19:52:30.301" v="6" actId="47"/>
-        <pc:sldMkLst>
-          <pc:docMk/>
-          <pc:sldMk cId="1025585485" sldId="438"/>
-        </pc:sldMkLst>
-      </pc:sldChg>
-      <pc:sldChg chg="del">
-        <pc:chgData name="Jonathan Mah" userId="5261b2f2f3e51194" providerId="LiveId" clId="{D0E1D0F2-3E04-4D0A-847D-0FECA4BDAAD3}" dt="2025-07-28T19:52:30.967" v="7" actId="47"/>
-        <pc:sldMkLst>
-          <pc:docMk/>
-          <pc:sldMk cId="946828120" sldId="439"/>
-        </pc:sldMkLst>
-      </pc:sldChg>
-      <pc:sldChg chg="del">
-        <pc:chgData name="Jonathan Mah" userId="5261b2f2f3e51194" providerId="LiveId" clId="{D0E1D0F2-3E04-4D0A-847D-0FECA4BDAAD3}" dt="2025-07-28T19:52:26.472" v="5" actId="47"/>
-        <pc:sldMkLst>
-          <pc:docMk/>
-          <pc:sldMk cId="2893417591" sldId="442"/>
-        </pc:sldMkLst>
-      </pc:sldChg>
-      <pc:sldChg chg="del">
-        <pc:chgData name="Jonathan Mah" userId="5261b2f2f3e51194" providerId="LiveId" clId="{D0E1D0F2-3E04-4D0A-847D-0FECA4BDAAD3}" dt="2025-07-28T19:52:31.924" v="8" actId="47"/>
-        <pc:sldMkLst>
-          <pc:docMk/>
-          <pc:sldMk cId="1308277891" sldId="446"/>
-        </pc:sldMkLst>
-      </pc:sldChg>
-      <pc:sldChg chg="del">
-        <pc:chgData name="Jonathan Mah" userId="5261b2f2f3e51194" providerId="LiveId" clId="{D0E1D0F2-3E04-4D0A-847D-0FECA4BDAAD3}" dt="2025-07-28T19:52:26.472" v="5" actId="47"/>
-        <pc:sldMkLst>
-          <pc:docMk/>
-          <pc:sldMk cId="3124893641" sldId="448"/>
-        </pc:sldMkLst>
-      </pc:sldChg>
-      <pc:sldChg chg="del">
-        <pc:chgData name="Jonathan Mah" userId="5261b2f2f3e51194" providerId="LiveId" clId="{D0E1D0F2-3E04-4D0A-847D-0FECA4BDAAD3}" dt="2025-07-28T19:52:32.530" v="9" actId="47"/>
-        <pc:sldMkLst>
-          <pc:docMk/>
-          <pc:sldMk cId="3271002948" sldId="449"/>
-        </pc:sldMkLst>
-      </pc:sldChg>
-      <pc:sldChg chg="del">
-        <pc:chgData name="Jonathan Mah" userId="5261b2f2f3e51194" providerId="LiveId" clId="{D0E1D0F2-3E04-4D0A-847D-0FECA4BDAAD3}" dt="2025-07-28T19:52:32.744" v="10" actId="47"/>
-        <pc:sldMkLst>
-          <pc:docMk/>
-          <pc:sldMk cId="454695809" sldId="450"/>
-        </pc:sldMkLst>
-      </pc:sldChg>
-      <pc:sldChg chg="del">
-        <pc:chgData name="Jonathan Mah" userId="5261b2f2f3e51194" providerId="LiveId" clId="{D0E1D0F2-3E04-4D0A-847D-0FECA4BDAAD3}" dt="2025-07-28T19:52:34.242" v="12" actId="47"/>
-        <pc:sldMkLst>
-          <pc:docMk/>
-          <pc:sldMk cId="2356087699" sldId="451"/>
-        </pc:sldMkLst>
-      </pc:sldChg>
-      <pc:sldChg chg="del">
-        <pc:chgData name="Jonathan Mah" userId="5261b2f2f3e51194" providerId="LiveId" clId="{D0E1D0F2-3E04-4D0A-847D-0FECA4BDAAD3}" dt="2025-07-28T19:52:35.503" v="13" actId="47"/>
-        <pc:sldMkLst>
-          <pc:docMk/>
-          <pc:sldMk cId="1287624721" sldId="452"/>
-        </pc:sldMkLst>
-      </pc:sldChg>
-      <pc:sldChg chg="del">
-        <pc:chgData name="Jonathan Mah" userId="5261b2f2f3e51194" providerId="LiveId" clId="{D0E1D0F2-3E04-4D0A-847D-0FECA4BDAAD3}" dt="2025-07-28T19:52:44.501" v="14" actId="47"/>
-        <pc:sldMkLst>
-          <pc:docMk/>
-          <pc:sldMk cId="3734765804" sldId="453"/>
-        </pc:sldMkLst>
-      </pc:sldChg>
-      <pc:sldChg chg="del">
-        <pc:chgData name="Jonathan Mah" userId="5261b2f2f3e51194" providerId="LiveId" clId="{D0E1D0F2-3E04-4D0A-847D-0FECA4BDAAD3}" dt="2025-07-28T19:52:10.761" v="0" actId="47"/>
-        <pc:sldMkLst>
-          <pc:docMk/>
-          <pc:sldMk cId="1313585543" sldId="454"/>
-        </pc:sldMkLst>
-      </pc:sldChg>
-      <pc:sldChg chg="del">
-        <pc:chgData name="Jonathan Mah" userId="5261b2f2f3e51194" providerId="LiveId" clId="{D0E1D0F2-3E04-4D0A-847D-0FECA4BDAAD3}" dt="2025-07-28T19:52:18.375" v="1" actId="47"/>
-        <pc:sldMkLst>
-          <pc:docMk/>
-          <pc:sldMk cId="1767038063" sldId="455"/>
-        </pc:sldMkLst>
-      </pc:sldChg>
-      <pc:sldChg chg="del">
-        <pc:chgData name="Jonathan Mah" userId="5261b2f2f3e51194" providerId="LiveId" clId="{D0E1D0F2-3E04-4D0A-847D-0FECA4BDAAD3}" dt="2025-07-28T19:52:44.501" v="14" actId="47"/>
-        <pc:sldMkLst>
-          <pc:docMk/>
-          <pc:sldMk cId="2098746185" sldId="456"/>
-        </pc:sldMkLst>
-      </pc:sldChg>
-      <pc:sldChg chg="del">
-        <pc:chgData name="Jonathan Mah" userId="5261b2f2f3e51194" providerId="LiveId" clId="{D0E1D0F2-3E04-4D0A-847D-0FECA4BDAAD3}" dt="2025-07-28T19:52:44.501" v="14" actId="47"/>
-        <pc:sldMkLst>
-          <pc:docMk/>
-          <pc:sldMk cId="3606136103" sldId="457"/>
-        </pc:sldMkLst>
-      </pc:sldChg>
-      <pc:sldChg chg="del">
-        <pc:chgData name="Jonathan Mah" userId="5261b2f2f3e51194" providerId="LiveId" clId="{D0E1D0F2-3E04-4D0A-847D-0FECA4BDAAD3}" dt="2025-07-28T19:52:44.501" v="14" actId="47"/>
-        <pc:sldMkLst>
-          <pc:docMk/>
-          <pc:sldMk cId="2839755505" sldId="458"/>
-        </pc:sldMkLst>
-      </pc:sldChg>
-      <pc:sldChg chg="del">
-        <pc:chgData name="Jonathan Mah" userId="5261b2f2f3e51194" providerId="LiveId" clId="{D0E1D0F2-3E04-4D0A-847D-0FECA4BDAAD3}" dt="2025-07-28T19:52:44.501" v="14" actId="47"/>
-        <pc:sldMkLst>
-          <pc:docMk/>
-          <pc:sldMk cId="3270000141" sldId="459"/>
-        </pc:sldMkLst>
-      </pc:sldChg>
-      <pc:sldChg chg="del">
-        <pc:chgData name="Jonathan Mah" userId="5261b2f2f3e51194" providerId="LiveId" clId="{D0E1D0F2-3E04-4D0A-847D-0FECA4BDAAD3}" dt="2025-07-28T19:52:44.501" v="14" actId="47"/>
-        <pc:sldMkLst>
-          <pc:docMk/>
-          <pc:sldMk cId="1334374382" sldId="460"/>
-        </pc:sldMkLst>
-      </pc:sldChg>
-      <pc:sldChg chg="del">
-        <pc:chgData name="Jonathan Mah" userId="5261b2f2f3e51194" providerId="LiveId" clId="{D0E1D0F2-3E04-4D0A-847D-0FECA4BDAAD3}" dt="2025-07-28T19:52:44.501" v="14" actId="47"/>
-        <pc:sldMkLst>
-          <pc:docMk/>
-          <pc:sldMk cId="603531214" sldId="461"/>
-        </pc:sldMkLst>
-      </pc:sldChg>
-      <pc:sldChg chg="del">
-        <pc:chgData name="Jonathan Mah" userId="5261b2f2f3e51194" providerId="LiveId" clId="{D0E1D0F2-3E04-4D0A-847D-0FECA4BDAAD3}" dt="2025-07-28T19:54:04.629" v="27" actId="47"/>
-        <pc:sldMkLst>
-          <pc:docMk/>
-          <pc:sldMk cId="3536469938" sldId="462"/>
-        </pc:sldMkLst>
-      </pc:sldChg>
-      <pc:sldChg chg="del">
-        <pc:chgData name="Jonathan Mah" userId="5261b2f2f3e51194" providerId="LiveId" clId="{D0E1D0F2-3E04-4D0A-847D-0FECA4BDAAD3}" dt="2025-07-28T19:54:05.435" v="28" actId="47"/>
-        <pc:sldMkLst>
-          <pc:docMk/>
-          <pc:sldMk cId="4170773521" sldId="463"/>
-        </pc:sldMkLst>
-      </pc:sldChg>
-      <pc:sldChg chg="del">
-        <pc:chgData name="Jonathan Mah" userId="5261b2f2f3e51194" providerId="LiveId" clId="{D0E1D0F2-3E04-4D0A-847D-0FECA4BDAAD3}" dt="2025-07-28T19:52:18.375" v="1" actId="47"/>
-        <pc:sldMkLst>
-          <pc:docMk/>
-          <pc:sldMk cId="1525011850" sldId="464"/>
-        </pc:sldMkLst>
-      </pc:sldChg>
-      <pc:sldChg chg="del">
-        <pc:chgData name="Jonathan Mah" userId="5261b2f2f3e51194" providerId="LiveId" clId="{D0E1D0F2-3E04-4D0A-847D-0FECA4BDAAD3}" dt="2025-07-28T19:52:18.375" v="1" actId="47"/>
-        <pc:sldMkLst>
-          <pc:docMk/>
-          <pc:sldMk cId="1236432807" sldId="465"/>
-        </pc:sldMkLst>
-      </pc:sldChg>
-      <pc:sldChg chg="del">
-        <pc:chgData name="Jonathan Mah" userId="5261b2f2f3e51194" providerId="LiveId" clId="{D0E1D0F2-3E04-4D0A-847D-0FECA4BDAAD3}" dt="2025-07-28T19:52:18.375" v="1" actId="47"/>
-        <pc:sldMkLst>
-          <pc:docMk/>
-          <pc:sldMk cId="1864094813" sldId="466"/>
-        </pc:sldMkLst>
-      </pc:sldChg>
-      <pc:sldChg chg="del">
-        <pc:chgData name="Jonathan Mah" userId="5261b2f2f3e51194" providerId="LiveId" clId="{D0E1D0F2-3E04-4D0A-847D-0FECA4BDAAD3}" dt="2025-07-28T19:52:44.501" v="14" actId="47"/>
-        <pc:sldMkLst>
-          <pc:docMk/>
-          <pc:sldMk cId="129739385" sldId="467"/>
-        </pc:sldMkLst>
-      </pc:sldChg>
-      <pc:sldChg chg="del">
-        <pc:chgData name="Jonathan Mah" userId="5261b2f2f3e51194" providerId="LiveId" clId="{D0E1D0F2-3E04-4D0A-847D-0FECA4BDAAD3}" dt="2025-07-28T19:53:40.874" v="23" actId="47"/>
-        <pc:sldMkLst>
-          <pc:docMk/>
-          <pc:sldMk cId="2739727224" sldId="468"/>
-        </pc:sldMkLst>
-      </pc:sldChg>
-      <pc:sldChg chg="del">
-        <pc:chgData name="Jonathan Mah" userId="5261b2f2f3e51194" providerId="LiveId" clId="{D0E1D0F2-3E04-4D0A-847D-0FECA4BDAAD3}" dt="2025-07-28T19:52:33.190" v="11" actId="47"/>
-        <pc:sldMkLst>
-          <pc:docMk/>
-          <pc:sldMk cId="413548980" sldId="469"/>
-        </pc:sldMkLst>
-      </pc:sldChg>
-      <pc:sldChg chg="del">
-        <pc:chgData name="Jonathan Mah" userId="5261b2f2f3e51194" providerId="LiveId" clId="{D0E1D0F2-3E04-4D0A-847D-0FECA4BDAAD3}" dt="2025-07-28T19:53:12.745" v="15" actId="47"/>
-        <pc:sldMkLst>
-          <pc:docMk/>
-          <pc:sldMk cId="2483485070" sldId="470"/>
-        </pc:sldMkLst>
-      </pc:sldChg>
-      <pc:sldChg chg="del">
-        <pc:chgData name="Jonathan Mah" userId="5261b2f2f3e51194" providerId="LiveId" clId="{D0E1D0F2-3E04-4D0A-847D-0FECA4BDAAD3}" dt="2025-07-28T19:53:12.745" v="15" actId="47"/>
-        <pc:sldMkLst>
-          <pc:docMk/>
-          <pc:sldMk cId="1287424033" sldId="471"/>
-        </pc:sldMkLst>
-      </pc:sldChg>
-      <pc:sldChg chg="del">
-        <pc:chgData name="Jonathan Mah" userId="5261b2f2f3e51194" providerId="LiveId" clId="{D0E1D0F2-3E04-4D0A-847D-0FECA4BDAAD3}" dt="2025-07-28T19:53:12.745" v="15" actId="47"/>
-        <pc:sldMkLst>
-          <pc:docMk/>
-          <pc:sldMk cId="1475529617" sldId="472"/>
-        </pc:sldMkLst>
-      </pc:sldChg>
-      <pc:sldChg chg="del">
-        <pc:chgData name="Jonathan Mah" userId="5261b2f2f3e51194" providerId="LiveId" clId="{D0E1D0F2-3E04-4D0A-847D-0FECA4BDAAD3}" dt="2025-07-28T19:53:12.745" v="15" actId="47"/>
-        <pc:sldMkLst>
-          <pc:docMk/>
-          <pc:sldMk cId="2872192705" sldId="474"/>
-        </pc:sldMkLst>
-      </pc:sldChg>
-      <pc:sldChg chg="del">
-        <pc:chgData name="Jonathan Mah" userId="5261b2f2f3e51194" providerId="LiveId" clId="{D0E1D0F2-3E04-4D0A-847D-0FECA4BDAAD3}" dt="2025-07-28T19:52:26.472" v="5" actId="47"/>
-        <pc:sldMkLst>
-          <pc:docMk/>
-          <pc:sldMk cId="3265863745" sldId="475"/>
-        </pc:sldMkLst>
-      </pc:sldChg>
-      <pc:sldChg chg="del">
-        <pc:chgData name="Jonathan Mah" userId="5261b2f2f3e51194" providerId="LiveId" clId="{D0E1D0F2-3E04-4D0A-847D-0FECA4BDAAD3}" dt="2025-07-28T19:53:12.745" v="15" actId="47"/>
-        <pc:sldMkLst>
-          <pc:docMk/>
-          <pc:sldMk cId="1021430039" sldId="476"/>
-        </pc:sldMkLst>
-      </pc:sldChg>
-      <pc:sldChg chg="del">
-        <pc:chgData name="Jonathan Mah" userId="5261b2f2f3e51194" providerId="LiveId" clId="{D0E1D0F2-3E04-4D0A-847D-0FECA4BDAAD3}" dt="2025-07-28T19:53:12.745" v="15" actId="47"/>
-        <pc:sldMkLst>
-          <pc:docMk/>
-          <pc:sldMk cId="697229030" sldId="477"/>
-        </pc:sldMkLst>
-      </pc:sldChg>
-      <pc:sldChg chg="del">
-        <pc:chgData name="Jonathan Mah" userId="5261b2f2f3e51194" providerId="LiveId" clId="{D0E1D0F2-3E04-4D0A-847D-0FECA4BDAAD3}" dt="2025-07-28T19:53:40.874" v="23" actId="47"/>
-        <pc:sldMkLst>
-          <pc:docMk/>
-          <pc:sldMk cId="2979009684" sldId="488"/>
-        </pc:sldMkLst>
-      </pc:sldChg>
-      <pc:sldChg chg="del">
-        <pc:chgData name="Jonathan Mah" userId="5261b2f2f3e51194" providerId="LiveId" clId="{D0E1D0F2-3E04-4D0A-847D-0FECA4BDAAD3}" dt="2025-07-28T19:53:40.874" v="23" actId="47"/>
-        <pc:sldMkLst>
-          <pc:docMk/>
-          <pc:sldMk cId="1669289526" sldId="489"/>
-        </pc:sldMkLst>
-      </pc:sldChg>
-      <pc:sldChg chg="del">
-        <pc:chgData name="Jonathan Mah" userId="5261b2f2f3e51194" providerId="LiveId" clId="{D0E1D0F2-3E04-4D0A-847D-0FECA4BDAAD3}" dt="2025-07-28T19:53:40.874" v="23" actId="47"/>
-        <pc:sldMkLst>
-          <pc:docMk/>
-          <pc:sldMk cId="1653053635" sldId="490"/>
-        </pc:sldMkLst>
-      </pc:sldChg>
-      <pc:sldChg chg="del">
-        <pc:chgData name="Jonathan Mah" userId="5261b2f2f3e51194" providerId="LiveId" clId="{D0E1D0F2-3E04-4D0A-847D-0FECA4BDAAD3}" dt="2025-07-28T19:53:40.874" v="23" actId="47"/>
-        <pc:sldMkLst>
-          <pc:docMk/>
-          <pc:sldMk cId="2443938735" sldId="491"/>
-        </pc:sldMkLst>
-      </pc:sldChg>
-      <pc:sldChg chg="del">
-        <pc:chgData name="Jonathan Mah" userId="5261b2f2f3e51194" providerId="LiveId" clId="{D0E1D0F2-3E04-4D0A-847D-0FECA4BDAAD3}" dt="2025-07-28T19:53:40.874" v="23" actId="47"/>
-        <pc:sldMkLst>
-          <pc:docMk/>
-          <pc:sldMk cId="1428109623" sldId="492"/>
-        </pc:sldMkLst>
-      </pc:sldChg>
-      <pc:sldChg chg="del">
-        <pc:chgData name="Jonathan Mah" userId="5261b2f2f3e51194" providerId="LiveId" clId="{D0E1D0F2-3E04-4D0A-847D-0FECA4BDAAD3}" dt="2025-07-28T19:53:34.683" v="22" actId="47"/>
-        <pc:sldMkLst>
-          <pc:docMk/>
-          <pc:sldMk cId="3248953249" sldId="493"/>
-        </pc:sldMkLst>
-      </pc:sldChg>
-      <pc:sldChg chg="del">
-        <pc:chgData name="Jonathan Mah" userId="5261b2f2f3e51194" providerId="LiveId" clId="{D0E1D0F2-3E04-4D0A-847D-0FECA4BDAAD3}" dt="2025-07-28T19:53:34.683" v="22" actId="47"/>
-        <pc:sldMkLst>
-          <pc:docMk/>
-          <pc:sldMk cId="2773307599" sldId="494"/>
-        </pc:sldMkLst>
-      </pc:sldChg>
-      <pc:sldChg chg="del">
-        <pc:chgData name="Jonathan Mah" userId="5261b2f2f3e51194" providerId="LiveId" clId="{D0E1D0F2-3E04-4D0A-847D-0FECA4BDAAD3}" dt="2025-07-28T19:53:34.683" v="22" actId="47"/>
-        <pc:sldMkLst>
-          <pc:docMk/>
-          <pc:sldMk cId="3784933868" sldId="495"/>
-        </pc:sldMkLst>
-      </pc:sldChg>
-      <pc:sldChg chg="del">
-        <pc:chgData name="Jonathan Mah" userId="5261b2f2f3e51194" providerId="LiveId" clId="{D0E1D0F2-3E04-4D0A-847D-0FECA4BDAAD3}" dt="2025-07-28T19:53:34.683" v="22" actId="47"/>
-        <pc:sldMkLst>
-          <pc:docMk/>
-          <pc:sldMk cId="1237087859" sldId="496"/>
-        </pc:sldMkLst>
-      </pc:sldChg>
-      <pc:sldChg chg="del">
-        <pc:chgData name="Jonathan Mah" userId="5261b2f2f3e51194" providerId="LiveId" clId="{D0E1D0F2-3E04-4D0A-847D-0FECA4BDAAD3}" dt="2025-07-28T19:53:30.124" v="21" actId="47"/>
-        <pc:sldMkLst>
-          <pc:docMk/>
-          <pc:sldMk cId="127886192" sldId="497"/>
-        </pc:sldMkLst>
-      </pc:sldChg>
-      <pc:sldChg chg="del">
-        <pc:chgData name="Jonathan Mah" userId="5261b2f2f3e51194" providerId="LiveId" clId="{D0E1D0F2-3E04-4D0A-847D-0FECA4BDAAD3}" dt="2025-07-28T19:53:30.124" v="21" actId="47"/>
-        <pc:sldMkLst>
-          <pc:docMk/>
-          <pc:sldMk cId="3405342697" sldId="499"/>
-        </pc:sldMkLst>
-      </pc:sldChg>
-      <pc:sldChg chg="del">
-        <pc:chgData name="Jonathan Mah" userId="5261b2f2f3e51194" providerId="LiveId" clId="{D0E1D0F2-3E04-4D0A-847D-0FECA4BDAAD3}" dt="2025-07-28T19:53:30.124" v="21" actId="47"/>
-        <pc:sldMkLst>
-          <pc:docMk/>
-          <pc:sldMk cId="2678952578" sldId="500"/>
-        </pc:sldMkLst>
-      </pc:sldChg>
-      <pc:sldChg chg="del">
-        <pc:chgData name="Jonathan Mah" userId="5261b2f2f3e51194" providerId="LiveId" clId="{D0E1D0F2-3E04-4D0A-847D-0FECA4BDAAD3}" dt="2025-07-28T19:53:30.124" v="21" actId="47"/>
-        <pc:sldMkLst>
-          <pc:docMk/>
-          <pc:sldMk cId="65601317" sldId="501"/>
-        </pc:sldMkLst>
-      </pc:sldChg>
-      <pc:sldChg chg="del">
-        <pc:chgData name="Jonathan Mah" userId="5261b2f2f3e51194" providerId="LiveId" clId="{D0E1D0F2-3E04-4D0A-847D-0FECA4BDAAD3}" dt="2025-07-28T19:53:25.485" v="20" actId="47"/>
-        <pc:sldMkLst>
-          <pc:docMk/>
-          <pc:sldMk cId="1954560384" sldId="502"/>
-        </pc:sldMkLst>
-      </pc:sldChg>
-      <pc:sldChg chg="del">
-        <pc:chgData name="Jonathan Mah" userId="5261b2f2f3e51194" providerId="LiveId" clId="{D0E1D0F2-3E04-4D0A-847D-0FECA4BDAAD3}" dt="2025-07-28T19:53:30.124" v="21" actId="47"/>
-        <pc:sldMkLst>
-          <pc:docMk/>
-          <pc:sldMk cId="3144218365" sldId="503"/>
-        </pc:sldMkLst>
-      </pc:sldChg>
-      <pc:sldChg chg="del">
-        <pc:chgData name="Jonathan Mah" userId="5261b2f2f3e51194" providerId="LiveId" clId="{D0E1D0F2-3E04-4D0A-847D-0FECA4BDAAD3}" dt="2025-07-28T19:53:30.124" v="21" actId="47"/>
-        <pc:sldMkLst>
-          <pc:docMk/>
-          <pc:sldMk cId="621514271" sldId="504"/>
-        </pc:sldMkLst>
-      </pc:sldChg>
-      <pc:sldChg chg="del">
-        <pc:chgData name="Jonathan Mah" userId="5261b2f2f3e51194" providerId="LiveId" clId="{D0E1D0F2-3E04-4D0A-847D-0FECA4BDAAD3}" dt="2025-07-28T19:53:30.124" v="21" actId="47"/>
-        <pc:sldMkLst>
-          <pc:docMk/>
-          <pc:sldMk cId="1653732264" sldId="505"/>
-        </pc:sldMkLst>
-      </pc:sldChg>
-      <pc:sldChg chg="del">
-        <pc:chgData name="Jonathan Mah" userId="5261b2f2f3e51194" providerId="LiveId" clId="{D0E1D0F2-3E04-4D0A-847D-0FECA4BDAAD3}" dt="2025-07-28T19:53:34.683" v="22" actId="47"/>
-        <pc:sldMkLst>
-          <pc:docMk/>
-          <pc:sldMk cId="198185164" sldId="506"/>
-        </pc:sldMkLst>
-      </pc:sldChg>
-      <pc:sldChg chg="del">
-        <pc:chgData name="Jonathan Mah" userId="5261b2f2f3e51194" providerId="LiveId" clId="{D0E1D0F2-3E04-4D0A-847D-0FECA4BDAAD3}" dt="2025-07-28T19:53:34.683" v="22" actId="47"/>
-        <pc:sldMkLst>
-          <pc:docMk/>
-          <pc:sldMk cId="415997708" sldId="508"/>
-        </pc:sldMkLst>
-      </pc:sldChg>
-      <pc:sldChg chg="del">
-        <pc:chgData name="Jonathan Mah" userId="5261b2f2f3e51194" providerId="LiveId" clId="{D0E1D0F2-3E04-4D0A-847D-0FECA4BDAAD3}" dt="2025-07-28T19:53:30.124" v="21" actId="47"/>
-        <pc:sldMkLst>
-          <pc:docMk/>
-          <pc:sldMk cId="845728079" sldId="509"/>
-        </pc:sldMkLst>
-      </pc:sldChg>
-      <pc:sldChg chg="del">
-        <pc:chgData name="Jonathan Mah" userId="5261b2f2f3e51194" providerId="LiveId" clId="{D0E1D0F2-3E04-4D0A-847D-0FECA4BDAAD3}" dt="2025-07-28T19:53:24.171" v="19" actId="47"/>
-        <pc:sldMkLst>
-          <pc:docMk/>
-          <pc:sldMk cId="481508947" sldId="510"/>
-        </pc:sldMkLst>
-      </pc:sldChg>
-      <pc:sldChg chg="del">
-        <pc:chgData name="Jonathan Mah" userId="5261b2f2f3e51194" providerId="LiveId" clId="{D0E1D0F2-3E04-4D0A-847D-0FECA4BDAAD3}" dt="2025-07-28T19:53:22.572" v="18" actId="47"/>
-        <pc:sldMkLst>
-          <pc:docMk/>
-          <pc:sldMk cId="848009671" sldId="513"/>
-        </pc:sldMkLst>
-      </pc:sldChg>
-      <pc:sldChg chg="addSp delSp modSp add mod">
-        <pc:chgData name="Jonathan Mah" userId="5261b2f2f3e51194" providerId="LiveId" clId="{D0E1D0F2-3E04-4D0A-847D-0FECA4BDAAD3}" dt="2025-07-28T22:06:25.700" v="2206" actId="1038"/>
-        <pc:sldMkLst>
-          <pc:docMk/>
-          <pc:sldMk cId="1663706368" sldId="513"/>
-        </pc:sldMkLst>
-      </pc:sldChg>
-      <pc:sldChg chg="del">
-        <pc:chgData name="Jonathan Mah" userId="5261b2f2f3e51194" providerId="LiveId" clId="{D0E1D0F2-3E04-4D0A-847D-0FECA4BDAAD3}" dt="2025-07-28T19:53:22.205" v="17" actId="47"/>
-        <pc:sldMkLst>
-          <pc:docMk/>
-          <pc:sldMk cId="3254604077" sldId="514"/>
-        </pc:sldMkLst>
-      </pc:sldChg>
-      <pc:sldChg chg="del">
-        <pc:chgData name="Jonathan Mah" userId="5261b2f2f3e51194" providerId="LiveId" clId="{D0E1D0F2-3E04-4D0A-847D-0FECA4BDAAD3}" dt="2025-07-28T19:53:30.124" v="21" actId="47"/>
-        <pc:sldMkLst>
-          <pc:docMk/>
-          <pc:sldMk cId="3377054046" sldId="515"/>
-        </pc:sldMkLst>
-      </pc:sldChg>
-      <pc:sldChg chg="del">
-        <pc:chgData name="Jonathan Mah" userId="5261b2f2f3e51194" providerId="LiveId" clId="{D0E1D0F2-3E04-4D0A-847D-0FECA4BDAAD3}" dt="2025-07-28T19:53:34.683" v="22" actId="47"/>
-        <pc:sldMkLst>
-          <pc:docMk/>
-          <pc:sldMk cId="4211400240" sldId="516"/>
+          <pc:sldMk cId="3124559289" sldId="516"/>
         </pc:sldMkLst>
       </pc:sldChg>
     </pc:docChg>
@@ -952,7 +528,7 @@
           <a:p>
             <a:fld id="{224F4B04-6A50-4A51-B675-D86EC6563060}" type="datetimeFigureOut">
               <a:rPr lang="en-US" smtClean="0"/>
-              <a:t>10/27/2025</a:t>
+              <a:t>12/3/2025</a:t>
             </a:fld>
             <a:endParaRPr lang="en-US"/>
           </a:p>
@@ -1462,7 +1038,7 @@
           <a:p>
             <a:fld id="{54E435BD-4569-4C00-96FD-DE6EEAA430DA}" type="datetimeFigureOut">
               <a:rPr lang="en-US" smtClean="0"/>
-              <a:t>10/27/2025</a:t>
+              <a:t>12/3/2025</a:t>
             </a:fld>
             <a:endParaRPr lang="en-US"/>
           </a:p>
@@ -1632,7 +1208,7 @@
           <a:p>
             <a:fld id="{54E435BD-4569-4C00-96FD-DE6EEAA430DA}" type="datetimeFigureOut">
               <a:rPr lang="en-US" smtClean="0"/>
-              <a:t>10/27/2025</a:t>
+              <a:t>12/3/2025</a:t>
             </a:fld>
             <a:endParaRPr lang="en-US"/>
           </a:p>
@@ -1812,7 +1388,7 @@
           <a:p>
             <a:fld id="{54E435BD-4569-4C00-96FD-DE6EEAA430DA}" type="datetimeFigureOut">
               <a:rPr lang="en-US" smtClean="0"/>
-              <a:t>10/27/2025</a:t>
+              <a:t>12/3/2025</a:t>
             </a:fld>
             <a:endParaRPr lang="en-US"/>
           </a:p>
@@ -1982,7 +1558,7 @@
           <a:p>
             <a:fld id="{54E435BD-4569-4C00-96FD-DE6EEAA430DA}" type="datetimeFigureOut">
               <a:rPr lang="en-US" smtClean="0"/>
-              <a:t>10/27/2025</a:t>
+              <a:t>12/3/2025</a:t>
             </a:fld>
             <a:endParaRPr lang="en-US"/>
           </a:p>
@@ -2226,7 +1802,7 @@
           <a:p>
             <a:fld id="{54E435BD-4569-4C00-96FD-DE6EEAA430DA}" type="datetimeFigureOut">
               <a:rPr lang="en-US" smtClean="0"/>
-              <a:t>10/27/2025</a:t>
+              <a:t>12/3/2025</a:t>
             </a:fld>
             <a:endParaRPr lang="en-US"/>
           </a:p>
@@ -2458,7 +2034,7 @@
           <a:p>
             <a:fld id="{54E435BD-4569-4C00-96FD-DE6EEAA430DA}" type="datetimeFigureOut">
               <a:rPr lang="en-US" smtClean="0"/>
-              <a:t>10/27/2025</a:t>
+              <a:t>12/3/2025</a:t>
             </a:fld>
             <a:endParaRPr lang="en-US"/>
           </a:p>
@@ -2825,7 +2401,7 @@
           <a:p>
             <a:fld id="{54E435BD-4569-4C00-96FD-DE6EEAA430DA}" type="datetimeFigureOut">
               <a:rPr lang="en-US" smtClean="0"/>
-              <a:t>10/27/2025</a:t>
+              <a:t>12/3/2025</a:t>
             </a:fld>
             <a:endParaRPr lang="en-US"/>
           </a:p>
@@ -2943,7 +2519,7 @@
           <a:p>
             <a:fld id="{54E435BD-4569-4C00-96FD-DE6EEAA430DA}" type="datetimeFigureOut">
               <a:rPr lang="en-US" smtClean="0"/>
-              <a:t>10/27/2025</a:t>
+              <a:t>12/3/2025</a:t>
             </a:fld>
             <a:endParaRPr lang="en-US"/>
           </a:p>
@@ -3038,7 +2614,7 @@
           <a:p>
             <a:fld id="{54E435BD-4569-4C00-96FD-DE6EEAA430DA}" type="datetimeFigureOut">
               <a:rPr lang="en-US" smtClean="0"/>
-              <a:t>10/27/2025</a:t>
+              <a:t>12/3/2025</a:t>
             </a:fld>
             <a:endParaRPr lang="en-US"/>
           </a:p>
@@ -3315,7 +2891,7 @@
           <a:p>
             <a:fld id="{54E435BD-4569-4C00-96FD-DE6EEAA430DA}" type="datetimeFigureOut">
               <a:rPr lang="en-US" smtClean="0"/>
-              <a:t>10/27/2025</a:t>
+              <a:t>12/3/2025</a:t>
             </a:fld>
             <a:endParaRPr lang="en-US"/>
           </a:p>
@@ -3572,7 +3148,7 @@
           <a:p>
             <a:fld id="{54E435BD-4569-4C00-96FD-DE6EEAA430DA}" type="datetimeFigureOut">
               <a:rPr lang="en-US" smtClean="0"/>
-              <a:t>10/27/2025</a:t>
+              <a:t>12/3/2025</a:t>
             </a:fld>
             <a:endParaRPr lang="en-US"/>
           </a:p>
@@ -3785,7 +3361,7 @@
           <a:p>
             <a:fld id="{54E435BD-4569-4C00-96FD-DE6EEAA430DA}" type="datetimeFigureOut">
               <a:rPr lang="en-US" smtClean="0"/>
-              <a:t>10/27/2025</a:t>
+              <a:t>12/3/2025</a:t>
             </a:fld>
             <a:endParaRPr lang="en-US"/>
           </a:p>
@@ -26051,6 +25627,2675 @@
   <p:cSld>
     <p:spTree>
       <p:nvGrpSpPr>
+        <p:cNvPr id="1" name="">
+          <a:extLst>
+            <a:ext uri="{FF2B5EF4-FFF2-40B4-BE49-F238E27FC236}">
+              <a16:creationId xmlns:a16="http://schemas.microsoft.com/office/drawing/2014/main" id="{A84E2153-B9B4-51DE-93BC-886DFCCAFD8F}"/>
+            </a:ext>
+          </a:extLst>
+        </p:cNvPr>
+        <p:cNvGrpSpPr/>
+        <p:nvPr/>
+      </p:nvGrpSpPr>
+      <p:grpSpPr>
+        <a:xfrm>
+          <a:off x="0" y="0"/>
+          <a:ext cx="0" cy="0"/>
+          <a:chOff x="0" y="0"/>
+          <a:chExt cx="0" cy="0"/>
+        </a:xfrm>
+      </p:grpSpPr>
+      <p:sp>
+        <p:nvSpPr>
+          <p:cNvPr id="2" name="TextBox 1">
+            <a:extLst>
+              <a:ext uri="{FF2B5EF4-FFF2-40B4-BE49-F238E27FC236}">
+                <a16:creationId xmlns:a16="http://schemas.microsoft.com/office/drawing/2014/main" id="{31A8C81E-F4C0-A30D-B984-30575A1B4337}"/>
+              </a:ext>
+            </a:extLst>
+          </p:cNvPr>
+          <p:cNvSpPr txBox="1"/>
+          <p:nvPr/>
+        </p:nvSpPr>
+        <p:spPr>
+          <a:xfrm>
+            <a:off x="9496097" y="2658993"/>
+            <a:ext cx="1665932" cy="338554"/>
+          </a:xfrm>
+          <a:prstGeom prst="rect">
+            <a:avLst/>
+          </a:prstGeom>
+          <a:noFill/>
+        </p:spPr>
+        <p:txBody>
+          <a:bodyPr wrap="square" rtlCol="0">
+            <a:spAutoFit/>
+          </a:bodyPr>
+          <a:lstStyle>
+            <a:defPPr>
+              <a:defRPr lang="en-US"/>
+            </a:defPPr>
+            <a:lvl1pPr marL="0" algn="l" defTabSz="457200" rtl="0" eaLnBrk="1" latinLnBrk="0" hangingPunct="1">
+              <a:defRPr sz="1800" kern="1200">
+                <a:solidFill>
+                  <a:schemeClr val="tx1"/>
+                </a:solidFill>
+                <a:latin typeface="+mn-lt"/>
+                <a:ea typeface="+mn-ea"/>
+                <a:cs typeface="+mn-cs"/>
+              </a:defRPr>
+            </a:lvl1pPr>
+            <a:lvl2pPr marL="457200" algn="l" defTabSz="457200" rtl="0" eaLnBrk="1" latinLnBrk="0" hangingPunct="1">
+              <a:defRPr sz="1800" kern="1200">
+                <a:solidFill>
+                  <a:schemeClr val="tx1"/>
+                </a:solidFill>
+                <a:latin typeface="+mn-lt"/>
+                <a:ea typeface="+mn-ea"/>
+                <a:cs typeface="+mn-cs"/>
+              </a:defRPr>
+            </a:lvl2pPr>
+            <a:lvl3pPr marL="914400" algn="l" defTabSz="457200" rtl="0" eaLnBrk="1" latinLnBrk="0" hangingPunct="1">
+              <a:defRPr sz="1800" kern="1200">
+                <a:solidFill>
+                  <a:schemeClr val="tx1"/>
+                </a:solidFill>
+                <a:latin typeface="+mn-lt"/>
+                <a:ea typeface="+mn-ea"/>
+                <a:cs typeface="+mn-cs"/>
+              </a:defRPr>
+            </a:lvl3pPr>
+            <a:lvl4pPr marL="1371600" algn="l" defTabSz="457200" rtl="0" eaLnBrk="1" latinLnBrk="0" hangingPunct="1">
+              <a:defRPr sz="1800" kern="1200">
+                <a:solidFill>
+                  <a:schemeClr val="tx1"/>
+                </a:solidFill>
+                <a:latin typeface="+mn-lt"/>
+                <a:ea typeface="+mn-ea"/>
+                <a:cs typeface="+mn-cs"/>
+              </a:defRPr>
+            </a:lvl4pPr>
+            <a:lvl5pPr marL="1828800" algn="l" defTabSz="457200" rtl="0" eaLnBrk="1" latinLnBrk="0" hangingPunct="1">
+              <a:defRPr sz="1800" kern="1200">
+                <a:solidFill>
+                  <a:schemeClr val="tx1"/>
+                </a:solidFill>
+                <a:latin typeface="+mn-lt"/>
+                <a:ea typeface="+mn-ea"/>
+                <a:cs typeface="+mn-cs"/>
+              </a:defRPr>
+            </a:lvl5pPr>
+            <a:lvl6pPr marL="2286000" algn="l" defTabSz="457200" rtl="0" eaLnBrk="1" latinLnBrk="0" hangingPunct="1">
+              <a:defRPr sz="1800" kern="1200">
+                <a:solidFill>
+                  <a:schemeClr val="tx1"/>
+                </a:solidFill>
+                <a:latin typeface="+mn-lt"/>
+                <a:ea typeface="+mn-ea"/>
+                <a:cs typeface="+mn-cs"/>
+              </a:defRPr>
+            </a:lvl6pPr>
+            <a:lvl7pPr marL="2743200" algn="l" defTabSz="457200" rtl="0" eaLnBrk="1" latinLnBrk="0" hangingPunct="1">
+              <a:defRPr sz="1800" kern="1200">
+                <a:solidFill>
+                  <a:schemeClr val="tx1"/>
+                </a:solidFill>
+                <a:latin typeface="+mn-lt"/>
+                <a:ea typeface="+mn-ea"/>
+                <a:cs typeface="+mn-cs"/>
+              </a:defRPr>
+            </a:lvl7pPr>
+            <a:lvl8pPr marL="3200400" algn="l" defTabSz="457200" rtl="0" eaLnBrk="1" latinLnBrk="0" hangingPunct="1">
+              <a:defRPr sz="1800" kern="1200">
+                <a:solidFill>
+                  <a:schemeClr val="tx1"/>
+                </a:solidFill>
+                <a:latin typeface="+mn-lt"/>
+                <a:ea typeface="+mn-ea"/>
+                <a:cs typeface="+mn-cs"/>
+              </a:defRPr>
+            </a:lvl8pPr>
+            <a:lvl9pPr marL="3657600" algn="l" defTabSz="457200" rtl="0" eaLnBrk="1" latinLnBrk="0" hangingPunct="1">
+              <a:defRPr sz="1800" kern="1200">
+                <a:solidFill>
+                  <a:schemeClr val="tx1"/>
+                </a:solidFill>
+                <a:latin typeface="+mn-lt"/>
+                <a:ea typeface="+mn-ea"/>
+                <a:cs typeface="+mn-cs"/>
+              </a:defRPr>
+            </a:lvl9pPr>
+          </a:lstStyle>
+          <a:p>
+            <a:r>
+              <a:rPr lang="en-US" sz="1600" b="1" dirty="0">
+                <a:latin typeface="Arial" panose="020B0604020202020204" pitchFamily="34" charset="0"/>
+                <a:ea typeface="Yu Gothic" panose="020B0400000000000000" pitchFamily="34" charset="-128"/>
+                <a:cs typeface="Arial" panose="020B0604020202020204" pitchFamily="34" charset="0"/>
+              </a:rPr>
+              <a:t>Three-epoch</a:t>
+            </a:r>
+          </a:p>
+        </p:txBody>
+      </p:sp>
+      <p:sp>
+        <p:nvSpPr>
+          <p:cNvPr id="3" name="Rectangle 2">
+            <a:extLst>
+              <a:ext uri="{FF2B5EF4-FFF2-40B4-BE49-F238E27FC236}">
+                <a16:creationId xmlns:a16="http://schemas.microsoft.com/office/drawing/2014/main" id="{1E44EA0B-4A62-7B2A-CAFE-2CE0DD8A08F8}"/>
+              </a:ext>
+            </a:extLst>
+          </p:cNvPr>
+          <p:cNvSpPr/>
+          <p:nvPr/>
+        </p:nvSpPr>
+        <p:spPr>
+          <a:xfrm>
+            <a:off x="9866723" y="3079691"/>
+            <a:ext cx="914400" cy="1019041"/>
+          </a:xfrm>
+          <a:prstGeom prst="rect">
+            <a:avLst/>
+          </a:prstGeom>
+          <a:solidFill>
+            <a:schemeClr val="accent1">
+              <a:lumMod val="40000"/>
+              <a:lumOff val="60000"/>
+            </a:schemeClr>
+          </a:solidFill>
+          <a:ln>
+            <a:noFill/>
+          </a:ln>
+        </p:spPr>
+        <p:style>
+          <a:lnRef idx="2">
+            <a:schemeClr val="accent1">
+              <a:shade val="15000"/>
+            </a:schemeClr>
+          </a:lnRef>
+          <a:fillRef idx="1">
+            <a:schemeClr val="accent1"/>
+          </a:fillRef>
+          <a:effectRef idx="0">
+            <a:schemeClr val="accent1"/>
+          </a:effectRef>
+          <a:fontRef idx="minor">
+            <a:schemeClr val="lt1"/>
+          </a:fontRef>
+        </p:style>
+        <p:txBody>
+          <a:bodyPr rtlCol="0" anchor="ctr"/>
+          <a:lstStyle>
+            <a:defPPr>
+              <a:defRPr lang="en-US"/>
+            </a:defPPr>
+            <a:lvl1pPr marL="0" algn="l" defTabSz="457200" rtl="0" eaLnBrk="1" latinLnBrk="0" hangingPunct="1">
+              <a:defRPr sz="1800" kern="1200">
+                <a:solidFill>
+                  <a:schemeClr val="lt1"/>
+                </a:solidFill>
+                <a:latin typeface="+mn-lt"/>
+                <a:ea typeface="+mn-ea"/>
+                <a:cs typeface="+mn-cs"/>
+              </a:defRPr>
+            </a:lvl1pPr>
+            <a:lvl2pPr marL="457200" algn="l" defTabSz="457200" rtl="0" eaLnBrk="1" latinLnBrk="0" hangingPunct="1">
+              <a:defRPr sz="1800" kern="1200">
+                <a:solidFill>
+                  <a:schemeClr val="lt1"/>
+                </a:solidFill>
+                <a:latin typeface="+mn-lt"/>
+                <a:ea typeface="+mn-ea"/>
+                <a:cs typeface="+mn-cs"/>
+              </a:defRPr>
+            </a:lvl2pPr>
+            <a:lvl3pPr marL="914400" algn="l" defTabSz="457200" rtl="0" eaLnBrk="1" latinLnBrk="0" hangingPunct="1">
+              <a:defRPr sz="1800" kern="1200">
+                <a:solidFill>
+                  <a:schemeClr val="lt1"/>
+                </a:solidFill>
+                <a:latin typeface="+mn-lt"/>
+                <a:ea typeface="+mn-ea"/>
+                <a:cs typeface="+mn-cs"/>
+              </a:defRPr>
+            </a:lvl3pPr>
+            <a:lvl4pPr marL="1371600" algn="l" defTabSz="457200" rtl="0" eaLnBrk="1" latinLnBrk="0" hangingPunct="1">
+              <a:defRPr sz="1800" kern="1200">
+                <a:solidFill>
+                  <a:schemeClr val="lt1"/>
+                </a:solidFill>
+                <a:latin typeface="+mn-lt"/>
+                <a:ea typeface="+mn-ea"/>
+                <a:cs typeface="+mn-cs"/>
+              </a:defRPr>
+            </a:lvl4pPr>
+            <a:lvl5pPr marL="1828800" algn="l" defTabSz="457200" rtl="0" eaLnBrk="1" latinLnBrk="0" hangingPunct="1">
+              <a:defRPr sz="1800" kern="1200">
+                <a:solidFill>
+                  <a:schemeClr val="lt1"/>
+                </a:solidFill>
+                <a:latin typeface="+mn-lt"/>
+                <a:ea typeface="+mn-ea"/>
+                <a:cs typeface="+mn-cs"/>
+              </a:defRPr>
+            </a:lvl5pPr>
+            <a:lvl6pPr marL="2286000" algn="l" defTabSz="457200" rtl="0" eaLnBrk="1" latinLnBrk="0" hangingPunct="1">
+              <a:defRPr sz="1800" kern="1200">
+                <a:solidFill>
+                  <a:schemeClr val="lt1"/>
+                </a:solidFill>
+                <a:latin typeface="+mn-lt"/>
+                <a:ea typeface="+mn-ea"/>
+                <a:cs typeface="+mn-cs"/>
+              </a:defRPr>
+            </a:lvl6pPr>
+            <a:lvl7pPr marL="2743200" algn="l" defTabSz="457200" rtl="0" eaLnBrk="1" latinLnBrk="0" hangingPunct="1">
+              <a:defRPr sz="1800" kern="1200">
+                <a:solidFill>
+                  <a:schemeClr val="lt1"/>
+                </a:solidFill>
+                <a:latin typeface="+mn-lt"/>
+                <a:ea typeface="+mn-ea"/>
+                <a:cs typeface="+mn-cs"/>
+              </a:defRPr>
+            </a:lvl7pPr>
+            <a:lvl8pPr marL="3200400" algn="l" defTabSz="457200" rtl="0" eaLnBrk="1" latinLnBrk="0" hangingPunct="1">
+              <a:defRPr sz="1800" kern="1200">
+                <a:solidFill>
+                  <a:schemeClr val="lt1"/>
+                </a:solidFill>
+                <a:latin typeface="+mn-lt"/>
+                <a:ea typeface="+mn-ea"/>
+                <a:cs typeface="+mn-cs"/>
+              </a:defRPr>
+            </a:lvl8pPr>
+            <a:lvl9pPr marL="3657600" algn="l" defTabSz="457200" rtl="0" eaLnBrk="1" latinLnBrk="0" hangingPunct="1">
+              <a:defRPr sz="1800" kern="1200">
+                <a:solidFill>
+                  <a:schemeClr val="lt1"/>
+                </a:solidFill>
+                <a:latin typeface="+mn-lt"/>
+                <a:ea typeface="+mn-ea"/>
+                <a:cs typeface="+mn-cs"/>
+              </a:defRPr>
+            </a:lvl9pPr>
+          </a:lstStyle>
+          <a:p>
+            <a:pPr algn="ctr"/>
+            <a:endParaRPr lang="en-US" sz="1600" dirty="0">
+              <a:latin typeface="Arial" panose="020B0604020202020204" pitchFamily="34" charset="0"/>
+              <a:cs typeface="Arial" panose="020B0604020202020204" pitchFamily="34" charset="0"/>
+            </a:endParaRPr>
+          </a:p>
+        </p:txBody>
+      </p:sp>
+      <p:sp>
+        <p:nvSpPr>
+          <p:cNvPr id="4" name="Rectangle 3">
+            <a:extLst>
+              <a:ext uri="{FF2B5EF4-FFF2-40B4-BE49-F238E27FC236}">
+                <a16:creationId xmlns:a16="http://schemas.microsoft.com/office/drawing/2014/main" id="{7F48889B-861E-0B99-1828-64AB173F66BA}"/>
+              </a:ext>
+            </a:extLst>
+          </p:cNvPr>
+          <p:cNvSpPr/>
+          <p:nvPr/>
+        </p:nvSpPr>
+        <p:spPr>
+          <a:xfrm>
+            <a:off x="9658120" y="5457239"/>
+            <a:ext cx="1331605" cy="280246"/>
+          </a:xfrm>
+          <a:prstGeom prst="rect">
+            <a:avLst/>
+          </a:prstGeom>
+          <a:solidFill>
+            <a:schemeClr val="accent1">
+              <a:lumMod val="40000"/>
+              <a:lumOff val="60000"/>
+            </a:schemeClr>
+          </a:solidFill>
+          <a:ln>
+            <a:noFill/>
+          </a:ln>
+        </p:spPr>
+        <p:style>
+          <a:lnRef idx="2">
+            <a:schemeClr val="accent1">
+              <a:shade val="15000"/>
+            </a:schemeClr>
+          </a:lnRef>
+          <a:fillRef idx="1">
+            <a:schemeClr val="accent1"/>
+          </a:fillRef>
+          <a:effectRef idx="0">
+            <a:schemeClr val="accent1"/>
+          </a:effectRef>
+          <a:fontRef idx="minor">
+            <a:schemeClr val="lt1"/>
+          </a:fontRef>
+        </p:style>
+        <p:txBody>
+          <a:bodyPr rtlCol="0" anchor="ctr"/>
+          <a:lstStyle>
+            <a:defPPr>
+              <a:defRPr lang="en-US"/>
+            </a:defPPr>
+            <a:lvl1pPr marL="0" algn="l" defTabSz="457200" rtl="0" eaLnBrk="1" latinLnBrk="0" hangingPunct="1">
+              <a:defRPr sz="1800" kern="1200">
+                <a:solidFill>
+                  <a:schemeClr val="lt1"/>
+                </a:solidFill>
+                <a:latin typeface="+mn-lt"/>
+                <a:ea typeface="+mn-ea"/>
+                <a:cs typeface="+mn-cs"/>
+              </a:defRPr>
+            </a:lvl1pPr>
+            <a:lvl2pPr marL="457200" algn="l" defTabSz="457200" rtl="0" eaLnBrk="1" latinLnBrk="0" hangingPunct="1">
+              <a:defRPr sz="1800" kern="1200">
+                <a:solidFill>
+                  <a:schemeClr val="lt1"/>
+                </a:solidFill>
+                <a:latin typeface="+mn-lt"/>
+                <a:ea typeface="+mn-ea"/>
+                <a:cs typeface="+mn-cs"/>
+              </a:defRPr>
+            </a:lvl2pPr>
+            <a:lvl3pPr marL="914400" algn="l" defTabSz="457200" rtl="0" eaLnBrk="1" latinLnBrk="0" hangingPunct="1">
+              <a:defRPr sz="1800" kern="1200">
+                <a:solidFill>
+                  <a:schemeClr val="lt1"/>
+                </a:solidFill>
+                <a:latin typeface="+mn-lt"/>
+                <a:ea typeface="+mn-ea"/>
+                <a:cs typeface="+mn-cs"/>
+              </a:defRPr>
+            </a:lvl3pPr>
+            <a:lvl4pPr marL="1371600" algn="l" defTabSz="457200" rtl="0" eaLnBrk="1" latinLnBrk="0" hangingPunct="1">
+              <a:defRPr sz="1800" kern="1200">
+                <a:solidFill>
+                  <a:schemeClr val="lt1"/>
+                </a:solidFill>
+                <a:latin typeface="+mn-lt"/>
+                <a:ea typeface="+mn-ea"/>
+                <a:cs typeface="+mn-cs"/>
+              </a:defRPr>
+            </a:lvl4pPr>
+            <a:lvl5pPr marL="1828800" algn="l" defTabSz="457200" rtl="0" eaLnBrk="1" latinLnBrk="0" hangingPunct="1">
+              <a:defRPr sz="1800" kern="1200">
+                <a:solidFill>
+                  <a:schemeClr val="lt1"/>
+                </a:solidFill>
+                <a:latin typeface="+mn-lt"/>
+                <a:ea typeface="+mn-ea"/>
+                <a:cs typeface="+mn-cs"/>
+              </a:defRPr>
+            </a:lvl5pPr>
+            <a:lvl6pPr marL="2286000" algn="l" defTabSz="457200" rtl="0" eaLnBrk="1" latinLnBrk="0" hangingPunct="1">
+              <a:defRPr sz="1800" kern="1200">
+                <a:solidFill>
+                  <a:schemeClr val="lt1"/>
+                </a:solidFill>
+                <a:latin typeface="+mn-lt"/>
+                <a:ea typeface="+mn-ea"/>
+                <a:cs typeface="+mn-cs"/>
+              </a:defRPr>
+            </a:lvl6pPr>
+            <a:lvl7pPr marL="2743200" algn="l" defTabSz="457200" rtl="0" eaLnBrk="1" latinLnBrk="0" hangingPunct="1">
+              <a:defRPr sz="1800" kern="1200">
+                <a:solidFill>
+                  <a:schemeClr val="lt1"/>
+                </a:solidFill>
+                <a:latin typeface="+mn-lt"/>
+                <a:ea typeface="+mn-ea"/>
+                <a:cs typeface="+mn-cs"/>
+              </a:defRPr>
+            </a:lvl7pPr>
+            <a:lvl8pPr marL="3200400" algn="l" defTabSz="457200" rtl="0" eaLnBrk="1" latinLnBrk="0" hangingPunct="1">
+              <a:defRPr sz="1800" kern="1200">
+                <a:solidFill>
+                  <a:schemeClr val="lt1"/>
+                </a:solidFill>
+                <a:latin typeface="+mn-lt"/>
+                <a:ea typeface="+mn-ea"/>
+                <a:cs typeface="+mn-cs"/>
+              </a:defRPr>
+            </a:lvl8pPr>
+            <a:lvl9pPr marL="3657600" algn="l" defTabSz="457200" rtl="0" eaLnBrk="1" latinLnBrk="0" hangingPunct="1">
+              <a:defRPr sz="1800" kern="1200">
+                <a:solidFill>
+                  <a:schemeClr val="lt1"/>
+                </a:solidFill>
+                <a:latin typeface="+mn-lt"/>
+                <a:ea typeface="+mn-ea"/>
+                <a:cs typeface="+mn-cs"/>
+              </a:defRPr>
+            </a:lvl9pPr>
+          </a:lstStyle>
+          <a:p>
+            <a:pPr algn="ctr"/>
+            <a:endParaRPr lang="en-US" sz="1600" dirty="0">
+              <a:latin typeface="Arial" panose="020B0604020202020204" pitchFamily="34" charset="0"/>
+              <a:cs typeface="Arial" panose="020B0604020202020204" pitchFamily="34" charset="0"/>
+            </a:endParaRPr>
+          </a:p>
+        </p:txBody>
+      </p:sp>
+      <p:sp>
+        <p:nvSpPr>
+          <p:cNvPr id="5" name="Rectangle 4">
+            <a:extLst>
+              <a:ext uri="{FF2B5EF4-FFF2-40B4-BE49-F238E27FC236}">
+                <a16:creationId xmlns:a16="http://schemas.microsoft.com/office/drawing/2014/main" id="{D99773AC-71BD-CEE9-8C33-A4188B93CEE7}"/>
+              </a:ext>
+            </a:extLst>
+          </p:cNvPr>
+          <p:cNvSpPr/>
+          <p:nvPr/>
+        </p:nvSpPr>
+        <p:spPr>
+          <a:xfrm>
+            <a:off x="10083930" y="4089052"/>
+            <a:ext cx="479985" cy="1368186"/>
+          </a:xfrm>
+          <a:prstGeom prst="rect">
+            <a:avLst/>
+          </a:prstGeom>
+          <a:solidFill>
+            <a:schemeClr val="accent1">
+              <a:lumMod val="40000"/>
+              <a:lumOff val="60000"/>
+            </a:schemeClr>
+          </a:solidFill>
+          <a:ln>
+            <a:noFill/>
+          </a:ln>
+        </p:spPr>
+        <p:style>
+          <a:lnRef idx="2">
+            <a:schemeClr val="accent1">
+              <a:shade val="15000"/>
+            </a:schemeClr>
+          </a:lnRef>
+          <a:fillRef idx="1">
+            <a:schemeClr val="accent1"/>
+          </a:fillRef>
+          <a:effectRef idx="0">
+            <a:schemeClr val="accent1"/>
+          </a:effectRef>
+          <a:fontRef idx="minor">
+            <a:schemeClr val="lt1"/>
+          </a:fontRef>
+        </p:style>
+        <p:txBody>
+          <a:bodyPr rtlCol="0" anchor="ctr"/>
+          <a:lstStyle>
+            <a:defPPr>
+              <a:defRPr lang="en-US"/>
+            </a:defPPr>
+            <a:lvl1pPr marL="0" algn="l" defTabSz="457200" rtl="0" eaLnBrk="1" latinLnBrk="0" hangingPunct="1">
+              <a:defRPr sz="1800" kern="1200">
+                <a:solidFill>
+                  <a:schemeClr val="lt1"/>
+                </a:solidFill>
+                <a:latin typeface="+mn-lt"/>
+                <a:ea typeface="+mn-ea"/>
+                <a:cs typeface="+mn-cs"/>
+              </a:defRPr>
+            </a:lvl1pPr>
+            <a:lvl2pPr marL="457200" algn="l" defTabSz="457200" rtl="0" eaLnBrk="1" latinLnBrk="0" hangingPunct="1">
+              <a:defRPr sz="1800" kern="1200">
+                <a:solidFill>
+                  <a:schemeClr val="lt1"/>
+                </a:solidFill>
+                <a:latin typeface="+mn-lt"/>
+                <a:ea typeface="+mn-ea"/>
+                <a:cs typeface="+mn-cs"/>
+              </a:defRPr>
+            </a:lvl2pPr>
+            <a:lvl3pPr marL="914400" algn="l" defTabSz="457200" rtl="0" eaLnBrk="1" latinLnBrk="0" hangingPunct="1">
+              <a:defRPr sz="1800" kern="1200">
+                <a:solidFill>
+                  <a:schemeClr val="lt1"/>
+                </a:solidFill>
+                <a:latin typeface="+mn-lt"/>
+                <a:ea typeface="+mn-ea"/>
+                <a:cs typeface="+mn-cs"/>
+              </a:defRPr>
+            </a:lvl3pPr>
+            <a:lvl4pPr marL="1371600" algn="l" defTabSz="457200" rtl="0" eaLnBrk="1" latinLnBrk="0" hangingPunct="1">
+              <a:defRPr sz="1800" kern="1200">
+                <a:solidFill>
+                  <a:schemeClr val="lt1"/>
+                </a:solidFill>
+                <a:latin typeface="+mn-lt"/>
+                <a:ea typeface="+mn-ea"/>
+                <a:cs typeface="+mn-cs"/>
+              </a:defRPr>
+            </a:lvl4pPr>
+            <a:lvl5pPr marL="1828800" algn="l" defTabSz="457200" rtl="0" eaLnBrk="1" latinLnBrk="0" hangingPunct="1">
+              <a:defRPr sz="1800" kern="1200">
+                <a:solidFill>
+                  <a:schemeClr val="lt1"/>
+                </a:solidFill>
+                <a:latin typeface="+mn-lt"/>
+                <a:ea typeface="+mn-ea"/>
+                <a:cs typeface="+mn-cs"/>
+              </a:defRPr>
+            </a:lvl5pPr>
+            <a:lvl6pPr marL="2286000" algn="l" defTabSz="457200" rtl="0" eaLnBrk="1" latinLnBrk="0" hangingPunct="1">
+              <a:defRPr sz="1800" kern="1200">
+                <a:solidFill>
+                  <a:schemeClr val="lt1"/>
+                </a:solidFill>
+                <a:latin typeface="+mn-lt"/>
+                <a:ea typeface="+mn-ea"/>
+                <a:cs typeface="+mn-cs"/>
+              </a:defRPr>
+            </a:lvl6pPr>
+            <a:lvl7pPr marL="2743200" algn="l" defTabSz="457200" rtl="0" eaLnBrk="1" latinLnBrk="0" hangingPunct="1">
+              <a:defRPr sz="1800" kern="1200">
+                <a:solidFill>
+                  <a:schemeClr val="lt1"/>
+                </a:solidFill>
+                <a:latin typeface="+mn-lt"/>
+                <a:ea typeface="+mn-ea"/>
+                <a:cs typeface="+mn-cs"/>
+              </a:defRPr>
+            </a:lvl7pPr>
+            <a:lvl8pPr marL="3200400" algn="l" defTabSz="457200" rtl="0" eaLnBrk="1" latinLnBrk="0" hangingPunct="1">
+              <a:defRPr sz="1800" kern="1200">
+                <a:solidFill>
+                  <a:schemeClr val="lt1"/>
+                </a:solidFill>
+                <a:latin typeface="+mn-lt"/>
+                <a:ea typeface="+mn-ea"/>
+                <a:cs typeface="+mn-cs"/>
+              </a:defRPr>
+            </a:lvl8pPr>
+            <a:lvl9pPr marL="3657600" algn="l" defTabSz="457200" rtl="0" eaLnBrk="1" latinLnBrk="0" hangingPunct="1">
+              <a:defRPr sz="1800" kern="1200">
+                <a:solidFill>
+                  <a:schemeClr val="lt1"/>
+                </a:solidFill>
+                <a:latin typeface="+mn-lt"/>
+                <a:ea typeface="+mn-ea"/>
+                <a:cs typeface="+mn-cs"/>
+              </a:defRPr>
+            </a:lvl9pPr>
+          </a:lstStyle>
+          <a:p>
+            <a:pPr algn="ctr"/>
+            <a:endParaRPr lang="en-US" sz="1600" dirty="0">
+              <a:latin typeface="Arial" panose="020B0604020202020204" pitchFamily="34" charset="0"/>
+              <a:cs typeface="Arial" panose="020B0604020202020204" pitchFamily="34" charset="0"/>
+            </a:endParaRPr>
+          </a:p>
+        </p:txBody>
+      </p:sp>
+      <p:cxnSp>
+        <p:nvCxnSpPr>
+          <p:cNvPr id="6" name="Straight Arrow Connector 5">
+            <a:extLst>
+              <a:ext uri="{FF2B5EF4-FFF2-40B4-BE49-F238E27FC236}">
+                <a16:creationId xmlns:a16="http://schemas.microsoft.com/office/drawing/2014/main" id="{173F076B-5882-EB69-6949-13CF2D4658C5}"/>
+              </a:ext>
+            </a:extLst>
+          </p:cNvPr>
+          <p:cNvCxnSpPr>
+            <a:cxnSpLocks/>
+          </p:cNvCxnSpPr>
+          <p:nvPr/>
+        </p:nvCxnSpPr>
+        <p:spPr>
+          <a:xfrm>
+            <a:off x="9437729" y="3167376"/>
+            <a:ext cx="0" cy="2688388"/>
+          </a:xfrm>
+          <a:prstGeom prst="straightConnector1">
+            <a:avLst/>
+          </a:prstGeom>
+          <a:ln w="76200">
+            <a:tailEnd type="triangle"/>
+          </a:ln>
+        </p:spPr>
+        <p:style>
+          <a:lnRef idx="1">
+            <a:schemeClr val="dk1"/>
+          </a:lnRef>
+          <a:fillRef idx="0">
+            <a:schemeClr val="dk1"/>
+          </a:fillRef>
+          <a:effectRef idx="0">
+            <a:schemeClr val="dk1"/>
+          </a:effectRef>
+          <a:fontRef idx="minor">
+            <a:schemeClr val="tx1"/>
+          </a:fontRef>
+        </p:style>
+      </p:cxnSp>
+      <p:sp>
+        <p:nvSpPr>
+          <p:cNvPr id="7" name="TextBox 6">
+            <a:extLst>
+              <a:ext uri="{FF2B5EF4-FFF2-40B4-BE49-F238E27FC236}">
+                <a16:creationId xmlns:a16="http://schemas.microsoft.com/office/drawing/2014/main" id="{4E98F14B-AC4B-D746-2103-DA8CBEFA20FE}"/>
+              </a:ext>
+            </a:extLst>
+          </p:cNvPr>
+          <p:cNvSpPr txBox="1"/>
+          <p:nvPr/>
+        </p:nvSpPr>
+        <p:spPr>
+          <a:xfrm rot="16200000">
+            <a:off x="8634082" y="3993959"/>
+            <a:ext cx="1071763" cy="338554"/>
+          </a:xfrm>
+          <a:prstGeom prst="rect">
+            <a:avLst/>
+          </a:prstGeom>
+          <a:noFill/>
+        </p:spPr>
+        <p:txBody>
+          <a:bodyPr wrap="square" rtlCol="0">
+            <a:spAutoFit/>
+          </a:bodyPr>
+          <a:lstStyle>
+            <a:defPPr>
+              <a:defRPr lang="en-US"/>
+            </a:defPPr>
+            <a:lvl1pPr marL="0" algn="l" defTabSz="457200" rtl="0" eaLnBrk="1" latinLnBrk="0" hangingPunct="1">
+              <a:defRPr sz="1800" kern="1200">
+                <a:solidFill>
+                  <a:schemeClr val="tx1"/>
+                </a:solidFill>
+                <a:latin typeface="+mn-lt"/>
+                <a:ea typeface="+mn-ea"/>
+                <a:cs typeface="+mn-cs"/>
+              </a:defRPr>
+            </a:lvl1pPr>
+            <a:lvl2pPr marL="457200" algn="l" defTabSz="457200" rtl="0" eaLnBrk="1" latinLnBrk="0" hangingPunct="1">
+              <a:defRPr sz="1800" kern="1200">
+                <a:solidFill>
+                  <a:schemeClr val="tx1"/>
+                </a:solidFill>
+                <a:latin typeface="+mn-lt"/>
+                <a:ea typeface="+mn-ea"/>
+                <a:cs typeface="+mn-cs"/>
+              </a:defRPr>
+            </a:lvl2pPr>
+            <a:lvl3pPr marL="914400" algn="l" defTabSz="457200" rtl="0" eaLnBrk="1" latinLnBrk="0" hangingPunct="1">
+              <a:defRPr sz="1800" kern="1200">
+                <a:solidFill>
+                  <a:schemeClr val="tx1"/>
+                </a:solidFill>
+                <a:latin typeface="+mn-lt"/>
+                <a:ea typeface="+mn-ea"/>
+                <a:cs typeface="+mn-cs"/>
+              </a:defRPr>
+            </a:lvl3pPr>
+            <a:lvl4pPr marL="1371600" algn="l" defTabSz="457200" rtl="0" eaLnBrk="1" latinLnBrk="0" hangingPunct="1">
+              <a:defRPr sz="1800" kern="1200">
+                <a:solidFill>
+                  <a:schemeClr val="tx1"/>
+                </a:solidFill>
+                <a:latin typeface="+mn-lt"/>
+                <a:ea typeface="+mn-ea"/>
+                <a:cs typeface="+mn-cs"/>
+              </a:defRPr>
+            </a:lvl4pPr>
+            <a:lvl5pPr marL="1828800" algn="l" defTabSz="457200" rtl="0" eaLnBrk="1" latinLnBrk="0" hangingPunct="1">
+              <a:defRPr sz="1800" kern="1200">
+                <a:solidFill>
+                  <a:schemeClr val="tx1"/>
+                </a:solidFill>
+                <a:latin typeface="+mn-lt"/>
+                <a:ea typeface="+mn-ea"/>
+                <a:cs typeface="+mn-cs"/>
+              </a:defRPr>
+            </a:lvl5pPr>
+            <a:lvl6pPr marL="2286000" algn="l" defTabSz="457200" rtl="0" eaLnBrk="1" latinLnBrk="0" hangingPunct="1">
+              <a:defRPr sz="1800" kern="1200">
+                <a:solidFill>
+                  <a:schemeClr val="tx1"/>
+                </a:solidFill>
+                <a:latin typeface="+mn-lt"/>
+                <a:ea typeface="+mn-ea"/>
+                <a:cs typeface="+mn-cs"/>
+              </a:defRPr>
+            </a:lvl6pPr>
+            <a:lvl7pPr marL="2743200" algn="l" defTabSz="457200" rtl="0" eaLnBrk="1" latinLnBrk="0" hangingPunct="1">
+              <a:defRPr sz="1800" kern="1200">
+                <a:solidFill>
+                  <a:schemeClr val="tx1"/>
+                </a:solidFill>
+                <a:latin typeface="+mn-lt"/>
+                <a:ea typeface="+mn-ea"/>
+                <a:cs typeface="+mn-cs"/>
+              </a:defRPr>
+            </a:lvl7pPr>
+            <a:lvl8pPr marL="3200400" algn="l" defTabSz="457200" rtl="0" eaLnBrk="1" latinLnBrk="0" hangingPunct="1">
+              <a:defRPr sz="1800" kern="1200">
+                <a:solidFill>
+                  <a:schemeClr val="tx1"/>
+                </a:solidFill>
+                <a:latin typeface="+mn-lt"/>
+                <a:ea typeface="+mn-ea"/>
+                <a:cs typeface="+mn-cs"/>
+              </a:defRPr>
+            </a:lvl8pPr>
+            <a:lvl9pPr marL="3657600" algn="l" defTabSz="457200" rtl="0" eaLnBrk="1" latinLnBrk="0" hangingPunct="1">
+              <a:defRPr sz="1800" kern="1200">
+                <a:solidFill>
+                  <a:schemeClr val="tx1"/>
+                </a:solidFill>
+                <a:latin typeface="+mn-lt"/>
+                <a:ea typeface="+mn-ea"/>
+                <a:cs typeface="+mn-cs"/>
+              </a:defRPr>
+            </a:lvl9pPr>
+          </a:lstStyle>
+          <a:p>
+            <a:r>
+              <a:rPr lang="en-US" sz="1600" b="1" dirty="0">
+                <a:latin typeface="Arial" panose="020B0604020202020204" pitchFamily="34" charset="0"/>
+                <a:ea typeface="Yu Gothic" panose="020B0400000000000000" pitchFamily="34" charset="-128"/>
+                <a:cs typeface="Arial" panose="020B0604020202020204" pitchFamily="34" charset="0"/>
+              </a:rPr>
+              <a:t>Time</a:t>
+            </a:r>
+          </a:p>
+        </p:txBody>
+      </p:sp>
+      <p:sp>
+        <p:nvSpPr>
+          <p:cNvPr id="8" name="TextBox 7">
+            <a:extLst>
+              <a:ext uri="{FF2B5EF4-FFF2-40B4-BE49-F238E27FC236}">
+                <a16:creationId xmlns:a16="http://schemas.microsoft.com/office/drawing/2014/main" id="{DC58873A-7BF1-E8E8-C9C9-9B01071F2505}"/>
+              </a:ext>
+            </a:extLst>
+          </p:cNvPr>
+          <p:cNvSpPr txBox="1"/>
+          <p:nvPr/>
+        </p:nvSpPr>
+        <p:spPr>
+          <a:xfrm>
+            <a:off x="8008983" y="3015661"/>
+            <a:ext cx="1570321" cy="338554"/>
+          </a:xfrm>
+          <a:prstGeom prst="rect">
+            <a:avLst/>
+          </a:prstGeom>
+          <a:noFill/>
+        </p:spPr>
+        <p:txBody>
+          <a:bodyPr wrap="square" rtlCol="0">
+            <a:spAutoFit/>
+          </a:bodyPr>
+          <a:lstStyle>
+            <a:defPPr>
+              <a:defRPr lang="en-US"/>
+            </a:defPPr>
+            <a:lvl1pPr marL="0" algn="l" defTabSz="457200" rtl="0" eaLnBrk="1" latinLnBrk="0" hangingPunct="1">
+              <a:defRPr sz="1800" kern="1200">
+                <a:solidFill>
+                  <a:schemeClr val="tx1"/>
+                </a:solidFill>
+                <a:latin typeface="+mn-lt"/>
+                <a:ea typeface="+mn-ea"/>
+                <a:cs typeface="+mn-cs"/>
+              </a:defRPr>
+            </a:lvl1pPr>
+            <a:lvl2pPr marL="457200" algn="l" defTabSz="457200" rtl="0" eaLnBrk="1" latinLnBrk="0" hangingPunct="1">
+              <a:defRPr sz="1800" kern="1200">
+                <a:solidFill>
+                  <a:schemeClr val="tx1"/>
+                </a:solidFill>
+                <a:latin typeface="+mn-lt"/>
+                <a:ea typeface="+mn-ea"/>
+                <a:cs typeface="+mn-cs"/>
+              </a:defRPr>
+            </a:lvl2pPr>
+            <a:lvl3pPr marL="914400" algn="l" defTabSz="457200" rtl="0" eaLnBrk="1" latinLnBrk="0" hangingPunct="1">
+              <a:defRPr sz="1800" kern="1200">
+                <a:solidFill>
+                  <a:schemeClr val="tx1"/>
+                </a:solidFill>
+                <a:latin typeface="+mn-lt"/>
+                <a:ea typeface="+mn-ea"/>
+                <a:cs typeface="+mn-cs"/>
+              </a:defRPr>
+            </a:lvl3pPr>
+            <a:lvl4pPr marL="1371600" algn="l" defTabSz="457200" rtl="0" eaLnBrk="1" latinLnBrk="0" hangingPunct="1">
+              <a:defRPr sz="1800" kern="1200">
+                <a:solidFill>
+                  <a:schemeClr val="tx1"/>
+                </a:solidFill>
+                <a:latin typeface="+mn-lt"/>
+                <a:ea typeface="+mn-ea"/>
+                <a:cs typeface="+mn-cs"/>
+              </a:defRPr>
+            </a:lvl4pPr>
+            <a:lvl5pPr marL="1828800" algn="l" defTabSz="457200" rtl="0" eaLnBrk="1" latinLnBrk="0" hangingPunct="1">
+              <a:defRPr sz="1800" kern="1200">
+                <a:solidFill>
+                  <a:schemeClr val="tx1"/>
+                </a:solidFill>
+                <a:latin typeface="+mn-lt"/>
+                <a:ea typeface="+mn-ea"/>
+                <a:cs typeface="+mn-cs"/>
+              </a:defRPr>
+            </a:lvl5pPr>
+            <a:lvl6pPr marL="2286000" algn="l" defTabSz="457200" rtl="0" eaLnBrk="1" latinLnBrk="0" hangingPunct="1">
+              <a:defRPr sz="1800" kern="1200">
+                <a:solidFill>
+                  <a:schemeClr val="tx1"/>
+                </a:solidFill>
+                <a:latin typeface="+mn-lt"/>
+                <a:ea typeface="+mn-ea"/>
+                <a:cs typeface="+mn-cs"/>
+              </a:defRPr>
+            </a:lvl6pPr>
+            <a:lvl7pPr marL="2743200" algn="l" defTabSz="457200" rtl="0" eaLnBrk="1" latinLnBrk="0" hangingPunct="1">
+              <a:defRPr sz="1800" kern="1200">
+                <a:solidFill>
+                  <a:schemeClr val="tx1"/>
+                </a:solidFill>
+                <a:latin typeface="+mn-lt"/>
+                <a:ea typeface="+mn-ea"/>
+                <a:cs typeface="+mn-cs"/>
+              </a:defRPr>
+            </a:lvl7pPr>
+            <a:lvl8pPr marL="3200400" algn="l" defTabSz="457200" rtl="0" eaLnBrk="1" latinLnBrk="0" hangingPunct="1">
+              <a:defRPr sz="1800" kern="1200">
+                <a:solidFill>
+                  <a:schemeClr val="tx1"/>
+                </a:solidFill>
+                <a:latin typeface="+mn-lt"/>
+                <a:ea typeface="+mn-ea"/>
+                <a:cs typeface="+mn-cs"/>
+              </a:defRPr>
+            </a:lvl8pPr>
+            <a:lvl9pPr marL="3657600" algn="l" defTabSz="457200" rtl="0" eaLnBrk="1" latinLnBrk="0" hangingPunct="1">
+              <a:defRPr sz="1800" kern="1200">
+                <a:solidFill>
+                  <a:schemeClr val="tx1"/>
+                </a:solidFill>
+                <a:latin typeface="+mn-lt"/>
+                <a:ea typeface="+mn-ea"/>
+                <a:cs typeface="+mn-cs"/>
+              </a:defRPr>
+            </a:lvl9pPr>
+          </a:lstStyle>
+          <a:p>
+            <a:r>
+              <a:rPr lang="en-US" sz="1600" b="1" dirty="0">
+                <a:latin typeface="Arial" panose="020B0604020202020204" pitchFamily="34" charset="0"/>
+                <a:ea typeface="Yu Gothic" panose="020B0400000000000000" pitchFamily="34" charset="-128"/>
+                <a:cs typeface="Arial" panose="020B0604020202020204" pitchFamily="34" charset="0"/>
+              </a:rPr>
+              <a:t>Ancestral</a:t>
+            </a:r>
+          </a:p>
+        </p:txBody>
+      </p:sp>
+      <p:sp>
+        <p:nvSpPr>
+          <p:cNvPr id="9" name="TextBox 8">
+            <a:extLst>
+              <a:ext uri="{FF2B5EF4-FFF2-40B4-BE49-F238E27FC236}">
+                <a16:creationId xmlns:a16="http://schemas.microsoft.com/office/drawing/2014/main" id="{5E36B224-7503-FC57-C46E-1B2884BD0375}"/>
+              </a:ext>
+            </a:extLst>
+          </p:cNvPr>
+          <p:cNvSpPr txBox="1"/>
+          <p:nvPr/>
+        </p:nvSpPr>
+        <p:spPr>
+          <a:xfrm>
+            <a:off x="8157787" y="5250117"/>
+            <a:ext cx="1125903" cy="338554"/>
+          </a:xfrm>
+          <a:prstGeom prst="rect">
+            <a:avLst/>
+          </a:prstGeom>
+          <a:noFill/>
+        </p:spPr>
+        <p:txBody>
+          <a:bodyPr wrap="square" rtlCol="0">
+            <a:spAutoFit/>
+          </a:bodyPr>
+          <a:lstStyle>
+            <a:defPPr>
+              <a:defRPr lang="en-US"/>
+            </a:defPPr>
+            <a:lvl1pPr marL="0" algn="l" defTabSz="457200" rtl="0" eaLnBrk="1" latinLnBrk="0" hangingPunct="1">
+              <a:defRPr sz="1800" kern="1200">
+                <a:solidFill>
+                  <a:schemeClr val="tx1"/>
+                </a:solidFill>
+                <a:latin typeface="+mn-lt"/>
+                <a:ea typeface="+mn-ea"/>
+                <a:cs typeface="+mn-cs"/>
+              </a:defRPr>
+            </a:lvl1pPr>
+            <a:lvl2pPr marL="457200" algn="l" defTabSz="457200" rtl="0" eaLnBrk="1" latinLnBrk="0" hangingPunct="1">
+              <a:defRPr sz="1800" kern="1200">
+                <a:solidFill>
+                  <a:schemeClr val="tx1"/>
+                </a:solidFill>
+                <a:latin typeface="+mn-lt"/>
+                <a:ea typeface="+mn-ea"/>
+                <a:cs typeface="+mn-cs"/>
+              </a:defRPr>
+            </a:lvl2pPr>
+            <a:lvl3pPr marL="914400" algn="l" defTabSz="457200" rtl="0" eaLnBrk="1" latinLnBrk="0" hangingPunct="1">
+              <a:defRPr sz="1800" kern="1200">
+                <a:solidFill>
+                  <a:schemeClr val="tx1"/>
+                </a:solidFill>
+                <a:latin typeface="+mn-lt"/>
+                <a:ea typeface="+mn-ea"/>
+                <a:cs typeface="+mn-cs"/>
+              </a:defRPr>
+            </a:lvl3pPr>
+            <a:lvl4pPr marL="1371600" algn="l" defTabSz="457200" rtl="0" eaLnBrk="1" latinLnBrk="0" hangingPunct="1">
+              <a:defRPr sz="1800" kern="1200">
+                <a:solidFill>
+                  <a:schemeClr val="tx1"/>
+                </a:solidFill>
+                <a:latin typeface="+mn-lt"/>
+                <a:ea typeface="+mn-ea"/>
+                <a:cs typeface="+mn-cs"/>
+              </a:defRPr>
+            </a:lvl4pPr>
+            <a:lvl5pPr marL="1828800" algn="l" defTabSz="457200" rtl="0" eaLnBrk="1" latinLnBrk="0" hangingPunct="1">
+              <a:defRPr sz="1800" kern="1200">
+                <a:solidFill>
+                  <a:schemeClr val="tx1"/>
+                </a:solidFill>
+                <a:latin typeface="+mn-lt"/>
+                <a:ea typeface="+mn-ea"/>
+                <a:cs typeface="+mn-cs"/>
+              </a:defRPr>
+            </a:lvl5pPr>
+            <a:lvl6pPr marL="2286000" algn="l" defTabSz="457200" rtl="0" eaLnBrk="1" latinLnBrk="0" hangingPunct="1">
+              <a:defRPr sz="1800" kern="1200">
+                <a:solidFill>
+                  <a:schemeClr val="tx1"/>
+                </a:solidFill>
+                <a:latin typeface="+mn-lt"/>
+                <a:ea typeface="+mn-ea"/>
+                <a:cs typeface="+mn-cs"/>
+              </a:defRPr>
+            </a:lvl6pPr>
+            <a:lvl7pPr marL="2743200" algn="l" defTabSz="457200" rtl="0" eaLnBrk="1" latinLnBrk="0" hangingPunct="1">
+              <a:defRPr sz="1800" kern="1200">
+                <a:solidFill>
+                  <a:schemeClr val="tx1"/>
+                </a:solidFill>
+                <a:latin typeface="+mn-lt"/>
+                <a:ea typeface="+mn-ea"/>
+                <a:cs typeface="+mn-cs"/>
+              </a:defRPr>
+            </a:lvl7pPr>
+            <a:lvl8pPr marL="3200400" algn="l" defTabSz="457200" rtl="0" eaLnBrk="1" latinLnBrk="0" hangingPunct="1">
+              <a:defRPr sz="1800" kern="1200">
+                <a:solidFill>
+                  <a:schemeClr val="tx1"/>
+                </a:solidFill>
+                <a:latin typeface="+mn-lt"/>
+                <a:ea typeface="+mn-ea"/>
+                <a:cs typeface="+mn-cs"/>
+              </a:defRPr>
+            </a:lvl8pPr>
+            <a:lvl9pPr marL="3657600" algn="l" defTabSz="457200" rtl="0" eaLnBrk="1" latinLnBrk="0" hangingPunct="1">
+              <a:defRPr sz="1800" kern="1200">
+                <a:solidFill>
+                  <a:schemeClr val="tx1"/>
+                </a:solidFill>
+                <a:latin typeface="+mn-lt"/>
+                <a:ea typeface="+mn-ea"/>
+                <a:cs typeface="+mn-cs"/>
+              </a:defRPr>
+            </a:lvl9pPr>
+          </a:lstStyle>
+          <a:p>
+            <a:r>
+              <a:rPr lang="en-US" sz="1600" b="1" dirty="0">
+                <a:latin typeface="Arial" panose="020B0604020202020204" pitchFamily="34" charset="0"/>
+                <a:ea typeface="Yu Gothic" panose="020B0400000000000000" pitchFamily="34" charset="-128"/>
+                <a:cs typeface="Arial" panose="020B0604020202020204" pitchFamily="34" charset="0"/>
+              </a:rPr>
+              <a:t>Current</a:t>
+            </a:r>
+          </a:p>
+        </p:txBody>
+      </p:sp>
+      <p:sp>
+        <p:nvSpPr>
+          <p:cNvPr id="10" name="TextBox 9">
+            <a:extLst>
+              <a:ext uri="{FF2B5EF4-FFF2-40B4-BE49-F238E27FC236}">
+                <a16:creationId xmlns:a16="http://schemas.microsoft.com/office/drawing/2014/main" id="{EDC9C40C-8734-7DDA-0266-0574D569AEBC}"/>
+              </a:ext>
+            </a:extLst>
+          </p:cNvPr>
+          <p:cNvSpPr txBox="1"/>
+          <p:nvPr/>
+        </p:nvSpPr>
+        <p:spPr>
+          <a:xfrm>
+            <a:off x="8834593" y="2286000"/>
+            <a:ext cx="2464662" cy="523220"/>
+          </a:xfrm>
+          <a:prstGeom prst="rect">
+            <a:avLst/>
+          </a:prstGeom>
+          <a:noFill/>
+        </p:spPr>
+        <p:txBody>
+          <a:bodyPr wrap="square" rtlCol="0">
+            <a:spAutoFit/>
+          </a:bodyPr>
+          <a:lstStyle>
+            <a:defPPr>
+              <a:defRPr lang="en-US"/>
+            </a:defPPr>
+            <a:lvl1pPr marL="0" algn="l" defTabSz="457200" rtl="0" eaLnBrk="1" latinLnBrk="0" hangingPunct="1">
+              <a:defRPr sz="1800" kern="1200">
+                <a:solidFill>
+                  <a:schemeClr val="tx1"/>
+                </a:solidFill>
+                <a:latin typeface="+mn-lt"/>
+                <a:ea typeface="+mn-ea"/>
+                <a:cs typeface="+mn-cs"/>
+              </a:defRPr>
+            </a:lvl1pPr>
+            <a:lvl2pPr marL="457200" algn="l" defTabSz="457200" rtl="0" eaLnBrk="1" latinLnBrk="0" hangingPunct="1">
+              <a:defRPr sz="1800" kern="1200">
+                <a:solidFill>
+                  <a:schemeClr val="tx1"/>
+                </a:solidFill>
+                <a:latin typeface="+mn-lt"/>
+                <a:ea typeface="+mn-ea"/>
+                <a:cs typeface="+mn-cs"/>
+              </a:defRPr>
+            </a:lvl2pPr>
+            <a:lvl3pPr marL="914400" algn="l" defTabSz="457200" rtl="0" eaLnBrk="1" latinLnBrk="0" hangingPunct="1">
+              <a:defRPr sz="1800" kern="1200">
+                <a:solidFill>
+                  <a:schemeClr val="tx1"/>
+                </a:solidFill>
+                <a:latin typeface="+mn-lt"/>
+                <a:ea typeface="+mn-ea"/>
+                <a:cs typeface="+mn-cs"/>
+              </a:defRPr>
+            </a:lvl3pPr>
+            <a:lvl4pPr marL="1371600" algn="l" defTabSz="457200" rtl="0" eaLnBrk="1" latinLnBrk="0" hangingPunct="1">
+              <a:defRPr sz="1800" kern="1200">
+                <a:solidFill>
+                  <a:schemeClr val="tx1"/>
+                </a:solidFill>
+                <a:latin typeface="+mn-lt"/>
+                <a:ea typeface="+mn-ea"/>
+                <a:cs typeface="+mn-cs"/>
+              </a:defRPr>
+            </a:lvl4pPr>
+            <a:lvl5pPr marL="1828800" algn="l" defTabSz="457200" rtl="0" eaLnBrk="1" latinLnBrk="0" hangingPunct="1">
+              <a:defRPr sz="1800" kern="1200">
+                <a:solidFill>
+                  <a:schemeClr val="tx1"/>
+                </a:solidFill>
+                <a:latin typeface="+mn-lt"/>
+                <a:ea typeface="+mn-ea"/>
+                <a:cs typeface="+mn-cs"/>
+              </a:defRPr>
+            </a:lvl5pPr>
+            <a:lvl6pPr marL="2286000" algn="l" defTabSz="457200" rtl="0" eaLnBrk="1" latinLnBrk="0" hangingPunct="1">
+              <a:defRPr sz="1800" kern="1200">
+                <a:solidFill>
+                  <a:schemeClr val="tx1"/>
+                </a:solidFill>
+                <a:latin typeface="+mn-lt"/>
+                <a:ea typeface="+mn-ea"/>
+                <a:cs typeface="+mn-cs"/>
+              </a:defRPr>
+            </a:lvl6pPr>
+            <a:lvl7pPr marL="2743200" algn="l" defTabSz="457200" rtl="0" eaLnBrk="1" latinLnBrk="0" hangingPunct="1">
+              <a:defRPr sz="1800" kern="1200">
+                <a:solidFill>
+                  <a:schemeClr val="tx1"/>
+                </a:solidFill>
+                <a:latin typeface="+mn-lt"/>
+                <a:ea typeface="+mn-ea"/>
+                <a:cs typeface="+mn-cs"/>
+              </a:defRPr>
+            </a:lvl7pPr>
+            <a:lvl8pPr marL="3200400" algn="l" defTabSz="457200" rtl="0" eaLnBrk="1" latinLnBrk="0" hangingPunct="1">
+              <a:defRPr sz="1800" kern="1200">
+                <a:solidFill>
+                  <a:schemeClr val="tx1"/>
+                </a:solidFill>
+                <a:latin typeface="+mn-lt"/>
+                <a:ea typeface="+mn-ea"/>
+                <a:cs typeface="+mn-cs"/>
+              </a:defRPr>
+            </a:lvl8pPr>
+            <a:lvl9pPr marL="3657600" algn="l" defTabSz="457200" rtl="0" eaLnBrk="1" latinLnBrk="0" hangingPunct="1">
+              <a:defRPr sz="1800" kern="1200">
+                <a:solidFill>
+                  <a:schemeClr val="tx1"/>
+                </a:solidFill>
+                <a:latin typeface="+mn-lt"/>
+                <a:ea typeface="+mn-ea"/>
+                <a:cs typeface="+mn-cs"/>
+              </a:defRPr>
+            </a:lvl9pPr>
+          </a:lstStyle>
+          <a:p>
+            <a:r>
+              <a:rPr lang="en-US" sz="2800" b="1" dirty="0">
+                <a:latin typeface="Arial" panose="020B0604020202020204" pitchFamily="34" charset="0"/>
+                <a:ea typeface="Yu Gothic" panose="020B0400000000000000" pitchFamily="34" charset="-128"/>
+                <a:cs typeface="Arial" panose="020B0604020202020204" pitchFamily="34" charset="0"/>
+              </a:rPr>
+              <a:t>Ground Truth</a:t>
+            </a:r>
+          </a:p>
+        </p:txBody>
+      </p:sp>
+      <p:sp>
+        <p:nvSpPr>
+          <p:cNvPr id="11" name="Rectangle 10">
+            <a:extLst>
+              <a:ext uri="{FF2B5EF4-FFF2-40B4-BE49-F238E27FC236}">
+                <a16:creationId xmlns:a16="http://schemas.microsoft.com/office/drawing/2014/main" id="{879476F8-B5C9-F07D-49DE-E697712D238A}"/>
+              </a:ext>
+            </a:extLst>
+          </p:cNvPr>
+          <p:cNvSpPr/>
+          <p:nvPr/>
+        </p:nvSpPr>
+        <p:spPr>
+          <a:xfrm>
+            <a:off x="10817926" y="6478035"/>
+            <a:ext cx="914400" cy="504234"/>
+          </a:xfrm>
+          <a:prstGeom prst="rect">
+            <a:avLst/>
+          </a:prstGeom>
+          <a:solidFill>
+            <a:schemeClr val="accent1">
+              <a:lumMod val="40000"/>
+              <a:lumOff val="60000"/>
+            </a:schemeClr>
+          </a:solidFill>
+          <a:ln>
+            <a:noFill/>
+          </a:ln>
+        </p:spPr>
+        <p:style>
+          <a:lnRef idx="2">
+            <a:schemeClr val="accent1">
+              <a:shade val="15000"/>
+            </a:schemeClr>
+          </a:lnRef>
+          <a:fillRef idx="1">
+            <a:schemeClr val="accent1"/>
+          </a:fillRef>
+          <a:effectRef idx="0">
+            <a:schemeClr val="accent1"/>
+          </a:effectRef>
+          <a:fontRef idx="minor">
+            <a:schemeClr val="lt1"/>
+          </a:fontRef>
+        </p:style>
+        <p:txBody>
+          <a:bodyPr rtlCol="0" anchor="ctr"/>
+          <a:lstStyle>
+            <a:defPPr>
+              <a:defRPr lang="en-US"/>
+            </a:defPPr>
+            <a:lvl1pPr marL="0" algn="l" defTabSz="457200" rtl="0" eaLnBrk="1" latinLnBrk="0" hangingPunct="1">
+              <a:defRPr sz="1800" kern="1200">
+                <a:solidFill>
+                  <a:schemeClr val="lt1"/>
+                </a:solidFill>
+                <a:latin typeface="+mn-lt"/>
+                <a:ea typeface="+mn-ea"/>
+                <a:cs typeface="+mn-cs"/>
+              </a:defRPr>
+            </a:lvl1pPr>
+            <a:lvl2pPr marL="457200" algn="l" defTabSz="457200" rtl="0" eaLnBrk="1" latinLnBrk="0" hangingPunct="1">
+              <a:defRPr sz="1800" kern="1200">
+                <a:solidFill>
+                  <a:schemeClr val="lt1"/>
+                </a:solidFill>
+                <a:latin typeface="+mn-lt"/>
+                <a:ea typeface="+mn-ea"/>
+                <a:cs typeface="+mn-cs"/>
+              </a:defRPr>
+            </a:lvl2pPr>
+            <a:lvl3pPr marL="914400" algn="l" defTabSz="457200" rtl="0" eaLnBrk="1" latinLnBrk="0" hangingPunct="1">
+              <a:defRPr sz="1800" kern="1200">
+                <a:solidFill>
+                  <a:schemeClr val="lt1"/>
+                </a:solidFill>
+                <a:latin typeface="+mn-lt"/>
+                <a:ea typeface="+mn-ea"/>
+                <a:cs typeface="+mn-cs"/>
+              </a:defRPr>
+            </a:lvl3pPr>
+            <a:lvl4pPr marL="1371600" algn="l" defTabSz="457200" rtl="0" eaLnBrk="1" latinLnBrk="0" hangingPunct="1">
+              <a:defRPr sz="1800" kern="1200">
+                <a:solidFill>
+                  <a:schemeClr val="lt1"/>
+                </a:solidFill>
+                <a:latin typeface="+mn-lt"/>
+                <a:ea typeface="+mn-ea"/>
+                <a:cs typeface="+mn-cs"/>
+              </a:defRPr>
+            </a:lvl4pPr>
+            <a:lvl5pPr marL="1828800" algn="l" defTabSz="457200" rtl="0" eaLnBrk="1" latinLnBrk="0" hangingPunct="1">
+              <a:defRPr sz="1800" kern="1200">
+                <a:solidFill>
+                  <a:schemeClr val="lt1"/>
+                </a:solidFill>
+                <a:latin typeface="+mn-lt"/>
+                <a:ea typeface="+mn-ea"/>
+                <a:cs typeface="+mn-cs"/>
+              </a:defRPr>
+            </a:lvl5pPr>
+            <a:lvl6pPr marL="2286000" algn="l" defTabSz="457200" rtl="0" eaLnBrk="1" latinLnBrk="0" hangingPunct="1">
+              <a:defRPr sz="1800" kern="1200">
+                <a:solidFill>
+                  <a:schemeClr val="lt1"/>
+                </a:solidFill>
+                <a:latin typeface="+mn-lt"/>
+                <a:ea typeface="+mn-ea"/>
+                <a:cs typeface="+mn-cs"/>
+              </a:defRPr>
+            </a:lvl6pPr>
+            <a:lvl7pPr marL="2743200" algn="l" defTabSz="457200" rtl="0" eaLnBrk="1" latinLnBrk="0" hangingPunct="1">
+              <a:defRPr sz="1800" kern="1200">
+                <a:solidFill>
+                  <a:schemeClr val="lt1"/>
+                </a:solidFill>
+                <a:latin typeface="+mn-lt"/>
+                <a:ea typeface="+mn-ea"/>
+                <a:cs typeface="+mn-cs"/>
+              </a:defRPr>
+            </a:lvl7pPr>
+            <a:lvl8pPr marL="3200400" algn="l" defTabSz="457200" rtl="0" eaLnBrk="1" latinLnBrk="0" hangingPunct="1">
+              <a:defRPr sz="1800" kern="1200">
+                <a:solidFill>
+                  <a:schemeClr val="lt1"/>
+                </a:solidFill>
+                <a:latin typeface="+mn-lt"/>
+                <a:ea typeface="+mn-ea"/>
+                <a:cs typeface="+mn-cs"/>
+              </a:defRPr>
+            </a:lvl8pPr>
+            <a:lvl9pPr marL="3657600" algn="l" defTabSz="457200" rtl="0" eaLnBrk="1" latinLnBrk="0" hangingPunct="1">
+              <a:defRPr sz="1800" kern="1200">
+                <a:solidFill>
+                  <a:schemeClr val="lt1"/>
+                </a:solidFill>
+                <a:latin typeface="+mn-lt"/>
+                <a:ea typeface="+mn-ea"/>
+                <a:cs typeface="+mn-cs"/>
+              </a:defRPr>
+            </a:lvl9pPr>
+          </a:lstStyle>
+          <a:p>
+            <a:pPr algn="ctr"/>
+            <a:endParaRPr lang="en-US" sz="1600" dirty="0">
+              <a:latin typeface="Arial" panose="020B0604020202020204" pitchFamily="34" charset="0"/>
+              <a:cs typeface="Arial" panose="020B0604020202020204" pitchFamily="34" charset="0"/>
+            </a:endParaRPr>
+          </a:p>
+        </p:txBody>
+      </p:sp>
+      <p:sp>
+        <p:nvSpPr>
+          <p:cNvPr id="12" name="Rectangle 11">
+            <a:extLst>
+              <a:ext uri="{FF2B5EF4-FFF2-40B4-BE49-F238E27FC236}">
+                <a16:creationId xmlns:a16="http://schemas.microsoft.com/office/drawing/2014/main" id="{DEEFDD18-8E7D-6CAD-8596-80502ECB27B2}"/>
+              </a:ext>
+            </a:extLst>
+          </p:cNvPr>
+          <p:cNvSpPr/>
+          <p:nvPr/>
+        </p:nvSpPr>
+        <p:spPr>
+          <a:xfrm>
+            <a:off x="11026428" y="6982269"/>
+            <a:ext cx="497395" cy="1620847"/>
+          </a:xfrm>
+          <a:prstGeom prst="rect">
+            <a:avLst/>
+          </a:prstGeom>
+          <a:solidFill>
+            <a:schemeClr val="accent1">
+              <a:lumMod val="40000"/>
+              <a:lumOff val="60000"/>
+            </a:schemeClr>
+          </a:solidFill>
+          <a:ln>
+            <a:noFill/>
+          </a:ln>
+        </p:spPr>
+        <p:style>
+          <a:lnRef idx="2">
+            <a:schemeClr val="accent1">
+              <a:shade val="15000"/>
+            </a:schemeClr>
+          </a:lnRef>
+          <a:fillRef idx="1">
+            <a:schemeClr val="accent1"/>
+          </a:fillRef>
+          <a:effectRef idx="0">
+            <a:schemeClr val="accent1"/>
+          </a:effectRef>
+          <a:fontRef idx="minor">
+            <a:schemeClr val="lt1"/>
+          </a:fontRef>
+        </p:style>
+        <p:txBody>
+          <a:bodyPr rtlCol="0" anchor="ctr"/>
+          <a:lstStyle>
+            <a:defPPr>
+              <a:defRPr lang="en-US"/>
+            </a:defPPr>
+            <a:lvl1pPr marL="0" algn="l" defTabSz="457200" rtl="0" eaLnBrk="1" latinLnBrk="0" hangingPunct="1">
+              <a:defRPr sz="1800" kern="1200">
+                <a:solidFill>
+                  <a:schemeClr val="lt1"/>
+                </a:solidFill>
+                <a:latin typeface="+mn-lt"/>
+                <a:ea typeface="+mn-ea"/>
+                <a:cs typeface="+mn-cs"/>
+              </a:defRPr>
+            </a:lvl1pPr>
+            <a:lvl2pPr marL="457200" algn="l" defTabSz="457200" rtl="0" eaLnBrk="1" latinLnBrk="0" hangingPunct="1">
+              <a:defRPr sz="1800" kern="1200">
+                <a:solidFill>
+                  <a:schemeClr val="lt1"/>
+                </a:solidFill>
+                <a:latin typeface="+mn-lt"/>
+                <a:ea typeface="+mn-ea"/>
+                <a:cs typeface="+mn-cs"/>
+              </a:defRPr>
+            </a:lvl2pPr>
+            <a:lvl3pPr marL="914400" algn="l" defTabSz="457200" rtl="0" eaLnBrk="1" latinLnBrk="0" hangingPunct="1">
+              <a:defRPr sz="1800" kern="1200">
+                <a:solidFill>
+                  <a:schemeClr val="lt1"/>
+                </a:solidFill>
+                <a:latin typeface="+mn-lt"/>
+                <a:ea typeface="+mn-ea"/>
+                <a:cs typeface="+mn-cs"/>
+              </a:defRPr>
+            </a:lvl3pPr>
+            <a:lvl4pPr marL="1371600" algn="l" defTabSz="457200" rtl="0" eaLnBrk="1" latinLnBrk="0" hangingPunct="1">
+              <a:defRPr sz="1800" kern="1200">
+                <a:solidFill>
+                  <a:schemeClr val="lt1"/>
+                </a:solidFill>
+                <a:latin typeface="+mn-lt"/>
+                <a:ea typeface="+mn-ea"/>
+                <a:cs typeface="+mn-cs"/>
+              </a:defRPr>
+            </a:lvl4pPr>
+            <a:lvl5pPr marL="1828800" algn="l" defTabSz="457200" rtl="0" eaLnBrk="1" latinLnBrk="0" hangingPunct="1">
+              <a:defRPr sz="1800" kern="1200">
+                <a:solidFill>
+                  <a:schemeClr val="lt1"/>
+                </a:solidFill>
+                <a:latin typeface="+mn-lt"/>
+                <a:ea typeface="+mn-ea"/>
+                <a:cs typeface="+mn-cs"/>
+              </a:defRPr>
+            </a:lvl5pPr>
+            <a:lvl6pPr marL="2286000" algn="l" defTabSz="457200" rtl="0" eaLnBrk="1" latinLnBrk="0" hangingPunct="1">
+              <a:defRPr sz="1800" kern="1200">
+                <a:solidFill>
+                  <a:schemeClr val="lt1"/>
+                </a:solidFill>
+                <a:latin typeface="+mn-lt"/>
+                <a:ea typeface="+mn-ea"/>
+                <a:cs typeface="+mn-cs"/>
+              </a:defRPr>
+            </a:lvl6pPr>
+            <a:lvl7pPr marL="2743200" algn="l" defTabSz="457200" rtl="0" eaLnBrk="1" latinLnBrk="0" hangingPunct="1">
+              <a:defRPr sz="1800" kern="1200">
+                <a:solidFill>
+                  <a:schemeClr val="lt1"/>
+                </a:solidFill>
+                <a:latin typeface="+mn-lt"/>
+                <a:ea typeface="+mn-ea"/>
+                <a:cs typeface="+mn-cs"/>
+              </a:defRPr>
+            </a:lvl7pPr>
+            <a:lvl8pPr marL="3200400" algn="l" defTabSz="457200" rtl="0" eaLnBrk="1" latinLnBrk="0" hangingPunct="1">
+              <a:defRPr sz="1800" kern="1200">
+                <a:solidFill>
+                  <a:schemeClr val="lt1"/>
+                </a:solidFill>
+                <a:latin typeface="+mn-lt"/>
+                <a:ea typeface="+mn-ea"/>
+                <a:cs typeface="+mn-cs"/>
+              </a:defRPr>
+            </a:lvl8pPr>
+            <a:lvl9pPr marL="3657600" algn="l" defTabSz="457200" rtl="0" eaLnBrk="1" latinLnBrk="0" hangingPunct="1">
+              <a:defRPr sz="1800" kern="1200">
+                <a:solidFill>
+                  <a:schemeClr val="lt1"/>
+                </a:solidFill>
+                <a:latin typeface="+mn-lt"/>
+                <a:ea typeface="+mn-ea"/>
+                <a:cs typeface="+mn-cs"/>
+              </a:defRPr>
+            </a:lvl9pPr>
+          </a:lstStyle>
+          <a:p>
+            <a:pPr algn="ctr"/>
+            <a:endParaRPr lang="en-US" sz="1600" dirty="0">
+              <a:latin typeface="Arial" panose="020B0604020202020204" pitchFamily="34" charset="0"/>
+              <a:cs typeface="Arial" panose="020B0604020202020204" pitchFamily="34" charset="0"/>
+            </a:endParaRPr>
+          </a:p>
+        </p:txBody>
+      </p:sp>
+      <p:sp>
+        <p:nvSpPr>
+          <p:cNvPr id="13" name="Rectangle 12">
+            <a:extLst>
+              <a:ext uri="{FF2B5EF4-FFF2-40B4-BE49-F238E27FC236}">
+                <a16:creationId xmlns:a16="http://schemas.microsoft.com/office/drawing/2014/main" id="{A54D7242-B9E7-BF7D-5FED-B93D052E9247}"/>
+              </a:ext>
+            </a:extLst>
+          </p:cNvPr>
+          <p:cNvSpPr/>
+          <p:nvPr/>
+        </p:nvSpPr>
+        <p:spPr>
+          <a:xfrm>
+            <a:off x="8882041" y="6433651"/>
+            <a:ext cx="914400" cy="1902965"/>
+          </a:xfrm>
+          <a:prstGeom prst="rect">
+            <a:avLst/>
+          </a:prstGeom>
+          <a:solidFill>
+            <a:schemeClr val="accent1">
+              <a:lumMod val="40000"/>
+              <a:lumOff val="60000"/>
+            </a:schemeClr>
+          </a:solidFill>
+          <a:ln>
+            <a:noFill/>
+          </a:ln>
+        </p:spPr>
+        <p:style>
+          <a:lnRef idx="2">
+            <a:schemeClr val="accent1">
+              <a:shade val="15000"/>
+            </a:schemeClr>
+          </a:lnRef>
+          <a:fillRef idx="1">
+            <a:schemeClr val="accent1"/>
+          </a:fillRef>
+          <a:effectRef idx="0">
+            <a:schemeClr val="accent1"/>
+          </a:effectRef>
+          <a:fontRef idx="minor">
+            <a:schemeClr val="lt1"/>
+          </a:fontRef>
+        </p:style>
+        <p:txBody>
+          <a:bodyPr rtlCol="0" anchor="ctr"/>
+          <a:lstStyle>
+            <a:defPPr>
+              <a:defRPr lang="en-US"/>
+            </a:defPPr>
+            <a:lvl1pPr marL="0" algn="l" defTabSz="457200" rtl="0" eaLnBrk="1" latinLnBrk="0" hangingPunct="1">
+              <a:defRPr sz="1800" kern="1200">
+                <a:solidFill>
+                  <a:schemeClr val="lt1"/>
+                </a:solidFill>
+                <a:latin typeface="+mn-lt"/>
+                <a:ea typeface="+mn-ea"/>
+                <a:cs typeface="+mn-cs"/>
+              </a:defRPr>
+            </a:lvl1pPr>
+            <a:lvl2pPr marL="457200" algn="l" defTabSz="457200" rtl="0" eaLnBrk="1" latinLnBrk="0" hangingPunct="1">
+              <a:defRPr sz="1800" kern="1200">
+                <a:solidFill>
+                  <a:schemeClr val="lt1"/>
+                </a:solidFill>
+                <a:latin typeface="+mn-lt"/>
+                <a:ea typeface="+mn-ea"/>
+                <a:cs typeface="+mn-cs"/>
+              </a:defRPr>
+            </a:lvl2pPr>
+            <a:lvl3pPr marL="914400" algn="l" defTabSz="457200" rtl="0" eaLnBrk="1" latinLnBrk="0" hangingPunct="1">
+              <a:defRPr sz="1800" kern="1200">
+                <a:solidFill>
+                  <a:schemeClr val="lt1"/>
+                </a:solidFill>
+                <a:latin typeface="+mn-lt"/>
+                <a:ea typeface="+mn-ea"/>
+                <a:cs typeface="+mn-cs"/>
+              </a:defRPr>
+            </a:lvl3pPr>
+            <a:lvl4pPr marL="1371600" algn="l" defTabSz="457200" rtl="0" eaLnBrk="1" latinLnBrk="0" hangingPunct="1">
+              <a:defRPr sz="1800" kern="1200">
+                <a:solidFill>
+                  <a:schemeClr val="lt1"/>
+                </a:solidFill>
+                <a:latin typeface="+mn-lt"/>
+                <a:ea typeface="+mn-ea"/>
+                <a:cs typeface="+mn-cs"/>
+              </a:defRPr>
+            </a:lvl4pPr>
+            <a:lvl5pPr marL="1828800" algn="l" defTabSz="457200" rtl="0" eaLnBrk="1" latinLnBrk="0" hangingPunct="1">
+              <a:defRPr sz="1800" kern="1200">
+                <a:solidFill>
+                  <a:schemeClr val="lt1"/>
+                </a:solidFill>
+                <a:latin typeface="+mn-lt"/>
+                <a:ea typeface="+mn-ea"/>
+                <a:cs typeface="+mn-cs"/>
+              </a:defRPr>
+            </a:lvl5pPr>
+            <a:lvl6pPr marL="2286000" algn="l" defTabSz="457200" rtl="0" eaLnBrk="1" latinLnBrk="0" hangingPunct="1">
+              <a:defRPr sz="1800" kern="1200">
+                <a:solidFill>
+                  <a:schemeClr val="lt1"/>
+                </a:solidFill>
+                <a:latin typeface="+mn-lt"/>
+                <a:ea typeface="+mn-ea"/>
+                <a:cs typeface="+mn-cs"/>
+              </a:defRPr>
+            </a:lvl6pPr>
+            <a:lvl7pPr marL="2743200" algn="l" defTabSz="457200" rtl="0" eaLnBrk="1" latinLnBrk="0" hangingPunct="1">
+              <a:defRPr sz="1800" kern="1200">
+                <a:solidFill>
+                  <a:schemeClr val="lt1"/>
+                </a:solidFill>
+                <a:latin typeface="+mn-lt"/>
+                <a:ea typeface="+mn-ea"/>
+                <a:cs typeface="+mn-cs"/>
+              </a:defRPr>
+            </a:lvl7pPr>
+            <a:lvl8pPr marL="3200400" algn="l" defTabSz="457200" rtl="0" eaLnBrk="1" latinLnBrk="0" hangingPunct="1">
+              <a:defRPr sz="1800" kern="1200">
+                <a:solidFill>
+                  <a:schemeClr val="lt1"/>
+                </a:solidFill>
+                <a:latin typeface="+mn-lt"/>
+                <a:ea typeface="+mn-ea"/>
+                <a:cs typeface="+mn-cs"/>
+              </a:defRPr>
+            </a:lvl8pPr>
+            <a:lvl9pPr marL="3657600" algn="l" defTabSz="457200" rtl="0" eaLnBrk="1" latinLnBrk="0" hangingPunct="1">
+              <a:defRPr sz="1800" kern="1200">
+                <a:solidFill>
+                  <a:schemeClr val="lt1"/>
+                </a:solidFill>
+                <a:latin typeface="+mn-lt"/>
+                <a:ea typeface="+mn-ea"/>
+                <a:cs typeface="+mn-cs"/>
+              </a:defRPr>
+            </a:lvl9pPr>
+          </a:lstStyle>
+          <a:p>
+            <a:pPr algn="ctr"/>
+            <a:endParaRPr lang="en-US" sz="1600" dirty="0">
+              <a:latin typeface="Arial" panose="020B0604020202020204" pitchFamily="34" charset="0"/>
+              <a:cs typeface="Arial" panose="020B0604020202020204" pitchFamily="34" charset="0"/>
+            </a:endParaRPr>
+          </a:p>
+        </p:txBody>
+      </p:sp>
+      <p:sp>
+        <p:nvSpPr>
+          <p:cNvPr id="15" name="Left Brace 14">
+            <a:extLst>
+              <a:ext uri="{FF2B5EF4-FFF2-40B4-BE49-F238E27FC236}">
+                <a16:creationId xmlns:a16="http://schemas.microsoft.com/office/drawing/2014/main" id="{651FFBDA-8D8B-C3E8-85EE-07EA4B1FAB34}"/>
+              </a:ext>
+            </a:extLst>
+          </p:cNvPr>
+          <p:cNvSpPr/>
+          <p:nvPr/>
+        </p:nvSpPr>
+        <p:spPr>
+          <a:xfrm rot="16200000">
+            <a:off x="10179673" y="4635218"/>
+            <a:ext cx="223846" cy="3141716"/>
+          </a:xfrm>
+          <a:prstGeom prst="leftBrace">
+            <a:avLst/>
+          </a:prstGeom>
+          <a:ln w="28575"/>
+        </p:spPr>
+        <p:style>
+          <a:lnRef idx="1">
+            <a:schemeClr val="dk1"/>
+          </a:lnRef>
+          <a:fillRef idx="0">
+            <a:schemeClr val="dk1"/>
+          </a:fillRef>
+          <a:effectRef idx="0">
+            <a:schemeClr val="dk1"/>
+          </a:effectRef>
+          <a:fontRef idx="minor">
+            <a:schemeClr val="tx1"/>
+          </a:fontRef>
+        </p:style>
+        <p:txBody>
+          <a:bodyPr rtlCol="0" anchor="ctr"/>
+          <a:lstStyle/>
+          <a:p>
+            <a:pPr algn="ctr"/>
+            <a:endParaRPr lang="en-US"/>
+          </a:p>
+        </p:txBody>
+      </p:sp>
+      <p:sp>
+        <p:nvSpPr>
+          <p:cNvPr id="16" name="TextBox 15">
+            <a:extLst>
+              <a:ext uri="{FF2B5EF4-FFF2-40B4-BE49-F238E27FC236}">
+                <a16:creationId xmlns:a16="http://schemas.microsoft.com/office/drawing/2014/main" id="{0404C804-860D-3D2B-5BBE-7A341D3E7A64}"/>
+              </a:ext>
+            </a:extLst>
+          </p:cNvPr>
+          <p:cNvSpPr txBox="1"/>
+          <p:nvPr/>
+        </p:nvSpPr>
+        <p:spPr>
+          <a:xfrm>
+            <a:off x="7776363" y="8696078"/>
+            <a:ext cx="5105399" cy="523220"/>
+          </a:xfrm>
+          <a:prstGeom prst="rect">
+            <a:avLst/>
+          </a:prstGeom>
+          <a:noFill/>
+        </p:spPr>
+        <p:txBody>
+          <a:bodyPr wrap="square" rtlCol="0">
+            <a:spAutoFit/>
+          </a:bodyPr>
+          <a:lstStyle>
+            <a:defPPr>
+              <a:defRPr lang="en-US"/>
+            </a:defPPr>
+            <a:lvl1pPr marL="0" algn="l" defTabSz="457200" rtl="0" eaLnBrk="1" latinLnBrk="0" hangingPunct="1">
+              <a:defRPr sz="1800" kern="1200">
+                <a:solidFill>
+                  <a:schemeClr val="tx1"/>
+                </a:solidFill>
+                <a:latin typeface="+mn-lt"/>
+                <a:ea typeface="+mn-ea"/>
+                <a:cs typeface="+mn-cs"/>
+              </a:defRPr>
+            </a:lvl1pPr>
+            <a:lvl2pPr marL="457200" algn="l" defTabSz="457200" rtl="0" eaLnBrk="1" latinLnBrk="0" hangingPunct="1">
+              <a:defRPr sz="1800" kern="1200">
+                <a:solidFill>
+                  <a:schemeClr val="tx1"/>
+                </a:solidFill>
+                <a:latin typeface="+mn-lt"/>
+                <a:ea typeface="+mn-ea"/>
+                <a:cs typeface="+mn-cs"/>
+              </a:defRPr>
+            </a:lvl2pPr>
+            <a:lvl3pPr marL="914400" algn="l" defTabSz="457200" rtl="0" eaLnBrk="1" latinLnBrk="0" hangingPunct="1">
+              <a:defRPr sz="1800" kern="1200">
+                <a:solidFill>
+                  <a:schemeClr val="tx1"/>
+                </a:solidFill>
+                <a:latin typeface="+mn-lt"/>
+                <a:ea typeface="+mn-ea"/>
+                <a:cs typeface="+mn-cs"/>
+              </a:defRPr>
+            </a:lvl3pPr>
+            <a:lvl4pPr marL="1371600" algn="l" defTabSz="457200" rtl="0" eaLnBrk="1" latinLnBrk="0" hangingPunct="1">
+              <a:defRPr sz="1800" kern="1200">
+                <a:solidFill>
+                  <a:schemeClr val="tx1"/>
+                </a:solidFill>
+                <a:latin typeface="+mn-lt"/>
+                <a:ea typeface="+mn-ea"/>
+                <a:cs typeface="+mn-cs"/>
+              </a:defRPr>
+            </a:lvl4pPr>
+            <a:lvl5pPr marL="1828800" algn="l" defTabSz="457200" rtl="0" eaLnBrk="1" latinLnBrk="0" hangingPunct="1">
+              <a:defRPr sz="1800" kern="1200">
+                <a:solidFill>
+                  <a:schemeClr val="tx1"/>
+                </a:solidFill>
+                <a:latin typeface="+mn-lt"/>
+                <a:ea typeface="+mn-ea"/>
+                <a:cs typeface="+mn-cs"/>
+              </a:defRPr>
+            </a:lvl5pPr>
+            <a:lvl6pPr marL="2286000" algn="l" defTabSz="457200" rtl="0" eaLnBrk="1" latinLnBrk="0" hangingPunct="1">
+              <a:defRPr sz="1800" kern="1200">
+                <a:solidFill>
+                  <a:schemeClr val="tx1"/>
+                </a:solidFill>
+                <a:latin typeface="+mn-lt"/>
+                <a:ea typeface="+mn-ea"/>
+                <a:cs typeface="+mn-cs"/>
+              </a:defRPr>
+            </a:lvl6pPr>
+            <a:lvl7pPr marL="2743200" algn="l" defTabSz="457200" rtl="0" eaLnBrk="1" latinLnBrk="0" hangingPunct="1">
+              <a:defRPr sz="1800" kern="1200">
+                <a:solidFill>
+                  <a:schemeClr val="tx1"/>
+                </a:solidFill>
+                <a:latin typeface="+mn-lt"/>
+                <a:ea typeface="+mn-ea"/>
+                <a:cs typeface="+mn-cs"/>
+              </a:defRPr>
+            </a:lvl7pPr>
+            <a:lvl8pPr marL="3200400" algn="l" defTabSz="457200" rtl="0" eaLnBrk="1" latinLnBrk="0" hangingPunct="1">
+              <a:defRPr sz="1800" kern="1200">
+                <a:solidFill>
+                  <a:schemeClr val="tx1"/>
+                </a:solidFill>
+                <a:latin typeface="+mn-lt"/>
+                <a:ea typeface="+mn-ea"/>
+                <a:cs typeface="+mn-cs"/>
+              </a:defRPr>
+            </a:lvl8pPr>
+            <a:lvl9pPr marL="3657600" algn="l" defTabSz="457200" rtl="0" eaLnBrk="1" latinLnBrk="0" hangingPunct="1">
+              <a:defRPr sz="1800" kern="1200">
+                <a:solidFill>
+                  <a:schemeClr val="tx1"/>
+                </a:solidFill>
+                <a:latin typeface="+mn-lt"/>
+                <a:ea typeface="+mn-ea"/>
+                <a:cs typeface="+mn-cs"/>
+              </a:defRPr>
+            </a:lvl9pPr>
+          </a:lstStyle>
+          <a:p>
+            <a:r>
+              <a:rPr lang="en-US" sz="2800" b="1" dirty="0">
+                <a:latin typeface="Arial" panose="020B0604020202020204" pitchFamily="34" charset="0"/>
+                <a:ea typeface="Yu Gothic" panose="020B0400000000000000" pitchFamily="34" charset="-128"/>
+                <a:cs typeface="Arial" panose="020B0604020202020204" pitchFamily="34" charset="0"/>
+              </a:rPr>
+              <a:t>Simple Two-epoch Inference</a:t>
+            </a:r>
+          </a:p>
+        </p:txBody>
+      </p:sp>
+      <p:sp>
+        <p:nvSpPr>
+          <p:cNvPr id="17" name="Rectangle 16">
+            <a:extLst>
+              <a:ext uri="{FF2B5EF4-FFF2-40B4-BE49-F238E27FC236}">
+                <a16:creationId xmlns:a16="http://schemas.microsoft.com/office/drawing/2014/main" id="{60F414D3-8A08-D86C-AA7D-5198CADABF89}"/>
+              </a:ext>
+            </a:extLst>
+          </p:cNvPr>
+          <p:cNvSpPr/>
+          <p:nvPr/>
+        </p:nvSpPr>
+        <p:spPr>
+          <a:xfrm>
+            <a:off x="8673438" y="8322870"/>
+            <a:ext cx="1331605" cy="280246"/>
+          </a:xfrm>
+          <a:prstGeom prst="rect">
+            <a:avLst/>
+          </a:prstGeom>
+          <a:solidFill>
+            <a:schemeClr val="accent1">
+              <a:lumMod val="40000"/>
+              <a:lumOff val="60000"/>
+            </a:schemeClr>
+          </a:solidFill>
+          <a:ln>
+            <a:noFill/>
+          </a:ln>
+        </p:spPr>
+        <p:style>
+          <a:lnRef idx="2">
+            <a:schemeClr val="accent1">
+              <a:shade val="15000"/>
+            </a:schemeClr>
+          </a:lnRef>
+          <a:fillRef idx="1">
+            <a:schemeClr val="accent1"/>
+          </a:fillRef>
+          <a:effectRef idx="0">
+            <a:schemeClr val="accent1"/>
+          </a:effectRef>
+          <a:fontRef idx="minor">
+            <a:schemeClr val="lt1"/>
+          </a:fontRef>
+        </p:style>
+        <p:txBody>
+          <a:bodyPr rtlCol="0" anchor="ctr"/>
+          <a:lstStyle>
+            <a:defPPr>
+              <a:defRPr lang="en-US"/>
+            </a:defPPr>
+            <a:lvl1pPr marL="0" algn="l" defTabSz="457200" rtl="0" eaLnBrk="1" latinLnBrk="0" hangingPunct="1">
+              <a:defRPr sz="1800" kern="1200">
+                <a:solidFill>
+                  <a:schemeClr val="lt1"/>
+                </a:solidFill>
+                <a:latin typeface="+mn-lt"/>
+                <a:ea typeface="+mn-ea"/>
+                <a:cs typeface="+mn-cs"/>
+              </a:defRPr>
+            </a:lvl1pPr>
+            <a:lvl2pPr marL="457200" algn="l" defTabSz="457200" rtl="0" eaLnBrk="1" latinLnBrk="0" hangingPunct="1">
+              <a:defRPr sz="1800" kern="1200">
+                <a:solidFill>
+                  <a:schemeClr val="lt1"/>
+                </a:solidFill>
+                <a:latin typeface="+mn-lt"/>
+                <a:ea typeface="+mn-ea"/>
+                <a:cs typeface="+mn-cs"/>
+              </a:defRPr>
+            </a:lvl2pPr>
+            <a:lvl3pPr marL="914400" algn="l" defTabSz="457200" rtl="0" eaLnBrk="1" latinLnBrk="0" hangingPunct="1">
+              <a:defRPr sz="1800" kern="1200">
+                <a:solidFill>
+                  <a:schemeClr val="lt1"/>
+                </a:solidFill>
+                <a:latin typeface="+mn-lt"/>
+                <a:ea typeface="+mn-ea"/>
+                <a:cs typeface="+mn-cs"/>
+              </a:defRPr>
+            </a:lvl3pPr>
+            <a:lvl4pPr marL="1371600" algn="l" defTabSz="457200" rtl="0" eaLnBrk="1" latinLnBrk="0" hangingPunct="1">
+              <a:defRPr sz="1800" kern="1200">
+                <a:solidFill>
+                  <a:schemeClr val="lt1"/>
+                </a:solidFill>
+                <a:latin typeface="+mn-lt"/>
+                <a:ea typeface="+mn-ea"/>
+                <a:cs typeface="+mn-cs"/>
+              </a:defRPr>
+            </a:lvl4pPr>
+            <a:lvl5pPr marL="1828800" algn="l" defTabSz="457200" rtl="0" eaLnBrk="1" latinLnBrk="0" hangingPunct="1">
+              <a:defRPr sz="1800" kern="1200">
+                <a:solidFill>
+                  <a:schemeClr val="lt1"/>
+                </a:solidFill>
+                <a:latin typeface="+mn-lt"/>
+                <a:ea typeface="+mn-ea"/>
+                <a:cs typeface="+mn-cs"/>
+              </a:defRPr>
+            </a:lvl5pPr>
+            <a:lvl6pPr marL="2286000" algn="l" defTabSz="457200" rtl="0" eaLnBrk="1" latinLnBrk="0" hangingPunct="1">
+              <a:defRPr sz="1800" kern="1200">
+                <a:solidFill>
+                  <a:schemeClr val="lt1"/>
+                </a:solidFill>
+                <a:latin typeface="+mn-lt"/>
+                <a:ea typeface="+mn-ea"/>
+                <a:cs typeface="+mn-cs"/>
+              </a:defRPr>
+            </a:lvl6pPr>
+            <a:lvl7pPr marL="2743200" algn="l" defTabSz="457200" rtl="0" eaLnBrk="1" latinLnBrk="0" hangingPunct="1">
+              <a:defRPr sz="1800" kern="1200">
+                <a:solidFill>
+                  <a:schemeClr val="lt1"/>
+                </a:solidFill>
+                <a:latin typeface="+mn-lt"/>
+                <a:ea typeface="+mn-ea"/>
+                <a:cs typeface="+mn-cs"/>
+              </a:defRPr>
+            </a:lvl7pPr>
+            <a:lvl8pPr marL="3200400" algn="l" defTabSz="457200" rtl="0" eaLnBrk="1" latinLnBrk="0" hangingPunct="1">
+              <a:defRPr sz="1800" kern="1200">
+                <a:solidFill>
+                  <a:schemeClr val="lt1"/>
+                </a:solidFill>
+                <a:latin typeface="+mn-lt"/>
+                <a:ea typeface="+mn-ea"/>
+                <a:cs typeface="+mn-cs"/>
+              </a:defRPr>
+            </a:lvl8pPr>
+            <a:lvl9pPr marL="3657600" algn="l" defTabSz="457200" rtl="0" eaLnBrk="1" latinLnBrk="0" hangingPunct="1">
+              <a:defRPr sz="1800" kern="1200">
+                <a:solidFill>
+                  <a:schemeClr val="lt1"/>
+                </a:solidFill>
+                <a:latin typeface="+mn-lt"/>
+                <a:ea typeface="+mn-ea"/>
+                <a:cs typeface="+mn-cs"/>
+              </a:defRPr>
+            </a:lvl9pPr>
+          </a:lstStyle>
+          <a:p>
+            <a:pPr algn="ctr"/>
+            <a:endParaRPr lang="en-US" sz="1600" dirty="0">
+              <a:latin typeface="Arial" panose="020B0604020202020204" pitchFamily="34" charset="0"/>
+              <a:cs typeface="Arial" panose="020B0604020202020204" pitchFamily="34" charset="0"/>
+            </a:endParaRPr>
+          </a:p>
+        </p:txBody>
+      </p:sp>
+      <p:sp>
+        <p:nvSpPr>
+          <p:cNvPr id="18" name="Left Brace 17">
+            <a:extLst>
+              <a:ext uri="{FF2B5EF4-FFF2-40B4-BE49-F238E27FC236}">
+                <a16:creationId xmlns:a16="http://schemas.microsoft.com/office/drawing/2014/main" id="{AB0ECFAC-6FA9-240C-AC83-75BEE15BBE19}"/>
+              </a:ext>
+            </a:extLst>
+          </p:cNvPr>
+          <p:cNvSpPr/>
+          <p:nvPr/>
+        </p:nvSpPr>
+        <p:spPr>
+          <a:xfrm>
+            <a:off x="6675023" y="2200828"/>
+            <a:ext cx="528730" cy="7018470"/>
+          </a:xfrm>
+          <a:prstGeom prst="leftBrace">
+            <a:avLst/>
+          </a:prstGeom>
+          <a:ln w="28575"/>
+        </p:spPr>
+        <p:style>
+          <a:lnRef idx="1">
+            <a:schemeClr val="dk1"/>
+          </a:lnRef>
+          <a:fillRef idx="0">
+            <a:schemeClr val="dk1"/>
+          </a:fillRef>
+          <a:effectRef idx="0">
+            <a:schemeClr val="dk1"/>
+          </a:effectRef>
+          <a:fontRef idx="minor">
+            <a:schemeClr val="tx1"/>
+          </a:fontRef>
+        </p:style>
+        <p:txBody>
+          <a:bodyPr rtlCol="0" anchor="ctr"/>
+          <a:lstStyle/>
+          <a:p>
+            <a:pPr algn="ctr"/>
+            <a:endParaRPr lang="en-US"/>
+          </a:p>
+        </p:txBody>
+      </p:sp>
+      <p:pic>
+        <p:nvPicPr>
+          <p:cNvPr id="20" name="Graphic 19" descr="Group of men with solid fill">
+            <a:extLst>
+              <a:ext uri="{FF2B5EF4-FFF2-40B4-BE49-F238E27FC236}">
+                <a16:creationId xmlns:a16="http://schemas.microsoft.com/office/drawing/2014/main" id="{8F5C106F-8B83-A5EE-C2B2-495471527073}"/>
+              </a:ext>
+            </a:extLst>
+          </p:cNvPr>
+          <p:cNvPicPr>
+            <a:picLocks noChangeAspect="1"/>
+          </p:cNvPicPr>
+          <p:nvPr/>
+        </p:nvPicPr>
+        <p:blipFill>
+          <a:blip r:embed="rId2">
+            <a:extLst>
+              <a:ext uri="{96DAC541-7B7A-43D3-8B79-37D633B846F1}">
+                <asvg:svgBlip xmlns:asvg="http://schemas.microsoft.com/office/drawing/2016/SVG/main" r:embed="rId3"/>
+              </a:ext>
+            </a:extLst>
+          </a:blip>
+          <a:stretch>
+            <a:fillRect/>
+          </a:stretch>
+        </p:blipFill>
+        <p:spPr>
+          <a:xfrm>
+            <a:off x="2351554" y="2547610"/>
+            <a:ext cx="1828800" cy="1828800"/>
+          </a:xfrm>
+          <a:prstGeom prst="rect">
+            <a:avLst/>
+          </a:prstGeom>
+        </p:spPr>
+      </p:pic>
+      <p:sp>
+        <p:nvSpPr>
+          <p:cNvPr id="21" name="TextBox 20">
+            <a:extLst>
+              <a:ext uri="{FF2B5EF4-FFF2-40B4-BE49-F238E27FC236}">
+                <a16:creationId xmlns:a16="http://schemas.microsoft.com/office/drawing/2014/main" id="{1F094396-F10D-6D60-EB5F-A98F49B0262F}"/>
+              </a:ext>
+            </a:extLst>
+          </p:cNvPr>
+          <p:cNvSpPr txBox="1"/>
+          <p:nvPr/>
+        </p:nvSpPr>
+        <p:spPr>
+          <a:xfrm>
+            <a:off x="4409192" y="3166302"/>
+            <a:ext cx="2464662" cy="523220"/>
+          </a:xfrm>
+          <a:prstGeom prst="rect">
+            <a:avLst/>
+          </a:prstGeom>
+          <a:noFill/>
+        </p:spPr>
+        <p:txBody>
+          <a:bodyPr wrap="square" rtlCol="0">
+            <a:spAutoFit/>
+          </a:bodyPr>
+          <a:lstStyle>
+            <a:defPPr>
+              <a:defRPr lang="en-US"/>
+            </a:defPPr>
+            <a:lvl1pPr marL="0" algn="l" defTabSz="457200" rtl="0" eaLnBrk="1" latinLnBrk="0" hangingPunct="1">
+              <a:defRPr sz="1800" kern="1200">
+                <a:solidFill>
+                  <a:schemeClr val="tx1"/>
+                </a:solidFill>
+                <a:latin typeface="+mn-lt"/>
+                <a:ea typeface="+mn-ea"/>
+                <a:cs typeface="+mn-cs"/>
+              </a:defRPr>
+            </a:lvl1pPr>
+            <a:lvl2pPr marL="457200" algn="l" defTabSz="457200" rtl="0" eaLnBrk="1" latinLnBrk="0" hangingPunct="1">
+              <a:defRPr sz="1800" kern="1200">
+                <a:solidFill>
+                  <a:schemeClr val="tx1"/>
+                </a:solidFill>
+                <a:latin typeface="+mn-lt"/>
+                <a:ea typeface="+mn-ea"/>
+                <a:cs typeface="+mn-cs"/>
+              </a:defRPr>
+            </a:lvl2pPr>
+            <a:lvl3pPr marL="914400" algn="l" defTabSz="457200" rtl="0" eaLnBrk="1" latinLnBrk="0" hangingPunct="1">
+              <a:defRPr sz="1800" kern="1200">
+                <a:solidFill>
+                  <a:schemeClr val="tx1"/>
+                </a:solidFill>
+                <a:latin typeface="+mn-lt"/>
+                <a:ea typeface="+mn-ea"/>
+                <a:cs typeface="+mn-cs"/>
+              </a:defRPr>
+            </a:lvl3pPr>
+            <a:lvl4pPr marL="1371600" algn="l" defTabSz="457200" rtl="0" eaLnBrk="1" latinLnBrk="0" hangingPunct="1">
+              <a:defRPr sz="1800" kern="1200">
+                <a:solidFill>
+                  <a:schemeClr val="tx1"/>
+                </a:solidFill>
+                <a:latin typeface="+mn-lt"/>
+                <a:ea typeface="+mn-ea"/>
+                <a:cs typeface="+mn-cs"/>
+              </a:defRPr>
+            </a:lvl4pPr>
+            <a:lvl5pPr marL="1828800" algn="l" defTabSz="457200" rtl="0" eaLnBrk="1" latinLnBrk="0" hangingPunct="1">
+              <a:defRPr sz="1800" kern="1200">
+                <a:solidFill>
+                  <a:schemeClr val="tx1"/>
+                </a:solidFill>
+                <a:latin typeface="+mn-lt"/>
+                <a:ea typeface="+mn-ea"/>
+                <a:cs typeface="+mn-cs"/>
+              </a:defRPr>
+            </a:lvl5pPr>
+            <a:lvl6pPr marL="2286000" algn="l" defTabSz="457200" rtl="0" eaLnBrk="1" latinLnBrk="0" hangingPunct="1">
+              <a:defRPr sz="1800" kern="1200">
+                <a:solidFill>
+                  <a:schemeClr val="tx1"/>
+                </a:solidFill>
+                <a:latin typeface="+mn-lt"/>
+                <a:ea typeface="+mn-ea"/>
+                <a:cs typeface="+mn-cs"/>
+              </a:defRPr>
+            </a:lvl6pPr>
+            <a:lvl7pPr marL="2743200" algn="l" defTabSz="457200" rtl="0" eaLnBrk="1" latinLnBrk="0" hangingPunct="1">
+              <a:defRPr sz="1800" kern="1200">
+                <a:solidFill>
+                  <a:schemeClr val="tx1"/>
+                </a:solidFill>
+                <a:latin typeface="+mn-lt"/>
+                <a:ea typeface="+mn-ea"/>
+                <a:cs typeface="+mn-cs"/>
+              </a:defRPr>
+            </a:lvl7pPr>
+            <a:lvl8pPr marL="3200400" algn="l" defTabSz="457200" rtl="0" eaLnBrk="1" latinLnBrk="0" hangingPunct="1">
+              <a:defRPr sz="1800" kern="1200">
+                <a:solidFill>
+                  <a:schemeClr val="tx1"/>
+                </a:solidFill>
+                <a:latin typeface="+mn-lt"/>
+                <a:ea typeface="+mn-ea"/>
+                <a:cs typeface="+mn-cs"/>
+              </a:defRPr>
+            </a:lvl8pPr>
+            <a:lvl9pPr marL="3657600" algn="l" defTabSz="457200" rtl="0" eaLnBrk="1" latinLnBrk="0" hangingPunct="1">
+              <a:defRPr sz="1800" kern="1200">
+                <a:solidFill>
+                  <a:schemeClr val="tx1"/>
+                </a:solidFill>
+                <a:latin typeface="+mn-lt"/>
+                <a:ea typeface="+mn-ea"/>
+                <a:cs typeface="+mn-cs"/>
+              </a:defRPr>
+            </a:lvl9pPr>
+          </a:lstStyle>
+          <a:p>
+            <a:r>
+              <a:rPr lang="en-US" sz="2800" b="1" dirty="0">
+                <a:latin typeface="Arial" panose="020B0604020202020204" pitchFamily="34" charset="0"/>
+                <a:ea typeface="Yu Gothic" panose="020B0400000000000000" pitchFamily="34" charset="-128"/>
+                <a:cs typeface="Arial" panose="020B0604020202020204" pitchFamily="34" charset="0"/>
+              </a:rPr>
+              <a:t>10 Diploids</a:t>
+            </a:r>
+          </a:p>
+        </p:txBody>
+      </p:sp>
+      <p:pic>
+        <p:nvPicPr>
+          <p:cNvPr id="22" name="Graphic 21" descr="Group of men with solid fill">
+            <a:extLst>
+              <a:ext uri="{FF2B5EF4-FFF2-40B4-BE49-F238E27FC236}">
+                <a16:creationId xmlns:a16="http://schemas.microsoft.com/office/drawing/2014/main" id="{1F6980BA-F0D5-4BF7-54A0-239A996CB6FC}"/>
+              </a:ext>
+            </a:extLst>
+          </p:cNvPr>
+          <p:cNvPicPr>
+            <a:picLocks noChangeAspect="1"/>
+          </p:cNvPicPr>
+          <p:nvPr/>
+        </p:nvPicPr>
+        <p:blipFill>
+          <a:blip r:embed="rId2">
+            <a:extLst>
+              <a:ext uri="{96DAC541-7B7A-43D3-8B79-37D633B846F1}">
+                <asvg:svgBlip xmlns:asvg="http://schemas.microsoft.com/office/drawing/2016/SVG/main" r:embed="rId3"/>
+              </a:ext>
+            </a:extLst>
+          </a:blip>
+          <a:stretch>
+            <a:fillRect/>
+          </a:stretch>
+        </p:blipFill>
+        <p:spPr>
+          <a:xfrm>
+            <a:off x="2367487" y="4335160"/>
+            <a:ext cx="1828800" cy="1828800"/>
+          </a:xfrm>
+          <a:prstGeom prst="rect">
+            <a:avLst/>
+          </a:prstGeom>
+        </p:spPr>
+      </p:pic>
+      <p:pic>
+        <p:nvPicPr>
+          <p:cNvPr id="23" name="Graphic 22" descr="Group of men with solid fill">
+            <a:extLst>
+              <a:ext uri="{FF2B5EF4-FFF2-40B4-BE49-F238E27FC236}">
+                <a16:creationId xmlns:a16="http://schemas.microsoft.com/office/drawing/2014/main" id="{FE2B28DC-9E27-1375-484D-BA83776F5366}"/>
+              </a:ext>
+            </a:extLst>
+          </p:cNvPr>
+          <p:cNvPicPr>
+            <a:picLocks noChangeAspect="1"/>
+          </p:cNvPicPr>
+          <p:nvPr/>
+        </p:nvPicPr>
+        <p:blipFill>
+          <a:blip r:embed="rId2">
+            <a:extLst>
+              <a:ext uri="{96DAC541-7B7A-43D3-8B79-37D633B846F1}">
+                <asvg:svgBlip xmlns:asvg="http://schemas.microsoft.com/office/drawing/2016/SVG/main" r:embed="rId3"/>
+              </a:ext>
+            </a:extLst>
+          </a:blip>
+          <a:stretch>
+            <a:fillRect/>
+          </a:stretch>
+        </p:blipFill>
+        <p:spPr>
+          <a:xfrm>
+            <a:off x="2351554" y="7422216"/>
+            <a:ext cx="1828800" cy="1828800"/>
+          </a:xfrm>
+          <a:prstGeom prst="rect">
+            <a:avLst/>
+          </a:prstGeom>
+        </p:spPr>
+      </p:pic>
+      <p:sp>
+        <p:nvSpPr>
+          <p:cNvPr id="24" name="TextBox 23">
+            <a:extLst>
+              <a:ext uri="{FF2B5EF4-FFF2-40B4-BE49-F238E27FC236}">
+                <a16:creationId xmlns:a16="http://schemas.microsoft.com/office/drawing/2014/main" id="{305089E9-E50E-392B-8CB3-ADDBAD7EE761}"/>
+              </a:ext>
+            </a:extLst>
+          </p:cNvPr>
+          <p:cNvSpPr txBox="1"/>
+          <p:nvPr/>
+        </p:nvSpPr>
+        <p:spPr>
+          <a:xfrm>
+            <a:off x="4409192" y="4969871"/>
+            <a:ext cx="2464662" cy="523220"/>
+          </a:xfrm>
+          <a:prstGeom prst="rect">
+            <a:avLst/>
+          </a:prstGeom>
+          <a:noFill/>
+        </p:spPr>
+        <p:txBody>
+          <a:bodyPr wrap="square" rtlCol="0">
+            <a:spAutoFit/>
+          </a:bodyPr>
+          <a:lstStyle>
+            <a:defPPr>
+              <a:defRPr lang="en-US"/>
+            </a:defPPr>
+            <a:lvl1pPr marL="0" algn="l" defTabSz="457200" rtl="0" eaLnBrk="1" latinLnBrk="0" hangingPunct="1">
+              <a:defRPr sz="1800" kern="1200">
+                <a:solidFill>
+                  <a:schemeClr val="tx1"/>
+                </a:solidFill>
+                <a:latin typeface="+mn-lt"/>
+                <a:ea typeface="+mn-ea"/>
+                <a:cs typeface="+mn-cs"/>
+              </a:defRPr>
+            </a:lvl1pPr>
+            <a:lvl2pPr marL="457200" algn="l" defTabSz="457200" rtl="0" eaLnBrk="1" latinLnBrk="0" hangingPunct="1">
+              <a:defRPr sz="1800" kern="1200">
+                <a:solidFill>
+                  <a:schemeClr val="tx1"/>
+                </a:solidFill>
+                <a:latin typeface="+mn-lt"/>
+                <a:ea typeface="+mn-ea"/>
+                <a:cs typeface="+mn-cs"/>
+              </a:defRPr>
+            </a:lvl2pPr>
+            <a:lvl3pPr marL="914400" algn="l" defTabSz="457200" rtl="0" eaLnBrk="1" latinLnBrk="0" hangingPunct="1">
+              <a:defRPr sz="1800" kern="1200">
+                <a:solidFill>
+                  <a:schemeClr val="tx1"/>
+                </a:solidFill>
+                <a:latin typeface="+mn-lt"/>
+                <a:ea typeface="+mn-ea"/>
+                <a:cs typeface="+mn-cs"/>
+              </a:defRPr>
+            </a:lvl3pPr>
+            <a:lvl4pPr marL="1371600" algn="l" defTabSz="457200" rtl="0" eaLnBrk="1" latinLnBrk="0" hangingPunct="1">
+              <a:defRPr sz="1800" kern="1200">
+                <a:solidFill>
+                  <a:schemeClr val="tx1"/>
+                </a:solidFill>
+                <a:latin typeface="+mn-lt"/>
+                <a:ea typeface="+mn-ea"/>
+                <a:cs typeface="+mn-cs"/>
+              </a:defRPr>
+            </a:lvl4pPr>
+            <a:lvl5pPr marL="1828800" algn="l" defTabSz="457200" rtl="0" eaLnBrk="1" latinLnBrk="0" hangingPunct="1">
+              <a:defRPr sz="1800" kern="1200">
+                <a:solidFill>
+                  <a:schemeClr val="tx1"/>
+                </a:solidFill>
+                <a:latin typeface="+mn-lt"/>
+                <a:ea typeface="+mn-ea"/>
+                <a:cs typeface="+mn-cs"/>
+              </a:defRPr>
+            </a:lvl5pPr>
+            <a:lvl6pPr marL="2286000" algn="l" defTabSz="457200" rtl="0" eaLnBrk="1" latinLnBrk="0" hangingPunct="1">
+              <a:defRPr sz="1800" kern="1200">
+                <a:solidFill>
+                  <a:schemeClr val="tx1"/>
+                </a:solidFill>
+                <a:latin typeface="+mn-lt"/>
+                <a:ea typeface="+mn-ea"/>
+                <a:cs typeface="+mn-cs"/>
+              </a:defRPr>
+            </a:lvl6pPr>
+            <a:lvl7pPr marL="2743200" algn="l" defTabSz="457200" rtl="0" eaLnBrk="1" latinLnBrk="0" hangingPunct="1">
+              <a:defRPr sz="1800" kern="1200">
+                <a:solidFill>
+                  <a:schemeClr val="tx1"/>
+                </a:solidFill>
+                <a:latin typeface="+mn-lt"/>
+                <a:ea typeface="+mn-ea"/>
+                <a:cs typeface="+mn-cs"/>
+              </a:defRPr>
+            </a:lvl7pPr>
+            <a:lvl8pPr marL="3200400" algn="l" defTabSz="457200" rtl="0" eaLnBrk="1" latinLnBrk="0" hangingPunct="1">
+              <a:defRPr sz="1800" kern="1200">
+                <a:solidFill>
+                  <a:schemeClr val="tx1"/>
+                </a:solidFill>
+                <a:latin typeface="+mn-lt"/>
+                <a:ea typeface="+mn-ea"/>
+                <a:cs typeface="+mn-cs"/>
+              </a:defRPr>
+            </a:lvl8pPr>
+            <a:lvl9pPr marL="3657600" algn="l" defTabSz="457200" rtl="0" eaLnBrk="1" latinLnBrk="0" hangingPunct="1">
+              <a:defRPr sz="1800" kern="1200">
+                <a:solidFill>
+                  <a:schemeClr val="tx1"/>
+                </a:solidFill>
+                <a:latin typeface="+mn-lt"/>
+                <a:ea typeface="+mn-ea"/>
+                <a:cs typeface="+mn-cs"/>
+              </a:defRPr>
+            </a:lvl9pPr>
+          </a:lstStyle>
+          <a:p>
+            <a:r>
+              <a:rPr lang="en-US" sz="2800" b="1" dirty="0">
+                <a:latin typeface="Arial" panose="020B0604020202020204" pitchFamily="34" charset="0"/>
+                <a:ea typeface="Yu Gothic" panose="020B0400000000000000" pitchFamily="34" charset="-128"/>
+                <a:cs typeface="Arial" panose="020B0604020202020204" pitchFamily="34" charset="0"/>
+              </a:rPr>
+              <a:t>20 Diploids</a:t>
+            </a:r>
+          </a:p>
+        </p:txBody>
+      </p:sp>
+      <p:sp>
+        <p:nvSpPr>
+          <p:cNvPr id="25" name="TextBox 24">
+            <a:extLst>
+              <a:ext uri="{FF2B5EF4-FFF2-40B4-BE49-F238E27FC236}">
+                <a16:creationId xmlns:a16="http://schemas.microsoft.com/office/drawing/2014/main" id="{09E5122F-B2DD-4E50-5966-69867CFFB55E}"/>
+              </a:ext>
+            </a:extLst>
+          </p:cNvPr>
+          <p:cNvSpPr txBox="1"/>
+          <p:nvPr/>
+        </p:nvSpPr>
+        <p:spPr>
+          <a:xfrm>
+            <a:off x="4409192" y="8061260"/>
+            <a:ext cx="2464662" cy="523220"/>
+          </a:xfrm>
+          <a:prstGeom prst="rect">
+            <a:avLst/>
+          </a:prstGeom>
+          <a:noFill/>
+        </p:spPr>
+        <p:txBody>
+          <a:bodyPr wrap="square" rtlCol="0">
+            <a:spAutoFit/>
+          </a:bodyPr>
+          <a:lstStyle>
+            <a:defPPr>
+              <a:defRPr lang="en-US"/>
+            </a:defPPr>
+            <a:lvl1pPr marL="0" algn="l" defTabSz="457200" rtl="0" eaLnBrk="1" latinLnBrk="0" hangingPunct="1">
+              <a:defRPr sz="1800" kern="1200">
+                <a:solidFill>
+                  <a:schemeClr val="tx1"/>
+                </a:solidFill>
+                <a:latin typeface="+mn-lt"/>
+                <a:ea typeface="+mn-ea"/>
+                <a:cs typeface="+mn-cs"/>
+              </a:defRPr>
+            </a:lvl1pPr>
+            <a:lvl2pPr marL="457200" algn="l" defTabSz="457200" rtl="0" eaLnBrk="1" latinLnBrk="0" hangingPunct="1">
+              <a:defRPr sz="1800" kern="1200">
+                <a:solidFill>
+                  <a:schemeClr val="tx1"/>
+                </a:solidFill>
+                <a:latin typeface="+mn-lt"/>
+                <a:ea typeface="+mn-ea"/>
+                <a:cs typeface="+mn-cs"/>
+              </a:defRPr>
+            </a:lvl2pPr>
+            <a:lvl3pPr marL="914400" algn="l" defTabSz="457200" rtl="0" eaLnBrk="1" latinLnBrk="0" hangingPunct="1">
+              <a:defRPr sz="1800" kern="1200">
+                <a:solidFill>
+                  <a:schemeClr val="tx1"/>
+                </a:solidFill>
+                <a:latin typeface="+mn-lt"/>
+                <a:ea typeface="+mn-ea"/>
+                <a:cs typeface="+mn-cs"/>
+              </a:defRPr>
+            </a:lvl3pPr>
+            <a:lvl4pPr marL="1371600" algn="l" defTabSz="457200" rtl="0" eaLnBrk="1" latinLnBrk="0" hangingPunct="1">
+              <a:defRPr sz="1800" kern="1200">
+                <a:solidFill>
+                  <a:schemeClr val="tx1"/>
+                </a:solidFill>
+                <a:latin typeface="+mn-lt"/>
+                <a:ea typeface="+mn-ea"/>
+                <a:cs typeface="+mn-cs"/>
+              </a:defRPr>
+            </a:lvl4pPr>
+            <a:lvl5pPr marL="1828800" algn="l" defTabSz="457200" rtl="0" eaLnBrk="1" latinLnBrk="0" hangingPunct="1">
+              <a:defRPr sz="1800" kern="1200">
+                <a:solidFill>
+                  <a:schemeClr val="tx1"/>
+                </a:solidFill>
+                <a:latin typeface="+mn-lt"/>
+                <a:ea typeface="+mn-ea"/>
+                <a:cs typeface="+mn-cs"/>
+              </a:defRPr>
+            </a:lvl5pPr>
+            <a:lvl6pPr marL="2286000" algn="l" defTabSz="457200" rtl="0" eaLnBrk="1" latinLnBrk="0" hangingPunct="1">
+              <a:defRPr sz="1800" kern="1200">
+                <a:solidFill>
+                  <a:schemeClr val="tx1"/>
+                </a:solidFill>
+                <a:latin typeface="+mn-lt"/>
+                <a:ea typeface="+mn-ea"/>
+                <a:cs typeface="+mn-cs"/>
+              </a:defRPr>
+            </a:lvl6pPr>
+            <a:lvl7pPr marL="2743200" algn="l" defTabSz="457200" rtl="0" eaLnBrk="1" latinLnBrk="0" hangingPunct="1">
+              <a:defRPr sz="1800" kern="1200">
+                <a:solidFill>
+                  <a:schemeClr val="tx1"/>
+                </a:solidFill>
+                <a:latin typeface="+mn-lt"/>
+                <a:ea typeface="+mn-ea"/>
+                <a:cs typeface="+mn-cs"/>
+              </a:defRPr>
+            </a:lvl7pPr>
+            <a:lvl8pPr marL="3200400" algn="l" defTabSz="457200" rtl="0" eaLnBrk="1" latinLnBrk="0" hangingPunct="1">
+              <a:defRPr sz="1800" kern="1200">
+                <a:solidFill>
+                  <a:schemeClr val="tx1"/>
+                </a:solidFill>
+                <a:latin typeface="+mn-lt"/>
+                <a:ea typeface="+mn-ea"/>
+                <a:cs typeface="+mn-cs"/>
+              </a:defRPr>
+            </a:lvl8pPr>
+            <a:lvl9pPr marL="3657600" algn="l" defTabSz="457200" rtl="0" eaLnBrk="1" latinLnBrk="0" hangingPunct="1">
+              <a:defRPr sz="1800" kern="1200">
+                <a:solidFill>
+                  <a:schemeClr val="tx1"/>
+                </a:solidFill>
+                <a:latin typeface="+mn-lt"/>
+                <a:ea typeface="+mn-ea"/>
+                <a:cs typeface="+mn-cs"/>
+              </a:defRPr>
+            </a:lvl9pPr>
+          </a:lstStyle>
+          <a:p>
+            <a:r>
+              <a:rPr lang="en-US" sz="2800" b="1" dirty="0">
+                <a:latin typeface="Arial" panose="020B0604020202020204" pitchFamily="34" charset="0"/>
+                <a:ea typeface="Yu Gothic" panose="020B0400000000000000" pitchFamily="34" charset="-128"/>
+                <a:cs typeface="Arial" panose="020B0604020202020204" pitchFamily="34" charset="0"/>
+              </a:rPr>
+              <a:t>800 Diploids</a:t>
+            </a:r>
+          </a:p>
+        </p:txBody>
+      </p:sp>
+      <p:sp>
+        <p:nvSpPr>
+          <p:cNvPr id="26" name="TextBox 25">
+            <a:extLst>
+              <a:ext uri="{FF2B5EF4-FFF2-40B4-BE49-F238E27FC236}">
+                <a16:creationId xmlns:a16="http://schemas.microsoft.com/office/drawing/2014/main" id="{0A0C8C35-F009-E267-6861-492E39932225}"/>
+              </a:ext>
+            </a:extLst>
+          </p:cNvPr>
+          <p:cNvSpPr txBox="1"/>
+          <p:nvPr/>
+        </p:nvSpPr>
+        <p:spPr>
+          <a:xfrm>
+            <a:off x="4121773" y="6299364"/>
+            <a:ext cx="1141683" cy="830997"/>
+          </a:xfrm>
+          <a:prstGeom prst="rect">
+            <a:avLst/>
+          </a:prstGeom>
+          <a:noFill/>
+        </p:spPr>
+        <p:txBody>
+          <a:bodyPr wrap="square" rtlCol="0">
+            <a:spAutoFit/>
+          </a:bodyPr>
+          <a:lstStyle>
+            <a:defPPr>
+              <a:defRPr lang="en-US"/>
+            </a:defPPr>
+            <a:lvl1pPr marL="0" algn="l" defTabSz="457200" rtl="0" eaLnBrk="1" latinLnBrk="0" hangingPunct="1">
+              <a:defRPr sz="1800" kern="1200">
+                <a:solidFill>
+                  <a:schemeClr val="tx1"/>
+                </a:solidFill>
+                <a:latin typeface="+mn-lt"/>
+                <a:ea typeface="+mn-ea"/>
+                <a:cs typeface="+mn-cs"/>
+              </a:defRPr>
+            </a:lvl1pPr>
+            <a:lvl2pPr marL="457200" algn="l" defTabSz="457200" rtl="0" eaLnBrk="1" latinLnBrk="0" hangingPunct="1">
+              <a:defRPr sz="1800" kern="1200">
+                <a:solidFill>
+                  <a:schemeClr val="tx1"/>
+                </a:solidFill>
+                <a:latin typeface="+mn-lt"/>
+                <a:ea typeface="+mn-ea"/>
+                <a:cs typeface="+mn-cs"/>
+              </a:defRPr>
+            </a:lvl2pPr>
+            <a:lvl3pPr marL="914400" algn="l" defTabSz="457200" rtl="0" eaLnBrk="1" latinLnBrk="0" hangingPunct="1">
+              <a:defRPr sz="1800" kern="1200">
+                <a:solidFill>
+                  <a:schemeClr val="tx1"/>
+                </a:solidFill>
+                <a:latin typeface="+mn-lt"/>
+                <a:ea typeface="+mn-ea"/>
+                <a:cs typeface="+mn-cs"/>
+              </a:defRPr>
+            </a:lvl3pPr>
+            <a:lvl4pPr marL="1371600" algn="l" defTabSz="457200" rtl="0" eaLnBrk="1" latinLnBrk="0" hangingPunct="1">
+              <a:defRPr sz="1800" kern="1200">
+                <a:solidFill>
+                  <a:schemeClr val="tx1"/>
+                </a:solidFill>
+                <a:latin typeface="+mn-lt"/>
+                <a:ea typeface="+mn-ea"/>
+                <a:cs typeface="+mn-cs"/>
+              </a:defRPr>
+            </a:lvl4pPr>
+            <a:lvl5pPr marL="1828800" algn="l" defTabSz="457200" rtl="0" eaLnBrk="1" latinLnBrk="0" hangingPunct="1">
+              <a:defRPr sz="1800" kern="1200">
+                <a:solidFill>
+                  <a:schemeClr val="tx1"/>
+                </a:solidFill>
+                <a:latin typeface="+mn-lt"/>
+                <a:ea typeface="+mn-ea"/>
+                <a:cs typeface="+mn-cs"/>
+              </a:defRPr>
+            </a:lvl5pPr>
+            <a:lvl6pPr marL="2286000" algn="l" defTabSz="457200" rtl="0" eaLnBrk="1" latinLnBrk="0" hangingPunct="1">
+              <a:defRPr sz="1800" kern="1200">
+                <a:solidFill>
+                  <a:schemeClr val="tx1"/>
+                </a:solidFill>
+                <a:latin typeface="+mn-lt"/>
+                <a:ea typeface="+mn-ea"/>
+                <a:cs typeface="+mn-cs"/>
+              </a:defRPr>
+            </a:lvl6pPr>
+            <a:lvl7pPr marL="2743200" algn="l" defTabSz="457200" rtl="0" eaLnBrk="1" latinLnBrk="0" hangingPunct="1">
+              <a:defRPr sz="1800" kern="1200">
+                <a:solidFill>
+                  <a:schemeClr val="tx1"/>
+                </a:solidFill>
+                <a:latin typeface="+mn-lt"/>
+                <a:ea typeface="+mn-ea"/>
+                <a:cs typeface="+mn-cs"/>
+              </a:defRPr>
+            </a:lvl7pPr>
+            <a:lvl8pPr marL="3200400" algn="l" defTabSz="457200" rtl="0" eaLnBrk="1" latinLnBrk="0" hangingPunct="1">
+              <a:defRPr sz="1800" kern="1200">
+                <a:solidFill>
+                  <a:schemeClr val="tx1"/>
+                </a:solidFill>
+                <a:latin typeface="+mn-lt"/>
+                <a:ea typeface="+mn-ea"/>
+                <a:cs typeface="+mn-cs"/>
+              </a:defRPr>
+            </a:lvl8pPr>
+            <a:lvl9pPr marL="3657600" algn="l" defTabSz="457200" rtl="0" eaLnBrk="1" latinLnBrk="0" hangingPunct="1">
+              <a:defRPr sz="1800" kern="1200">
+                <a:solidFill>
+                  <a:schemeClr val="tx1"/>
+                </a:solidFill>
+                <a:latin typeface="+mn-lt"/>
+                <a:ea typeface="+mn-ea"/>
+                <a:cs typeface="+mn-cs"/>
+              </a:defRPr>
+            </a:lvl9pPr>
+          </a:lstStyle>
+          <a:p>
+            <a:r>
+              <a:rPr lang="en-US" sz="4800" b="1" dirty="0">
+                <a:latin typeface="Arial" panose="020B0604020202020204" pitchFamily="34" charset="0"/>
+                <a:ea typeface="Yu Gothic" panose="020B0400000000000000" pitchFamily="34" charset="-128"/>
+                <a:cs typeface="Arial" panose="020B0604020202020204" pitchFamily="34" charset="0"/>
+              </a:rPr>
+              <a:t>…</a:t>
+            </a:r>
+          </a:p>
+        </p:txBody>
+      </p:sp>
+    </p:spTree>
+    <p:extLst>
+      <p:ext uri="{BB962C8B-B14F-4D97-AF65-F5344CB8AC3E}">
+        <p14:creationId xmlns:p14="http://schemas.microsoft.com/office/powerpoint/2010/main" val="3124559289"/>
+      </p:ext>
+    </p:extLst>
+  </p:cSld>
+  <p:clrMapOvr>
+    <a:masterClrMapping/>
+  </p:clrMapOvr>
+</p:sld>
+</file>
+
+<file path=ppt/slides/slide8.xml><?xml version="1.0" encoding="utf-8"?>
+<p:sld xmlns:a="http://schemas.openxmlformats.org/drawingml/2006/main" xmlns:r="http://schemas.openxmlformats.org/officeDocument/2006/relationships" xmlns:p="http://schemas.openxmlformats.org/presentationml/2006/main">
+  <p:cSld>
+    <p:spTree>
+      <p:nvGrpSpPr>
         <p:cNvPr id="1" name=""/>
         <p:cNvGrpSpPr/>
         <p:nvPr/>
@@ -26063,6 +28308,3611 @@
           <a:chExt cx="0" cy="0"/>
         </a:xfrm>
       </p:grpSpPr>
+      <p:sp>
+        <p:nvSpPr>
+          <p:cNvPr id="2" name="TextBox 1">
+            <a:extLst>
+              <a:ext uri="{FF2B5EF4-FFF2-40B4-BE49-F238E27FC236}">
+                <a16:creationId xmlns:a16="http://schemas.microsoft.com/office/drawing/2014/main" id="{DDD4D748-316D-5606-4117-1B9ADD5F854D}"/>
+              </a:ext>
+            </a:extLst>
+          </p:cNvPr>
+          <p:cNvSpPr txBox="1"/>
+          <p:nvPr/>
+        </p:nvSpPr>
+        <p:spPr>
+          <a:xfrm>
+            <a:off x="4938611" y="3225050"/>
+            <a:ext cx="1665932" cy="338554"/>
+          </a:xfrm>
+          <a:prstGeom prst="rect">
+            <a:avLst/>
+          </a:prstGeom>
+          <a:noFill/>
+        </p:spPr>
+        <p:txBody>
+          <a:bodyPr wrap="square" rtlCol="0">
+            <a:spAutoFit/>
+          </a:bodyPr>
+          <a:lstStyle>
+            <a:defPPr>
+              <a:defRPr lang="en-US"/>
+            </a:defPPr>
+            <a:lvl1pPr marL="0" algn="l" defTabSz="457200" rtl="0" eaLnBrk="1" latinLnBrk="0" hangingPunct="1">
+              <a:defRPr sz="1800" kern="1200">
+                <a:solidFill>
+                  <a:schemeClr val="tx1"/>
+                </a:solidFill>
+                <a:latin typeface="+mn-lt"/>
+                <a:ea typeface="+mn-ea"/>
+                <a:cs typeface="+mn-cs"/>
+              </a:defRPr>
+            </a:lvl1pPr>
+            <a:lvl2pPr marL="457200" algn="l" defTabSz="457200" rtl="0" eaLnBrk="1" latinLnBrk="0" hangingPunct="1">
+              <a:defRPr sz="1800" kern="1200">
+                <a:solidFill>
+                  <a:schemeClr val="tx1"/>
+                </a:solidFill>
+                <a:latin typeface="+mn-lt"/>
+                <a:ea typeface="+mn-ea"/>
+                <a:cs typeface="+mn-cs"/>
+              </a:defRPr>
+            </a:lvl2pPr>
+            <a:lvl3pPr marL="914400" algn="l" defTabSz="457200" rtl="0" eaLnBrk="1" latinLnBrk="0" hangingPunct="1">
+              <a:defRPr sz="1800" kern="1200">
+                <a:solidFill>
+                  <a:schemeClr val="tx1"/>
+                </a:solidFill>
+                <a:latin typeface="+mn-lt"/>
+                <a:ea typeface="+mn-ea"/>
+                <a:cs typeface="+mn-cs"/>
+              </a:defRPr>
+            </a:lvl3pPr>
+            <a:lvl4pPr marL="1371600" algn="l" defTabSz="457200" rtl="0" eaLnBrk="1" latinLnBrk="0" hangingPunct="1">
+              <a:defRPr sz="1800" kern="1200">
+                <a:solidFill>
+                  <a:schemeClr val="tx1"/>
+                </a:solidFill>
+                <a:latin typeface="+mn-lt"/>
+                <a:ea typeface="+mn-ea"/>
+                <a:cs typeface="+mn-cs"/>
+              </a:defRPr>
+            </a:lvl4pPr>
+            <a:lvl5pPr marL="1828800" algn="l" defTabSz="457200" rtl="0" eaLnBrk="1" latinLnBrk="0" hangingPunct="1">
+              <a:defRPr sz="1800" kern="1200">
+                <a:solidFill>
+                  <a:schemeClr val="tx1"/>
+                </a:solidFill>
+                <a:latin typeface="+mn-lt"/>
+                <a:ea typeface="+mn-ea"/>
+                <a:cs typeface="+mn-cs"/>
+              </a:defRPr>
+            </a:lvl5pPr>
+            <a:lvl6pPr marL="2286000" algn="l" defTabSz="457200" rtl="0" eaLnBrk="1" latinLnBrk="0" hangingPunct="1">
+              <a:defRPr sz="1800" kern="1200">
+                <a:solidFill>
+                  <a:schemeClr val="tx1"/>
+                </a:solidFill>
+                <a:latin typeface="+mn-lt"/>
+                <a:ea typeface="+mn-ea"/>
+                <a:cs typeface="+mn-cs"/>
+              </a:defRPr>
+            </a:lvl6pPr>
+            <a:lvl7pPr marL="2743200" algn="l" defTabSz="457200" rtl="0" eaLnBrk="1" latinLnBrk="0" hangingPunct="1">
+              <a:defRPr sz="1800" kern="1200">
+                <a:solidFill>
+                  <a:schemeClr val="tx1"/>
+                </a:solidFill>
+                <a:latin typeface="+mn-lt"/>
+                <a:ea typeface="+mn-ea"/>
+                <a:cs typeface="+mn-cs"/>
+              </a:defRPr>
+            </a:lvl7pPr>
+            <a:lvl8pPr marL="3200400" algn="l" defTabSz="457200" rtl="0" eaLnBrk="1" latinLnBrk="0" hangingPunct="1">
+              <a:defRPr sz="1800" kern="1200">
+                <a:solidFill>
+                  <a:schemeClr val="tx1"/>
+                </a:solidFill>
+                <a:latin typeface="+mn-lt"/>
+                <a:ea typeface="+mn-ea"/>
+                <a:cs typeface="+mn-cs"/>
+              </a:defRPr>
+            </a:lvl8pPr>
+            <a:lvl9pPr marL="3657600" algn="l" defTabSz="457200" rtl="0" eaLnBrk="1" latinLnBrk="0" hangingPunct="1">
+              <a:defRPr sz="1800" kern="1200">
+                <a:solidFill>
+                  <a:schemeClr val="tx1"/>
+                </a:solidFill>
+                <a:latin typeface="+mn-lt"/>
+                <a:ea typeface="+mn-ea"/>
+                <a:cs typeface="+mn-cs"/>
+              </a:defRPr>
+            </a:lvl9pPr>
+          </a:lstStyle>
+          <a:p>
+            <a:r>
+              <a:rPr lang="en-US" sz="1600" b="1" dirty="0">
+                <a:latin typeface="Arial" panose="020B0604020202020204" pitchFamily="34" charset="0"/>
+                <a:ea typeface="Yu Gothic" panose="020B0400000000000000" pitchFamily="34" charset="-128"/>
+                <a:cs typeface="Arial" panose="020B0604020202020204" pitchFamily="34" charset="0"/>
+              </a:rPr>
+              <a:t>Three-epoch</a:t>
+            </a:r>
+          </a:p>
+        </p:txBody>
+      </p:sp>
+      <p:sp>
+        <p:nvSpPr>
+          <p:cNvPr id="3" name="Rectangle 2">
+            <a:extLst>
+              <a:ext uri="{FF2B5EF4-FFF2-40B4-BE49-F238E27FC236}">
+                <a16:creationId xmlns:a16="http://schemas.microsoft.com/office/drawing/2014/main" id="{B5123F49-0B34-4F56-4362-2BB67D7555B3}"/>
+              </a:ext>
+            </a:extLst>
+          </p:cNvPr>
+          <p:cNvSpPr/>
+          <p:nvPr/>
+        </p:nvSpPr>
+        <p:spPr>
+          <a:xfrm>
+            <a:off x="5309237" y="3748270"/>
+            <a:ext cx="914400" cy="916519"/>
+          </a:xfrm>
+          <a:prstGeom prst="rect">
+            <a:avLst/>
+          </a:prstGeom>
+          <a:solidFill>
+            <a:schemeClr val="accent1">
+              <a:lumMod val="40000"/>
+              <a:lumOff val="60000"/>
+            </a:schemeClr>
+          </a:solidFill>
+          <a:ln>
+            <a:noFill/>
+          </a:ln>
+        </p:spPr>
+        <p:style>
+          <a:lnRef idx="2">
+            <a:schemeClr val="accent1">
+              <a:shade val="15000"/>
+            </a:schemeClr>
+          </a:lnRef>
+          <a:fillRef idx="1">
+            <a:schemeClr val="accent1"/>
+          </a:fillRef>
+          <a:effectRef idx="0">
+            <a:schemeClr val="accent1"/>
+          </a:effectRef>
+          <a:fontRef idx="minor">
+            <a:schemeClr val="lt1"/>
+          </a:fontRef>
+        </p:style>
+        <p:txBody>
+          <a:bodyPr rtlCol="0" anchor="ctr"/>
+          <a:lstStyle>
+            <a:defPPr>
+              <a:defRPr lang="en-US"/>
+            </a:defPPr>
+            <a:lvl1pPr marL="0" algn="l" defTabSz="457200" rtl="0" eaLnBrk="1" latinLnBrk="0" hangingPunct="1">
+              <a:defRPr sz="1800" kern="1200">
+                <a:solidFill>
+                  <a:schemeClr val="lt1"/>
+                </a:solidFill>
+                <a:latin typeface="+mn-lt"/>
+                <a:ea typeface="+mn-ea"/>
+                <a:cs typeface="+mn-cs"/>
+              </a:defRPr>
+            </a:lvl1pPr>
+            <a:lvl2pPr marL="457200" algn="l" defTabSz="457200" rtl="0" eaLnBrk="1" latinLnBrk="0" hangingPunct="1">
+              <a:defRPr sz="1800" kern="1200">
+                <a:solidFill>
+                  <a:schemeClr val="lt1"/>
+                </a:solidFill>
+                <a:latin typeface="+mn-lt"/>
+                <a:ea typeface="+mn-ea"/>
+                <a:cs typeface="+mn-cs"/>
+              </a:defRPr>
+            </a:lvl2pPr>
+            <a:lvl3pPr marL="914400" algn="l" defTabSz="457200" rtl="0" eaLnBrk="1" latinLnBrk="0" hangingPunct="1">
+              <a:defRPr sz="1800" kern="1200">
+                <a:solidFill>
+                  <a:schemeClr val="lt1"/>
+                </a:solidFill>
+                <a:latin typeface="+mn-lt"/>
+                <a:ea typeface="+mn-ea"/>
+                <a:cs typeface="+mn-cs"/>
+              </a:defRPr>
+            </a:lvl3pPr>
+            <a:lvl4pPr marL="1371600" algn="l" defTabSz="457200" rtl="0" eaLnBrk="1" latinLnBrk="0" hangingPunct="1">
+              <a:defRPr sz="1800" kern="1200">
+                <a:solidFill>
+                  <a:schemeClr val="lt1"/>
+                </a:solidFill>
+                <a:latin typeface="+mn-lt"/>
+                <a:ea typeface="+mn-ea"/>
+                <a:cs typeface="+mn-cs"/>
+              </a:defRPr>
+            </a:lvl4pPr>
+            <a:lvl5pPr marL="1828800" algn="l" defTabSz="457200" rtl="0" eaLnBrk="1" latinLnBrk="0" hangingPunct="1">
+              <a:defRPr sz="1800" kern="1200">
+                <a:solidFill>
+                  <a:schemeClr val="lt1"/>
+                </a:solidFill>
+                <a:latin typeface="+mn-lt"/>
+                <a:ea typeface="+mn-ea"/>
+                <a:cs typeface="+mn-cs"/>
+              </a:defRPr>
+            </a:lvl5pPr>
+            <a:lvl6pPr marL="2286000" algn="l" defTabSz="457200" rtl="0" eaLnBrk="1" latinLnBrk="0" hangingPunct="1">
+              <a:defRPr sz="1800" kern="1200">
+                <a:solidFill>
+                  <a:schemeClr val="lt1"/>
+                </a:solidFill>
+                <a:latin typeface="+mn-lt"/>
+                <a:ea typeface="+mn-ea"/>
+                <a:cs typeface="+mn-cs"/>
+              </a:defRPr>
+            </a:lvl6pPr>
+            <a:lvl7pPr marL="2743200" algn="l" defTabSz="457200" rtl="0" eaLnBrk="1" latinLnBrk="0" hangingPunct="1">
+              <a:defRPr sz="1800" kern="1200">
+                <a:solidFill>
+                  <a:schemeClr val="lt1"/>
+                </a:solidFill>
+                <a:latin typeface="+mn-lt"/>
+                <a:ea typeface="+mn-ea"/>
+                <a:cs typeface="+mn-cs"/>
+              </a:defRPr>
+            </a:lvl7pPr>
+            <a:lvl8pPr marL="3200400" algn="l" defTabSz="457200" rtl="0" eaLnBrk="1" latinLnBrk="0" hangingPunct="1">
+              <a:defRPr sz="1800" kern="1200">
+                <a:solidFill>
+                  <a:schemeClr val="lt1"/>
+                </a:solidFill>
+                <a:latin typeface="+mn-lt"/>
+                <a:ea typeface="+mn-ea"/>
+                <a:cs typeface="+mn-cs"/>
+              </a:defRPr>
+            </a:lvl8pPr>
+            <a:lvl9pPr marL="3657600" algn="l" defTabSz="457200" rtl="0" eaLnBrk="1" latinLnBrk="0" hangingPunct="1">
+              <a:defRPr sz="1800" kern="1200">
+                <a:solidFill>
+                  <a:schemeClr val="lt1"/>
+                </a:solidFill>
+                <a:latin typeface="+mn-lt"/>
+                <a:ea typeface="+mn-ea"/>
+                <a:cs typeface="+mn-cs"/>
+              </a:defRPr>
+            </a:lvl9pPr>
+          </a:lstStyle>
+          <a:p>
+            <a:pPr algn="ctr"/>
+            <a:endParaRPr lang="en-US" sz="1600" dirty="0">
+              <a:latin typeface="Arial" panose="020B0604020202020204" pitchFamily="34" charset="0"/>
+              <a:cs typeface="Arial" panose="020B0604020202020204" pitchFamily="34" charset="0"/>
+            </a:endParaRPr>
+          </a:p>
+        </p:txBody>
+      </p:sp>
+      <p:sp>
+        <p:nvSpPr>
+          <p:cNvPr id="4" name="Rectangle 3">
+            <a:extLst>
+              <a:ext uri="{FF2B5EF4-FFF2-40B4-BE49-F238E27FC236}">
+                <a16:creationId xmlns:a16="http://schemas.microsoft.com/office/drawing/2014/main" id="{448C7351-E1F0-15A3-22AF-D474C2065115}"/>
+              </a:ext>
+            </a:extLst>
+          </p:cNvPr>
+          <p:cNvSpPr/>
+          <p:nvPr/>
+        </p:nvSpPr>
+        <p:spPr>
+          <a:xfrm>
+            <a:off x="5117692" y="5507421"/>
+            <a:ext cx="1331605" cy="280246"/>
+          </a:xfrm>
+          <a:prstGeom prst="rect">
+            <a:avLst/>
+          </a:prstGeom>
+          <a:solidFill>
+            <a:schemeClr val="accent1">
+              <a:lumMod val="40000"/>
+              <a:lumOff val="60000"/>
+            </a:schemeClr>
+          </a:solidFill>
+          <a:ln>
+            <a:noFill/>
+          </a:ln>
+        </p:spPr>
+        <p:style>
+          <a:lnRef idx="2">
+            <a:schemeClr val="accent1">
+              <a:shade val="15000"/>
+            </a:schemeClr>
+          </a:lnRef>
+          <a:fillRef idx="1">
+            <a:schemeClr val="accent1"/>
+          </a:fillRef>
+          <a:effectRef idx="0">
+            <a:schemeClr val="accent1"/>
+          </a:effectRef>
+          <a:fontRef idx="minor">
+            <a:schemeClr val="lt1"/>
+          </a:fontRef>
+        </p:style>
+        <p:txBody>
+          <a:bodyPr rtlCol="0" anchor="ctr"/>
+          <a:lstStyle>
+            <a:defPPr>
+              <a:defRPr lang="en-US"/>
+            </a:defPPr>
+            <a:lvl1pPr marL="0" algn="l" defTabSz="457200" rtl="0" eaLnBrk="1" latinLnBrk="0" hangingPunct="1">
+              <a:defRPr sz="1800" kern="1200">
+                <a:solidFill>
+                  <a:schemeClr val="lt1"/>
+                </a:solidFill>
+                <a:latin typeface="+mn-lt"/>
+                <a:ea typeface="+mn-ea"/>
+                <a:cs typeface="+mn-cs"/>
+              </a:defRPr>
+            </a:lvl1pPr>
+            <a:lvl2pPr marL="457200" algn="l" defTabSz="457200" rtl="0" eaLnBrk="1" latinLnBrk="0" hangingPunct="1">
+              <a:defRPr sz="1800" kern="1200">
+                <a:solidFill>
+                  <a:schemeClr val="lt1"/>
+                </a:solidFill>
+                <a:latin typeface="+mn-lt"/>
+                <a:ea typeface="+mn-ea"/>
+                <a:cs typeface="+mn-cs"/>
+              </a:defRPr>
+            </a:lvl2pPr>
+            <a:lvl3pPr marL="914400" algn="l" defTabSz="457200" rtl="0" eaLnBrk="1" latinLnBrk="0" hangingPunct="1">
+              <a:defRPr sz="1800" kern="1200">
+                <a:solidFill>
+                  <a:schemeClr val="lt1"/>
+                </a:solidFill>
+                <a:latin typeface="+mn-lt"/>
+                <a:ea typeface="+mn-ea"/>
+                <a:cs typeface="+mn-cs"/>
+              </a:defRPr>
+            </a:lvl3pPr>
+            <a:lvl4pPr marL="1371600" algn="l" defTabSz="457200" rtl="0" eaLnBrk="1" latinLnBrk="0" hangingPunct="1">
+              <a:defRPr sz="1800" kern="1200">
+                <a:solidFill>
+                  <a:schemeClr val="lt1"/>
+                </a:solidFill>
+                <a:latin typeface="+mn-lt"/>
+                <a:ea typeface="+mn-ea"/>
+                <a:cs typeface="+mn-cs"/>
+              </a:defRPr>
+            </a:lvl4pPr>
+            <a:lvl5pPr marL="1828800" algn="l" defTabSz="457200" rtl="0" eaLnBrk="1" latinLnBrk="0" hangingPunct="1">
+              <a:defRPr sz="1800" kern="1200">
+                <a:solidFill>
+                  <a:schemeClr val="lt1"/>
+                </a:solidFill>
+                <a:latin typeface="+mn-lt"/>
+                <a:ea typeface="+mn-ea"/>
+                <a:cs typeface="+mn-cs"/>
+              </a:defRPr>
+            </a:lvl5pPr>
+            <a:lvl6pPr marL="2286000" algn="l" defTabSz="457200" rtl="0" eaLnBrk="1" latinLnBrk="0" hangingPunct="1">
+              <a:defRPr sz="1800" kern="1200">
+                <a:solidFill>
+                  <a:schemeClr val="lt1"/>
+                </a:solidFill>
+                <a:latin typeface="+mn-lt"/>
+                <a:ea typeface="+mn-ea"/>
+                <a:cs typeface="+mn-cs"/>
+              </a:defRPr>
+            </a:lvl6pPr>
+            <a:lvl7pPr marL="2743200" algn="l" defTabSz="457200" rtl="0" eaLnBrk="1" latinLnBrk="0" hangingPunct="1">
+              <a:defRPr sz="1800" kern="1200">
+                <a:solidFill>
+                  <a:schemeClr val="lt1"/>
+                </a:solidFill>
+                <a:latin typeface="+mn-lt"/>
+                <a:ea typeface="+mn-ea"/>
+                <a:cs typeface="+mn-cs"/>
+              </a:defRPr>
+            </a:lvl7pPr>
+            <a:lvl8pPr marL="3200400" algn="l" defTabSz="457200" rtl="0" eaLnBrk="1" latinLnBrk="0" hangingPunct="1">
+              <a:defRPr sz="1800" kern="1200">
+                <a:solidFill>
+                  <a:schemeClr val="lt1"/>
+                </a:solidFill>
+                <a:latin typeface="+mn-lt"/>
+                <a:ea typeface="+mn-ea"/>
+                <a:cs typeface="+mn-cs"/>
+              </a:defRPr>
+            </a:lvl8pPr>
+            <a:lvl9pPr marL="3657600" algn="l" defTabSz="457200" rtl="0" eaLnBrk="1" latinLnBrk="0" hangingPunct="1">
+              <a:defRPr sz="1800" kern="1200">
+                <a:solidFill>
+                  <a:schemeClr val="lt1"/>
+                </a:solidFill>
+                <a:latin typeface="+mn-lt"/>
+                <a:ea typeface="+mn-ea"/>
+                <a:cs typeface="+mn-cs"/>
+              </a:defRPr>
+            </a:lvl9pPr>
+          </a:lstStyle>
+          <a:p>
+            <a:pPr algn="ctr"/>
+            <a:endParaRPr lang="en-US" sz="1600" dirty="0">
+              <a:latin typeface="Arial" panose="020B0604020202020204" pitchFamily="34" charset="0"/>
+              <a:cs typeface="Arial" panose="020B0604020202020204" pitchFamily="34" charset="0"/>
+            </a:endParaRPr>
+          </a:p>
+        </p:txBody>
+      </p:sp>
+      <p:sp>
+        <p:nvSpPr>
+          <p:cNvPr id="5" name="Rectangle 4">
+            <a:extLst>
+              <a:ext uri="{FF2B5EF4-FFF2-40B4-BE49-F238E27FC236}">
+                <a16:creationId xmlns:a16="http://schemas.microsoft.com/office/drawing/2014/main" id="{35080CE1-E5E9-3FAC-AE10-330C9B8411AE}"/>
+              </a:ext>
+            </a:extLst>
+          </p:cNvPr>
+          <p:cNvSpPr/>
+          <p:nvPr/>
+        </p:nvSpPr>
+        <p:spPr>
+          <a:xfrm>
+            <a:off x="5526444" y="4655109"/>
+            <a:ext cx="479985" cy="916519"/>
+          </a:xfrm>
+          <a:prstGeom prst="rect">
+            <a:avLst/>
+          </a:prstGeom>
+          <a:solidFill>
+            <a:schemeClr val="accent1">
+              <a:lumMod val="40000"/>
+              <a:lumOff val="60000"/>
+            </a:schemeClr>
+          </a:solidFill>
+          <a:ln>
+            <a:noFill/>
+          </a:ln>
+        </p:spPr>
+        <p:style>
+          <a:lnRef idx="2">
+            <a:schemeClr val="accent1">
+              <a:shade val="15000"/>
+            </a:schemeClr>
+          </a:lnRef>
+          <a:fillRef idx="1">
+            <a:schemeClr val="accent1"/>
+          </a:fillRef>
+          <a:effectRef idx="0">
+            <a:schemeClr val="accent1"/>
+          </a:effectRef>
+          <a:fontRef idx="minor">
+            <a:schemeClr val="lt1"/>
+          </a:fontRef>
+        </p:style>
+        <p:txBody>
+          <a:bodyPr rtlCol="0" anchor="ctr"/>
+          <a:lstStyle>
+            <a:defPPr>
+              <a:defRPr lang="en-US"/>
+            </a:defPPr>
+            <a:lvl1pPr marL="0" algn="l" defTabSz="457200" rtl="0" eaLnBrk="1" latinLnBrk="0" hangingPunct="1">
+              <a:defRPr sz="1800" kern="1200">
+                <a:solidFill>
+                  <a:schemeClr val="lt1"/>
+                </a:solidFill>
+                <a:latin typeface="+mn-lt"/>
+                <a:ea typeface="+mn-ea"/>
+                <a:cs typeface="+mn-cs"/>
+              </a:defRPr>
+            </a:lvl1pPr>
+            <a:lvl2pPr marL="457200" algn="l" defTabSz="457200" rtl="0" eaLnBrk="1" latinLnBrk="0" hangingPunct="1">
+              <a:defRPr sz="1800" kern="1200">
+                <a:solidFill>
+                  <a:schemeClr val="lt1"/>
+                </a:solidFill>
+                <a:latin typeface="+mn-lt"/>
+                <a:ea typeface="+mn-ea"/>
+                <a:cs typeface="+mn-cs"/>
+              </a:defRPr>
+            </a:lvl2pPr>
+            <a:lvl3pPr marL="914400" algn="l" defTabSz="457200" rtl="0" eaLnBrk="1" latinLnBrk="0" hangingPunct="1">
+              <a:defRPr sz="1800" kern="1200">
+                <a:solidFill>
+                  <a:schemeClr val="lt1"/>
+                </a:solidFill>
+                <a:latin typeface="+mn-lt"/>
+                <a:ea typeface="+mn-ea"/>
+                <a:cs typeface="+mn-cs"/>
+              </a:defRPr>
+            </a:lvl3pPr>
+            <a:lvl4pPr marL="1371600" algn="l" defTabSz="457200" rtl="0" eaLnBrk="1" latinLnBrk="0" hangingPunct="1">
+              <a:defRPr sz="1800" kern="1200">
+                <a:solidFill>
+                  <a:schemeClr val="lt1"/>
+                </a:solidFill>
+                <a:latin typeface="+mn-lt"/>
+                <a:ea typeface="+mn-ea"/>
+                <a:cs typeface="+mn-cs"/>
+              </a:defRPr>
+            </a:lvl4pPr>
+            <a:lvl5pPr marL="1828800" algn="l" defTabSz="457200" rtl="0" eaLnBrk="1" latinLnBrk="0" hangingPunct="1">
+              <a:defRPr sz="1800" kern="1200">
+                <a:solidFill>
+                  <a:schemeClr val="lt1"/>
+                </a:solidFill>
+                <a:latin typeface="+mn-lt"/>
+                <a:ea typeface="+mn-ea"/>
+                <a:cs typeface="+mn-cs"/>
+              </a:defRPr>
+            </a:lvl5pPr>
+            <a:lvl6pPr marL="2286000" algn="l" defTabSz="457200" rtl="0" eaLnBrk="1" latinLnBrk="0" hangingPunct="1">
+              <a:defRPr sz="1800" kern="1200">
+                <a:solidFill>
+                  <a:schemeClr val="lt1"/>
+                </a:solidFill>
+                <a:latin typeface="+mn-lt"/>
+                <a:ea typeface="+mn-ea"/>
+                <a:cs typeface="+mn-cs"/>
+              </a:defRPr>
+            </a:lvl6pPr>
+            <a:lvl7pPr marL="2743200" algn="l" defTabSz="457200" rtl="0" eaLnBrk="1" latinLnBrk="0" hangingPunct="1">
+              <a:defRPr sz="1800" kern="1200">
+                <a:solidFill>
+                  <a:schemeClr val="lt1"/>
+                </a:solidFill>
+                <a:latin typeface="+mn-lt"/>
+                <a:ea typeface="+mn-ea"/>
+                <a:cs typeface="+mn-cs"/>
+              </a:defRPr>
+            </a:lvl7pPr>
+            <a:lvl8pPr marL="3200400" algn="l" defTabSz="457200" rtl="0" eaLnBrk="1" latinLnBrk="0" hangingPunct="1">
+              <a:defRPr sz="1800" kern="1200">
+                <a:solidFill>
+                  <a:schemeClr val="lt1"/>
+                </a:solidFill>
+                <a:latin typeface="+mn-lt"/>
+                <a:ea typeface="+mn-ea"/>
+                <a:cs typeface="+mn-cs"/>
+              </a:defRPr>
+            </a:lvl8pPr>
+            <a:lvl9pPr marL="3657600" algn="l" defTabSz="457200" rtl="0" eaLnBrk="1" latinLnBrk="0" hangingPunct="1">
+              <a:defRPr sz="1800" kern="1200">
+                <a:solidFill>
+                  <a:schemeClr val="lt1"/>
+                </a:solidFill>
+                <a:latin typeface="+mn-lt"/>
+                <a:ea typeface="+mn-ea"/>
+                <a:cs typeface="+mn-cs"/>
+              </a:defRPr>
+            </a:lvl9pPr>
+          </a:lstStyle>
+          <a:p>
+            <a:pPr algn="ctr"/>
+            <a:endParaRPr lang="en-US" sz="1600" dirty="0">
+              <a:latin typeface="Arial" panose="020B0604020202020204" pitchFamily="34" charset="0"/>
+              <a:cs typeface="Arial" panose="020B0604020202020204" pitchFamily="34" charset="0"/>
+            </a:endParaRPr>
+          </a:p>
+        </p:txBody>
+      </p:sp>
+      <p:cxnSp>
+        <p:nvCxnSpPr>
+          <p:cNvPr id="6" name="Straight Arrow Connector 5">
+            <a:extLst>
+              <a:ext uri="{FF2B5EF4-FFF2-40B4-BE49-F238E27FC236}">
+                <a16:creationId xmlns:a16="http://schemas.microsoft.com/office/drawing/2014/main" id="{0C29B28B-7A9A-DC6F-F0AB-D90B76DF2B38}"/>
+              </a:ext>
+            </a:extLst>
+          </p:cNvPr>
+          <p:cNvCxnSpPr>
+            <a:cxnSpLocks/>
+          </p:cNvCxnSpPr>
+          <p:nvPr/>
+        </p:nvCxnSpPr>
+        <p:spPr>
+          <a:xfrm>
+            <a:off x="4880243" y="3733433"/>
+            <a:ext cx="0" cy="2011680"/>
+          </a:xfrm>
+          <a:prstGeom prst="straightConnector1">
+            <a:avLst/>
+          </a:prstGeom>
+          <a:ln w="76200">
+            <a:tailEnd type="triangle"/>
+          </a:ln>
+        </p:spPr>
+        <p:style>
+          <a:lnRef idx="1">
+            <a:schemeClr val="dk1"/>
+          </a:lnRef>
+          <a:fillRef idx="0">
+            <a:schemeClr val="dk1"/>
+          </a:fillRef>
+          <a:effectRef idx="0">
+            <a:schemeClr val="dk1"/>
+          </a:effectRef>
+          <a:fontRef idx="minor">
+            <a:schemeClr val="tx1"/>
+          </a:fontRef>
+        </p:style>
+      </p:cxnSp>
+      <p:sp>
+        <p:nvSpPr>
+          <p:cNvPr id="7" name="TextBox 6">
+            <a:extLst>
+              <a:ext uri="{FF2B5EF4-FFF2-40B4-BE49-F238E27FC236}">
+                <a16:creationId xmlns:a16="http://schemas.microsoft.com/office/drawing/2014/main" id="{F9353464-9F5B-BD14-1B80-D253E964E51D}"/>
+              </a:ext>
+            </a:extLst>
+          </p:cNvPr>
+          <p:cNvSpPr txBox="1"/>
+          <p:nvPr/>
+        </p:nvSpPr>
+        <p:spPr>
+          <a:xfrm rot="16200000">
+            <a:off x="4076596" y="4560016"/>
+            <a:ext cx="1071763" cy="338554"/>
+          </a:xfrm>
+          <a:prstGeom prst="rect">
+            <a:avLst/>
+          </a:prstGeom>
+          <a:noFill/>
+        </p:spPr>
+        <p:txBody>
+          <a:bodyPr wrap="square" rtlCol="0">
+            <a:spAutoFit/>
+          </a:bodyPr>
+          <a:lstStyle>
+            <a:defPPr>
+              <a:defRPr lang="en-US"/>
+            </a:defPPr>
+            <a:lvl1pPr marL="0" algn="l" defTabSz="457200" rtl="0" eaLnBrk="1" latinLnBrk="0" hangingPunct="1">
+              <a:defRPr sz="1800" kern="1200">
+                <a:solidFill>
+                  <a:schemeClr val="tx1"/>
+                </a:solidFill>
+                <a:latin typeface="+mn-lt"/>
+                <a:ea typeface="+mn-ea"/>
+                <a:cs typeface="+mn-cs"/>
+              </a:defRPr>
+            </a:lvl1pPr>
+            <a:lvl2pPr marL="457200" algn="l" defTabSz="457200" rtl="0" eaLnBrk="1" latinLnBrk="0" hangingPunct="1">
+              <a:defRPr sz="1800" kern="1200">
+                <a:solidFill>
+                  <a:schemeClr val="tx1"/>
+                </a:solidFill>
+                <a:latin typeface="+mn-lt"/>
+                <a:ea typeface="+mn-ea"/>
+                <a:cs typeface="+mn-cs"/>
+              </a:defRPr>
+            </a:lvl2pPr>
+            <a:lvl3pPr marL="914400" algn="l" defTabSz="457200" rtl="0" eaLnBrk="1" latinLnBrk="0" hangingPunct="1">
+              <a:defRPr sz="1800" kern="1200">
+                <a:solidFill>
+                  <a:schemeClr val="tx1"/>
+                </a:solidFill>
+                <a:latin typeface="+mn-lt"/>
+                <a:ea typeface="+mn-ea"/>
+                <a:cs typeface="+mn-cs"/>
+              </a:defRPr>
+            </a:lvl3pPr>
+            <a:lvl4pPr marL="1371600" algn="l" defTabSz="457200" rtl="0" eaLnBrk="1" latinLnBrk="0" hangingPunct="1">
+              <a:defRPr sz="1800" kern="1200">
+                <a:solidFill>
+                  <a:schemeClr val="tx1"/>
+                </a:solidFill>
+                <a:latin typeface="+mn-lt"/>
+                <a:ea typeface="+mn-ea"/>
+                <a:cs typeface="+mn-cs"/>
+              </a:defRPr>
+            </a:lvl4pPr>
+            <a:lvl5pPr marL="1828800" algn="l" defTabSz="457200" rtl="0" eaLnBrk="1" latinLnBrk="0" hangingPunct="1">
+              <a:defRPr sz="1800" kern="1200">
+                <a:solidFill>
+                  <a:schemeClr val="tx1"/>
+                </a:solidFill>
+                <a:latin typeface="+mn-lt"/>
+                <a:ea typeface="+mn-ea"/>
+                <a:cs typeface="+mn-cs"/>
+              </a:defRPr>
+            </a:lvl5pPr>
+            <a:lvl6pPr marL="2286000" algn="l" defTabSz="457200" rtl="0" eaLnBrk="1" latinLnBrk="0" hangingPunct="1">
+              <a:defRPr sz="1800" kern="1200">
+                <a:solidFill>
+                  <a:schemeClr val="tx1"/>
+                </a:solidFill>
+                <a:latin typeface="+mn-lt"/>
+                <a:ea typeface="+mn-ea"/>
+                <a:cs typeface="+mn-cs"/>
+              </a:defRPr>
+            </a:lvl6pPr>
+            <a:lvl7pPr marL="2743200" algn="l" defTabSz="457200" rtl="0" eaLnBrk="1" latinLnBrk="0" hangingPunct="1">
+              <a:defRPr sz="1800" kern="1200">
+                <a:solidFill>
+                  <a:schemeClr val="tx1"/>
+                </a:solidFill>
+                <a:latin typeface="+mn-lt"/>
+                <a:ea typeface="+mn-ea"/>
+                <a:cs typeface="+mn-cs"/>
+              </a:defRPr>
+            </a:lvl7pPr>
+            <a:lvl8pPr marL="3200400" algn="l" defTabSz="457200" rtl="0" eaLnBrk="1" latinLnBrk="0" hangingPunct="1">
+              <a:defRPr sz="1800" kern="1200">
+                <a:solidFill>
+                  <a:schemeClr val="tx1"/>
+                </a:solidFill>
+                <a:latin typeface="+mn-lt"/>
+                <a:ea typeface="+mn-ea"/>
+                <a:cs typeface="+mn-cs"/>
+              </a:defRPr>
+            </a:lvl8pPr>
+            <a:lvl9pPr marL="3657600" algn="l" defTabSz="457200" rtl="0" eaLnBrk="1" latinLnBrk="0" hangingPunct="1">
+              <a:defRPr sz="1800" kern="1200">
+                <a:solidFill>
+                  <a:schemeClr val="tx1"/>
+                </a:solidFill>
+                <a:latin typeface="+mn-lt"/>
+                <a:ea typeface="+mn-ea"/>
+                <a:cs typeface="+mn-cs"/>
+              </a:defRPr>
+            </a:lvl9pPr>
+          </a:lstStyle>
+          <a:p>
+            <a:r>
+              <a:rPr lang="en-US" sz="1600" b="1" dirty="0">
+                <a:latin typeface="Arial" panose="020B0604020202020204" pitchFamily="34" charset="0"/>
+                <a:ea typeface="Yu Gothic" panose="020B0400000000000000" pitchFamily="34" charset="-128"/>
+                <a:cs typeface="Arial" panose="020B0604020202020204" pitchFamily="34" charset="0"/>
+              </a:rPr>
+              <a:t>Time</a:t>
+            </a:r>
+          </a:p>
+        </p:txBody>
+      </p:sp>
+      <p:sp>
+        <p:nvSpPr>
+          <p:cNvPr id="8" name="TextBox 7">
+            <a:extLst>
+              <a:ext uri="{FF2B5EF4-FFF2-40B4-BE49-F238E27FC236}">
+                <a16:creationId xmlns:a16="http://schemas.microsoft.com/office/drawing/2014/main" id="{20EE986B-3628-5E33-64FD-9C4FC78DD678}"/>
+              </a:ext>
+            </a:extLst>
+          </p:cNvPr>
+          <p:cNvSpPr txBox="1"/>
+          <p:nvPr/>
+        </p:nvSpPr>
+        <p:spPr>
+          <a:xfrm>
+            <a:off x="3451497" y="3581718"/>
+            <a:ext cx="1570321" cy="338554"/>
+          </a:xfrm>
+          <a:prstGeom prst="rect">
+            <a:avLst/>
+          </a:prstGeom>
+          <a:noFill/>
+        </p:spPr>
+        <p:txBody>
+          <a:bodyPr wrap="square" rtlCol="0">
+            <a:spAutoFit/>
+          </a:bodyPr>
+          <a:lstStyle>
+            <a:defPPr>
+              <a:defRPr lang="en-US"/>
+            </a:defPPr>
+            <a:lvl1pPr marL="0" algn="l" defTabSz="457200" rtl="0" eaLnBrk="1" latinLnBrk="0" hangingPunct="1">
+              <a:defRPr sz="1800" kern="1200">
+                <a:solidFill>
+                  <a:schemeClr val="tx1"/>
+                </a:solidFill>
+                <a:latin typeface="+mn-lt"/>
+                <a:ea typeface="+mn-ea"/>
+                <a:cs typeface="+mn-cs"/>
+              </a:defRPr>
+            </a:lvl1pPr>
+            <a:lvl2pPr marL="457200" algn="l" defTabSz="457200" rtl="0" eaLnBrk="1" latinLnBrk="0" hangingPunct="1">
+              <a:defRPr sz="1800" kern="1200">
+                <a:solidFill>
+                  <a:schemeClr val="tx1"/>
+                </a:solidFill>
+                <a:latin typeface="+mn-lt"/>
+                <a:ea typeface="+mn-ea"/>
+                <a:cs typeface="+mn-cs"/>
+              </a:defRPr>
+            </a:lvl2pPr>
+            <a:lvl3pPr marL="914400" algn="l" defTabSz="457200" rtl="0" eaLnBrk="1" latinLnBrk="0" hangingPunct="1">
+              <a:defRPr sz="1800" kern="1200">
+                <a:solidFill>
+                  <a:schemeClr val="tx1"/>
+                </a:solidFill>
+                <a:latin typeface="+mn-lt"/>
+                <a:ea typeface="+mn-ea"/>
+                <a:cs typeface="+mn-cs"/>
+              </a:defRPr>
+            </a:lvl3pPr>
+            <a:lvl4pPr marL="1371600" algn="l" defTabSz="457200" rtl="0" eaLnBrk="1" latinLnBrk="0" hangingPunct="1">
+              <a:defRPr sz="1800" kern="1200">
+                <a:solidFill>
+                  <a:schemeClr val="tx1"/>
+                </a:solidFill>
+                <a:latin typeface="+mn-lt"/>
+                <a:ea typeface="+mn-ea"/>
+                <a:cs typeface="+mn-cs"/>
+              </a:defRPr>
+            </a:lvl4pPr>
+            <a:lvl5pPr marL="1828800" algn="l" defTabSz="457200" rtl="0" eaLnBrk="1" latinLnBrk="0" hangingPunct="1">
+              <a:defRPr sz="1800" kern="1200">
+                <a:solidFill>
+                  <a:schemeClr val="tx1"/>
+                </a:solidFill>
+                <a:latin typeface="+mn-lt"/>
+                <a:ea typeface="+mn-ea"/>
+                <a:cs typeface="+mn-cs"/>
+              </a:defRPr>
+            </a:lvl5pPr>
+            <a:lvl6pPr marL="2286000" algn="l" defTabSz="457200" rtl="0" eaLnBrk="1" latinLnBrk="0" hangingPunct="1">
+              <a:defRPr sz="1800" kern="1200">
+                <a:solidFill>
+                  <a:schemeClr val="tx1"/>
+                </a:solidFill>
+                <a:latin typeface="+mn-lt"/>
+                <a:ea typeface="+mn-ea"/>
+                <a:cs typeface="+mn-cs"/>
+              </a:defRPr>
+            </a:lvl6pPr>
+            <a:lvl7pPr marL="2743200" algn="l" defTabSz="457200" rtl="0" eaLnBrk="1" latinLnBrk="0" hangingPunct="1">
+              <a:defRPr sz="1800" kern="1200">
+                <a:solidFill>
+                  <a:schemeClr val="tx1"/>
+                </a:solidFill>
+                <a:latin typeface="+mn-lt"/>
+                <a:ea typeface="+mn-ea"/>
+                <a:cs typeface="+mn-cs"/>
+              </a:defRPr>
+            </a:lvl7pPr>
+            <a:lvl8pPr marL="3200400" algn="l" defTabSz="457200" rtl="0" eaLnBrk="1" latinLnBrk="0" hangingPunct="1">
+              <a:defRPr sz="1800" kern="1200">
+                <a:solidFill>
+                  <a:schemeClr val="tx1"/>
+                </a:solidFill>
+                <a:latin typeface="+mn-lt"/>
+                <a:ea typeface="+mn-ea"/>
+                <a:cs typeface="+mn-cs"/>
+              </a:defRPr>
+            </a:lvl8pPr>
+            <a:lvl9pPr marL="3657600" algn="l" defTabSz="457200" rtl="0" eaLnBrk="1" latinLnBrk="0" hangingPunct="1">
+              <a:defRPr sz="1800" kern="1200">
+                <a:solidFill>
+                  <a:schemeClr val="tx1"/>
+                </a:solidFill>
+                <a:latin typeface="+mn-lt"/>
+                <a:ea typeface="+mn-ea"/>
+                <a:cs typeface="+mn-cs"/>
+              </a:defRPr>
+            </a:lvl9pPr>
+          </a:lstStyle>
+          <a:p>
+            <a:r>
+              <a:rPr lang="en-US" sz="1600" b="1" dirty="0">
+                <a:latin typeface="Arial" panose="020B0604020202020204" pitchFamily="34" charset="0"/>
+                <a:ea typeface="Yu Gothic" panose="020B0400000000000000" pitchFamily="34" charset="-128"/>
+                <a:cs typeface="Arial" panose="020B0604020202020204" pitchFamily="34" charset="0"/>
+              </a:rPr>
+              <a:t>Ancestral</a:t>
+            </a:r>
+          </a:p>
+        </p:txBody>
+      </p:sp>
+      <p:sp>
+        <p:nvSpPr>
+          <p:cNvPr id="9" name="TextBox 8">
+            <a:extLst>
+              <a:ext uri="{FF2B5EF4-FFF2-40B4-BE49-F238E27FC236}">
+                <a16:creationId xmlns:a16="http://schemas.microsoft.com/office/drawing/2014/main" id="{F7246C0D-7BA6-41D6-C320-1A24DB75A41B}"/>
+              </a:ext>
+            </a:extLst>
+          </p:cNvPr>
+          <p:cNvSpPr txBox="1"/>
+          <p:nvPr/>
+        </p:nvSpPr>
+        <p:spPr>
+          <a:xfrm>
+            <a:off x="3636005" y="5457617"/>
+            <a:ext cx="1125903" cy="338554"/>
+          </a:xfrm>
+          <a:prstGeom prst="rect">
+            <a:avLst/>
+          </a:prstGeom>
+          <a:noFill/>
+        </p:spPr>
+        <p:txBody>
+          <a:bodyPr wrap="square" rtlCol="0">
+            <a:spAutoFit/>
+          </a:bodyPr>
+          <a:lstStyle>
+            <a:defPPr>
+              <a:defRPr lang="en-US"/>
+            </a:defPPr>
+            <a:lvl1pPr marL="0" algn="l" defTabSz="457200" rtl="0" eaLnBrk="1" latinLnBrk="0" hangingPunct="1">
+              <a:defRPr sz="1800" kern="1200">
+                <a:solidFill>
+                  <a:schemeClr val="tx1"/>
+                </a:solidFill>
+                <a:latin typeface="+mn-lt"/>
+                <a:ea typeface="+mn-ea"/>
+                <a:cs typeface="+mn-cs"/>
+              </a:defRPr>
+            </a:lvl1pPr>
+            <a:lvl2pPr marL="457200" algn="l" defTabSz="457200" rtl="0" eaLnBrk="1" latinLnBrk="0" hangingPunct="1">
+              <a:defRPr sz="1800" kern="1200">
+                <a:solidFill>
+                  <a:schemeClr val="tx1"/>
+                </a:solidFill>
+                <a:latin typeface="+mn-lt"/>
+                <a:ea typeface="+mn-ea"/>
+                <a:cs typeface="+mn-cs"/>
+              </a:defRPr>
+            </a:lvl2pPr>
+            <a:lvl3pPr marL="914400" algn="l" defTabSz="457200" rtl="0" eaLnBrk="1" latinLnBrk="0" hangingPunct="1">
+              <a:defRPr sz="1800" kern="1200">
+                <a:solidFill>
+                  <a:schemeClr val="tx1"/>
+                </a:solidFill>
+                <a:latin typeface="+mn-lt"/>
+                <a:ea typeface="+mn-ea"/>
+                <a:cs typeface="+mn-cs"/>
+              </a:defRPr>
+            </a:lvl3pPr>
+            <a:lvl4pPr marL="1371600" algn="l" defTabSz="457200" rtl="0" eaLnBrk="1" latinLnBrk="0" hangingPunct="1">
+              <a:defRPr sz="1800" kern="1200">
+                <a:solidFill>
+                  <a:schemeClr val="tx1"/>
+                </a:solidFill>
+                <a:latin typeface="+mn-lt"/>
+                <a:ea typeface="+mn-ea"/>
+                <a:cs typeface="+mn-cs"/>
+              </a:defRPr>
+            </a:lvl4pPr>
+            <a:lvl5pPr marL="1828800" algn="l" defTabSz="457200" rtl="0" eaLnBrk="1" latinLnBrk="0" hangingPunct="1">
+              <a:defRPr sz="1800" kern="1200">
+                <a:solidFill>
+                  <a:schemeClr val="tx1"/>
+                </a:solidFill>
+                <a:latin typeface="+mn-lt"/>
+                <a:ea typeface="+mn-ea"/>
+                <a:cs typeface="+mn-cs"/>
+              </a:defRPr>
+            </a:lvl5pPr>
+            <a:lvl6pPr marL="2286000" algn="l" defTabSz="457200" rtl="0" eaLnBrk="1" latinLnBrk="0" hangingPunct="1">
+              <a:defRPr sz="1800" kern="1200">
+                <a:solidFill>
+                  <a:schemeClr val="tx1"/>
+                </a:solidFill>
+                <a:latin typeface="+mn-lt"/>
+                <a:ea typeface="+mn-ea"/>
+                <a:cs typeface="+mn-cs"/>
+              </a:defRPr>
+            </a:lvl6pPr>
+            <a:lvl7pPr marL="2743200" algn="l" defTabSz="457200" rtl="0" eaLnBrk="1" latinLnBrk="0" hangingPunct="1">
+              <a:defRPr sz="1800" kern="1200">
+                <a:solidFill>
+                  <a:schemeClr val="tx1"/>
+                </a:solidFill>
+                <a:latin typeface="+mn-lt"/>
+                <a:ea typeface="+mn-ea"/>
+                <a:cs typeface="+mn-cs"/>
+              </a:defRPr>
+            </a:lvl7pPr>
+            <a:lvl8pPr marL="3200400" algn="l" defTabSz="457200" rtl="0" eaLnBrk="1" latinLnBrk="0" hangingPunct="1">
+              <a:defRPr sz="1800" kern="1200">
+                <a:solidFill>
+                  <a:schemeClr val="tx1"/>
+                </a:solidFill>
+                <a:latin typeface="+mn-lt"/>
+                <a:ea typeface="+mn-ea"/>
+                <a:cs typeface="+mn-cs"/>
+              </a:defRPr>
+            </a:lvl8pPr>
+            <a:lvl9pPr marL="3657600" algn="l" defTabSz="457200" rtl="0" eaLnBrk="1" latinLnBrk="0" hangingPunct="1">
+              <a:defRPr sz="1800" kern="1200">
+                <a:solidFill>
+                  <a:schemeClr val="tx1"/>
+                </a:solidFill>
+                <a:latin typeface="+mn-lt"/>
+                <a:ea typeface="+mn-ea"/>
+                <a:cs typeface="+mn-cs"/>
+              </a:defRPr>
+            </a:lvl9pPr>
+          </a:lstStyle>
+          <a:p>
+            <a:r>
+              <a:rPr lang="en-US" sz="1600" b="1" dirty="0">
+                <a:latin typeface="Arial" panose="020B0604020202020204" pitchFamily="34" charset="0"/>
+                <a:ea typeface="Yu Gothic" panose="020B0400000000000000" pitchFamily="34" charset="-128"/>
+                <a:cs typeface="Arial" panose="020B0604020202020204" pitchFamily="34" charset="0"/>
+              </a:rPr>
+              <a:t>Current</a:t>
+            </a:r>
+          </a:p>
+        </p:txBody>
+      </p:sp>
+      <p:sp>
+        <p:nvSpPr>
+          <p:cNvPr id="10" name="TextBox 9">
+            <a:extLst>
+              <a:ext uri="{FF2B5EF4-FFF2-40B4-BE49-F238E27FC236}">
+                <a16:creationId xmlns:a16="http://schemas.microsoft.com/office/drawing/2014/main" id="{F969B816-1836-9294-742B-96942DDF7418}"/>
+              </a:ext>
+            </a:extLst>
+          </p:cNvPr>
+          <p:cNvSpPr txBox="1"/>
+          <p:nvPr/>
+        </p:nvSpPr>
+        <p:spPr>
+          <a:xfrm>
+            <a:off x="4294113" y="2637182"/>
+            <a:ext cx="2464662" cy="523220"/>
+          </a:xfrm>
+          <a:prstGeom prst="rect">
+            <a:avLst/>
+          </a:prstGeom>
+          <a:noFill/>
+        </p:spPr>
+        <p:txBody>
+          <a:bodyPr wrap="square" rtlCol="0">
+            <a:spAutoFit/>
+          </a:bodyPr>
+          <a:lstStyle>
+            <a:defPPr>
+              <a:defRPr lang="en-US"/>
+            </a:defPPr>
+            <a:lvl1pPr marL="0" algn="l" defTabSz="457200" rtl="0" eaLnBrk="1" latinLnBrk="0" hangingPunct="1">
+              <a:defRPr sz="1800" kern="1200">
+                <a:solidFill>
+                  <a:schemeClr val="tx1"/>
+                </a:solidFill>
+                <a:latin typeface="+mn-lt"/>
+                <a:ea typeface="+mn-ea"/>
+                <a:cs typeface="+mn-cs"/>
+              </a:defRPr>
+            </a:lvl1pPr>
+            <a:lvl2pPr marL="457200" algn="l" defTabSz="457200" rtl="0" eaLnBrk="1" latinLnBrk="0" hangingPunct="1">
+              <a:defRPr sz="1800" kern="1200">
+                <a:solidFill>
+                  <a:schemeClr val="tx1"/>
+                </a:solidFill>
+                <a:latin typeface="+mn-lt"/>
+                <a:ea typeface="+mn-ea"/>
+                <a:cs typeface="+mn-cs"/>
+              </a:defRPr>
+            </a:lvl2pPr>
+            <a:lvl3pPr marL="914400" algn="l" defTabSz="457200" rtl="0" eaLnBrk="1" latinLnBrk="0" hangingPunct="1">
+              <a:defRPr sz="1800" kern="1200">
+                <a:solidFill>
+                  <a:schemeClr val="tx1"/>
+                </a:solidFill>
+                <a:latin typeface="+mn-lt"/>
+                <a:ea typeface="+mn-ea"/>
+                <a:cs typeface="+mn-cs"/>
+              </a:defRPr>
+            </a:lvl3pPr>
+            <a:lvl4pPr marL="1371600" algn="l" defTabSz="457200" rtl="0" eaLnBrk="1" latinLnBrk="0" hangingPunct="1">
+              <a:defRPr sz="1800" kern="1200">
+                <a:solidFill>
+                  <a:schemeClr val="tx1"/>
+                </a:solidFill>
+                <a:latin typeface="+mn-lt"/>
+                <a:ea typeface="+mn-ea"/>
+                <a:cs typeface="+mn-cs"/>
+              </a:defRPr>
+            </a:lvl4pPr>
+            <a:lvl5pPr marL="1828800" algn="l" defTabSz="457200" rtl="0" eaLnBrk="1" latinLnBrk="0" hangingPunct="1">
+              <a:defRPr sz="1800" kern="1200">
+                <a:solidFill>
+                  <a:schemeClr val="tx1"/>
+                </a:solidFill>
+                <a:latin typeface="+mn-lt"/>
+                <a:ea typeface="+mn-ea"/>
+                <a:cs typeface="+mn-cs"/>
+              </a:defRPr>
+            </a:lvl5pPr>
+            <a:lvl6pPr marL="2286000" algn="l" defTabSz="457200" rtl="0" eaLnBrk="1" latinLnBrk="0" hangingPunct="1">
+              <a:defRPr sz="1800" kern="1200">
+                <a:solidFill>
+                  <a:schemeClr val="tx1"/>
+                </a:solidFill>
+                <a:latin typeface="+mn-lt"/>
+                <a:ea typeface="+mn-ea"/>
+                <a:cs typeface="+mn-cs"/>
+              </a:defRPr>
+            </a:lvl6pPr>
+            <a:lvl7pPr marL="2743200" algn="l" defTabSz="457200" rtl="0" eaLnBrk="1" latinLnBrk="0" hangingPunct="1">
+              <a:defRPr sz="1800" kern="1200">
+                <a:solidFill>
+                  <a:schemeClr val="tx1"/>
+                </a:solidFill>
+                <a:latin typeface="+mn-lt"/>
+                <a:ea typeface="+mn-ea"/>
+                <a:cs typeface="+mn-cs"/>
+              </a:defRPr>
+            </a:lvl7pPr>
+            <a:lvl8pPr marL="3200400" algn="l" defTabSz="457200" rtl="0" eaLnBrk="1" latinLnBrk="0" hangingPunct="1">
+              <a:defRPr sz="1800" kern="1200">
+                <a:solidFill>
+                  <a:schemeClr val="tx1"/>
+                </a:solidFill>
+                <a:latin typeface="+mn-lt"/>
+                <a:ea typeface="+mn-ea"/>
+                <a:cs typeface="+mn-cs"/>
+              </a:defRPr>
+            </a:lvl8pPr>
+            <a:lvl9pPr marL="3657600" algn="l" defTabSz="457200" rtl="0" eaLnBrk="1" latinLnBrk="0" hangingPunct="1">
+              <a:defRPr sz="1800" kern="1200">
+                <a:solidFill>
+                  <a:schemeClr val="tx1"/>
+                </a:solidFill>
+                <a:latin typeface="+mn-lt"/>
+                <a:ea typeface="+mn-ea"/>
+                <a:cs typeface="+mn-cs"/>
+              </a:defRPr>
+            </a:lvl9pPr>
+          </a:lstStyle>
+          <a:p>
+            <a:r>
+              <a:rPr lang="en-US" sz="2800" b="1" dirty="0">
+                <a:latin typeface="Arial" panose="020B0604020202020204" pitchFamily="34" charset="0"/>
+                <a:ea typeface="Yu Gothic" panose="020B0400000000000000" pitchFamily="34" charset="-128"/>
+                <a:cs typeface="Arial" panose="020B0604020202020204" pitchFamily="34" charset="0"/>
+              </a:rPr>
+              <a:t>Ground Truth</a:t>
+            </a:r>
+          </a:p>
+        </p:txBody>
+      </p:sp>
+      <p:sp>
+        <p:nvSpPr>
+          <p:cNvPr id="11" name="Rectangle 10">
+            <a:extLst>
+              <a:ext uri="{FF2B5EF4-FFF2-40B4-BE49-F238E27FC236}">
+                <a16:creationId xmlns:a16="http://schemas.microsoft.com/office/drawing/2014/main" id="{2D320388-1D65-6692-A4B2-EE9163C7B475}"/>
+              </a:ext>
+            </a:extLst>
+          </p:cNvPr>
+          <p:cNvSpPr/>
+          <p:nvPr/>
+        </p:nvSpPr>
+        <p:spPr>
+          <a:xfrm>
+            <a:off x="14558733" y="3641376"/>
+            <a:ext cx="914400" cy="461894"/>
+          </a:xfrm>
+          <a:prstGeom prst="rect">
+            <a:avLst/>
+          </a:prstGeom>
+          <a:solidFill>
+            <a:schemeClr val="accent1">
+              <a:lumMod val="40000"/>
+              <a:lumOff val="60000"/>
+            </a:schemeClr>
+          </a:solidFill>
+          <a:ln>
+            <a:noFill/>
+          </a:ln>
+        </p:spPr>
+        <p:style>
+          <a:lnRef idx="2">
+            <a:schemeClr val="accent1">
+              <a:shade val="15000"/>
+            </a:schemeClr>
+          </a:lnRef>
+          <a:fillRef idx="1">
+            <a:schemeClr val="accent1"/>
+          </a:fillRef>
+          <a:effectRef idx="0">
+            <a:schemeClr val="accent1"/>
+          </a:effectRef>
+          <a:fontRef idx="minor">
+            <a:schemeClr val="lt1"/>
+          </a:fontRef>
+        </p:style>
+        <p:txBody>
+          <a:bodyPr rtlCol="0" anchor="ctr"/>
+          <a:lstStyle>
+            <a:defPPr>
+              <a:defRPr lang="en-US"/>
+            </a:defPPr>
+            <a:lvl1pPr marL="0" algn="l" defTabSz="457200" rtl="0" eaLnBrk="1" latinLnBrk="0" hangingPunct="1">
+              <a:defRPr sz="1800" kern="1200">
+                <a:solidFill>
+                  <a:schemeClr val="lt1"/>
+                </a:solidFill>
+                <a:latin typeface="+mn-lt"/>
+                <a:ea typeface="+mn-ea"/>
+                <a:cs typeface="+mn-cs"/>
+              </a:defRPr>
+            </a:lvl1pPr>
+            <a:lvl2pPr marL="457200" algn="l" defTabSz="457200" rtl="0" eaLnBrk="1" latinLnBrk="0" hangingPunct="1">
+              <a:defRPr sz="1800" kern="1200">
+                <a:solidFill>
+                  <a:schemeClr val="lt1"/>
+                </a:solidFill>
+                <a:latin typeface="+mn-lt"/>
+                <a:ea typeface="+mn-ea"/>
+                <a:cs typeface="+mn-cs"/>
+              </a:defRPr>
+            </a:lvl2pPr>
+            <a:lvl3pPr marL="914400" algn="l" defTabSz="457200" rtl="0" eaLnBrk="1" latinLnBrk="0" hangingPunct="1">
+              <a:defRPr sz="1800" kern="1200">
+                <a:solidFill>
+                  <a:schemeClr val="lt1"/>
+                </a:solidFill>
+                <a:latin typeface="+mn-lt"/>
+                <a:ea typeface="+mn-ea"/>
+                <a:cs typeface="+mn-cs"/>
+              </a:defRPr>
+            </a:lvl3pPr>
+            <a:lvl4pPr marL="1371600" algn="l" defTabSz="457200" rtl="0" eaLnBrk="1" latinLnBrk="0" hangingPunct="1">
+              <a:defRPr sz="1800" kern="1200">
+                <a:solidFill>
+                  <a:schemeClr val="lt1"/>
+                </a:solidFill>
+                <a:latin typeface="+mn-lt"/>
+                <a:ea typeface="+mn-ea"/>
+                <a:cs typeface="+mn-cs"/>
+              </a:defRPr>
+            </a:lvl4pPr>
+            <a:lvl5pPr marL="1828800" algn="l" defTabSz="457200" rtl="0" eaLnBrk="1" latinLnBrk="0" hangingPunct="1">
+              <a:defRPr sz="1800" kern="1200">
+                <a:solidFill>
+                  <a:schemeClr val="lt1"/>
+                </a:solidFill>
+                <a:latin typeface="+mn-lt"/>
+                <a:ea typeface="+mn-ea"/>
+                <a:cs typeface="+mn-cs"/>
+              </a:defRPr>
+            </a:lvl5pPr>
+            <a:lvl6pPr marL="2286000" algn="l" defTabSz="457200" rtl="0" eaLnBrk="1" latinLnBrk="0" hangingPunct="1">
+              <a:defRPr sz="1800" kern="1200">
+                <a:solidFill>
+                  <a:schemeClr val="lt1"/>
+                </a:solidFill>
+                <a:latin typeface="+mn-lt"/>
+                <a:ea typeface="+mn-ea"/>
+                <a:cs typeface="+mn-cs"/>
+              </a:defRPr>
+            </a:lvl6pPr>
+            <a:lvl7pPr marL="2743200" algn="l" defTabSz="457200" rtl="0" eaLnBrk="1" latinLnBrk="0" hangingPunct="1">
+              <a:defRPr sz="1800" kern="1200">
+                <a:solidFill>
+                  <a:schemeClr val="lt1"/>
+                </a:solidFill>
+                <a:latin typeface="+mn-lt"/>
+                <a:ea typeface="+mn-ea"/>
+                <a:cs typeface="+mn-cs"/>
+              </a:defRPr>
+            </a:lvl7pPr>
+            <a:lvl8pPr marL="3200400" algn="l" defTabSz="457200" rtl="0" eaLnBrk="1" latinLnBrk="0" hangingPunct="1">
+              <a:defRPr sz="1800" kern="1200">
+                <a:solidFill>
+                  <a:schemeClr val="lt1"/>
+                </a:solidFill>
+                <a:latin typeface="+mn-lt"/>
+                <a:ea typeface="+mn-ea"/>
+                <a:cs typeface="+mn-cs"/>
+              </a:defRPr>
+            </a:lvl8pPr>
+            <a:lvl9pPr marL="3657600" algn="l" defTabSz="457200" rtl="0" eaLnBrk="1" latinLnBrk="0" hangingPunct="1">
+              <a:defRPr sz="1800" kern="1200">
+                <a:solidFill>
+                  <a:schemeClr val="lt1"/>
+                </a:solidFill>
+                <a:latin typeface="+mn-lt"/>
+                <a:ea typeface="+mn-ea"/>
+                <a:cs typeface="+mn-cs"/>
+              </a:defRPr>
+            </a:lvl9pPr>
+          </a:lstStyle>
+          <a:p>
+            <a:pPr algn="ctr"/>
+            <a:endParaRPr lang="en-US" sz="1600" dirty="0">
+              <a:latin typeface="Arial" panose="020B0604020202020204" pitchFamily="34" charset="0"/>
+              <a:cs typeface="Arial" panose="020B0604020202020204" pitchFamily="34" charset="0"/>
+            </a:endParaRPr>
+          </a:p>
+        </p:txBody>
+      </p:sp>
+      <p:sp>
+        <p:nvSpPr>
+          <p:cNvPr id="12" name="Rectangle 11">
+            <a:extLst>
+              <a:ext uri="{FF2B5EF4-FFF2-40B4-BE49-F238E27FC236}">
+                <a16:creationId xmlns:a16="http://schemas.microsoft.com/office/drawing/2014/main" id="{E924E80D-ED2B-72E9-A108-EA9118C67D64}"/>
+              </a:ext>
+            </a:extLst>
+          </p:cNvPr>
+          <p:cNvSpPr/>
+          <p:nvPr/>
+        </p:nvSpPr>
+        <p:spPr>
+          <a:xfrm>
+            <a:off x="14767235" y="4103270"/>
+            <a:ext cx="497395" cy="1620847"/>
+          </a:xfrm>
+          <a:prstGeom prst="rect">
+            <a:avLst/>
+          </a:prstGeom>
+          <a:solidFill>
+            <a:schemeClr val="accent1">
+              <a:lumMod val="40000"/>
+              <a:lumOff val="60000"/>
+            </a:schemeClr>
+          </a:solidFill>
+          <a:ln>
+            <a:noFill/>
+          </a:ln>
+        </p:spPr>
+        <p:style>
+          <a:lnRef idx="2">
+            <a:schemeClr val="accent1">
+              <a:shade val="15000"/>
+            </a:schemeClr>
+          </a:lnRef>
+          <a:fillRef idx="1">
+            <a:schemeClr val="accent1"/>
+          </a:fillRef>
+          <a:effectRef idx="0">
+            <a:schemeClr val="accent1"/>
+          </a:effectRef>
+          <a:fontRef idx="minor">
+            <a:schemeClr val="lt1"/>
+          </a:fontRef>
+        </p:style>
+        <p:txBody>
+          <a:bodyPr rtlCol="0" anchor="ctr"/>
+          <a:lstStyle>
+            <a:defPPr>
+              <a:defRPr lang="en-US"/>
+            </a:defPPr>
+            <a:lvl1pPr marL="0" algn="l" defTabSz="457200" rtl="0" eaLnBrk="1" latinLnBrk="0" hangingPunct="1">
+              <a:defRPr sz="1800" kern="1200">
+                <a:solidFill>
+                  <a:schemeClr val="lt1"/>
+                </a:solidFill>
+                <a:latin typeface="+mn-lt"/>
+                <a:ea typeface="+mn-ea"/>
+                <a:cs typeface="+mn-cs"/>
+              </a:defRPr>
+            </a:lvl1pPr>
+            <a:lvl2pPr marL="457200" algn="l" defTabSz="457200" rtl="0" eaLnBrk="1" latinLnBrk="0" hangingPunct="1">
+              <a:defRPr sz="1800" kern="1200">
+                <a:solidFill>
+                  <a:schemeClr val="lt1"/>
+                </a:solidFill>
+                <a:latin typeface="+mn-lt"/>
+                <a:ea typeface="+mn-ea"/>
+                <a:cs typeface="+mn-cs"/>
+              </a:defRPr>
+            </a:lvl2pPr>
+            <a:lvl3pPr marL="914400" algn="l" defTabSz="457200" rtl="0" eaLnBrk="1" latinLnBrk="0" hangingPunct="1">
+              <a:defRPr sz="1800" kern="1200">
+                <a:solidFill>
+                  <a:schemeClr val="lt1"/>
+                </a:solidFill>
+                <a:latin typeface="+mn-lt"/>
+                <a:ea typeface="+mn-ea"/>
+                <a:cs typeface="+mn-cs"/>
+              </a:defRPr>
+            </a:lvl3pPr>
+            <a:lvl4pPr marL="1371600" algn="l" defTabSz="457200" rtl="0" eaLnBrk="1" latinLnBrk="0" hangingPunct="1">
+              <a:defRPr sz="1800" kern="1200">
+                <a:solidFill>
+                  <a:schemeClr val="lt1"/>
+                </a:solidFill>
+                <a:latin typeface="+mn-lt"/>
+                <a:ea typeface="+mn-ea"/>
+                <a:cs typeface="+mn-cs"/>
+              </a:defRPr>
+            </a:lvl4pPr>
+            <a:lvl5pPr marL="1828800" algn="l" defTabSz="457200" rtl="0" eaLnBrk="1" latinLnBrk="0" hangingPunct="1">
+              <a:defRPr sz="1800" kern="1200">
+                <a:solidFill>
+                  <a:schemeClr val="lt1"/>
+                </a:solidFill>
+                <a:latin typeface="+mn-lt"/>
+                <a:ea typeface="+mn-ea"/>
+                <a:cs typeface="+mn-cs"/>
+              </a:defRPr>
+            </a:lvl5pPr>
+            <a:lvl6pPr marL="2286000" algn="l" defTabSz="457200" rtl="0" eaLnBrk="1" latinLnBrk="0" hangingPunct="1">
+              <a:defRPr sz="1800" kern="1200">
+                <a:solidFill>
+                  <a:schemeClr val="lt1"/>
+                </a:solidFill>
+                <a:latin typeface="+mn-lt"/>
+                <a:ea typeface="+mn-ea"/>
+                <a:cs typeface="+mn-cs"/>
+              </a:defRPr>
+            </a:lvl6pPr>
+            <a:lvl7pPr marL="2743200" algn="l" defTabSz="457200" rtl="0" eaLnBrk="1" latinLnBrk="0" hangingPunct="1">
+              <a:defRPr sz="1800" kern="1200">
+                <a:solidFill>
+                  <a:schemeClr val="lt1"/>
+                </a:solidFill>
+                <a:latin typeface="+mn-lt"/>
+                <a:ea typeface="+mn-ea"/>
+                <a:cs typeface="+mn-cs"/>
+              </a:defRPr>
+            </a:lvl7pPr>
+            <a:lvl8pPr marL="3200400" algn="l" defTabSz="457200" rtl="0" eaLnBrk="1" latinLnBrk="0" hangingPunct="1">
+              <a:defRPr sz="1800" kern="1200">
+                <a:solidFill>
+                  <a:schemeClr val="lt1"/>
+                </a:solidFill>
+                <a:latin typeface="+mn-lt"/>
+                <a:ea typeface="+mn-ea"/>
+                <a:cs typeface="+mn-cs"/>
+              </a:defRPr>
+            </a:lvl8pPr>
+            <a:lvl9pPr marL="3657600" algn="l" defTabSz="457200" rtl="0" eaLnBrk="1" latinLnBrk="0" hangingPunct="1">
+              <a:defRPr sz="1800" kern="1200">
+                <a:solidFill>
+                  <a:schemeClr val="lt1"/>
+                </a:solidFill>
+                <a:latin typeface="+mn-lt"/>
+                <a:ea typeface="+mn-ea"/>
+                <a:cs typeface="+mn-cs"/>
+              </a:defRPr>
+            </a:lvl9pPr>
+          </a:lstStyle>
+          <a:p>
+            <a:pPr algn="ctr"/>
+            <a:endParaRPr lang="en-US" sz="1600" dirty="0">
+              <a:latin typeface="Arial" panose="020B0604020202020204" pitchFamily="34" charset="0"/>
+              <a:cs typeface="Arial" panose="020B0604020202020204" pitchFamily="34" charset="0"/>
+            </a:endParaRPr>
+          </a:p>
+        </p:txBody>
+      </p:sp>
+      <p:sp>
+        <p:nvSpPr>
+          <p:cNvPr id="13" name="Rectangle 12">
+            <a:extLst>
+              <a:ext uri="{FF2B5EF4-FFF2-40B4-BE49-F238E27FC236}">
+                <a16:creationId xmlns:a16="http://schemas.microsoft.com/office/drawing/2014/main" id="{1A16D876-3D2A-6700-0BD6-6FCABDF5F6C0}"/>
+              </a:ext>
+            </a:extLst>
+          </p:cNvPr>
+          <p:cNvSpPr/>
+          <p:nvPr/>
+        </p:nvSpPr>
+        <p:spPr>
+          <a:xfrm>
+            <a:off x="12622848" y="3641376"/>
+            <a:ext cx="914400" cy="1816241"/>
+          </a:xfrm>
+          <a:prstGeom prst="rect">
+            <a:avLst/>
+          </a:prstGeom>
+          <a:solidFill>
+            <a:schemeClr val="accent1">
+              <a:lumMod val="40000"/>
+              <a:lumOff val="60000"/>
+            </a:schemeClr>
+          </a:solidFill>
+          <a:ln>
+            <a:noFill/>
+          </a:ln>
+        </p:spPr>
+        <p:style>
+          <a:lnRef idx="2">
+            <a:schemeClr val="accent1">
+              <a:shade val="15000"/>
+            </a:schemeClr>
+          </a:lnRef>
+          <a:fillRef idx="1">
+            <a:schemeClr val="accent1"/>
+          </a:fillRef>
+          <a:effectRef idx="0">
+            <a:schemeClr val="accent1"/>
+          </a:effectRef>
+          <a:fontRef idx="minor">
+            <a:schemeClr val="lt1"/>
+          </a:fontRef>
+        </p:style>
+        <p:txBody>
+          <a:bodyPr rtlCol="0" anchor="ctr"/>
+          <a:lstStyle>
+            <a:defPPr>
+              <a:defRPr lang="en-US"/>
+            </a:defPPr>
+            <a:lvl1pPr marL="0" algn="l" defTabSz="457200" rtl="0" eaLnBrk="1" latinLnBrk="0" hangingPunct="1">
+              <a:defRPr sz="1800" kern="1200">
+                <a:solidFill>
+                  <a:schemeClr val="lt1"/>
+                </a:solidFill>
+                <a:latin typeface="+mn-lt"/>
+                <a:ea typeface="+mn-ea"/>
+                <a:cs typeface="+mn-cs"/>
+              </a:defRPr>
+            </a:lvl1pPr>
+            <a:lvl2pPr marL="457200" algn="l" defTabSz="457200" rtl="0" eaLnBrk="1" latinLnBrk="0" hangingPunct="1">
+              <a:defRPr sz="1800" kern="1200">
+                <a:solidFill>
+                  <a:schemeClr val="lt1"/>
+                </a:solidFill>
+                <a:latin typeface="+mn-lt"/>
+                <a:ea typeface="+mn-ea"/>
+                <a:cs typeface="+mn-cs"/>
+              </a:defRPr>
+            </a:lvl2pPr>
+            <a:lvl3pPr marL="914400" algn="l" defTabSz="457200" rtl="0" eaLnBrk="1" latinLnBrk="0" hangingPunct="1">
+              <a:defRPr sz="1800" kern="1200">
+                <a:solidFill>
+                  <a:schemeClr val="lt1"/>
+                </a:solidFill>
+                <a:latin typeface="+mn-lt"/>
+                <a:ea typeface="+mn-ea"/>
+                <a:cs typeface="+mn-cs"/>
+              </a:defRPr>
+            </a:lvl3pPr>
+            <a:lvl4pPr marL="1371600" algn="l" defTabSz="457200" rtl="0" eaLnBrk="1" latinLnBrk="0" hangingPunct="1">
+              <a:defRPr sz="1800" kern="1200">
+                <a:solidFill>
+                  <a:schemeClr val="lt1"/>
+                </a:solidFill>
+                <a:latin typeface="+mn-lt"/>
+                <a:ea typeface="+mn-ea"/>
+                <a:cs typeface="+mn-cs"/>
+              </a:defRPr>
+            </a:lvl4pPr>
+            <a:lvl5pPr marL="1828800" algn="l" defTabSz="457200" rtl="0" eaLnBrk="1" latinLnBrk="0" hangingPunct="1">
+              <a:defRPr sz="1800" kern="1200">
+                <a:solidFill>
+                  <a:schemeClr val="lt1"/>
+                </a:solidFill>
+                <a:latin typeface="+mn-lt"/>
+                <a:ea typeface="+mn-ea"/>
+                <a:cs typeface="+mn-cs"/>
+              </a:defRPr>
+            </a:lvl5pPr>
+            <a:lvl6pPr marL="2286000" algn="l" defTabSz="457200" rtl="0" eaLnBrk="1" latinLnBrk="0" hangingPunct="1">
+              <a:defRPr sz="1800" kern="1200">
+                <a:solidFill>
+                  <a:schemeClr val="lt1"/>
+                </a:solidFill>
+                <a:latin typeface="+mn-lt"/>
+                <a:ea typeface="+mn-ea"/>
+                <a:cs typeface="+mn-cs"/>
+              </a:defRPr>
+            </a:lvl6pPr>
+            <a:lvl7pPr marL="2743200" algn="l" defTabSz="457200" rtl="0" eaLnBrk="1" latinLnBrk="0" hangingPunct="1">
+              <a:defRPr sz="1800" kern="1200">
+                <a:solidFill>
+                  <a:schemeClr val="lt1"/>
+                </a:solidFill>
+                <a:latin typeface="+mn-lt"/>
+                <a:ea typeface="+mn-ea"/>
+                <a:cs typeface="+mn-cs"/>
+              </a:defRPr>
+            </a:lvl7pPr>
+            <a:lvl8pPr marL="3200400" algn="l" defTabSz="457200" rtl="0" eaLnBrk="1" latinLnBrk="0" hangingPunct="1">
+              <a:defRPr sz="1800" kern="1200">
+                <a:solidFill>
+                  <a:schemeClr val="lt1"/>
+                </a:solidFill>
+                <a:latin typeface="+mn-lt"/>
+                <a:ea typeface="+mn-ea"/>
+                <a:cs typeface="+mn-cs"/>
+              </a:defRPr>
+            </a:lvl8pPr>
+            <a:lvl9pPr marL="3657600" algn="l" defTabSz="457200" rtl="0" eaLnBrk="1" latinLnBrk="0" hangingPunct="1">
+              <a:defRPr sz="1800" kern="1200">
+                <a:solidFill>
+                  <a:schemeClr val="lt1"/>
+                </a:solidFill>
+                <a:latin typeface="+mn-lt"/>
+                <a:ea typeface="+mn-ea"/>
+                <a:cs typeface="+mn-cs"/>
+              </a:defRPr>
+            </a:lvl9pPr>
+          </a:lstStyle>
+          <a:p>
+            <a:pPr algn="ctr"/>
+            <a:endParaRPr lang="en-US" sz="1600" dirty="0">
+              <a:latin typeface="Arial" panose="020B0604020202020204" pitchFamily="34" charset="0"/>
+              <a:cs typeface="Arial" panose="020B0604020202020204" pitchFamily="34" charset="0"/>
+            </a:endParaRPr>
+          </a:p>
+        </p:txBody>
+      </p:sp>
+      <p:sp>
+        <p:nvSpPr>
+          <p:cNvPr id="15" name="Left Brace 14">
+            <a:extLst>
+              <a:ext uri="{FF2B5EF4-FFF2-40B4-BE49-F238E27FC236}">
+                <a16:creationId xmlns:a16="http://schemas.microsoft.com/office/drawing/2014/main" id="{A47FAB82-5C7F-868E-D96A-59F79C9F82E3}"/>
+              </a:ext>
+            </a:extLst>
+          </p:cNvPr>
+          <p:cNvSpPr/>
+          <p:nvPr/>
+        </p:nvSpPr>
+        <p:spPr>
+          <a:xfrm>
+            <a:off x="7276046" y="3220931"/>
+            <a:ext cx="223846" cy="3141716"/>
+          </a:xfrm>
+          <a:prstGeom prst="leftBrace">
+            <a:avLst/>
+          </a:prstGeom>
+          <a:ln w="28575"/>
+        </p:spPr>
+        <p:style>
+          <a:lnRef idx="1">
+            <a:schemeClr val="dk1"/>
+          </a:lnRef>
+          <a:fillRef idx="0">
+            <a:schemeClr val="dk1"/>
+          </a:fillRef>
+          <a:effectRef idx="0">
+            <a:schemeClr val="dk1"/>
+          </a:effectRef>
+          <a:fontRef idx="minor">
+            <a:schemeClr val="tx1"/>
+          </a:fontRef>
+        </p:style>
+        <p:txBody>
+          <a:bodyPr rtlCol="0" anchor="ctr"/>
+          <a:lstStyle/>
+          <a:p>
+            <a:pPr algn="ctr"/>
+            <a:endParaRPr lang="en-US"/>
+          </a:p>
+        </p:txBody>
+      </p:sp>
+      <p:sp>
+        <p:nvSpPr>
+          <p:cNvPr id="16" name="TextBox 15">
+            <a:extLst>
+              <a:ext uri="{FF2B5EF4-FFF2-40B4-BE49-F238E27FC236}">
+                <a16:creationId xmlns:a16="http://schemas.microsoft.com/office/drawing/2014/main" id="{AC24383B-9881-F2A1-21EC-E1F08400A776}"/>
+              </a:ext>
+            </a:extLst>
+          </p:cNvPr>
+          <p:cNvSpPr txBox="1"/>
+          <p:nvPr/>
+        </p:nvSpPr>
+        <p:spPr>
+          <a:xfrm>
+            <a:off x="10903105" y="2639732"/>
+            <a:ext cx="5105399" cy="523220"/>
+          </a:xfrm>
+          <a:prstGeom prst="rect">
+            <a:avLst/>
+          </a:prstGeom>
+          <a:noFill/>
+        </p:spPr>
+        <p:txBody>
+          <a:bodyPr wrap="square" rtlCol="0">
+            <a:spAutoFit/>
+          </a:bodyPr>
+          <a:lstStyle>
+            <a:defPPr>
+              <a:defRPr lang="en-US"/>
+            </a:defPPr>
+            <a:lvl1pPr marL="0" algn="l" defTabSz="457200" rtl="0" eaLnBrk="1" latinLnBrk="0" hangingPunct="1">
+              <a:defRPr sz="1800" kern="1200">
+                <a:solidFill>
+                  <a:schemeClr val="tx1"/>
+                </a:solidFill>
+                <a:latin typeface="+mn-lt"/>
+                <a:ea typeface="+mn-ea"/>
+                <a:cs typeface="+mn-cs"/>
+              </a:defRPr>
+            </a:lvl1pPr>
+            <a:lvl2pPr marL="457200" algn="l" defTabSz="457200" rtl="0" eaLnBrk="1" latinLnBrk="0" hangingPunct="1">
+              <a:defRPr sz="1800" kern="1200">
+                <a:solidFill>
+                  <a:schemeClr val="tx1"/>
+                </a:solidFill>
+                <a:latin typeface="+mn-lt"/>
+                <a:ea typeface="+mn-ea"/>
+                <a:cs typeface="+mn-cs"/>
+              </a:defRPr>
+            </a:lvl2pPr>
+            <a:lvl3pPr marL="914400" algn="l" defTabSz="457200" rtl="0" eaLnBrk="1" latinLnBrk="0" hangingPunct="1">
+              <a:defRPr sz="1800" kern="1200">
+                <a:solidFill>
+                  <a:schemeClr val="tx1"/>
+                </a:solidFill>
+                <a:latin typeface="+mn-lt"/>
+                <a:ea typeface="+mn-ea"/>
+                <a:cs typeface="+mn-cs"/>
+              </a:defRPr>
+            </a:lvl3pPr>
+            <a:lvl4pPr marL="1371600" algn="l" defTabSz="457200" rtl="0" eaLnBrk="1" latinLnBrk="0" hangingPunct="1">
+              <a:defRPr sz="1800" kern="1200">
+                <a:solidFill>
+                  <a:schemeClr val="tx1"/>
+                </a:solidFill>
+                <a:latin typeface="+mn-lt"/>
+                <a:ea typeface="+mn-ea"/>
+                <a:cs typeface="+mn-cs"/>
+              </a:defRPr>
+            </a:lvl4pPr>
+            <a:lvl5pPr marL="1828800" algn="l" defTabSz="457200" rtl="0" eaLnBrk="1" latinLnBrk="0" hangingPunct="1">
+              <a:defRPr sz="1800" kern="1200">
+                <a:solidFill>
+                  <a:schemeClr val="tx1"/>
+                </a:solidFill>
+                <a:latin typeface="+mn-lt"/>
+                <a:ea typeface="+mn-ea"/>
+                <a:cs typeface="+mn-cs"/>
+              </a:defRPr>
+            </a:lvl5pPr>
+            <a:lvl6pPr marL="2286000" algn="l" defTabSz="457200" rtl="0" eaLnBrk="1" latinLnBrk="0" hangingPunct="1">
+              <a:defRPr sz="1800" kern="1200">
+                <a:solidFill>
+                  <a:schemeClr val="tx1"/>
+                </a:solidFill>
+                <a:latin typeface="+mn-lt"/>
+                <a:ea typeface="+mn-ea"/>
+                <a:cs typeface="+mn-cs"/>
+              </a:defRPr>
+            </a:lvl6pPr>
+            <a:lvl7pPr marL="2743200" algn="l" defTabSz="457200" rtl="0" eaLnBrk="1" latinLnBrk="0" hangingPunct="1">
+              <a:defRPr sz="1800" kern="1200">
+                <a:solidFill>
+                  <a:schemeClr val="tx1"/>
+                </a:solidFill>
+                <a:latin typeface="+mn-lt"/>
+                <a:ea typeface="+mn-ea"/>
+                <a:cs typeface="+mn-cs"/>
+              </a:defRPr>
+            </a:lvl7pPr>
+            <a:lvl8pPr marL="3200400" algn="l" defTabSz="457200" rtl="0" eaLnBrk="1" latinLnBrk="0" hangingPunct="1">
+              <a:defRPr sz="1800" kern="1200">
+                <a:solidFill>
+                  <a:schemeClr val="tx1"/>
+                </a:solidFill>
+                <a:latin typeface="+mn-lt"/>
+                <a:ea typeface="+mn-ea"/>
+                <a:cs typeface="+mn-cs"/>
+              </a:defRPr>
+            </a:lvl8pPr>
+            <a:lvl9pPr marL="3657600" algn="l" defTabSz="457200" rtl="0" eaLnBrk="1" latinLnBrk="0" hangingPunct="1">
+              <a:defRPr sz="1800" kern="1200">
+                <a:solidFill>
+                  <a:schemeClr val="tx1"/>
+                </a:solidFill>
+                <a:latin typeface="+mn-lt"/>
+                <a:ea typeface="+mn-ea"/>
+                <a:cs typeface="+mn-cs"/>
+              </a:defRPr>
+            </a:lvl9pPr>
+          </a:lstStyle>
+          <a:p>
+            <a:r>
+              <a:rPr lang="en-US" sz="2800" b="1" dirty="0">
+                <a:latin typeface="Arial" panose="020B0604020202020204" pitchFamily="34" charset="0"/>
+                <a:ea typeface="Yu Gothic" panose="020B0400000000000000" pitchFamily="34" charset="-128"/>
+                <a:cs typeface="Arial" panose="020B0604020202020204" pitchFamily="34" charset="0"/>
+              </a:rPr>
+              <a:t>Simple Two-epoch Inference</a:t>
+            </a:r>
+          </a:p>
+        </p:txBody>
+      </p:sp>
+      <p:sp>
+        <p:nvSpPr>
+          <p:cNvPr id="17" name="Rectangle 16">
+            <a:extLst>
+              <a:ext uri="{FF2B5EF4-FFF2-40B4-BE49-F238E27FC236}">
+                <a16:creationId xmlns:a16="http://schemas.microsoft.com/office/drawing/2014/main" id="{65A0B147-7A62-6C7D-0F90-055F2D36001A}"/>
+              </a:ext>
+            </a:extLst>
+          </p:cNvPr>
+          <p:cNvSpPr/>
+          <p:nvPr/>
+        </p:nvSpPr>
+        <p:spPr>
+          <a:xfrm>
+            <a:off x="12414245" y="5443871"/>
+            <a:ext cx="1331605" cy="280246"/>
+          </a:xfrm>
+          <a:prstGeom prst="rect">
+            <a:avLst/>
+          </a:prstGeom>
+          <a:solidFill>
+            <a:schemeClr val="accent1">
+              <a:lumMod val="40000"/>
+              <a:lumOff val="60000"/>
+            </a:schemeClr>
+          </a:solidFill>
+          <a:ln>
+            <a:noFill/>
+          </a:ln>
+        </p:spPr>
+        <p:style>
+          <a:lnRef idx="2">
+            <a:schemeClr val="accent1">
+              <a:shade val="15000"/>
+            </a:schemeClr>
+          </a:lnRef>
+          <a:fillRef idx="1">
+            <a:schemeClr val="accent1"/>
+          </a:fillRef>
+          <a:effectRef idx="0">
+            <a:schemeClr val="accent1"/>
+          </a:effectRef>
+          <a:fontRef idx="minor">
+            <a:schemeClr val="lt1"/>
+          </a:fontRef>
+        </p:style>
+        <p:txBody>
+          <a:bodyPr rtlCol="0" anchor="ctr"/>
+          <a:lstStyle>
+            <a:defPPr>
+              <a:defRPr lang="en-US"/>
+            </a:defPPr>
+            <a:lvl1pPr marL="0" algn="l" defTabSz="457200" rtl="0" eaLnBrk="1" latinLnBrk="0" hangingPunct="1">
+              <a:defRPr sz="1800" kern="1200">
+                <a:solidFill>
+                  <a:schemeClr val="lt1"/>
+                </a:solidFill>
+                <a:latin typeface="+mn-lt"/>
+                <a:ea typeface="+mn-ea"/>
+                <a:cs typeface="+mn-cs"/>
+              </a:defRPr>
+            </a:lvl1pPr>
+            <a:lvl2pPr marL="457200" algn="l" defTabSz="457200" rtl="0" eaLnBrk="1" latinLnBrk="0" hangingPunct="1">
+              <a:defRPr sz="1800" kern="1200">
+                <a:solidFill>
+                  <a:schemeClr val="lt1"/>
+                </a:solidFill>
+                <a:latin typeface="+mn-lt"/>
+                <a:ea typeface="+mn-ea"/>
+                <a:cs typeface="+mn-cs"/>
+              </a:defRPr>
+            </a:lvl2pPr>
+            <a:lvl3pPr marL="914400" algn="l" defTabSz="457200" rtl="0" eaLnBrk="1" latinLnBrk="0" hangingPunct="1">
+              <a:defRPr sz="1800" kern="1200">
+                <a:solidFill>
+                  <a:schemeClr val="lt1"/>
+                </a:solidFill>
+                <a:latin typeface="+mn-lt"/>
+                <a:ea typeface="+mn-ea"/>
+                <a:cs typeface="+mn-cs"/>
+              </a:defRPr>
+            </a:lvl3pPr>
+            <a:lvl4pPr marL="1371600" algn="l" defTabSz="457200" rtl="0" eaLnBrk="1" latinLnBrk="0" hangingPunct="1">
+              <a:defRPr sz="1800" kern="1200">
+                <a:solidFill>
+                  <a:schemeClr val="lt1"/>
+                </a:solidFill>
+                <a:latin typeface="+mn-lt"/>
+                <a:ea typeface="+mn-ea"/>
+                <a:cs typeface="+mn-cs"/>
+              </a:defRPr>
+            </a:lvl4pPr>
+            <a:lvl5pPr marL="1828800" algn="l" defTabSz="457200" rtl="0" eaLnBrk="1" latinLnBrk="0" hangingPunct="1">
+              <a:defRPr sz="1800" kern="1200">
+                <a:solidFill>
+                  <a:schemeClr val="lt1"/>
+                </a:solidFill>
+                <a:latin typeface="+mn-lt"/>
+                <a:ea typeface="+mn-ea"/>
+                <a:cs typeface="+mn-cs"/>
+              </a:defRPr>
+            </a:lvl5pPr>
+            <a:lvl6pPr marL="2286000" algn="l" defTabSz="457200" rtl="0" eaLnBrk="1" latinLnBrk="0" hangingPunct="1">
+              <a:defRPr sz="1800" kern="1200">
+                <a:solidFill>
+                  <a:schemeClr val="lt1"/>
+                </a:solidFill>
+                <a:latin typeface="+mn-lt"/>
+                <a:ea typeface="+mn-ea"/>
+                <a:cs typeface="+mn-cs"/>
+              </a:defRPr>
+            </a:lvl6pPr>
+            <a:lvl7pPr marL="2743200" algn="l" defTabSz="457200" rtl="0" eaLnBrk="1" latinLnBrk="0" hangingPunct="1">
+              <a:defRPr sz="1800" kern="1200">
+                <a:solidFill>
+                  <a:schemeClr val="lt1"/>
+                </a:solidFill>
+                <a:latin typeface="+mn-lt"/>
+                <a:ea typeface="+mn-ea"/>
+                <a:cs typeface="+mn-cs"/>
+              </a:defRPr>
+            </a:lvl7pPr>
+            <a:lvl8pPr marL="3200400" algn="l" defTabSz="457200" rtl="0" eaLnBrk="1" latinLnBrk="0" hangingPunct="1">
+              <a:defRPr sz="1800" kern="1200">
+                <a:solidFill>
+                  <a:schemeClr val="lt1"/>
+                </a:solidFill>
+                <a:latin typeface="+mn-lt"/>
+                <a:ea typeface="+mn-ea"/>
+                <a:cs typeface="+mn-cs"/>
+              </a:defRPr>
+            </a:lvl8pPr>
+            <a:lvl9pPr marL="3657600" algn="l" defTabSz="457200" rtl="0" eaLnBrk="1" latinLnBrk="0" hangingPunct="1">
+              <a:defRPr sz="1800" kern="1200">
+                <a:solidFill>
+                  <a:schemeClr val="lt1"/>
+                </a:solidFill>
+                <a:latin typeface="+mn-lt"/>
+                <a:ea typeface="+mn-ea"/>
+                <a:cs typeface="+mn-cs"/>
+              </a:defRPr>
+            </a:lvl9pPr>
+          </a:lstStyle>
+          <a:p>
+            <a:pPr algn="ctr"/>
+            <a:endParaRPr lang="en-US" sz="1600" dirty="0">
+              <a:latin typeface="Arial" panose="020B0604020202020204" pitchFamily="34" charset="0"/>
+              <a:cs typeface="Arial" panose="020B0604020202020204" pitchFamily="34" charset="0"/>
+            </a:endParaRPr>
+          </a:p>
+        </p:txBody>
+      </p:sp>
+      <p:pic>
+        <p:nvPicPr>
+          <p:cNvPr id="20" name="Graphic 19" descr="Group of men with solid fill">
+            <a:extLst>
+              <a:ext uri="{FF2B5EF4-FFF2-40B4-BE49-F238E27FC236}">
+                <a16:creationId xmlns:a16="http://schemas.microsoft.com/office/drawing/2014/main" id="{63E7276F-F01B-934A-CFDD-FB6D5F2EC7FE}"/>
+              </a:ext>
+            </a:extLst>
+          </p:cNvPr>
+          <p:cNvPicPr>
+            <a:picLocks noChangeAspect="1"/>
+          </p:cNvPicPr>
+          <p:nvPr/>
+        </p:nvPicPr>
+        <p:blipFill>
+          <a:blip r:embed="rId2">
+            <a:extLst>
+              <a:ext uri="{96DAC541-7B7A-43D3-8B79-37D633B846F1}">
+                <asvg:svgBlip xmlns:asvg="http://schemas.microsoft.com/office/drawing/2016/SVG/main" r:embed="rId3"/>
+              </a:ext>
+            </a:extLst>
+          </a:blip>
+          <a:stretch>
+            <a:fillRect/>
+          </a:stretch>
+        </p:blipFill>
+        <p:spPr>
+          <a:xfrm>
+            <a:off x="8011386" y="5507421"/>
+            <a:ext cx="914400" cy="914400"/>
+          </a:xfrm>
+          <a:prstGeom prst="rect">
+            <a:avLst/>
+          </a:prstGeom>
+        </p:spPr>
+      </p:pic>
+      <p:sp>
+        <p:nvSpPr>
+          <p:cNvPr id="21" name="TextBox 20">
+            <a:extLst>
+              <a:ext uri="{FF2B5EF4-FFF2-40B4-BE49-F238E27FC236}">
+                <a16:creationId xmlns:a16="http://schemas.microsoft.com/office/drawing/2014/main" id="{E4E7989C-1CF6-28FB-4967-C8FA080C3C9D}"/>
+              </a:ext>
+            </a:extLst>
+          </p:cNvPr>
+          <p:cNvSpPr txBox="1"/>
+          <p:nvPr/>
+        </p:nvSpPr>
+        <p:spPr>
+          <a:xfrm>
+            <a:off x="8950554" y="3556449"/>
+            <a:ext cx="1336694" cy="338553"/>
+          </a:xfrm>
+          <a:prstGeom prst="rect">
+            <a:avLst/>
+          </a:prstGeom>
+          <a:noFill/>
+        </p:spPr>
+        <p:txBody>
+          <a:bodyPr wrap="square" rtlCol="0">
+            <a:spAutoFit/>
+          </a:bodyPr>
+          <a:lstStyle>
+            <a:defPPr>
+              <a:defRPr lang="en-US"/>
+            </a:defPPr>
+            <a:lvl1pPr marL="0" algn="l" defTabSz="457200" rtl="0" eaLnBrk="1" latinLnBrk="0" hangingPunct="1">
+              <a:defRPr sz="1800" kern="1200">
+                <a:solidFill>
+                  <a:schemeClr val="tx1"/>
+                </a:solidFill>
+                <a:latin typeface="+mn-lt"/>
+                <a:ea typeface="+mn-ea"/>
+                <a:cs typeface="+mn-cs"/>
+              </a:defRPr>
+            </a:lvl1pPr>
+            <a:lvl2pPr marL="457200" algn="l" defTabSz="457200" rtl="0" eaLnBrk="1" latinLnBrk="0" hangingPunct="1">
+              <a:defRPr sz="1800" kern="1200">
+                <a:solidFill>
+                  <a:schemeClr val="tx1"/>
+                </a:solidFill>
+                <a:latin typeface="+mn-lt"/>
+                <a:ea typeface="+mn-ea"/>
+                <a:cs typeface="+mn-cs"/>
+              </a:defRPr>
+            </a:lvl2pPr>
+            <a:lvl3pPr marL="914400" algn="l" defTabSz="457200" rtl="0" eaLnBrk="1" latinLnBrk="0" hangingPunct="1">
+              <a:defRPr sz="1800" kern="1200">
+                <a:solidFill>
+                  <a:schemeClr val="tx1"/>
+                </a:solidFill>
+                <a:latin typeface="+mn-lt"/>
+                <a:ea typeface="+mn-ea"/>
+                <a:cs typeface="+mn-cs"/>
+              </a:defRPr>
+            </a:lvl3pPr>
+            <a:lvl4pPr marL="1371600" algn="l" defTabSz="457200" rtl="0" eaLnBrk="1" latinLnBrk="0" hangingPunct="1">
+              <a:defRPr sz="1800" kern="1200">
+                <a:solidFill>
+                  <a:schemeClr val="tx1"/>
+                </a:solidFill>
+                <a:latin typeface="+mn-lt"/>
+                <a:ea typeface="+mn-ea"/>
+                <a:cs typeface="+mn-cs"/>
+              </a:defRPr>
+            </a:lvl4pPr>
+            <a:lvl5pPr marL="1828800" algn="l" defTabSz="457200" rtl="0" eaLnBrk="1" latinLnBrk="0" hangingPunct="1">
+              <a:defRPr sz="1800" kern="1200">
+                <a:solidFill>
+                  <a:schemeClr val="tx1"/>
+                </a:solidFill>
+                <a:latin typeface="+mn-lt"/>
+                <a:ea typeface="+mn-ea"/>
+                <a:cs typeface="+mn-cs"/>
+              </a:defRPr>
+            </a:lvl5pPr>
+            <a:lvl6pPr marL="2286000" algn="l" defTabSz="457200" rtl="0" eaLnBrk="1" latinLnBrk="0" hangingPunct="1">
+              <a:defRPr sz="1800" kern="1200">
+                <a:solidFill>
+                  <a:schemeClr val="tx1"/>
+                </a:solidFill>
+                <a:latin typeface="+mn-lt"/>
+                <a:ea typeface="+mn-ea"/>
+                <a:cs typeface="+mn-cs"/>
+              </a:defRPr>
+            </a:lvl6pPr>
+            <a:lvl7pPr marL="2743200" algn="l" defTabSz="457200" rtl="0" eaLnBrk="1" latinLnBrk="0" hangingPunct="1">
+              <a:defRPr sz="1800" kern="1200">
+                <a:solidFill>
+                  <a:schemeClr val="tx1"/>
+                </a:solidFill>
+                <a:latin typeface="+mn-lt"/>
+                <a:ea typeface="+mn-ea"/>
+                <a:cs typeface="+mn-cs"/>
+              </a:defRPr>
+            </a:lvl7pPr>
+            <a:lvl8pPr marL="3200400" algn="l" defTabSz="457200" rtl="0" eaLnBrk="1" latinLnBrk="0" hangingPunct="1">
+              <a:defRPr sz="1800" kern="1200">
+                <a:solidFill>
+                  <a:schemeClr val="tx1"/>
+                </a:solidFill>
+                <a:latin typeface="+mn-lt"/>
+                <a:ea typeface="+mn-ea"/>
+                <a:cs typeface="+mn-cs"/>
+              </a:defRPr>
+            </a:lvl8pPr>
+            <a:lvl9pPr marL="3657600" algn="l" defTabSz="457200" rtl="0" eaLnBrk="1" latinLnBrk="0" hangingPunct="1">
+              <a:defRPr sz="1800" kern="1200">
+                <a:solidFill>
+                  <a:schemeClr val="tx1"/>
+                </a:solidFill>
+                <a:latin typeface="+mn-lt"/>
+                <a:ea typeface="+mn-ea"/>
+                <a:cs typeface="+mn-cs"/>
+              </a:defRPr>
+            </a:lvl9pPr>
+          </a:lstStyle>
+          <a:p>
+            <a:r>
+              <a:rPr lang="en-US" sz="1600" b="1" dirty="0">
+                <a:latin typeface="Arial" panose="020B0604020202020204" pitchFamily="34" charset="0"/>
+                <a:ea typeface="Yu Gothic" panose="020B0400000000000000" pitchFamily="34" charset="-128"/>
+                <a:cs typeface="Arial" panose="020B0604020202020204" pitchFamily="34" charset="0"/>
+              </a:rPr>
+              <a:t>10 Diploids</a:t>
+            </a:r>
+          </a:p>
+        </p:txBody>
+      </p:sp>
+      <p:sp>
+        <p:nvSpPr>
+          <p:cNvPr id="24" name="TextBox 23">
+            <a:extLst>
+              <a:ext uri="{FF2B5EF4-FFF2-40B4-BE49-F238E27FC236}">
+                <a16:creationId xmlns:a16="http://schemas.microsoft.com/office/drawing/2014/main" id="{ACB078C8-4156-AC31-CFB4-4A88C1B62115}"/>
+              </a:ext>
+            </a:extLst>
+          </p:cNvPr>
+          <p:cNvSpPr txBox="1"/>
+          <p:nvPr/>
+        </p:nvSpPr>
+        <p:spPr>
+          <a:xfrm>
+            <a:off x="8925786" y="4247190"/>
+            <a:ext cx="1474307" cy="338554"/>
+          </a:xfrm>
+          <a:prstGeom prst="rect">
+            <a:avLst/>
+          </a:prstGeom>
+          <a:noFill/>
+        </p:spPr>
+        <p:txBody>
+          <a:bodyPr wrap="square" rtlCol="0">
+            <a:spAutoFit/>
+          </a:bodyPr>
+          <a:lstStyle>
+            <a:defPPr>
+              <a:defRPr lang="en-US"/>
+            </a:defPPr>
+            <a:lvl1pPr marL="0" algn="l" defTabSz="457200" rtl="0" eaLnBrk="1" latinLnBrk="0" hangingPunct="1">
+              <a:defRPr sz="1800" kern="1200">
+                <a:solidFill>
+                  <a:schemeClr val="tx1"/>
+                </a:solidFill>
+                <a:latin typeface="+mn-lt"/>
+                <a:ea typeface="+mn-ea"/>
+                <a:cs typeface="+mn-cs"/>
+              </a:defRPr>
+            </a:lvl1pPr>
+            <a:lvl2pPr marL="457200" algn="l" defTabSz="457200" rtl="0" eaLnBrk="1" latinLnBrk="0" hangingPunct="1">
+              <a:defRPr sz="1800" kern="1200">
+                <a:solidFill>
+                  <a:schemeClr val="tx1"/>
+                </a:solidFill>
+                <a:latin typeface="+mn-lt"/>
+                <a:ea typeface="+mn-ea"/>
+                <a:cs typeface="+mn-cs"/>
+              </a:defRPr>
+            </a:lvl2pPr>
+            <a:lvl3pPr marL="914400" algn="l" defTabSz="457200" rtl="0" eaLnBrk="1" latinLnBrk="0" hangingPunct="1">
+              <a:defRPr sz="1800" kern="1200">
+                <a:solidFill>
+                  <a:schemeClr val="tx1"/>
+                </a:solidFill>
+                <a:latin typeface="+mn-lt"/>
+                <a:ea typeface="+mn-ea"/>
+                <a:cs typeface="+mn-cs"/>
+              </a:defRPr>
+            </a:lvl3pPr>
+            <a:lvl4pPr marL="1371600" algn="l" defTabSz="457200" rtl="0" eaLnBrk="1" latinLnBrk="0" hangingPunct="1">
+              <a:defRPr sz="1800" kern="1200">
+                <a:solidFill>
+                  <a:schemeClr val="tx1"/>
+                </a:solidFill>
+                <a:latin typeface="+mn-lt"/>
+                <a:ea typeface="+mn-ea"/>
+                <a:cs typeface="+mn-cs"/>
+              </a:defRPr>
+            </a:lvl4pPr>
+            <a:lvl5pPr marL="1828800" algn="l" defTabSz="457200" rtl="0" eaLnBrk="1" latinLnBrk="0" hangingPunct="1">
+              <a:defRPr sz="1800" kern="1200">
+                <a:solidFill>
+                  <a:schemeClr val="tx1"/>
+                </a:solidFill>
+                <a:latin typeface="+mn-lt"/>
+                <a:ea typeface="+mn-ea"/>
+                <a:cs typeface="+mn-cs"/>
+              </a:defRPr>
+            </a:lvl5pPr>
+            <a:lvl6pPr marL="2286000" algn="l" defTabSz="457200" rtl="0" eaLnBrk="1" latinLnBrk="0" hangingPunct="1">
+              <a:defRPr sz="1800" kern="1200">
+                <a:solidFill>
+                  <a:schemeClr val="tx1"/>
+                </a:solidFill>
+                <a:latin typeface="+mn-lt"/>
+                <a:ea typeface="+mn-ea"/>
+                <a:cs typeface="+mn-cs"/>
+              </a:defRPr>
+            </a:lvl6pPr>
+            <a:lvl7pPr marL="2743200" algn="l" defTabSz="457200" rtl="0" eaLnBrk="1" latinLnBrk="0" hangingPunct="1">
+              <a:defRPr sz="1800" kern="1200">
+                <a:solidFill>
+                  <a:schemeClr val="tx1"/>
+                </a:solidFill>
+                <a:latin typeface="+mn-lt"/>
+                <a:ea typeface="+mn-ea"/>
+                <a:cs typeface="+mn-cs"/>
+              </a:defRPr>
+            </a:lvl7pPr>
+            <a:lvl8pPr marL="3200400" algn="l" defTabSz="457200" rtl="0" eaLnBrk="1" latinLnBrk="0" hangingPunct="1">
+              <a:defRPr sz="1800" kern="1200">
+                <a:solidFill>
+                  <a:schemeClr val="tx1"/>
+                </a:solidFill>
+                <a:latin typeface="+mn-lt"/>
+                <a:ea typeface="+mn-ea"/>
+                <a:cs typeface="+mn-cs"/>
+              </a:defRPr>
+            </a:lvl8pPr>
+            <a:lvl9pPr marL="3657600" algn="l" defTabSz="457200" rtl="0" eaLnBrk="1" latinLnBrk="0" hangingPunct="1">
+              <a:defRPr sz="1800" kern="1200">
+                <a:solidFill>
+                  <a:schemeClr val="tx1"/>
+                </a:solidFill>
+                <a:latin typeface="+mn-lt"/>
+                <a:ea typeface="+mn-ea"/>
+                <a:cs typeface="+mn-cs"/>
+              </a:defRPr>
+            </a:lvl9pPr>
+          </a:lstStyle>
+          <a:p>
+            <a:r>
+              <a:rPr lang="en-US" sz="1600" b="1" dirty="0">
+                <a:latin typeface="Arial" panose="020B0604020202020204" pitchFamily="34" charset="0"/>
+                <a:ea typeface="Yu Gothic" panose="020B0400000000000000" pitchFamily="34" charset="-128"/>
+                <a:cs typeface="Arial" panose="020B0604020202020204" pitchFamily="34" charset="0"/>
+              </a:rPr>
+              <a:t>20 Diploids</a:t>
+            </a:r>
+          </a:p>
+        </p:txBody>
+      </p:sp>
+      <p:sp>
+        <p:nvSpPr>
+          <p:cNvPr id="25" name="TextBox 24">
+            <a:extLst>
+              <a:ext uri="{FF2B5EF4-FFF2-40B4-BE49-F238E27FC236}">
+                <a16:creationId xmlns:a16="http://schemas.microsoft.com/office/drawing/2014/main" id="{66BF2C94-935F-34B9-0B52-AD79BA960CCB}"/>
+              </a:ext>
+            </a:extLst>
+          </p:cNvPr>
+          <p:cNvSpPr txBox="1"/>
+          <p:nvPr/>
+        </p:nvSpPr>
+        <p:spPr>
+          <a:xfrm>
+            <a:off x="8950554" y="5813340"/>
+            <a:ext cx="1658141" cy="338554"/>
+          </a:xfrm>
+          <a:prstGeom prst="rect">
+            <a:avLst/>
+          </a:prstGeom>
+          <a:noFill/>
+        </p:spPr>
+        <p:txBody>
+          <a:bodyPr wrap="square" rtlCol="0">
+            <a:spAutoFit/>
+          </a:bodyPr>
+          <a:lstStyle>
+            <a:defPPr>
+              <a:defRPr lang="en-US"/>
+            </a:defPPr>
+            <a:lvl1pPr marL="0" algn="l" defTabSz="457200" rtl="0" eaLnBrk="1" latinLnBrk="0" hangingPunct="1">
+              <a:defRPr sz="1800" kern="1200">
+                <a:solidFill>
+                  <a:schemeClr val="tx1"/>
+                </a:solidFill>
+                <a:latin typeface="+mn-lt"/>
+                <a:ea typeface="+mn-ea"/>
+                <a:cs typeface="+mn-cs"/>
+              </a:defRPr>
+            </a:lvl1pPr>
+            <a:lvl2pPr marL="457200" algn="l" defTabSz="457200" rtl="0" eaLnBrk="1" latinLnBrk="0" hangingPunct="1">
+              <a:defRPr sz="1800" kern="1200">
+                <a:solidFill>
+                  <a:schemeClr val="tx1"/>
+                </a:solidFill>
+                <a:latin typeface="+mn-lt"/>
+                <a:ea typeface="+mn-ea"/>
+                <a:cs typeface="+mn-cs"/>
+              </a:defRPr>
+            </a:lvl2pPr>
+            <a:lvl3pPr marL="914400" algn="l" defTabSz="457200" rtl="0" eaLnBrk="1" latinLnBrk="0" hangingPunct="1">
+              <a:defRPr sz="1800" kern="1200">
+                <a:solidFill>
+                  <a:schemeClr val="tx1"/>
+                </a:solidFill>
+                <a:latin typeface="+mn-lt"/>
+                <a:ea typeface="+mn-ea"/>
+                <a:cs typeface="+mn-cs"/>
+              </a:defRPr>
+            </a:lvl3pPr>
+            <a:lvl4pPr marL="1371600" algn="l" defTabSz="457200" rtl="0" eaLnBrk="1" latinLnBrk="0" hangingPunct="1">
+              <a:defRPr sz="1800" kern="1200">
+                <a:solidFill>
+                  <a:schemeClr val="tx1"/>
+                </a:solidFill>
+                <a:latin typeface="+mn-lt"/>
+                <a:ea typeface="+mn-ea"/>
+                <a:cs typeface="+mn-cs"/>
+              </a:defRPr>
+            </a:lvl4pPr>
+            <a:lvl5pPr marL="1828800" algn="l" defTabSz="457200" rtl="0" eaLnBrk="1" latinLnBrk="0" hangingPunct="1">
+              <a:defRPr sz="1800" kern="1200">
+                <a:solidFill>
+                  <a:schemeClr val="tx1"/>
+                </a:solidFill>
+                <a:latin typeface="+mn-lt"/>
+                <a:ea typeface="+mn-ea"/>
+                <a:cs typeface="+mn-cs"/>
+              </a:defRPr>
+            </a:lvl5pPr>
+            <a:lvl6pPr marL="2286000" algn="l" defTabSz="457200" rtl="0" eaLnBrk="1" latinLnBrk="0" hangingPunct="1">
+              <a:defRPr sz="1800" kern="1200">
+                <a:solidFill>
+                  <a:schemeClr val="tx1"/>
+                </a:solidFill>
+                <a:latin typeface="+mn-lt"/>
+                <a:ea typeface="+mn-ea"/>
+                <a:cs typeface="+mn-cs"/>
+              </a:defRPr>
+            </a:lvl6pPr>
+            <a:lvl7pPr marL="2743200" algn="l" defTabSz="457200" rtl="0" eaLnBrk="1" latinLnBrk="0" hangingPunct="1">
+              <a:defRPr sz="1800" kern="1200">
+                <a:solidFill>
+                  <a:schemeClr val="tx1"/>
+                </a:solidFill>
+                <a:latin typeface="+mn-lt"/>
+                <a:ea typeface="+mn-ea"/>
+                <a:cs typeface="+mn-cs"/>
+              </a:defRPr>
+            </a:lvl7pPr>
+            <a:lvl8pPr marL="3200400" algn="l" defTabSz="457200" rtl="0" eaLnBrk="1" latinLnBrk="0" hangingPunct="1">
+              <a:defRPr sz="1800" kern="1200">
+                <a:solidFill>
+                  <a:schemeClr val="tx1"/>
+                </a:solidFill>
+                <a:latin typeface="+mn-lt"/>
+                <a:ea typeface="+mn-ea"/>
+                <a:cs typeface="+mn-cs"/>
+              </a:defRPr>
+            </a:lvl8pPr>
+            <a:lvl9pPr marL="3657600" algn="l" defTabSz="457200" rtl="0" eaLnBrk="1" latinLnBrk="0" hangingPunct="1">
+              <a:defRPr sz="1800" kern="1200">
+                <a:solidFill>
+                  <a:schemeClr val="tx1"/>
+                </a:solidFill>
+                <a:latin typeface="+mn-lt"/>
+                <a:ea typeface="+mn-ea"/>
+                <a:cs typeface="+mn-cs"/>
+              </a:defRPr>
+            </a:lvl9pPr>
+          </a:lstStyle>
+          <a:p>
+            <a:r>
+              <a:rPr lang="en-US" sz="1600" b="1" dirty="0">
+                <a:latin typeface="Arial" panose="020B0604020202020204" pitchFamily="34" charset="0"/>
+                <a:ea typeface="Yu Gothic" panose="020B0400000000000000" pitchFamily="34" charset="-128"/>
+                <a:cs typeface="Arial" panose="020B0604020202020204" pitchFamily="34" charset="0"/>
+              </a:rPr>
+              <a:t>800 Diploids</a:t>
+            </a:r>
+          </a:p>
+        </p:txBody>
+      </p:sp>
+      <p:sp>
+        <p:nvSpPr>
+          <p:cNvPr id="26" name="TextBox 25">
+            <a:extLst>
+              <a:ext uri="{FF2B5EF4-FFF2-40B4-BE49-F238E27FC236}">
+                <a16:creationId xmlns:a16="http://schemas.microsoft.com/office/drawing/2014/main" id="{9DD70F72-77C1-8EA5-551A-235221EC6AD1}"/>
+              </a:ext>
+            </a:extLst>
+          </p:cNvPr>
+          <p:cNvSpPr txBox="1"/>
+          <p:nvPr/>
+        </p:nvSpPr>
+        <p:spPr>
+          <a:xfrm>
+            <a:off x="8748920" y="4937932"/>
+            <a:ext cx="1141683" cy="523220"/>
+          </a:xfrm>
+          <a:prstGeom prst="rect">
+            <a:avLst/>
+          </a:prstGeom>
+          <a:noFill/>
+        </p:spPr>
+        <p:txBody>
+          <a:bodyPr wrap="square" rtlCol="0">
+            <a:spAutoFit/>
+          </a:bodyPr>
+          <a:lstStyle>
+            <a:defPPr>
+              <a:defRPr lang="en-US"/>
+            </a:defPPr>
+            <a:lvl1pPr marL="0" algn="l" defTabSz="457200" rtl="0" eaLnBrk="1" latinLnBrk="0" hangingPunct="1">
+              <a:defRPr sz="1800" kern="1200">
+                <a:solidFill>
+                  <a:schemeClr val="tx1"/>
+                </a:solidFill>
+                <a:latin typeface="+mn-lt"/>
+                <a:ea typeface="+mn-ea"/>
+                <a:cs typeface="+mn-cs"/>
+              </a:defRPr>
+            </a:lvl1pPr>
+            <a:lvl2pPr marL="457200" algn="l" defTabSz="457200" rtl="0" eaLnBrk="1" latinLnBrk="0" hangingPunct="1">
+              <a:defRPr sz="1800" kern="1200">
+                <a:solidFill>
+                  <a:schemeClr val="tx1"/>
+                </a:solidFill>
+                <a:latin typeface="+mn-lt"/>
+                <a:ea typeface="+mn-ea"/>
+                <a:cs typeface="+mn-cs"/>
+              </a:defRPr>
+            </a:lvl2pPr>
+            <a:lvl3pPr marL="914400" algn="l" defTabSz="457200" rtl="0" eaLnBrk="1" latinLnBrk="0" hangingPunct="1">
+              <a:defRPr sz="1800" kern="1200">
+                <a:solidFill>
+                  <a:schemeClr val="tx1"/>
+                </a:solidFill>
+                <a:latin typeface="+mn-lt"/>
+                <a:ea typeface="+mn-ea"/>
+                <a:cs typeface="+mn-cs"/>
+              </a:defRPr>
+            </a:lvl3pPr>
+            <a:lvl4pPr marL="1371600" algn="l" defTabSz="457200" rtl="0" eaLnBrk="1" latinLnBrk="0" hangingPunct="1">
+              <a:defRPr sz="1800" kern="1200">
+                <a:solidFill>
+                  <a:schemeClr val="tx1"/>
+                </a:solidFill>
+                <a:latin typeface="+mn-lt"/>
+                <a:ea typeface="+mn-ea"/>
+                <a:cs typeface="+mn-cs"/>
+              </a:defRPr>
+            </a:lvl4pPr>
+            <a:lvl5pPr marL="1828800" algn="l" defTabSz="457200" rtl="0" eaLnBrk="1" latinLnBrk="0" hangingPunct="1">
+              <a:defRPr sz="1800" kern="1200">
+                <a:solidFill>
+                  <a:schemeClr val="tx1"/>
+                </a:solidFill>
+                <a:latin typeface="+mn-lt"/>
+                <a:ea typeface="+mn-ea"/>
+                <a:cs typeface="+mn-cs"/>
+              </a:defRPr>
+            </a:lvl5pPr>
+            <a:lvl6pPr marL="2286000" algn="l" defTabSz="457200" rtl="0" eaLnBrk="1" latinLnBrk="0" hangingPunct="1">
+              <a:defRPr sz="1800" kern="1200">
+                <a:solidFill>
+                  <a:schemeClr val="tx1"/>
+                </a:solidFill>
+                <a:latin typeface="+mn-lt"/>
+                <a:ea typeface="+mn-ea"/>
+                <a:cs typeface="+mn-cs"/>
+              </a:defRPr>
+            </a:lvl6pPr>
+            <a:lvl7pPr marL="2743200" algn="l" defTabSz="457200" rtl="0" eaLnBrk="1" latinLnBrk="0" hangingPunct="1">
+              <a:defRPr sz="1800" kern="1200">
+                <a:solidFill>
+                  <a:schemeClr val="tx1"/>
+                </a:solidFill>
+                <a:latin typeface="+mn-lt"/>
+                <a:ea typeface="+mn-ea"/>
+                <a:cs typeface="+mn-cs"/>
+              </a:defRPr>
+            </a:lvl7pPr>
+            <a:lvl8pPr marL="3200400" algn="l" defTabSz="457200" rtl="0" eaLnBrk="1" latinLnBrk="0" hangingPunct="1">
+              <a:defRPr sz="1800" kern="1200">
+                <a:solidFill>
+                  <a:schemeClr val="tx1"/>
+                </a:solidFill>
+                <a:latin typeface="+mn-lt"/>
+                <a:ea typeface="+mn-ea"/>
+                <a:cs typeface="+mn-cs"/>
+              </a:defRPr>
+            </a:lvl8pPr>
+            <a:lvl9pPr marL="3657600" algn="l" defTabSz="457200" rtl="0" eaLnBrk="1" latinLnBrk="0" hangingPunct="1">
+              <a:defRPr sz="1800" kern="1200">
+                <a:solidFill>
+                  <a:schemeClr val="tx1"/>
+                </a:solidFill>
+                <a:latin typeface="+mn-lt"/>
+                <a:ea typeface="+mn-ea"/>
+                <a:cs typeface="+mn-cs"/>
+              </a:defRPr>
+            </a:lvl9pPr>
+          </a:lstStyle>
+          <a:p>
+            <a:r>
+              <a:rPr lang="en-US" sz="2800" b="1" dirty="0">
+                <a:latin typeface="Arial" panose="020B0604020202020204" pitchFamily="34" charset="0"/>
+                <a:ea typeface="Yu Gothic" panose="020B0400000000000000" pitchFamily="34" charset="-128"/>
+                <a:cs typeface="Arial" panose="020B0604020202020204" pitchFamily="34" charset="0"/>
+              </a:rPr>
+              <a:t>…</a:t>
+            </a:r>
+          </a:p>
+        </p:txBody>
+      </p:sp>
+      <p:pic>
+        <p:nvPicPr>
+          <p:cNvPr id="27" name="Graphic 26" descr="Group of men with solid fill">
+            <a:extLst>
+              <a:ext uri="{FF2B5EF4-FFF2-40B4-BE49-F238E27FC236}">
+                <a16:creationId xmlns:a16="http://schemas.microsoft.com/office/drawing/2014/main" id="{2D97DDCB-7229-9321-0F73-E66F51B159CC}"/>
+              </a:ext>
+            </a:extLst>
+          </p:cNvPr>
+          <p:cNvPicPr>
+            <a:picLocks noChangeAspect="1"/>
+          </p:cNvPicPr>
+          <p:nvPr/>
+        </p:nvPicPr>
+        <p:blipFill>
+          <a:blip r:embed="rId2">
+            <a:extLst>
+              <a:ext uri="{96DAC541-7B7A-43D3-8B79-37D633B846F1}">
+                <asvg:svgBlip xmlns:asvg="http://schemas.microsoft.com/office/drawing/2016/SVG/main" r:embed="rId3"/>
+              </a:ext>
+            </a:extLst>
+          </a:blip>
+          <a:stretch>
+            <a:fillRect/>
+          </a:stretch>
+        </p:blipFill>
+        <p:spPr>
+          <a:xfrm>
+            <a:off x="8011386" y="3239342"/>
+            <a:ext cx="914400" cy="914400"/>
+          </a:xfrm>
+          <a:prstGeom prst="rect">
+            <a:avLst/>
+          </a:prstGeom>
+        </p:spPr>
+      </p:pic>
+      <p:pic>
+        <p:nvPicPr>
+          <p:cNvPr id="28" name="Graphic 27" descr="Group of men with solid fill">
+            <a:extLst>
+              <a:ext uri="{FF2B5EF4-FFF2-40B4-BE49-F238E27FC236}">
+                <a16:creationId xmlns:a16="http://schemas.microsoft.com/office/drawing/2014/main" id="{D84EF3F0-23DB-F3D5-FE38-1150762ADF3E}"/>
+              </a:ext>
+            </a:extLst>
+          </p:cNvPr>
+          <p:cNvPicPr>
+            <a:picLocks noChangeAspect="1"/>
+          </p:cNvPicPr>
+          <p:nvPr/>
+        </p:nvPicPr>
+        <p:blipFill>
+          <a:blip r:embed="rId2">
+            <a:extLst>
+              <a:ext uri="{96DAC541-7B7A-43D3-8B79-37D633B846F1}">
+                <asvg:svgBlip xmlns:asvg="http://schemas.microsoft.com/office/drawing/2016/SVG/main" r:embed="rId3"/>
+              </a:ext>
+            </a:extLst>
+          </a:blip>
+          <a:stretch>
+            <a:fillRect/>
+          </a:stretch>
+        </p:blipFill>
+        <p:spPr>
+          <a:xfrm>
+            <a:off x="8011386" y="4097609"/>
+            <a:ext cx="914400" cy="914400"/>
+          </a:xfrm>
+          <a:prstGeom prst="rect">
+            <a:avLst/>
+          </a:prstGeom>
+        </p:spPr>
+      </p:pic>
+      <p:sp>
+        <p:nvSpPr>
+          <p:cNvPr id="29" name="TextBox 28">
+            <a:extLst>
+              <a:ext uri="{FF2B5EF4-FFF2-40B4-BE49-F238E27FC236}">
+                <a16:creationId xmlns:a16="http://schemas.microsoft.com/office/drawing/2014/main" id="{614BC83A-B477-6D06-899E-F7C4E8AF95F0}"/>
+              </a:ext>
+            </a:extLst>
+          </p:cNvPr>
+          <p:cNvSpPr txBox="1"/>
+          <p:nvPr/>
+        </p:nvSpPr>
+        <p:spPr>
+          <a:xfrm>
+            <a:off x="7779306" y="2645228"/>
+            <a:ext cx="2829389" cy="523220"/>
+          </a:xfrm>
+          <a:prstGeom prst="rect">
+            <a:avLst/>
+          </a:prstGeom>
+          <a:noFill/>
+        </p:spPr>
+        <p:txBody>
+          <a:bodyPr wrap="square" rtlCol="0">
+            <a:spAutoFit/>
+          </a:bodyPr>
+          <a:lstStyle>
+            <a:defPPr>
+              <a:defRPr lang="en-US"/>
+            </a:defPPr>
+            <a:lvl1pPr marL="0" algn="l" defTabSz="457200" rtl="0" eaLnBrk="1" latinLnBrk="0" hangingPunct="1">
+              <a:defRPr sz="1800" kern="1200">
+                <a:solidFill>
+                  <a:schemeClr val="tx1"/>
+                </a:solidFill>
+                <a:latin typeface="+mn-lt"/>
+                <a:ea typeface="+mn-ea"/>
+                <a:cs typeface="+mn-cs"/>
+              </a:defRPr>
+            </a:lvl1pPr>
+            <a:lvl2pPr marL="457200" algn="l" defTabSz="457200" rtl="0" eaLnBrk="1" latinLnBrk="0" hangingPunct="1">
+              <a:defRPr sz="1800" kern="1200">
+                <a:solidFill>
+                  <a:schemeClr val="tx1"/>
+                </a:solidFill>
+                <a:latin typeface="+mn-lt"/>
+                <a:ea typeface="+mn-ea"/>
+                <a:cs typeface="+mn-cs"/>
+              </a:defRPr>
+            </a:lvl2pPr>
+            <a:lvl3pPr marL="914400" algn="l" defTabSz="457200" rtl="0" eaLnBrk="1" latinLnBrk="0" hangingPunct="1">
+              <a:defRPr sz="1800" kern="1200">
+                <a:solidFill>
+                  <a:schemeClr val="tx1"/>
+                </a:solidFill>
+                <a:latin typeface="+mn-lt"/>
+                <a:ea typeface="+mn-ea"/>
+                <a:cs typeface="+mn-cs"/>
+              </a:defRPr>
+            </a:lvl3pPr>
+            <a:lvl4pPr marL="1371600" algn="l" defTabSz="457200" rtl="0" eaLnBrk="1" latinLnBrk="0" hangingPunct="1">
+              <a:defRPr sz="1800" kern="1200">
+                <a:solidFill>
+                  <a:schemeClr val="tx1"/>
+                </a:solidFill>
+                <a:latin typeface="+mn-lt"/>
+                <a:ea typeface="+mn-ea"/>
+                <a:cs typeface="+mn-cs"/>
+              </a:defRPr>
+            </a:lvl4pPr>
+            <a:lvl5pPr marL="1828800" algn="l" defTabSz="457200" rtl="0" eaLnBrk="1" latinLnBrk="0" hangingPunct="1">
+              <a:defRPr sz="1800" kern="1200">
+                <a:solidFill>
+                  <a:schemeClr val="tx1"/>
+                </a:solidFill>
+                <a:latin typeface="+mn-lt"/>
+                <a:ea typeface="+mn-ea"/>
+                <a:cs typeface="+mn-cs"/>
+              </a:defRPr>
+            </a:lvl5pPr>
+            <a:lvl6pPr marL="2286000" algn="l" defTabSz="457200" rtl="0" eaLnBrk="1" latinLnBrk="0" hangingPunct="1">
+              <a:defRPr sz="1800" kern="1200">
+                <a:solidFill>
+                  <a:schemeClr val="tx1"/>
+                </a:solidFill>
+                <a:latin typeface="+mn-lt"/>
+                <a:ea typeface="+mn-ea"/>
+                <a:cs typeface="+mn-cs"/>
+              </a:defRPr>
+            </a:lvl6pPr>
+            <a:lvl7pPr marL="2743200" algn="l" defTabSz="457200" rtl="0" eaLnBrk="1" latinLnBrk="0" hangingPunct="1">
+              <a:defRPr sz="1800" kern="1200">
+                <a:solidFill>
+                  <a:schemeClr val="tx1"/>
+                </a:solidFill>
+                <a:latin typeface="+mn-lt"/>
+                <a:ea typeface="+mn-ea"/>
+                <a:cs typeface="+mn-cs"/>
+              </a:defRPr>
+            </a:lvl7pPr>
+            <a:lvl8pPr marL="3200400" algn="l" defTabSz="457200" rtl="0" eaLnBrk="1" latinLnBrk="0" hangingPunct="1">
+              <a:defRPr sz="1800" kern="1200">
+                <a:solidFill>
+                  <a:schemeClr val="tx1"/>
+                </a:solidFill>
+                <a:latin typeface="+mn-lt"/>
+                <a:ea typeface="+mn-ea"/>
+                <a:cs typeface="+mn-cs"/>
+              </a:defRPr>
+            </a:lvl8pPr>
+            <a:lvl9pPr marL="3657600" algn="l" defTabSz="457200" rtl="0" eaLnBrk="1" latinLnBrk="0" hangingPunct="1">
+              <a:defRPr sz="1800" kern="1200">
+                <a:solidFill>
+                  <a:schemeClr val="tx1"/>
+                </a:solidFill>
+                <a:latin typeface="+mn-lt"/>
+                <a:ea typeface="+mn-ea"/>
+                <a:cs typeface="+mn-cs"/>
+              </a:defRPr>
+            </a:lvl9pPr>
+          </a:lstStyle>
+          <a:p>
+            <a:r>
+              <a:rPr lang="en-US" sz="2800" b="1" dirty="0">
+                <a:latin typeface="Arial" panose="020B0604020202020204" pitchFamily="34" charset="0"/>
+                <a:ea typeface="Yu Gothic" panose="020B0400000000000000" pitchFamily="34" charset="-128"/>
+                <a:cs typeface="Arial" panose="020B0604020202020204" pitchFamily="34" charset="0"/>
+              </a:rPr>
+              <a:t>Computed SFS</a:t>
+            </a:r>
+          </a:p>
+        </p:txBody>
+      </p:sp>
+      <p:sp>
+        <p:nvSpPr>
+          <p:cNvPr id="30" name="Left Brace 29">
+            <a:extLst>
+              <a:ext uri="{FF2B5EF4-FFF2-40B4-BE49-F238E27FC236}">
+                <a16:creationId xmlns:a16="http://schemas.microsoft.com/office/drawing/2014/main" id="{FC1A50AB-9A7A-68FF-2DA1-3CC4AC4B2C10}"/>
+              </a:ext>
+            </a:extLst>
+          </p:cNvPr>
+          <p:cNvSpPr/>
+          <p:nvPr/>
+        </p:nvSpPr>
+        <p:spPr>
+          <a:xfrm>
+            <a:off x="10519607" y="3155342"/>
+            <a:ext cx="223846" cy="3141716"/>
+          </a:xfrm>
+          <a:prstGeom prst="leftBrace">
+            <a:avLst/>
+          </a:prstGeom>
+          <a:ln w="28575"/>
+        </p:spPr>
+        <p:style>
+          <a:lnRef idx="1">
+            <a:schemeClr val="dk1"/>
+          </a:lnRef>
+          <a:fillRef idx="0">
+            <a:schemeClr val="dk1"/>
+          </a:fillRef>
+          <a:effectRef idx="0">
+            <a:schemeClr val="dk1"/>
+          </a:effectRef>
+          <a:fontRef idx="minor">
+            <a:schemeClr val="tx1"/>
+          </a:fontRef>
+        </p:style>
+        <p:txBody>
+          <a:bodyPr rtlCol="0" anchor="ctr"/>
+          <a:lstStyle/>
+          <a:p>
+            <a:pPr algn="ctr"/>
+            <a:endParaRPr lang="en-US"/>
+          </a:p>
+        </p:txBody>
+      </p:sp>
+      <p:cxnSp>
+        <p:nvCxnSpPr>
+          <p:cNvPr id="31" name="Straight Arrow Connector 30">
+            <a:extLst>
+              <a:ext uri="{FF2B5EF4-FFF2-40B4-BE49-F238E27FC236}">
+                <a16:creationId xmlns:a16="http://schemas.microsoft.com/office/drawing/2014/main" id="{336F0EB5-4905-BF09-F000-B0455A2F984C}"/>
+              </a:ext>
+            </a:extLst>
+          </p:cNvPr>
+          <p:cNvCxnSpPr>
+            <a:cxnSpLocks/>
+          </p:cNvCxnSpPr>
+          <p:nvPr/>
+        </p:nvCxnSpPr>
+        <p:spPr>
+          <a:xfrm>
+            <a:off x="12128672" y="3641376"/>
+            <a:ext cx="0" cy="2011680"/>
+          </a:xfrm>
+          <a:prstGeom prst="straightConnector1">
+            <a:avLst/>
+          </a:prstGeom>
+          <a:ln w="76200">
+            <a:tailEnd type="triangle"/>
+          </a:ln>
+        </p:spPr>
+        <p:style>
+          <a:lnRef idx="1">
+            <a:schemeClr val="dk1"/>
+          </a:lnRef>
+          <a:fillRef idx="0">
+            <a:schemeClr val="dk1"/>
+          </a:fillRef>
+          <a:effectRef idx="0">
+            <a:schemeClr val="dk1"/>
+          </a:effectRef>
+          <a:fontRef idx="minor">
+            <a:schemeClr val="tx1"/>
+          </a:fontRef>
+        </p:style>
+      </p:cxnSp>
+      <p:sp>
+        <p:nvSpPr>
+          <p:cNvPr id="32" name="TextBox 31">
+            <a:extLst>
+              <a:ext uri="{FF2B5EF4-FFF2-40B4-BE49-F238E27FC236}">
+                <a16:creationId xmlns:a16="http://schemas.microsoft.com/office/drawing/2014/main" id="{CC1498EC-B75D-AB9B-E34F-27C8DCF3AA8B}"/>
+              </a:ext>
+            </a:extLst>
+          </p:cNvPr>
+          <p:cNvSpPr txBox="1"/>
+          <p:nvPr/>
+        </p:nvSpPr>
+        <p:spPr>
+          <a:xfrm rot="16200000">
+            <a:off x="11325025" y="4467959"/>
+            <a:ext cx="1071763" cy="338554"/>
+          </a:xfrm>
+          <a:prstGeom prst="rect">
+            <a:avLst/>
+          </a:prstGeom>
+          <a:noFill/>
+        </p:spPr>
+        <p:txBody>
+          <a:bodyPr wrap="square" rtlCol="0">
+            <a:spAutoFit/>
+          </a:bodyPr>
+          <a:lstStyle>
+            <a:defPPr>
+              <a:defRPr lang="en-US"/>
+            </a:defPPr>
+            <a:lvl1pPr marL="0" algn="l" defTabSz="457200" rtl="0" eaLnBrk="1" latinLnBrk="0" hangingPunct="1">
+              <a:defRPr sz="1800" kern="1200">
+                <a:solidFill>
+                  <a:schemeClr val="tx1"/>
+                </a:solidFill>
+                <a:latin typeface="+mn-lt"/>
+                <a:ea typeface="+mn-ea"/>
+                <a:cs typeface="+mn-cs"/>
+              </a:defRPr>
+            </a:lvl1pPr>
+            <a:lvl2pPr marL="457200" algn="l" defTabSz="457200" rtl="0" eaLnBrk="1" latinLnBrk="0" hangingPunct="1">
+              <a:defRPr sz="1800" kern="1200">
+                <a:solidFill>
+                  <a:schemeClr val="tx1"/>
+                </a:solidFill>
+                <a:latin typeface="+mn-lt"/>
+                <a:ea typeface="+mn-ea"/>
+                <a:cs typeface="+mn-cs"/>
+              </a:defRPr>
+            </a:lvl2pPr>
+            <a:lvl3pPr marL="914400" algn="l" defTabSz="457200" rtl="0" eaLnBrk="1" latinLnBrk="0" hangingPunct="1">
+              <a:defRPr sz="1800" kern="1200">
+                <a:solidFill>
+                  <a:schemeClr val="tx1"/>
+                </a:solidFill>
+                <a:latin typeface="+mn-lt"/>
+                <a:ea typeface="+mn-ea"/>
+                <a:cs typeface="+mn-cs"/>
+              </a:defRPr>
+            </a:lvl3pPr>
+            <a:lvl4pPr marL="1371600" algn="l" defTabSz="457200" rtl="0" eaLnBrk="1" latinLnBrk="0" hangingPunct="1">
+              <a:defRPr sz="1800" kern="1200">
+                <a:solidFill>
+                  <a:schemeClr val="tx1"/>
+                </a:solidFill>
+                <a:latin typeface="+mn-lt"/>
+                <a:ea typeface="+mn-ea"/>
+                <a:cs typeface="+mn-cs"/>
+              </a:defRPr>
+            </a:lvl4pPr>
+            <a:lvl5pPr marL="1828800" algn="l" defTabSz="457200" rtl="0" eaLnBrk="1" latinLnBrk="0" hangingPunct="1">
+              <a:defRPr sz="1800" kern="1200">
+                <a:solidFill>
+                  <a:schemeClr val="tx1"/>
+                </a:solidFill>
+                <a:latin typeface="+mn-lt"/>
+                <a:ea typeface="+mn-ea"/>
+                <a:cs typeface="+mn-cs"/>
+              </a:defRPr>
+            </a:lvl5pPr>
+            <a:lvl6pPr marL="2286000" algn="l" defTabSz="457200" rtl="0" eaLnBrk="1" latinLnBrk="0" hangingPunct="1">
+              <a:defRPr sz="1800" kern="1200">
+                <a:solidFill>
+                  <a:schemeClr val="tx1"/>
+                </a:solidFill>
+                <a:latin typeface="+mn-lt"/>
+                <a:ea typeface="+mn-ea"/>
+                <a:cs typeface="+mn-cs"/>
+              </a:defRPr>
+            </a:lvl6pPr>
+            <a:lvl7pPr marL="2743200" algn="l" defTabSz="457200" rtl="0" eaLnBrk="1" latinLnBrk="0" hangingPunct="1">
+              <a:defRPr sz="1800" kern="1200">
+                <a:solidFill>
+                  <a:schemeClr val="tx1"/>
+                </a:solidFill>
+                <a:latin typeface="+mn-lt"/>
+                <a:ea typeface="+mn-ea"/>
+                <a:cs typeface="+mn-cs"/>
+              </a:defRPr>
+            </a:lvl7pPr>
+            <a:lvl8pPr marL="3200400" algn="l" defTabSz="457200" rtl="0" eaLnBrk="1" latinLnBrk="0" hangingPunct="1">
+              <a:defRPr sz="1800" kern="1200">
+                <a:solidFill>
+                  <a:schemeClr val="tx1"/>
+                </a:solidFill>
+                <a:latin typeface="+mn-lt"/>
+                <a:ea typeface="+mn-ea"/>
+                <a:cs typeface="+mn-cs"/>
+              </a:defRPr>
+            </a:lvl8pPr>
+            <a:lvl9pPr marL="3657600" algn="l" defTabSz="457200" rtl="0" eaLnBrk="1" latinLnBrk="0" hangingPunct="1">
+              <a:defRPr sz="1800" kern="1200">
+                <a:solidFill>
+                  <a:schemeClr val="tx1"/>
+                </a:solidFill>
+                <a:latin typeface="+mn-lt"/>
+                <a:ea typeface="+mn-ea"/>
+                <a:cs typeface="+mn-cs"/>
+              </a:defRPr>
+            </a:lvl9pPr>
+          </a:lstStyle>
+          <a:p>
+            <a:r>
+              <a:rPr lang="en-US" sz="1600" b="1" dirty="0">
+                <a:latin typeface="Arial" panose="020B0604020202020204" pitchFamily="34" charset="0"/>
+                <a:ea typeface="Yu Gothic" panose="020B0400000000000000" pitchFamily="34" charset="-128"/>
+                <a:cs typeface="Arial" panose="020B0604020202020204" pitchFamily="34" charset="0"/>
+              </a:rPr>
+              <a:t>Time</a:t>
+            </a:r>
+          </a:p>
+        </p:txBody>
+      </p:sp>
+      <p:sp>
+        <p:nvSpPr>
+          <p:cNvPr id="33" name="TextBox 32">
+            <a:extLst>
+              <a:ext uri="{FF2B5EF4-FFF2-40B4-BE49-F238E27FC236}">
+                <a16:creationId xmlns:a16="http://schemas.microsoft.com/office/drawing/2014/main" id="{FF20AB08-F6C7-DA2C-91D8-B9E1A0DB96C3}"/>
+              </a:ext>
+            </a:extLst>
+          </p:cNvPr>
+          <p:cNvSpPr txBox="1"/>
+          <p:nvPr/>
+        </p:nvSpPr>
+        <p:spPr>
+          <a:xfrm>
+            <a:off x="10699926" y="3489661"/>
+            <a:ext cx="1570321" cy="338554"/>
+          </a:xfrm>
+          <a:prstGeom prst="rect">
+            <a:avLst/>
+          </a:prstGeom>
+          <a:noFill/>
+        </p:spPr>
+        <p:txBody>
+          <a:bodyPr wrap="square" rtlCol="0">
+            <a:spAutoFit/>
+          </a:bodyPr>
+          <a:lstStyle>
+            <a:defPPr>
+              <a:defRPr lang="en-US"/>
+            </a:defPPr>
+            <a:lvl1pPr marL="0" algn="l" defTabSz="457200" rtl="0" eaLnBrk="1" latinLnBrk="0" hangingPunct="1">
+              <a:defRPr sz="1800" kern="1200">
+                <a:solidFill>
+                  <a:schemeClr val="tx1"/>
+                </a:solidFill>
+                <a:latin typeface="+mn-lt"/>
+                <a:ea typeface="+mn-ea"/>
+                <a:cs typeface="+mn-cs"/>
+              </a:defRPr>
+            </a:lvl1pPr>
+            <a:lvl2pPr marL="457200" algn="l" defTabSz="457200" rtl="0" eaLnBrk="1" latinLnBrk="0" hangingPunct="1">
+              <a:defRPr sz="1800" kern="1200">
+                <a:solidFill>
+                  <a:schemeClr val="tx1"/>
+                </a:solidFill>
+                <a:latin typeface="+mn-lt"/>
+                <a:ea typeface="+mn-ea"/>
+                <a:cs typeface="+mn-cs"/>
+              </a:defRPr>
+            </a:lvl2pPr>
+            <a:lvl3pPr marL="914400" algn="l" defTabSz="457200" rtl="0" eaLnBrk="1" latinLnBrk="0" hangingPunct="1">
+              <a:defRPr sz="1800" kern="1200">
+                <a:solidFill>
+                  <a:schemeClr val="tx1"/>
+                </a:solidFill>
+                <a:latin typeface="+mn-lt"/>
+                <a:ea typeface="+mn-ea"/>
+                <a:cs typeface="+mn-cs"/>
+              </a:defRPr>
+            </a:lvl3pPr>
+            <a:lvl4pPr marL="1371600" algn="l" defTabSz="457200" rtl="0" eaLnBrk="1" latinLnBrk="0" hangingPunct="1">
+              <a:defRPr sz="1800" kern="1200">
+                <a:solidFill>
+                  <a:schemeClr val="tx1"/>
+                </a:solidFill>
+                <a:latin typeface="+mn-lt"/>
+                <a:ea typeface="+mn-ea"/>
+                <a:cs typeface="+mn-cs"/>
+              </a:defRPr>
+            </a:lvl4pPr>
+            <a:lvl5pPr marL="1828800" algn="l" defTabSz="457200" rtl="0" eaLnBrk="1" latinLnBrk="0" hangingPunct="1">
+              <a:defRPr sz="1800" kern="1200">
+                <a:solidFill>
+                  <a:schemeClr val="tx1"/>
+                </a:solidFill>
+                <a:latin typeface="+mn-lt"/>
+                <a:ea typeface="+mn-ea"/>
+                <a:cs typeface="+mn-cs"/>
+              </a:defRPr>
+            </a:lvl5pPr>
+            <a:lvl6pPr marL="2286000" algn="l" defTabSz="457200" rtl="0" eaLnBrk="1" latinLnBrk="0" hangingPunct="1">
+              <a:defRPr sz="1800" kern="1200">
+                <a:solidFill>
+                  <a:schemeClr val="tx1"/>
+                </a:solidFill>
+                <a:latin typeface="+mn-lt"/>
+                <a:ea typeface="+mn-ea"/>
+                <a:cs typeface="+mn-cs"/>
+              </a:defRPr>
+            </a:lvl6pPr>
+            <a:lvl7pPr marL="2743200" algn="l" defTabSz="457200" rtl="0" eaLnBrk="1" latinLnBrk="0" hangingPunct="1">
+              <a:defRPr sz="1800" kern="1200">
+                <a:solidFill>
+                  <a:schemeClr val="tx1"/>
+                </a:solidFill>
+                <a:latin typeface="+mn-lt"/>
+                <a:ea typeface="+mn-ea"/>
+                <a:cs typeface="+mn-cs"/>
+              </a:defRPr>
+            </a:lvl7pPr>
+            <a:lvl8pPr marL="3200400" algn="l" defTabSz="457200" rtl="0" eaLnBrk="1" latinLnBrk="0" hangingPunct="1">
+              <a:defRPr sz="1800" kern="1200">
+                <a:solidFill>
+                  <a:schemeClr val="tx1"/>
+                </a:solidFill>
+                <a:latin typeface="+mn-lt"/>
+                <a:ea typeface="+mn-ea"/>
+                <a:cs typeface="+mn-cs"/>
+              </a:defRPr>
+            </a:lvl8pPr>
+            <a:lvl9pPr marL="3657600" algn="l" defTabSz="457200" rtl="0" eaLnBrk="1" latinLnBrk="0" hangingPunct="1">
+              <a:defRPr sz="1800" kern="1200">
+                <a:solidFill>
+                  <a:schemeClr val="tx1"/>
+                </a:solidFill>
+                <a:latin typeface="+mn-lt"/>
+                <a:ea typeface="+mn-ea"/>
+                <a:cs typeface="+mn-cs"/>
+              </a:defRPr>
+            </a:lvl9pPr>
+          </a:lstStyle>
+          <a:p>
+            <a:r>
+              <a:rPr lang="en-US" sz="1600" b="1" dirty="0">
+                <a:latin typeface="Arial" panose="020B0604020202020204" pitchFamily="34" charset="0"/>
+                <a:ea typeface="Yu Gothic" panose="020B0400000000000000" pitchFamily="34" charset="-128"/>
+                <a:cs typeface="Arial" panose="020B0604020202020204" pitchFamily="34" charset="0"/>
+              </a:rPr>
+              <a:t>Ancestral</a:t>
+            </a:r>
+          </a:p>
+        </p:txBody>
+      </p:sp>
+      <p:sp>
+        <p:nvSpPr>
+          <p:cNvPr id="34" name="TextBox 33">
+            <a:extLst>
+              <a:ext uri="{FF2B5EF4-FFF2-40B4-BE49-F238E27FC236}">
+                <a16:creationId xmlns:a16="http://schemas.microsoft.com/office/drawing/2014/main" id="{C88BE0C8-A8C9-57F6-6D7A-DC0D805FC6F9}"/>
+              </a:ext>
+            </a:extLst>
+          </p:cNvPr>
+          <p:cNvSpPr txBox="1"/>
+          <p:nvPr/>
+        </p:nvSpPr>
+        <p:spPr>
+          <a:xfrm>
+            <a:off x="10847537" y="5443871"/>
+            <a:ext cx="1125903" cy="338554"/>
+          </a:xfrm>
+          <a:prstGeom prst="rect">
+            <a:avLst/>
+          </a:prstGeom>
+          <a:noFill/>
+        </p:spPr>
+        <p:txBody>
+          <a:bodyPr wrap="square" rtlCol="0">
+            <a:spAutoFit/>
+          </a:bodyPr>
+          <a:lstStyle>
+            <a:defPPr>
+              <a:defRPr lang="en-US"/>
+            </a:defPPr>
+            <a:lvl1pPr marL="0" algn="l" defTabSz="457200" rtl="0" eaLnBrk="1" latinLnBrk="0" hangingPunct="1">
+              <a:defRPr sz="1800" kern="1200">
+                <a:solidFill>
+                  <a:schemeClr val="tx1"/>
+                </a:solidFill>
+                <a:latin typeface="+mn-lt"/>
+                <a:ea typeface="+mn-ea"/>
+                <a:cs typeface="+mn-cs"/>
+              </a:defRPr>
+            </a:lvl1pPr>
+            <a:lvl2pPr marL="457200" algn="l" defTabSz="457200" rtl="0" eaLnBrk="1" latinLnBrk="0" hangingPunct="1">
+              <a:defRPr sz="1800" kern="1200">
+                <a:solidFill>
+                  <a:schemeClr val="tx1"/>
+                </a:solidFill>
+                <a:latin typeface="+mn-lt"/>
+                <a:ea typeface="+mn-ea"/>
+                <a:cs typeface="+mn-cs"/>
+              </a:defRPr>
+            </a:lvl2pPr>
+            <a:lvl3pPr marL="914400" algn="l" defTabSz="457200" rtl="0" eaLnBrk="1" latinLnBrk="0" hangingPunct="1">
+              <a:defRPr sz="1800" kern="1200">
+                <a:solidFill>
+                  <a:schemeClr val="tx1"/>
+                </a:solidFill>
+                <a:latin typeface="+mn-lt"/>
+                <a:ea typeface="+mn-ea"/>
+                <a:cs typeface="+mn-cs"/>
+              </a:defRPr>
+            </a:lvl3pPr>
+            <a:lvl4pPr marL="1371600" algn="l" defTabSz="457200" rtl="0" eaLnBrk="1" latinLnBrk="0" hangingPunct="1">
+              <a:defRPr sz="1800" kern="1200">
+                <a:solidFill>
+                  <a:schemeClr val="tx1"/>
+                </a:solidFill>
+                <a:latin typeface="+mn-lt"/>
+                <a:ea typeface="+mn-ea"/>
+                <a:cs typeface="+mn-cs"/>
+              </a:defRPr>
+            </a:lvl4pPr>
+            <a:lvl5pPr marL="1828800" algn="l" defTabSz="457200" rtl="0" eaLnBrk="1" latinLnBrk="0" hangingPunct="1">
+              <a:defRPr sz="1800" kern="1200">
+                <a:solidFill>
+                  <a:schemeClr val="tx1"/>
+                </a:solidFill>
+                <a:latin typeface="+mn-lt"/>
+                <a:ea typeface="+mn-ea"/>
+                <a:cs typeface="+mn-cs"/>
+              </a:defRPr>
+            </a:lvl5pPr>
+            <a:lvl6pPr marL="2286000" algn="l" defTabSz="457200" rtl="0" eaLnBrk="1" latinLnBrk="0" hangingPunct="1">
+              <a:defRPr sz="1800" kern="1200">
+                <a:solidFill>
+                  <a:schemeClr val="tx1"/>
+                </a:solidFill>
+                <a:latin typeface="+mn-lt"/>
+                <a:ea typeface="+mn-ea"/>
+                <a:cs typeface="+mn-cs"/>
+              </a:defRPr>
+            </a:lvl6pPr>
+            <a:lvl7pPr marL="2743200" algn="l" defTabSz="457200" rtl="0" eaLnBrk="1" latinLnBrk="0" hangingPunct="1">
+              <a:defRPr sz="1800" kern="1200">
+                <a:solidFill>
+                  <a:schemeClr val="tx1"/>
+                </a:solidFill>
+                <a:latin typeface="+mn-lt"/>
+                <a:ea typeface="+mn-ea"/>
+                <a:cs typeface="+mn-cs"/>
+              </a:defRPr>
+            </a:lvl7pPr>
+            <a:lvl8pPr marL="3200400" algn="l" defTabSz="457200" rtl="0" eaLnBrk="1" latinLnBrk="0" hangingPunct="1">
+              <a:defRPr sz="1800" kern="1200">
+                <a:solidFill>
+                  <a:schemeClr val="tx1"/>
+                </a:solidFill>
+                <a:latin typeface="+mn-lt"/>
+                <a:ea typeface="+mn-ea"/>
+                <a:cs typeface="+mn-cs"/>
+              </a:defRPr>
+            </a:lvl8pPr>
+            <a:lvl9pPr marL="3657600" algn="l" defTabSz="457200" rtl="0" eaLnBrk="1" latinLnBrk="0" hangingPunct="1">
+              <a:defRPr sz="1800" kern="1200">
+                <a:solidFill>
+                  <a:schemeClr val="tx1"/>
+                </a:solidFill>
+                <a:latin typeface="+mn-lt"/>
+                <a:ea typeface="+mn-ea"/>
+                <a:cs typeface="+mn-cs"/>
+              </a:defRPr>
+            </a:lvl9pPr>
+          </a:lstStyle>
+          <a:p>
+            <a:r>
+              <a:rPr lang="en-US" sz="1600" b="1" dirty="0">
+                <a:latin typeface="Arial" panose="020B0604020202020204" pitchFamily="34" charset="0"/>
+                <a:ea typeface="Yu Gothic" panose="020B0400000000000000" pitchFamily="34" charset="-128"/>
+                <a:cs typeface="Arial" panose="020B0604020202020204" pitchFamily="34" charset="0"/>
+              </a:rPr>
+              <a:t>Current</a:t>
+            </a:r>
+          </a:p>
+        </p:txBody>
+      </p:sp>
+      <p:sp>
+        <p:nvSpPr>
+          <p:cNvPr id="35" name="TextBox 34">
+            <a:extLst>
+              <a:ext uri="{FF2B5EF4-FFF2-40B4-BE49-F238E27FC236}">
+                <a16:creationId xmlns:a16="http://schemas.microsoft.com/office/drawing/2014/main" id="{4BA64D15-3279-904E-184A-FE3B778207E1}"/>
+              </a:ext>
+            </a:extLst>
+          </p:cNvPr>
+          <p:cNvSpPr txBox="1"/>
+          <p:nvPr/>
+        </p:nvSpPr>
+        <p:spPr>
+          <a:xfrm>
+            <a:off x="3549224" y="1741537"/>
+            <a:ext cx="1090166" cy="830997"/>
+          </a:xfrm>
+          <a:prstGeom prst="rect">
+            <a:avLst/>
+          </a:prstGeom>
+          <a:noFill/>
+        </p:spPr>
+        <p:txBody>
+          <a:bodyPr wrap="square" rtlCol="0">
+            <a:spAutoFit/>
+          </a:bodyPr>
+          <a:lstStyle>
+            <a:defPPr>
+              <a:defRPr lang="en-US"/>
+            </a:defPPr>
+            <a:lvl1pPr marL="0" algn="l" defTabSz="457200" rtl="0" eaLnBrk="1" latinLnBrk="0" hangingPunct="1">
+              <a:defRPr sz="1800" kern="1200">
+                <a:solidFill>
+                  <a:schemeClr val="tx1"/>
+                </a:solidFill>
+                <a:latin typeface="+mn-lt"/>
+                <a:ea typeface="+mn-ea"/>
+                <a:cs typeface="+mn-cs"/>
+              </a:defRPr>
+            </a:lvl1pPr>
+            <a:lvl2pPr marL="457200" algn="l" defTabSz="457200" rtl="0" eaLnBrk="1" latinLnBrk="0" hangingPunct="1">
+              <a:defRPr sz="1800" kern="1200">
+                <a:solidFill>
+                  <a:schemeClr val="tx1"/>
+                </a:solidFill>
+                <a:latin typeface="+mn-lt"/>
+                <a:ea typeface="+mn-ea"/>
+                <a:cs typeface="+mn-cs"/>
+              </a:defRPr>
+            </a:lvl2pPr>
+            <a:lvl3pPr marL="914400" algn="l" defTabSz="457200" rtl="0" eaLnBrk="1" latinLnBrk="0" hangingPunct="1">
+              <a:defRPr sz="1800" kern="1200">
+                <a:solidFill>
+                  <a:schemeClr val="tx1"/>
+                </a:solidFill>
+                <a:latin typeface="+mn-lt"/>
+                <a:ea typeface="+mn-ea"/>
+                <a:cs typeface="+mn-cs"/>
+              </a:defRPr>
+            </a:lvl3pPr>
+            <a:lvl4pPr marL="1371600" algn="l" defTabSz="457200" rtl="0" eaLnBrk="1" latinLnBrk="0" hangingPunct="1">
+              <a:defRPr sz="1800" kern="1200">
+                <a:solidFill>
+                  <a:schemeClr val="tx1"/>
+                </a:solidFill>
+                <a:latin typeface="+mn-lt"/>
+                <a:ea typeface="+mn-ea"/>
+                <a:cs typeface="+mn-cs"/>
+              </a:defRPr>
+            </a:lvl4pPr>
+            <a:lvl5pPr marL="1828800" algn="l" defTabSz="457200" rtl="0" eaLnBrk="1" latinLnBrk="0" hangingPunct="1">
+              <a:defRPr sz="1800" kern="1200">
+                <a:solidFill>
+                  <a:schemeClr val="tx1"/>
+                </a:solidFill>
+                <a:latin typeface="+mn-lt"/>
+                <a:ea typeface="+mn-ea"/>
+                <a:cs typeface="+mn-cs"/>
+              </a:defRPr>
+            </a:lvl5pPr>
+            <a:lvl6pPr marL="2286000" algn="l" defTabSz="457200" rtl="0" eaLnBrk="1" latinLnBrk="0" hangingPunct="1">
+              <a:defRPr sz="1800" kern="1200">
+                <a:solidFill>
+                  <a:schemeClr val="tx1"/>
+                </a:solidFill>
+                <a:latin typeface="+mn-lt"/>
+                <a:ea typeface="+mn-ea"/>
+                <a:cs typeface="+mn-cs"/>
+              </a:defRPr>
+            </a:lvl6pPr>
+            <a:lvl7pPr marL="2743200" algn="l" defTabSz="457200" rtl="0" eaLnBrk="1" latinLnBrk="0" hangingPunct="1">
+              <a:defRPr sz="1800" kern="1200">
+                <a:solidFill>
+                  <a:schemeClr val="tx1"/>
+                </a:solidFill>
+                <a:latin typeface="+mn-lt"/>
+                <a:ea typeface="+mn-ea"/>
+                <a:cs typeface="+mn-cs"/>
+              </a:defRPr>
+            </a:lvl7pPr>
+            <a:lvl8pPr marL="3200400" algn="l" defTabSz="457200" rtl="0" eaLnBrk="1" latinLnBrk="0" hangingPunct="1">
+              <a:defRPr sz="1800" kern="1200">
+                <a:solidFill>
+                  <a:schemeClr val="tx1"/>
+                </a:solidFill>
+                <a:latin typeface="+mn-lt"/>
+                <a:ea typeface="+mn-ea"/>
+                <a:cs typeface="+mn-cs"/>
+              </a:defRPr>
+            </a:lvl8pPr>
+            <a:lvl9pPr marL="3657600" algn="l" defTabSz="457200" rtl="0" eaLnBrk="1" latinLnBrk="0" hangingPunct="1">
+              <a:defRPr sz="1800" kern="1200">
+                <a:solidFill>
+                  <a:schemeClr val="tx1"/>
+                </a:solidFill>
+                <a:latin typeface="+mn-lt"/>
+                <a:ea typeface="+mn-ea"/>
+                <a:cs typeface="+mn-cs"/>
+              </a:defRPr>
+            </a:lvl9pPr>
+          </a:lstStyle>
+          <a:p>
+            <a:r>
+              <a:rPr lang="en-US" sz="4800" b="1" dirty="0">
+                <a:latin typeface="Arial" panose="020B0604020202020204" pitchFamily="34" charset="0"/>
+                <a:ea typeface="Yu Gothic" panose="020B0400000000000000" pitchFamily="34" charset="-128"/>
+                <a:cs typeface="Arial" panose="020B0604020202020204" pitchFamily="34" charset="0"/>
+              </a:rPr>
+              <a:t>(a)</a:t>
+            </a:r>
+          </a:p>
+        </p:txBody>
+      </p:sp>
+      <p:sp>
+        <p:nvSpPr>
+          <p:cNvPr id="36" name="TextBox 35">
+            <a:extLst>
+              <a:ext uri="{FF2B5EF4-FFF2-40B4-BE49-F238E27FC236}">
+                <a16:creationId xmlns:a16="http://schemas.microsoft.com/office/drawing/2014/main" id="{492268D4-7A91-5080-826D-45C0DE1DD1C3}"/>
+              </a:ext>
+            </a:extLst>
+          </p:cNvPr>
+          <p:cNvSpPr txBox="1"/>
+          <p:nvPr/>
+        </p:nvSpPr>
+        <p:spPr>
+          <a:xfrm>
+            <a:off x="7276046" y="1741537"/>
+            <a:ext cx="1090166" cy="830997"/>
+          </a:xfrm>
+          <a:prstGeom prst="rect">
+            <a:avLst/>
+          </a:prstGeom>
+          <a:noFill/>
+        </p:spPr>
+        <p:txBody>
+          <a:bodyPr wrap="square" rtlCol="0">
+            <a:spAutoFit/>
+          </a:bodyPr>
+          <a:lstStyle>
+            <a:defPPr>
+              <a:defRPr lang="en-US"/>
+            </a:defPPr>
+            <a:lvl1pPr marL="0" algn="l" defTabSz="457200" rtl="0" eaLnBrk="1" latinLnBrk="0" hangingPunct="1">
+              <a:defRPr sz="1800" kern="1200">
+                <a:solidFill>
+                  <a:schemeClr val="tx1"/>
+                </a:solidFill>
+                <a:latin typeface="+mn-lt"/>
+                <a:ea typeface="+mn-ea"/>
+                <a:cs typeface="+mn-cs"/>
+              </a:defRPr>
+            </a:lvl1pPr>
+            <a:lvl2pPr marL="457200" algn="l" defTabSz="457200" rtl="0" eaLnBrk="1" latinLnBrk="0" hangingPunct="1">
+              <a:defRPr sz="1800" kern="1200">
+                <a:solidFill>
+                  <a:schemeClr val="tx1"/>
+                </a:solidFill>
+                <a:latin typeface="+mn-lt"/>
+                <a:ea typeface="+mn-ea"/>
+                <a:cs typeface="+mn-cs"/>
+              </a:defRPr>
+            </a:lvl2pPr>
+            <a:lvl3pPr marL="914400" algn="l" defTabSz="457200" rtl="0" eaLnBrk="1" latinLnBrk="0" hangingPunct="1">
+              <a:defRPr sz="1800" kern="1200">
+                <a:solidFill>
+                  <a:schemeClr val="tx1"/>
+                </a:solidFill>
+                <a:latin typeface="+mn-lt"/>
+                <a:ea typeface="+mn-ea"/>
+                <a:cs typeface="+mn-cs"/>
+              </a:defRPr>
+            </a:lvl3pPr>
+            <a:lvl4pPr marL="1371600" algn="l" defTabSz="457200" rtl="0" eaLnBrk="1" latinLnBrk="0" hangingPunct="1">
+              <a:defRPr sz="1800" kern="1200">
+                <a:solidFill>
+                  <a:schemeClr val="tx1"/>
+                </a:solidFill>
+                <a:latin typeface="+mn-lt"/>
+                <a:ea typeface="+mn-ea"/>
+                <a:cs typeface="+mn-cs"/>
+              </a:defRPr>
+            </a:lvl4pPr>
+            <a:lvl5pPr marL="1828800" algn="l" defTabSz="457200" rtl="0" eaLnBrk="1" latinLnBrk="0" hangingPunct="1">
+              <a:defRPr sz="1800" kern="1200">
+                <a:solidFill>
+                  <a:schemeClr val="tx1"/>
+                </a:solidFill>
+                <a:latin typeface="+mn-lt"/>
+                <a:ea typeface="+mn-ea"/>
+                <a:cs typeface="+mn-cs"/>
+              </a:defRPr>
+            </a:lvl5pPr>
+            <a:lvl6pPr marL="2286000" algn="l" defTabSz="457200" rtl="0" eaLnBrk="1" latinLnBrk="0" hangingPunct="1">
+              <a:defRPr sz="1800" kern="1200">
+                <a:solidFill>
+                  <a:schemeClr val="tx1"/>
+                </a:solidFill>
+                <a:latin typeface="+mn-lt"/>
+                <a:ea typeface="+mn-ea"/>
+                <a:cs typeface="+mn-cs"/>
+              </a:defRPr>
+            </a:lvl6pPr>
+            <a:lvl7pPr marL="2743200" algn="l" defTabSz="457200" rtl="0" eaLnBrk="1" latinLnBrk="0" hangingPunct="1">
+              <a:defRPr sz="1800" kern="1200">
+                <a:solidFill>
+                  <a:schemeClr val="tx1"/>
+                </a:solidFill>
+                <a:latin typeface="+mn-lt"/>
+                <a:ea typeface="+mn-ea"/>
+                <a:cs typeface="+mn-cs"/>
+              </a:defRPr>
+            </a:lvl7pPr>
+            <a:lvl8pPr marL="3200400" algn="l" defTabSz="457200" rtl="0" eaLnBrk="1" latinLnBrk="0" hangingPunct="1">
+              <a:defRPr sz="1800" kern="1200">
+                <a:solidFill>
+                  <a:schemeClr val="tx1"/>
+                </a:solidFill>
+                <a:latin typeface="+mn-lt"/>
+                <a:ea typeface="+mn-ea"/>
+                <a:cs typeface="+mn-cs"/>
+              </a:defRPr>
+            </a:lvl8pPr>
+            <a:lvl9pPr marL="3657600" algn="l" defTabSz="457200" rtl="0" eaLnBrk="1" latinLnBrk="0" hangingPunct="1">
+              <a:defRPr sz="1800" kern="1200">
+                <a:solidFill>
+                  <a:schemeClr val="tx1"/>
+                </a:solidFill>
+                <a:latin typeface="+mn-lt"/>
+                <a:ea typeface="+mn-ea"/>
+                <a:cs typeface="+mn-cs"/>
+              </a:defRPr>
+            </a:lvl9pPr>
+          </a:lstStyle>
+          <a:p>
+            <a:r>
+              <a:rPr lang="en-US" sz="4800" b="1" dirty="0">
+                <a:latin typeface="Arial" panose="020B0604020202020204" pitchFamily="34" charset="0"/>
+                <a:ea typeface="Yu Gothic" panose="020B0400000000000000" pitchFamily="34" charset="-128"/>
+                <a:cs typeface="Arial" panose="020B0604020202020204" pitchFamily="34" charset="0"/>
+              </a:rPr>
+              <a:t>(b)</a:t>
+            </a:r>
+          </a:p>
+        </p:txBody>
+      </p:sp>
+      <p:sp>
+        <p:nvSpPr>
+          <p:cNvPr id="37" name="TextBox 36">
+            <a:extLst>
+              <a:ext uri="{FF2B5EF4-FFF2-40B4-BE49-F238E27FC236}">
+                <a16:creationId xmlns:a16="http://schemas.microsoft.com/office/drawing/2014/main" id="{FD72681F-F124-DEDC-B8D1-0989DA413C51}"/>
+              </a:ext>
+            </a:extLst>
+          </p:cNvPr>
+          <p:cNvSpPr txBox="1"/>
+          <p:nvPr/>
+        </p:nvSpPr>
+        <p:spPr>
+          <a:xfrm>
+            <a:off x="10519607" y="1721744"/>
+            <a:ext cx="1090166" cy="830997"/>
+          </a:xfrm>
+          <a:prstGeom prst="rect">
+            <a:avLst/>
+          </a:prstGeom>
+          <a:noFill/>
+        </p:spPr>
+        <p:txBody>
+          <a:bodyPr wrap="square" rtlCol="0">
+            <a:spAutoFit/>
+          </a:bodyPr>
+          <a:lstStyle>
+            <a:defPPr>
+              <a:defRPr lang="en-US"/>
+            </a:defPPr>
+            <a:lvl1pPr marL="0" algn="l" defTabSz="457200" rtl="0" eaLnBrk="1" latinLnBrk="0" hangingPunct="1">
+              <a:defRPr sz="1800" kern="1200">
+                <a:solidFill>
+                  <a:schemeClr val="tx1"/>
+                </a:solidFill>
+                <a:latin typeface="+mn-lt"/>
+                <a:ea typeface="+mn-ea"/>
+                <a:cs typeface="+mn-cs"/>
+              </a:defRPr>
+            </a:lvl1pPr>
+            <a:lvl2pPr marL="457200" algn="l" defTabSz="457200" rtl="0" eaLnBrk="1" latinLnBrk="0" hangingPunct="1">
+              <a:defRPr sz="1800" kern="1200">
+                <a:solidFill>
+                  <a:schemeClr val="tx1"/>
+                </a:solidFill>
+                <a:latin typeface="+mn-lt"/>
+                <a:ea typeface="+mn-ea"/>
+                <a:cs typeface="+mn-cs"/>
+              </a:defRPr>
+            </a:lvl2pPr>
+            <a:lvl3pPr marL="914400" algn="l" defTabSz="457200" rtl="0" eaLnBrk="1" latinLnBrk="0" hangingPunct="1">
+              <a:defRPr sz="1800" kern="1200">
+                <a:solidFill>
+                  <a:schemeClr val="tx1"/>
+                </a:solidFill>
+                <a:latin typeface="+mn-lt"/>
+                <a:ea typeface="+mn-ea"/>
+                <a:cs typeface="+mn-cs"/>
+              </a:defRPr>
+            </a:lvl3pPr>
+            <a:lvl4pPr marL="1371600" algn="l" defTabSz="457200" rtl="0" eaLnBrk="1" latinLnBrk="0" hangingPunct="1">
+              <a:defRPr sz="1800" kern="1200">
+                <a:solidFill>
+                  <a:schemeClr val="tx1"/>
+                </a:solidFill>
+                <a:latin typeface="+mn-lt"/>
+                <a:ea typeface="+mn-ea"/>
+                <a:cs typeface="+mn-cs"/>
+              </a:defRPr>
+            </a:lvl4pPr>
+            <a:lvl5pPr marL="1828800" algn="l" defTabSz="457200" rtl="0" eaLnBrk="1" latinLnBrk="0" hangingPunct="1">
+              <a:defRPr sz="1800" kern="1200">
+                <a:solidFill>
+                  <a:schemeClr val="tx1"/>
+                </a:solidFill>
+                <a:latin typeface="+mn-lt"/>
+                <a:ea typeface="+mn-ea"/>
+                <a:cs typeface="+mn-cs"/>
+              </a:defRPr>
+            </a:lvl5pPr>
+            <a:lvl6pPr marL="2286000" algn="l" defTabSz="457200" rtl="0" eaLnBrk="1" latinLnBrk="0" hangingPunct="1">
+              <a:defRPr sz="1800" kern="1200">
+                <a:solidFill>
+                  <a:schemeClr val="tx1"/>
+                </a:solidFill>
+                <a:latin typeface="+mn-lt"/>
+                <a:ea typeface="+mn-ea"/>
+                <a:cs typeface="+mn-cs"/>
+              </a:defRPr>
+            </a:lvl6pPr>
+            <a:lvl7pPr marL="2743200" algn="l" defTabSz="457200" rtl="0" eaLnBrk="1" latinLnBrk="0" hangingPunct="1">
+              <a:defRPr sz="1800" kern="1200">
+                <a:solidFill>
+                  <a:schemeClr val="tx1"/>
+                </a:solidFill>
+                <a:latin typeface="+mn-lt"/>
+                <a:ea typeface="+mn-ea"/>
+                <a:cs typeface="+mn-cs"/>
+              </a:defRPr>
+            </a:lvl7pPr>
+            <a:lvl8pPr marL="3200400" algn="l" defTabSz="457200" rtl="0" eaLnBrk="1" latinLnBrk="0" hangingPunct="1">
+              <a:defRPr sz="1800" kern="1200">
+                <a:solidFill>
+                  <a:schemeClr val="tx1"/>
+                </a:solidFill>
+                <a:latin typeface="+mn-lt"/>
+                <a:ea typeface="+mn-ea"/>
+                <a:cs typeface="+mn-cs"/>
+              </a:defRPr>
+            </a:lvl8pPr>
+            <a:lvl9pPr marL="3657600" algn="l" defTabSz="457200" rtl="0" eaLnBrk="1" latinLnBrk="0" hangingPunct="1">
+              <a:defRPr sz="1800" kern="1200">
+                <a:solidFill>
+                  <a:schemeClr val="tx1"/>
+                </a:solidFill>
+                <a:latin typeface="+mn-lt"/>
+                <a:ea typeface="+mn-ea"/>
+                <a:cs typeface="+mn-cs"/>
+              </a:defRPr>
+            </a:lvl9pPr>
+          </a:lstStyle>
+          <a:p>
+            <a:r>
+              <a:rPr lang="en-US" sz="4800" b="1" dirty="0">
+                <a:latin typeface="Arial" panose="020B0604020202020204" pitchFamily="34" charset="0"/>
+                <a:ea typeface="Yu Gothic" panose="020B0400000000000000" pitchFamily="34" charset="-128"/>
+                <a:cs typeface="Arial" panose="020B0604020202020204" pitchFamily="34" charset="0"/>
+              </a:rPr>
+              <a:t>(c)</a:t>
+            </a:r>
+          </a:p>
+        </p:txBody>
+      </p:sp>
     </p:spTree>
     <p:extLst>
       <p:ext uri="{BB962C8B-B14F-4D97-AF65-F5344CB8AC3E}">

--- a/Summary/figures.pptx
+++ b/Summary/figures.pptx
@@ -5,7 +5,7 @@
     <p:sldMasterId id="2147483672" r:id="rId1"/>
   </p:sldMasterIdLst>
   <p:notesMasterIdLst>
-    <p:notesMasterId r:id="rId10"/>
+    <p:notesMasterId r:id="rId12"/>
   </p:notesMasterIdLst>
   <p:sldIdLst>
     <p:sldId id="422" r:id="rId2"/>
@@ -16,6 +16,8 @@
     <p:sldId id="511" r:id="rId7"/>
     <p:sldId id="516" r:id="rId8"/>
     <p:sldId id="512" r:id="rId9"/>
+    <p:sldId id="517" r:id="rId10"/>
+    <p:sldId id="518" r:id="rId11"/>
   </p:sldIdLst>
   <p:sldSz cx="22860000" cy="22860000"/>
   <p:notesSz cx="6858000" cy="9144000"/>
@@ -127,6 +129,8 @@
             <p14:sldId id="511"/>
             <p14:sldId id="516"/>
             <p14:sldId id="512"/>
+            <p14:sldId id="517"/>
+            <p14:sldId id="518"/>
           </p14:sldIdLst>
         </p14:section>
       </p14:sectionLst>
@@ -141,7 +145,7 @@
 <file path=ppt/revisionInfo.xml><?xml version="1.0" encoding="utf-8"?>
 <p1510:revInfo xmlns:a="http://schemas.openxmlformats.org/drawingml/2006/main" xmlns:r="http://schemas.openxmlformats.org/officeDocument/2006/relationships" xmlns:p1510="http://schemas.microsoft.com/office/powerpoint/2015/10/main">
   <p1510:revLst>
-    <p1510:client id="{DBF99A9D-B754-40AC-9440-88193A800468}" v="19" dt="2025-12-03T08:50:09.739"/>
+    <p1510:client id="{730C71DC-DAFB-43B5-B051-E3D49CCA0357}" v="16" dt="2026-02-07T16:49:18.784"/>
   </p1510:revLst>
 </p1510:revInfo>
 </file>
@@ -149,76 +153,20 @@
 <file path=ppt/changesInfos/changesInfo1.xml><?xml version="1.0" encoding="utf-8"?>
 <pc:chgInfo xmlns:a="http://schemas.openxmlformats.org/drawingml/2006/main" xmlns:r="http://schemas.openxmlformats.org/officeDocument/2006/relationships" xmlns:ac="http://schemas.microsoft.com/office/drawing/2013/main/command" xmlns:pc="http://schemas.microsoft.com/office/powerpoint/2013/main/command">
   <pc:docChgLst>
-    <pc:chgData name="Jonathan Mah" userId="5261b2f2f3e51194" providerId="LiveId" clId="{A5D66373-2F43-49C1-972D-0BE2B77E544E}"/>
-    <pc:docChg chg="undo custSel addSld modSld sldOrd">
-      <pc:chgData name="Jonathan Mah" userId="5261b2f2f3e51194" providerId="LiveId" clId="{A5D66373-2F43-49C1-972D-0BE2B77E544E}" dt="2025-12-03T08:50:25.310" v="498" actId="1076"/>
+    <pc:chgData name="Jonathan Mah" userId="5261b2f2f3e51194" providerId="LiveId" clId="{DB9BCF8B-E91B-491C-8171-92D39BBC1534}"/>
+    <pc:docChg chg="custSel addSld modSld modSection">
+      <pc:chgData name="Jonathan Mah" userId="5261b2f2f3e51194" providerId="LiveId" clId="{DB9BCF8B-E91B-491C-8171-92D39BBC1534}" dt="2026-02-07T16:49:27.034" v="135" actId="1037"/>
       <pc:docMkLst>
         <pc:docMk/>
       </pc:docMkLst>
-      <pc:sldChg chg="addSp delSp modSp mod ord">
-        <pc:chgData name="Jonathan Mah" userId="5261b2f2f3e51194" providerId="LiveId" clId="{A5D66373-2F43-49C1-972D-0BE2B77E544E}" dt="2025-12-03T08:50:25.310" v="498" actId="1076"/>
+      <pc:sldChg chg="addSp modSp mod">
+        <pc:chgData name="Jonathan Mah" userId="5261b2f2f3e51194" providerId="LiveId" clId="{DB9BCF8B-E91B-491C-8171-92D39BBC1534}" dt="2026-02-07T09:40:32.378" v="18" actId="14100"/>
         <pc:sldMkLst>
           <pc:docMk/>
           <pc:sldMk cId="1601061642" sldId="512"/>
         </pc:sldMkLst>
-        <pc:spChg chg="add mod">
-          <ac:chgData name="Jonathan Mah" userId="5261b2f2f3e51194" providerId="LiveId" clId="{A5D66373-2F43-49C1-972D-0BE2B77E544E}" dt="2025-12-03T08:46:17.764" v="421" actId="1076"/>
-          <ac:spMkLst>
-            <pc:docMk/>
-            <pc:sldMk cId="1601061642" sldId="512"/>
-            <ac:spMk id="2" creationId="{DDD4D748-316D-5606-4117-1B9ADD5F854D}"/>
-          </ac:spMkLst>
-        </pc:spChg>
-        <pc:spChg chg="add mod">
-          <ac:chgData name="Jonathan Mah" userId="5261b2f2f3e51194" providerId="LiveId" clId="{A5D66373-2F43-49C1-972D-0BE2B77E544E}" dt="2025-12-03T08:47:50.693" v="448" actId="14100"/>
-          <ac:spMkLst>
-            <pc:docMk/>
-            <pc:sldMk cId="1601061642" sldId="512"/>
-            <ac:spMk id="3" creationId="{B5123F49-0B34-4F56-4362-2BB67D7555B3}"/>
-          </ac:spMkLst>
-        </pc:spChg>
-        <pc:spChg chg="add mod">
-          <ac:chgData name="Jonathan Mah" userId="5261b2f2f3e51194" providerId="LiveId" clId="{A5D66373-2F43-49C1-972D-0BE2B77E544E}" dt="2025-12-03T08:48:08.973" v="453" actId="1076"/>
-          <ac:spMkLst>
-            <pc:docMk/>
-            <pc:sldMk cId="1601061642" sldId="512"/>
-            <ac:spMk id="4" creationId="{448C7351-E1F0-15A3-22AF-D474C2065115}"/>
-          </ac:spMkLst>
-        </pc:spChg>
-        <pc:spChg chg="add mod">
-          <ac:chgData name="Jonathan Mah" userId="5261b2f2f3e51194" providerId="LiveId" clId="{A5D66373-2F43-49C1-972D-0BE2B77E544E}" dt="2025-12-03T08:48:01.237" v="451" actId="14100"/>
-          <ac:spMkLst>
-            <pc:docMk/>
-            <pc:sldMk cId="1601061642" sldId="512"/>
-            <ac:spMk id="5" creationId="{35080CE1-E5E9-3FAC-AE10-330C9B8411AE}"/>
-          </ac:spMkLst>
-        </pc:spChg>
-        <pc:spChg chg="add mod">
-          <ac:chgData name="Jonathan Mah" userId="5261b2f2f3e51194" providerId="LiveId" clId="{A5D66373-2F43-49C1-972D-0BE2B77E544E}" dt="2025-12-03T08:46:17.764" v="421" actId="1076"/>
-          <ac:spMkLst>
-            <pc:docMk/>
-            <pc:sldMk cId="1601061642" sldId="512"/>
-            <ac:spMk id="8" creationId="{20EE986B-3628-5E33-64FD-9C4FC78DD678}"/>
-          </ac:spMkLst>
-        </pc:spChg>
         <pc:spChg chg="mod">
-          <ac:chgData name="Jonathan Mah" userId="5261b2f2f3e51194" providerId="LiveId" clId="{A5D66373-2F43-49C1-972D-0BE2B77E544E}" dt="2025-12-03T08:48:41.750" v="472" actId="1076"/>
-          <ac:spMkLst>
-            <pc:docMk/>
-            <pc:sldMk cId="1601061642" sldId="512"/>
-            <ac:spMk id="9" creationId="{F7246C0D-7BA6-41D6-C320-1A24DB75A41B}"/>
-          </ac:spMkLst>
-        </pc:spChg>
-        <pc:spChg chg="add mod">
-          <ac:chgData name="Jonathan Mah" userId="5261b2f2f3e51194" providerId="LiveId" clId="{A5D66373-2F43-49C1-972D-0BE2B77E544E}" dt="2025-12-03T08:49:06.902" v="476" actId="1076"/>
-          <ac:spMkLst>
-            <pc:docMk/>
-            <pc:sldMk cId="1601061642" sldId="512"/>
-            <ac:spMk id="10" creationId="{F969B816-1836-9294-742B-96942DDF7418}"/>
-          </ac:spMkLst>
-        </pc:spChg>
-        <pc:spChg chg="add mod">
-          <ac:chgData name="Jonathan Mah" userId="5261b2f2f3e51194" providerId="LiveId" clId="{A5D66373-2F43-49C1-972D-0BE2B77E544E}" dt="2025-12-03T08:47:55.253" v="450" actId="14100"/>
+          <ac:chgData name="Jonathan Mah" userId="5261b2f2f3e51194" providerId="LiveId" clId="{DB9BCF8B-E91B-491C-8171-92D39BBC1534}" dt="2026-02-07T09:40:32.378" v="18" actId="14100"/>
           <ac:spMkLst>
             <pc:docMk/>
             <pc:sldMk cId="1601061642" sldId="512"/>
@@ -226,7 +174,7 @@
           </ac:spMkLst>
         </pc:spChg>
         <pc:spChg chg="mod">
-          <ac:chgData name="Jonathan Mah" userId="5261b2f2f3e51194" providerId="LiveId" clId="{A5D66373-2F43-49C1-972D-0BE2B77E544E}" dt="2025-12-03T08:47:12.733" v="432" actId="1076"/>
+          <ac:chgData name="Jonathan Mah" userId="5261b2f2f3e51194" providerId="LiveId" clId="{DB9BCF8B-E91B-491C-8171-92D39BBC1534}" dt="2026-02-07T09:40:29.820" v="17" actId="14100"/>
           <ac:spMkLst>
             <pc:docMk/>
             <pc:sldMk cId="1601061642" sldId="512"/>
@@ -234,23 +182,15 @@
           </ac:spMkLst>
         </pc:spChg>
         <pc:spChg chg="add mod">
-          <ac:chgData name="Jonathan Mah" userId="5261b2f2f3e51194" providerId="LiveId" clId="{A5D66373-2F43-49C1-972D-0BE2B77E544E}" dt="2025-12-03T08:47:53.325" v="449" actId="14100"/>
+          <ac:chgData name="Jonathan Mah" userId="5261b2f2f3e51194" providerId="LiveId" clId="{DB9BCF8B-E91B-491C-8171-92D39BBC1534}" dt="2026-02-07T09:07:35.897" v="12" actId="14100"/>
           <ac:spMkLst>
             <pc:docMk/>
             <pc:sldMk cId="1601061642" sldId="512"/>
-            <ac:spMk id="13" creationId="{1A16D876-3D2A-6700-0BD6-6FCABDF5F6C0}"/>
+            <ac:spMk id="14" creationId="{B49E3BD8-47F9-9CFE-D129-00772C3D2154}"/>
           </ac:spMkLst>
         </pc:spChg>
-        <pc:spChg chg="add del mod">
-          <ac:chgData name="Jonathan Mah" userId="5261b2f2f3e51194" providerId="LiveId" clId="{A5D66373-2F43-49C1-972D-0BE2B77E544E}" dt="2025-12-03T08:36:15.671" v="242" actId="478"/>
-          <ac:spMkLst>
-            <pc:docMk/>
-            <pc:sldMk cId="1601061642" sldId="512"/>
-            <ac:spMk id="14" creationId="{FE525588-EA35-E513-460D-016FD47DEB1D}"/>
-          </ac:spMkLst>
-        </pc:spChg>
-        <pc:spChg chg="add mod">
-          <ac:chgData name="Jonathan Mah" userId="5261b2f2f3e51194" providerId="LiveId" clId="{A5D66373-2F43-49C1-972D-0BE2B77E544E}" dt="2025-12-03T08:47:28.254" v="447" actId="1036"/>
+        <pc:spChg chg="mod">
+          <ac:chgData name="Jonathan Mah" userId="5261b2f2f3e51194" providerId="LiveId" clId="{DB9BCF8B-E91B-491C-8171-92D39BBC1534}" dt="2026-02-07T09:07:50.982" v="16" actId="1038"/>
           <ac:spMkLst>
             <pc:docMk/>
             <pc:sldMk cId="1601061642" sldId="512"/>
@@ -258,188 +198,299 @@
           </ac:spMkLst>
         </pc:spChg>
         <pc:spChg chg="mod">
-          <ac:chgData name="Jonathan Mah" userId="5261b2f2f3e51194" providerId="LiveId" clId="{A5D66373-2F43-49C1-972D-0BE2B77E544E}" dt="2025-12-03T08:47:22.708" v="440" actId="1035"/>
-          <ac:spMkLst>
-            <pc:docMk/>
-            <pc:sldMk cId="1601061642" sldId="512"/>
-            <ac:spMk id="16" creationId="{AC24383B-9881-F2A1-21EC-E1F08400A776}"/>
-          </ac:spMkLst>
-        </pc:spChg>
-        <pc:spChg chg="add mod">
-          <ac:chgData name="Jonathan Mah" userId="5261b2f2f3e51194" providerId="LiveId" clId="{A5D66373-2F43-49C1-972D-0BE2B77E544E}" dt="2025-12-03T08:47:12.733" v="432" actId="1076"/>
+          <ac:chgData name="Jonathan Mah" userId="5261b2f2f3e51194" providerId="LiveId" clId="{DB9BCF8B-E91B-491C-8171-92D39BBC1534}" dt="2026-02-07T09:07:50.982" v="16" actId="1038"/>
           <ac:spMkLst>
             <pc:docMk/>
             <pc:sldMk cId="1601061642" sldId="512"/>
             <ac:spMk id="17" creationId="{65A0B147-7A62-6C7D-0F90-055F2D36001A}"/>
           </ac:spMkLst>
         </pc:spChg>
-        <pc:spChg chg="add del mod">
-          <ac:chgData name="Jonathan Mah" userId="5261b2f2f3e51194" providerId="LiveId" clId="{A5D66373-2F43-49C1-972D-0BE2B77E544E}" dt="2025-12-03T08:45:59.523" v="416" actId="478"/>
-          <ac:spMkLst>
-            <pc:docMk/>
-            <pc:sldMk cId="1601061642" sldId="512"/>
-            <ac:spMk id="18" creationId="{4FB1C5C0-BD31-AE0A-B987-285F436BFAA5}"/>
-          </ac:spMkLst>
-        </pc:spChg>
-        <pc:spChg chg="add mod">
-          <ac:chgData name="Jonathan Mah" userId="5261b2f2f3e51194" providerId="LiveId" clId="{A5D66373-2F43-49C1-972D-0BE2B77E544E}" dt="2025-12-03T08:46:17.764" v="421" actId="1076"/>
+        <pc:spChg chg="mod">
+          <ac:chgData name="Jonathan Mah" userId="5261b2f2f3e51194" providerId="LiveId" clId="{DB9BCF8B-E91B-491C-8171-92D39BBC1534}" dt="2026-02-07T09:07:50.982" v="16" actId="1038"/>
           <ac:spMkLst>
             <pc:docMk/>
             <pc:sldMk cId="1601061642" sldId="512"/>
             <ac:spMk id="21" creationId="{E4E7989C-1CF6-28FB-4967-C8FA080C3C9D}"/>
           </ac:spMkLst>
         </pc:spChg>
-        <pc:spChg chg="add mod">
-          <ac:chgData name="Jonathan Mah" userId="5261b2f2f3e51194" providerId="LiveId" clId="{A5D66373-2F43-49C1-972D-0BE2B77E544E}" dt="2025-12-03T08:45:19.828" v="375" actId="1076"/>
+        <pc:spChg chg="mod">
+          <ac:chgData name="Jonathan Mah" userId="5261b2f2f3e51194" providerId="LiveId" clId="{DB9BCF8B-E91B-491C-8171-92D39BBC1534}" dt="2026-02-07T09:07:50.982" v="16" actId="1038"/>
           <ac:spMkLst>
             <pc:docMk/>
             <pc:sldMk cId="1601061642" sldId="512"/>
             <ac:spMk id="24" creationId="{ACB078C8-4156-AC31-CFB4-4A88C1B62115}"/>
           </ac:spMkLst>
         </pc:spChg>
-        <pc:spChg chg="add mod">
-          <ac:chgData name="Jonathan Mah" userId="5261b2f2f3e51194" providerId="LiveId" clId="{A5D66373-2F43-49C1-972D-0BE2B77E544E}" dt="2025-12-03T08:46:17.764" v="421" actId="1076"/>
-          <ac:spMkLst>
-            <pc:docMk/>
-            <pc:sldMk cId="1601061642" sldId="512"/>
-            <ac:spMk id="25" creationId="{66BF2C94-935F-34B9-0B52-AD79BA960CCB}"/>
-          </ac:spMkLst>
-        </pc:spChg>
-        <pc:spChg chg="add mod">
-          <ac:chgData name="Jonathan Mah" userId="5261b2f2f3e51194" providerId="LiveId" clId="{A5D66373-2F43-49C1-972D-0BE2B77E544E}" dt="2025-12-03T08:45:19.828" v="375" actId="1076"/>
+        <pc:spChg chg="mod">
+          <ac:chgData name="Jonathan Mah" userId="5261b2f2f3e51194" providerId="LiveId" clId="{DB9BCF8B-E91B-491C-8171-92D39BBC1534}" dt="2026-02-07T09:07:50.982" v="16" actId="1038"/>
           <ac:spMkLst>
             <pc:docMk/>
             <pc:sldMk cId="1601061642" sldId="512"/>
             <ac:spMk id="26" creationId="{9DD70F72-77C1-8EA5-551A-235221EC6AD1}"/>
           </ac:spMkLst>
         </pc:spChg>
-        <pc:spChg chg="add mod">
-          <ac:chgData name="Jonathan Mah" userId="5261b2f2f3e51194" providerId="LiveId" clId="{A5D66373-2F43-49C1-972D-0BE2B77E544E}" dt="2025-12-03T08:47:22.708" v="440" actId="1035"/>
+        <pc:spChg chg="mod">
+          <ac:chgData name="Jonathan Mah" userId="5261b2f2f3e51194" providerId="LiveId" clId="{DB9BCF8B-E91B-491C-8171-92D39BBC1534}" dt="2026-02-07T09:07:50.982" v="16" actId="1038"/>
           <ac:spMkLst>
             <pc:docMk/>
             <pc:sldMk cId="1601061642" sldId="512"/>
             <ac:spMk id="29" creationId="{614BC83A-B477-6D06-899E-F7C4E8AF95F0}"/>
           </ac:spMkLst>
         </pc:spChg>
-        <pc:spChg chg="add mod">
-          <ac:chgData name="Jonathan Mah" userId="5261b2f2f3e51194" providerId="LiveId" clId="{A5D66373-2F43-49C1-972D-0BE2B77E544E}" dt="2025-12-03T08:47:28.254" v="447" actId="1036"/>
+        <pc:spChg chg="mod">
+          <ac:chgData name="Jonathan Mah" userId="5261b2f2f3e51194" providerId="LiveId" clId="{DB9BCF8B-E91B-491C-8171-92D39BBC1534}" dt="2026-02-07T09:07:50.982" v="16" actId="1038"/>
           <ac:spMkLst>
             <pc:docMk/>
             <pc:sldMk cId="1601061642" sldId="512"/>
             <ac:spMk id="30" creationId="{FC1A50AB-9A7A-68FF-2DA1-3CC4AC4B2C10}"/>
           </ac:spMkLst>
         </pc:spChg>
-        <pc:spChg chg="add mod">
-          <ac:chgData name="Jonathan Mah" userId="5261b2f2f3e51194" providerId="LiveId" clId="{A5D66373-2F43-49C1-972D-0BE2B77E544E}" dt="2025-12-03T08:47:03.260" v="431" actId="1036"/>
+        <pc:spChg chg="mod">
+          <ac:chgData name="Jonathan Mah" userId="5261b2f2f3e51194" providerId="LiveId" clId="{DB9BCF8B-E91B-491C-8171-92D39BBC1534}" dt="2026-02-07T09:07:50.982" v="16" actId="1038"/>
           <ac:spMkLst>
             <pc:docMk/>
             <pc:sldMk cId="1601061642" sldId="512"/>
             <ac:spMk id="32" creationId="{CC1498EC-B75D-AB9B-E34F-27C8DCF3AA8B}"/>
           </ac:spMkLst>
         </pc:spChg>
-        <pc:spChg chg="add mod">
-          <ac:chgData name="Jonathan Mah" userId="5261b2f2f3e51194" providerId="LiveId" clId="{A5D66373-2F43-49C1-972D-0BE2B77E544E}" dt="2025-12-03T08:47:03.260" v="431" actId="1036"/>
-          <ac:spMkLst>
-            <pc:docMk/>
-            <pc:sldMk cId="1601061642" sldId="512"/>
-            <ac:spMk id="33" creationId="{FF20AB08-F6C7-DA2C-91D8-B9E1A0DB96C3}"/>
-          </ac:spMkLst>
-        </pc:spChg>
-        <pc:spChg chg="add mod">
-          <ac:chgData name="Jonathan Mah" userId="5261b2f2f3e51194" providerId="LiveId" clId="{A5D66373-2F43-49C1-972D-0BE2B77E544E}" dt="2025-12-03T08:48:35.998" v="471" actId="1076"/>
+        <pc:spChg chg="mod">
+          <ac:chgData name="Jonathan Mah" userId="5261b2f2f3e51194" providerId="LiveId" clId="{DB9BCF8B-E91B-491C-8171-92D39BBC1534}" dt="2026-02-07T09:07:50.982" v="16" actId="1038"/>
           <ac:spMkLst>
             <pc:docMk/>
             <pc:sldMk cId="1601061642" sldId="512"/>
             <ac:spMk id="34" creationId="{C88BE0C8-A8C9-57F6-6D7A-DC0D805FC6F9}"/>
           </ac:spMkLst>
         </pc:spChg>
-        <pc:spChg chg="add mod">
-          <ac:chgData name="Jonathan Mah" userId="5261b2f2f3e51194" providerId="LiveId" clId="{A5D66373-2F43-49C1-972D-0BE2B77E544E}" dt="2025-12-03T08:50:00.118" v="488" actId="1076"/>
-          <ac:spMkLst>
-            <pc:docMk/>
-            <pc:sldMk cId="1601061642" sldId="512"/>
-            <ac:spMk id="35" creationId="{4BA64D15-3279-904E-184A-FE3B778207E1}"/>
-          </ac:spMkLst>
-        </pc:spChg>
-        <pc:spChg chg="add mod">
-          <ac:chgData name="Jonathan Mah" userId="5261b2f2f3e51194" providerId="LiveId" clId="{A5D66373-2F43-49C1-972D-0BE2B77E544E}" dt="2025-12-03T08:50:07.582" v="493" actId="20577"/>
-          <ac:spMkLst>
-            <pc:docMk/>
-            <pc:sldMk cId="1601061642" sldId="512"/>
-            <ac:spMk id="36" creationId="{492268D4-7A91-5080-826D-45C0DE1DD1C3}"/>
-          </ac:spMkLst>
-        </pc:spChg>
-        <pc:spChg chg="add mod">
-          <ac:chgData name="Jonathan Mah" userId="5261b2f2f3e51194" providerId="LiveId" clId="{A5D66373-2F43-49C1-972D-0BE2B77E544E}" dt="2025-12-03T08:50:25.310" v="498" actId="1076"/>
+        <pc:spChg chg="mod">
+          <ac:chgData name="Jonathan Mah" userId="5261b2f2f3e51194" providerId="LiveId" clId="{DB9BCF8B-E91B-491C-8171-92D39BBC1534}" dt="2026-02-07T09:07:50.982" v="16" actId="1038"/>
           <ac:spMkLst>
             <pc:docMk/>
             <pc:sldMk cId="1601061642" sldId="512"/>
             <ac:spMk id="37" creationId="{FD72681F-F124-DEDC-B8D1-0989DA413C51}"/>
           </ac:spMkLst>
         </pc:spChg>
+      </pc:sldChg>
+      <pc:sldChg chg="addSp delSp modSp new mod">
+        <pc:chgData name="Jonathan Mah" userId="5261b2f2f3e51194" providerId="LiveId" clId="{DB9BCF8B-E91B-491C-8171-92D39BBC1534}" dt="2026-02-07T10:12:02.908" v="68" actId="1038"/>
+        <pc:sldMkLst>
+          <pc:docMk/>
+          <pc:sldMk cId="2756291988" sldId="517"/>
+        </pc:sldMkLst>
+        <pc:spChg chg="del">
+          <ac:chgData name="Jonathan Mah" userId="5261b2f2f3e51194" providerId="LiveId" clId="{DB9BCF8B-E91B-491C-8171-92D39BBC1534}" dt="2026-02-07T10:04:51.827" v="20" actId="478"/>
+          <ac:spMkLst>
+            <pc:docMk/>
+            <pc:sldMk cId="2756291988" sldId="517"/>
+            <ac:spMk id="2" creationId="{27AC02E5-5494-5DEC-8A71-03F7C5DEC007}"/>
+          </ac:spMkLst>
+        </pc:spChg>
+        <pc:spChg chg="del">
+          <ac:chgData name="Jonathan Mah" userId="5261b2f2f3e51194" providerId="LiveId" clId="{DB9BCF8B-E91B-491C-8171-92D39BBC1534}" dt="2026-02-07T10:04:51.827" v="20" actId="478"/>
+          <ac:spMkLst>
+            <pc:docMk/>
+            <pc:sldMk cId="2756291988" sldId="517"/>
+            <ac:spMk id="3" creationId="{C052DAE9-7494-3A07-AB6C-0059575826FA}"/>
+          </ac:spMkLst>
+        </pc:spChg>
+        <pc:spChg chg="add mod">
+          <ac:chgData name="Jonathan Mah" userId="5261b2f2f3e51194" providerId="LiveId" clId="{DB9BCF8B-E91B-491C-8171-92D39BBC1534}" dt="2026-02-07T10:07:30.654" v="49" actId="1038"/>
+          <ac:spMkLst>
+            <pc:docMk/>
+            <pc:sldMk cId="2756291988" sldId="517"/>
+            <ac:spMk id="6" creationId="{BBD625A1-63C5-F220-8C4F-1BA0CA7ED464}"/>
+          </ac:spMkLst>
+        </pc:spChg>
+        <pc:spChg chg="add mod">
+          <ac:chgData name="Jonathan Mah" userId="5261b2f2f3e51194" providerId="LiveId" clId="{DB9BCF8B-E91B-491C-8171-92D39BBC1534}" dt="2026-02-07T10:07:30.654" v="49" actId="1038"/>
+          <ac:spMkLst>
+            <pc:docMk/>
+            <pc:sldMk cId="2756291988" sldId="517"/>
+            <ac:spMk id="7" creationId="{42EB3CC8-DA01-9759-CCD5-B16E85F984DD}"/>
+          </ac:spMkLst>
+        </pc:spChg>
+        <pc:spChg chg="add del mod">
+          <ac:chgData name="Jonathan Mah" userId="5261b2f2f3e51194" providerId="LiveId" clId="{DB9BCF8B-E91B-491C-8171-92D39BBC1534}" dt="2026-02-07T10:11:40.049" v="53" actId="478"/>
+          <ac:spMkLst>
+            <pc:docMk/>
+            <pc:sldMk cId="2756291988" sldId="517"/>
+            <ac:spMk id="10" creationId="{DADB01BC-F97E-0851-AC7D-5C9B8FB13CEB}"/>
+          </ac:spMkLst>
+        </pc:spChg>
+        <pc:spChg chg="add del mod">
+          <ac:chgData name="Jonathan Mah" userId="5261b2f2f3e51194" providerId="LiveId" clId="{DB9BCF8B-E91B-491C-8171-92D39BBC1534}" dt="2026-02-07T10:11:44.589" v="54" actId="478"/>
+          <ac:spMkLst>
+            <pc:docMk/>
+            <pc:sldMk cId="2756291988" sldId="517"/>
+            <ac:spMk id="11" creationId="{1046D94F-C5F2-CECC-E8E8-26BD40ADE938}"/>
+          </ac:spMkLst>
+        </pc:spChg>
+        <pc:spChg chg="add mod">
+          <ac:chgData name="Jonathan Mah" userId="5261b2f2f3e51194" providerId="LiveId" clId="{DB9BCF8B-E91B-491C-8171-92D39BBC1534}" dt="2026-02-07T10:12:02.908" v="68" actId="1038"/>
+          <ac:spMkLst>
+            <pc:docMk/>
+            <pc:sldMk cId="2756291988" sldId="517"/>
+            <ac:spMk id="12" creationId="{0FFD421C-D1E8-8F90-7ED3-85F22A785B99}"/>
+          </ac:spMkLst>
+        </pc:spChg>
+        <pc:spChg chg="add mod">
+          <ac:chgData name="Jonathan Mah" userId="5261b2f2f3e51194" providerId="LiveId" clId="{DB9BCF8B-E91B-491C-8171-92D39BBC1534}" dt="2026-02-07T10:12:02.908" v="68" actId="1038"/>
+          <ac:spMkLst>
+            <pc:docMk/>
+            <pc:sldMk cId="2756291988" sldId="517"/>
+            <ac:spMk id="13" creationId="{D9495A65-3C63-A456-11A8-F67AABA29678}"/>
+          </ac:spMkLst>
+        </pc:spChg>
         <pc:picChg chg="add mod">
-          <ac:chgData name="Jonathan Mah" userId="5261b2f2f3e51194" providerId="LiveId" clId="{A5D66373-2F43-49C1-972D-0BE2B77E544E}" dt="2025-12-03T08:45:19.828" v="375" actId="1076"/>
+          <ac:chgData name="Jonathan Mah" userId="5261b2f2f3e51194" providerId="LiveId" clId="{DB9BCF8B-E91B-491C-8171-92D39BBC1534}" dt="2026-02-07T10:07:17.383" v="26" actId="14100"/>
           <ac:picMkLst>
             <pc:docMk/>
-            <pc:sldMk cId="1601061642" sldId="512"/>
-            <ac:picMk id="20" creationId="{63E7276F-F01B-934A-CFDD-FB6D5F2EC7FE}"/>
+            <pc:sldMk cId="2756291988" sldId="517"/>
+            <ac:picMk id="5" creationId="{D28E183A-4C31-52B0-0727-47F9DC3F9356}"/>
+          </ac:picMkLst>
+        </pc:picChg>
+        <pc:picChg chg="add mod">
+          <ac:chgData name="Jonathan Mah" userId="5261b2f2f3e51194" providerId="LiveId" clId="{DB9BCF8B-E91B-491C-8171-92D39BBC1534}" dt="2026-02-07T10:11:28.661" v="51" actId="1076"/>
+          <ac:picMkLst>
+            <pc:docMk/>
+            <pc:sldMk cId="2756291988" sldId="517"/>
+            <ac:picMk id="9" creationId="{6FFE4216-2D14-64CF-9F23-AA06B883F175}"/>
+          </ac:picMkLst>
+        </pc:picChg>
+      </pc:sldChg>
+      <pc:sldChg chg="addSp delSp modSp new mod">
+        <pc:chgData name="Jonathan Mah" userId="5261b2f2f3e51194" providerId="LiveId" clId="{DB9BCF8B-E91B-491C-8171-92D39BBC1534}" dt="2026-02-07T16:49:27.034" v="135" actId="1037"/>
+        <pc:sldMkLst>
+          <pc:docMk/>
+          <pc:sldMk cId="3447533911" sldId="518"/>
+        </pc:sldMkLst>
+        <pc:spChg chg="del">
+          <ac:chgData name="Jonathan Mah" userId="5261b2f2f3e51194" providerId="LiveId" clId="{DB9BCF8B-E91B-491C-8171-92D39BBC1534}" dt="2026-02-07T10:33:49.131" v="70" actId="478"/>
+          <ac:spMkLst>
+            <pc:docMk/>
+            <pc:sldMk cId="3447533911" sldId="518"/>
+            <ac:spMk id="2" creationId="{E402927F-9DD1-23C2-F0F0-35C3533B62AA}"/>
+          </ac:spMkLst>
+        </pc:spChg>
+        <pc:spChg chg="del">
+          <ac:chgData name="Jonathan Mah" userId="5261b2f2f3e51194" providerId="LiveId" clId="{DB9BCF8B-E91B-491C-8171-92D39BBC1534}" dt="2026-02-07T10:33:49.131" v="70" actId="478"/>
+          <ac:spMkLst>
+            <pc:docMk/>
+            <pc:sldMk cId="3447533911" sldId="518"/>
+            <ac:spMk id="3" creationId="{D7ED62B6-9CE9-4736-F06A-EBBB90EAC460}"/>
+          </ac:spMkLst>
+        </pc:spChg>
+        <pc:spChg chg="add mod">
+          <ac:chgData name="Jonathan Mah" userId="5261b2f2f3e51194" providerId="LiveId" clId="{DB9BCF8B-E91B-491C-8171-92D39BBC1534}" dt="2026-02-07T16:37:31.306" v="112" actId="1076"/>
+          <ac:spMkLst>
+            <pc:docMk/>
+            <pc:sldMk cId="3447533911" sldId="518"/>
+            <ac:spMk id="6" creationId="{7DCFED7E-AE25-0684-919A-91F9CA94736B}"/>
+          </ac:spMkLst>
+        </pc:spChg>
+        <pc:spChg chg="add mod">
+          <ac:chgData name="Jonathan Mah" userId="5261b2f2f3e51194" providerId="LiveId" clId="{DB9BCF8B-E91B-491C-8171-92D39BBC1534}" dt="2026-02-07T16:37:31.306" v="112" actId="1076"/>
+          <ac:spMkLst>
+            <pc:docMk/>
+            <pc:sldMk cId="3447533911" sldId="518"/>
+            <ac:spMk id="7" creationId="{CC49BF9A-8664-D775-C73A-A297EAF95E5C}"/>
+          </ac:spMkLst>
+        </pc:spChg>
+        <pc:spChg chg="add mod">
+          <ac:chgData name="Jonathan Mah" userId="5261b2f2f3e51194" providerId="LiveId" clId="{DB9BCF8B-E91B-491C-8171-92D39BBC1534}" dt="2026-02-07T16:37:31.306" v="112" actId="1076"/>
+          <ac:spMkLst>
+            <pc:docMk/>
+            <pc:sldMk cId="3447533911" sldId="518"/>
+            <ac:spMk id="8" creationId="{ABDA08F7-8D43-187D-C0F4-74BB164B302E}"/>
+          </ac:spMkLst>
+        </pc:spChg>
+        <pc:spChg chg="add mod">
+          <ac:chgData name="Jonathan Mah" userId="5261b2f2f3e51194" providerId="LiveId" clId="{DB9BCF8B-E91B-491C-8171-92D39BBC1534}" dt="2026-02-07T16:37:31.306" v="112" actId="1076"/>
+          <ac:spMkLst>
+            <pc:docMk/>
+            <pc:sldMk cId="3447533911" sldId="518"/>
+            <ac:spMk id="9" creationId="{13636D3B-3F7E-43BF-5255-F890864D76C8}"/>
+          </ac:spMkLst>
+        </pc:spChg>
+        <pc:spChg chg="add mod">
+          <ac:chgData name="Jonathan Mah" userId="5261b2f2f3e51194" providerId="LiveId" clId="{DB9BCF8B-E91B-491C-8171-92D39BBC1534}" dt="2026-02-07T16:37:31.306" v="112" actId="1076"/>
+          <ac:spMkLst>
+            <pc:docMk/>
+            <pc:sldMk cId="3447533911" sldId="518"/>
+            <ac:spMk id="10" creationId="{527BFA4B-4F6D-011A-B88B-DD5AE48380C7}"/>
+          </ac:spMkLst>
+        </pc:spChg>
+        <pc:spChg chg="add mod">
+          <ac:chgData name="Jonathan Mah" userId="5261b2f2f3e51194" providerId="LiveId" clId="{DB9BCF8B-E91B-491C-8171-92D39BBC1534}" dt="2026-02-07T16:49:27.034" v="135" actId="1037"/>
+          <ac:spMkLst>
+            <pc:docMk/>
+            <pc:sldMk cId="3447533911" sldId="518"/>
+            <ac:spMk id="11" creationId="{A0E0BEFD-6D21-AC98-8ABE-124EABA2663D}"/>
+          </ac:spMkLst>
+        </pc:spChg>
+        <pc:spChg chg="add mod">
+          <ac:chgData name="Jonathan Mah" userId="5261b2f2f3e51194" providerId="LiveId" clId="{DB9BCF8B-E91B-491C-8171-92D39BBC1534}" dt="2026-02-07T16:49:27.034" v="135" actId="1037"/>
+          <ac:spMkLst>
+            <pc:docMk/>
+            <pc:sldMk cId="3447533911" sldId="518"/>
+            <ac:spMk id="13" creationId="{BA3CE13A-4BC0-6F8A-E8D7-F89223C4B80C}"/>
+          </ac:spMkLst>
+        </pc:spChg>
+        <pc:spChg chg="add mod">
+          <ac:chgData name="Jonathan Mah" userId="5261b2f2f3e51194" providerId="LiveId" clId="{DB9BCF8B-E91B-491C-8171-92D39BBC1534}" dt="2026-02-07T16:49:27.034" v="135" actId="1037"/>
+          <ac:spMkLst>
+            <pc:docMk/>
+            <pc:sldMk cId="3447533911" sldId="518"/>
+            <ac:spMk id="14" creationId="{BA5C2273-0936-0A08-0DD7-0D874F81A86A}"/>
+          </ac:spMkLst>
+        </pc:spChg>
+        <pc:spChg chg="add mod">
+          <ac:chgData name="Jonathan Mah" userId="5261b2f2f3e51194" providerId="LiveId" clId="{DB9BCF8B-E91B-491C-8171-92D39BBC1534}" dt="2026-02-07T16:49:27.034" v="135" actId="1037"/>
+          <ac:spMkLst>
+            <pc:docMk/>
+            <pc:sldMk cId="3447533911" sldId="518"/>
+            <ac:spMk id="15" creationId="{2AEE357E-0E04-7CA9-79B2-516492109805}"/>
+          </ac:spMkLst>
+        </pc:spChg>
+        <pc:spChg chg="add mod">
+          <ac:chgData name="Jonathan Mah" userId="5261b2f2f3e51194" providerId="LiveId" clId="{DB9BCF8B-E91B-491C-8171-92D39BBC1534}" dt="2026-02-07T16:49:27.034" v="135" actId="1037"/>
+          <ac:spMkLst>
+            <pc:docMk/>
+            <pc:sldMk cId="3447533911" sldId="518"/>
+            <ac:spMk id="16" creationId="{95605F93-FD62-B530-BD1E-48BDE9FF44B1}"/>
+          </ac:spMkLst>
+        </pc:spChg>
+        <pc:picChg chg="add del mod">
+          <ac:chgData name="Jonathan Mah" userId="5261b2f2f3e51194" providerId="LiveId" clId="{DB9BCF8B-E91B-491C-8171-92D39BBC1534}" dt="2026-02-07T16:48:35.858" v="114" actId="478"/>
+          <ac:picMkLst>
+            <pc:docMk/>
+            <pc:sldMk cId="3447533911" sldId="518"/>
+            <ac:picMk id="3" creationId="{BE5B3C20-CEFB-CC70-6885-FDB82DCFDA60}"/>
           </ac:picMkLst>
         </pc:picChg>
         <pc:picChg chg="add del mod">
-          <ac:chgData name="Jonathan Mah" userId="5261b2f2f3e51194" providerId="LiveId" clId="{A5D66373-2F43-49C1-972D-0BE2B77E544E}" dt="2025-12-03T08:43:15.899" v="321" actId="478"/>
+          <ac:chgData name="Jonathan Mah" userId="5261b2f2f3e51194" providerId="LiveId" clId="{DB9BCF8B-E91B-491C-8171-92D39BBC1534}" dt="2026-02-07T10:38:04.824" v="95" actId="478"/>
           <ac:picMkLst>
             <pc:docMk/>
-            <pc:sldMk cId="1601061642" sldId="512"/>
-            <ac:picMk id="22" creationId="{42FBA657-CED5-FA6E-E468-A39906A06854}"/>
-          </ac:picMkLst>
-        </pc:picChg>
-        <pc:picChg chg="add del mod">
-          <ac:chgData name="Jonathan Mah" userId="5261b2f2f3e51194" providerId="LiveId" clId="{A5D66373-2F43-49C1-972D-0BE2B77E544E}" dt="2025-12-03T08:43:16.474" v="322" actId="478"/>
-          <ac:picMkLst>
-            <pc:docMk/>
-            <pc:sldMk cId="1601061642" sldId="512"/>
-            <ac:picMk id="23" creationId="{2AA692FC-120B-223B-D99B-215CC1ACE9B6}"/>
+            <pc:sldMk cId="3447533911" sldId="518"/>
+            <ac:picMk id="5" creationId="{330B6E93-E882-E6D1-5645-0470D73D34B0}"/>
           </ac:picMkLst>
         </pc:picChg>
         <pc:picChg chg="add mod">
-          <ac:chgData name="Jonathan Mah" userId="5261b2f2f3e51194" providerId="LiveId" clId="{A5D66373-2F43-49C1-972D-0BE2B77E544E}" dt="2025-12-03T08:45:19.828" v="375" actId="1076"/>
+          <ac:chgData name="Jonathan Mah" userId="5261b2f2f3e51194" providerId="LiveId" clId="{DB9BCF8B-E91B-491C-8171-92D39BBC1534}" dt="2026-02-07T16:49:08.946" v="116" actId="1076"/>
           <ac:picMkLst>
             <pc:docMk/>
-            <pc:sldMk cId="1601061642" sldId="512"/>
-            <ac:picMk id="27" creationId="{2D97DDCB-7229-9321-0F73-E66F51B159CC}"/>
+            <pc:sldMk cId="3447533911" sldId="518"/>
+            <ac:picMk id="5" creationId="{76A7918C-F868-1FD2-ED7B-F36107A25E09}"/>
           </ac:picMkLst>
         </pc:picChg>
-        <pc:picChg chg="add mod">
-          <ac:chgData name="Jonathan Mah" userId="5261b2f2f3e51194" providerId="LiveId" clId="{A5D66373-2F43-49C1-972D-0BE2B77E544E}" dt="2025-12-03T08:45:19.828" v="375" actId="1076"/>
+        <pc:picChg chg="add mod ord">
+          <ac:chgData name="Jonathan Mah" userId="5261b2f2f3e51194" providerId="LiveId" clId="{DB9BCF8B-E91B-491C-8171-92D39BBC1534}" dt="2026-02-07T16:37:31.306" v="112" actId="1076"/>
           <ac:picMkLst>
             <pc:docMk/>
-            <pc:sldMk cId="1601061642" sldId="512"/>
-            <ac:picMk id="28" creationId="{D84EF3F0-23DB-F3D5-FE38-1150762ADF3E}"/>
+            <pc:sldMk cId="3447533911" sldId="518"/>
+            <ac:picMk id="12" creationId="{7EA3F937-6B5B-B028-8F85-4C27A4F64848}"/>
           </ac:picMkLst>
         </pc:picChg>
-        <pc:cxnChg chg="mod">
-          <ac:chgData name="Jonathan Mah" userId="5261b2f2f3e51194" providerId="LiveId" clId="{A5D66373-2F43-49C1-972D-0BE2B77E544E}" dt="2025-12-03T08:48:46.688" v="475" actId="14100"/>
-          <ac:cxnSpMkLst>
-            <pc:docMk/>
-            <pc:sldMk cId="1601061642" sldId="512"/>
-            <ac:cxnSpMk id="6" creationId="{0C29B28B-7A9A-DC6F-F0AB-D90B76DF2B38}"/>
-          </ac:cxnSpMkLst>
-        </pc:cxnChg>
-        <pc:cxnChg chg="add mod">
-          <ac:chgData name="Jonathan Mah" userId="5261b2f2f3e51194" providerId="LiveId" clId="{A5D66373-2F43-49C1-972D-0BE2B77E544E}" dt="2025-12-03T08:48:46.688" v="475" actId="14100"/>
-          <ac:cxnSpMkLst>
-            <pc:docMk/>
-            <pc:sldMk cId="1601061642" sldId="512"/>
-            <ac:cxnSpMk id="31" creationId="{336F0EB5-4905-BF09-F000-B0455A2F984C}"/>
-          </ac:cxnSpMkLst>
-        </pc:cxnChg>
-      </pc:sldChg>
-      <pc:sldChg chg="add">
-        <pc:chgData name="Jonathan Mah" userId="5261b2f2f3e51194" providerId="LiveId" clId="{A5D66373-2F43-49C1-972D-0BE2B77E544E}" dt="2025-12-03T08:43:03.982" v="310"/>
-        <pc:sldMkLst>
-          <pc:docMk/>
-          <pc:sldMk cId="3124559289" sldId="516"/>
-        </pc:sldMkLst>
       </pc:sldChg>
     </pc:docChg>
   </pc:docChgLst>
@@ -528,7 +579,7 @@
           <a:p>
             <a:fld id="{224F4B04-6A50-4A51-B675-D86EC6563060}" type="datetimeFigureOut">
               <a:rPr lang="en-US" smtClean="0"/>
-              <a:t>12/3/2025</a:t>
+              <a:t>2/7/2026</a:t>
             </a:fld>
             <a:endParaRPr lang="en-US"/>
           </a:p>
@@ -1038,7 +1089,7 @@
           <a:p>
             <a:fld id="{54E435BD-4569-4C00-96FD-DE6EEAA430DA}" type="datetimeFigureOut">
               <a:rPr lang="en-US" smtClean="0"/>
-              <a:t>12/3/2025</a:t>
+              <a:t>2/7/2026</a:t>
             </a:fld>
             <a:endParaRPr lang="en-US"/>
           </a:p>
@@ -1208,7 +1259,7 @@
           <a:p>
             <a:fld id="{54E435BD-4569-4C00-96FD-DE6EEAA430DA}" type="datetimeFigureOut">
               <a:rPr lang="en-US" smtClean="0"/>
-              <a:t>12/3/2025</a:t>
+              <a:t>2/7/2026</a:t>
             </a:fld>
             <a:endParaRPr lang="en-US"/>
           </a:p>
@@ -1388,7 +1439,7 @@
           <a:p>
             <a:fld id="{54E435BD-4569-4C00-96FD-DE6EEAA430DA}" type="datetimeFigureOut">
               <a:rPr lang="en-US" smtClean="0"/>
-              <a:t>12/3/2025</a:t>
+              <a:t>2/7/2026</a:t>
             </a:fld>
             <a:endParaRPr lang="en-US"/>
           </a:p>
@@ -1558,7 +1609,7 @@
           <a:p>
             <a:fld id="{54E435BD-4569-4C00-96FD-DE6EEAA430DA}" type="datetimeFigureOut">
               <a:rPr lang="en-US" smtClean="0"/>
-              <a:t>12/3/2025</a:t>
+              <a:t>2/7/2026</a:t>
             </a:fld>
             <a:endParaRPr lang="en-US"/>
           </a:p>
@@ -1802,7 +1853,7 @@
           <a:p>
             <a:fld id="{54E435BD-4569-4C00-96FD-DE6EEAA430DA}" type="datetimeFigureOut">
               <a:rPr lang="en-US" smtClean="0"/>
-              <a:t>12/3/2025</a:t>
+              <a:t>2/7/2026</a:t>
             </a:fld>
             <a:endParaRPr lang="en-US"/>
           </a:p>
@@ -2034,7 +2085,7 @@
           <a:p>
             <a:fld id="{54E435BD-4569-4C00-96FD-DE6EEAA430DA}" type="datetimeFigureOut">
               <a:rPr lang="en-US" smtClean="0"/>
-              <a:t>12/3/2025</a:t>
+              <a:t>2/7/2026</a:t>
             </a:fld>
             <a:endParaRPr lang="en-US"/>
           </a:p>
@@ -2401,7 +2452,7 @@
           <a:p>
             <a:fld id="{54E435BD-4569-4C00-96FD-DE6EEAA430DA}" type="datetimeFigureOut">
               <a:rPr lang="en-US" smtClean="0"/>
-              <a:t>12/3/2025</a:t>
+              <a:t>2/7/2026</a:t>
             </a:fld>
             <a:endParaRPr lang="en-US"/>
           </a:p>
@@ -2519,7 +2570,7 @@
           <a:p>
             <a:fld id="{54E435BD-4569-4C00-96FD-DE6EEAA430DA}" type="datetimeFigureOut">
               <a:rPr lang="en-US" smtClean="0"/>
-              <a:t>12/3/2025</a:t>
+              <a:t>2/7/2026</a:t>
             </a:fld>
             <a:endParaRPr lang="en-US"/>
           </a:p>
@@ -2614,7 +2665,7 @@
           <a:p>
             <a:fld id="{54E435BD-4569-4C00-96FD-DE6EEAA430DA}" type="datetimeFigureOut">
               <a:rPr lang="en-US" smtClean="0"/>
-              <a:t>12/3/2025</a:t>
+              <a:t>2/7/2026</a:t>
             </a:fld>
             <a:endParaRPr lang="en-US"/>
           </a:p>
@@ -2891,7 +2942,7 @@
           <a:p>
             <a:fld id="{54E435BD-4569-4C00-96FD-DE6EEAA430DA}" type="datetimeFigureOut">
               <a:rPr lang="en-US" smtClean="0"/>
-              <a:t>12/3/2025</a:t>
+              <a:t>2/7/2026</a:t>
             </a:fld>
             <a:endParaRPr lang="en-US"/>
           </a:p>
@@ -3148,7 +3199,7 @@
           <a:p>
             <a:fld id="{54E435BD-4569-4C00-96FD-DE6EEAA430DA}" type="datetimeFigureOut">
               <a:rPr lang="en-US" smtClean="0"/>
-              <a:t>12/3/2025</a:t>
+              <a:t>2/7/2026</a:t>
             </a:fld>
             <a:endParaRPr lang="en-US"/>
           </a:p>
@@ -3361,7 +3412,7 @@
           <a:p>
             <a:fld id="{54E435BD-4569-4C00-96FD-DE6EEAA430DA}" type="datetimeFigureOut">
               <a:rPr lang="en-US" smtClean="0"/>
-              <a:t>12/3/2025</a:t>
+              <a:t>2/7/2026</a:t>
             </a:fld>
             <a:endParaRPr lang="en-US"/>
           </a:p>
@@ -6719,6 +6770,1438 @@
 </p:sld>
 </file>
 
+<file path=ppt/slides/slide10.xml><?xml version="1.0" encoding="utf-8"?>
+<p:sld xmlns:a="http://schemas.openxmlformats.org/drawingml/2006/main" xmlns:r="http://schemas.openxmlformats.org/officeDocument/2006/relationships" xmlns:p="http://schemas.openxmlformats.org/presentationml/2006/main">
+  <p:cSld>
+    <p:spTree>
+      <p:nvGrpSpPr>
+        <p:cNvPr id="1" name=""/>
+        <p:cNvGrpSpPr/>
+        <p:nvPr/>
+      </p:nvGrpSpPr>
+      <p:grpSpPr>
+        <a:xfrm>
+          <a:off x="0" y="0"/>
+          <a:ext cx="0" cy="0"/>
+          <a:chOff x="0" y="0"/>
+          <a:chExt cx="0" cy="0"/>
+        </a:xfrm>
+      </p:grpSpPr>
+      <p:pic>
+        <p:nvPicPr>
+          <p:cNvPr id="12" name="Picture 11">
+            <a:extLst>
+              <a:ext uri="{FF2B5EF4-FFF2-40B4-BE49-F238E27FC236}">
+                <a16:creationId xmlns:a16="http://schemas.microsoft.com/office/drawing/2014/main" id="{7EA3F937-6B5B-B028-8F85-4C27A4F64848}"/>
+              </a:ext>
+            </a:extLst>
+          </p:cNvPr>
+          <p:cNvPicPr>
+            <a:picLocks noChangeAspect="1"/>
+          </p:cNvPicPr>
+          <p:nvPr/>
+        </p:nvPicPr>
+        <p:blipFill>
+          <a:blip r:embed="rId2">
+            <a:extLst>
+              <a:ext uri="{28A0092B-C50C-407E-A947-70E740481C1C}">
+                <a14:useLocalDpi xmlns:a14="http://schemas.microsoft.com/office/drawing/2010/main" val="0"/>
+              </a:ext>
+            </a:extLst>
+          </a:blip>
+          <a:stretch>
+            <a:fillRect/>
+          </a:stretch>
+        </p:blipFill>
+        <p:spPr>
+          <a:xfrm>
+            <a:off x="5714202" y="13079250"/>
+            <a:ext cx="11431595" cy="7621064"/>
+          </a:xfrm>
+          <a:prstGeom prst="rect">
+            <a:avLst/>
+          </a:prstGeom>
+        </p:spPr>
+      </p:pic>
+      <p:sp>
+        <p:nvSpPr>
+          <p:cNvPr id="6" name="TextBox 5">
+            <a:extLst>
+              <a:ext uri="{FF2B5EF4-FFF2-40B4-BE49-F238E27FC236}">
+                <a16:creationId xmlns:a16="http://schemas.microsoft.com/office/drawing/2014/main" id="{7DCFED7E-AE25-0684-919A-91F9CA94736B}"/>
+              </a:ext>
+            </a:extLst>
+          </p:cNvPr>
+          <p:cNvSpPr txBox="1"/>
+          <p:nvPr/>
+        </p:nvSpPr>
+        <p:spPr>
+          <a:xfrm>
+            <a:off x="5882134" y="12756086"/>
+            <a:ext cx="1090166" cy="646331"/>
+          </a:xfrm>
+          <a:prstGeom prst="rect">
+            <a:avLst/>
+          </a:prstGeom>
+          <a:noFill/>
+        </p:spPr>
+        <p:txBody>
+          <a:bodyPr wrap="square" rtlCol="0">
+            <a:spAutoFit/>
+          </a:bodyPr>
+          <a:lstStyle>
+            <a:defPPr>
+              <a:defRPr lang="en-US"/>
+            </a:defPPr>
+            <a:lvl1pPr marL="0" algn="l" defTabSz="457200" rtl="0" eaLnBrk="1" latinLnBrk="0" hangingPunct="1">
+              <a:defRPr sz="1800" kern="1200">
+                <a:solidFill>
+                  <a:schemeClr val="tx1"/>
+                </a:solidFill>
+                <a:latin typeface="+mn-lt"/>
+                <a:ea typeface="+mn-ea"/>
+                <a:cs typeface="+mn-cs"/>
+              </a:defRPr>
+            </a:lvl1pPr>
+            <a:lvl2pPr marL="457200" algn="l" defTabSz="457200" rtl="0" eaLnBrk="1" latinLnBrk="0" hangingPunct="1">
+              <a:defRPr sz="1800" kern="1200">
+                <a:solidFill>
+                  <a:schemeClr val="tx1"/>
+                </a:solidFill>
+                <a:latin typeface="+mn-lt"/>
+                <a:ea typeface="+mn-ea"/>
+                <a:cs typeface="+mn-cs"/>
+              </a:defRPr>
+            </a:lvl2pPr>
+            <a:lvl3pPr marL="914400" algn="l" defTabSz="457200" rtl="0" eaLnBrk="1" latinLnBrk="0" hangingPunct="1">
+              <a:defRPr sz="1800" kern="1200">
+                <a:solidFill>
+                  <a:schemeClr val="tx1"/>
+                </a:solidFill>
+                <a:latin typeface="+mn-lt"/>
+                <a:ea typeface="+mn-ea"/>
+                <a:cs typeface="+mn-cs"/>
+              </a:defRPr>
+            </a:lvl3pPr>
+            <a:lvl4pPr marL="1371600" algn="l" defTabSz="457200" rtl="0" eaLnBrk="1" latinLnBrk="0" hangingPunct="1">
+              <a:defRPr sz="1800" kern="1200">
+                <a:solidFill>
+                  <a:schemeClr val="tx1"/>
+                </a:solidFill>
+                <a:latin typeface="+mn-lt"/>
+                <a:ea typeface="+mn-ea"/>
+                <a:cs typeface="+mn-cs"/>
+              </a:defRPr>
+            </a:lvl4pPr>
+            <a:lvl5pPr marL="1828800" algn="l" defTabSz="457200" rtl="0" eaLnBrk="1" latinLnBrk="0" hangingPunct="1">
+              <a:defRPr sz="1800" kern="1200">
+                <a:solidFill>
+                  <a:schemeClr val="tx1"/>
+                </a:solidFill>
+                <a:latin typeface="+mn-lt"/>
+                <a:ea typeface="+mn-ea"/>
+                <a:cs typeface="+mn-cs"/>
+              </a:defRPr>
+            </a:lvl5pPr>
+            <a:lvl6pPr marL="2286000" algn="l" defTabSz="457200" rtl="0" eaLnBrk="1" latinLnBrk="0" hangingPunct="1">
+              <a:defRPr sz="1800" kern="1200">
+                <a:solidFill>
+                  <a:schemeClr val="tx1"/>
+                </a:solidFill>
+                <a:latin typeface="+mn-lt"/>
+                <a:ea typeface="+mn-ea"/>
+                <a:cs typeface="+mn-cs"/>
+              </a:defRPr>
+            </a:lvl6pPr>
+            <a:lvl7pPr marL="2743200" algn="l" defTabSz="457200" rtl="0" eaLnBrk="1" latinLnBrk="0" hangingPunct="1">
+              <a:defRPr sz="1800" kern="1200">
+                <a:solidFill>
+                  <a:schemeClr val="tx1"/>
+                </a:solidFill>
+                <a:latin typeface="+mn-lt"/>
+                <a:ea typeface="+mn-ea"/>
+                <a:cs typeface="+mn-cs"/>
+              </a:defRPr>
+            </a:lvl7pPr>
+            <a:lvl8pPr marL="3200400" algn="l" defTabSz="457200" rtl="0" eaLnBrk="1" latinLnBrk="0" hangingPunct="1">
+              <a:defRPr sz="1800" kern="1200">
+                <a:solidFill>
+                  <a:schemeClr val="tx1"/>
+                </a:solidFill>
+                <a:latin typeface="+mn-lt"/>
+                <a:ea typeface="+mn-ea"/>
+                <a:cs typeface="+mn-cs"/>
+              </a:defRPr>
+            </a:lvl8pPr>
+            <a:lvl9pPr marL="3657600" algn="l" defTabSz="457200" rtl="0" eaLnBrk="1" latinLnBrk="0" hangingPunct="1">
+              <a:defRPr sz="1800" kern="1200">
+                <a:solidFill>
+                  <a:schemeClr val="tx1"/>
+                </a:solidFill>
+                <a:latin typeface="+mn-lt"/>
+                <a:ea typeface="+mn-ea"/>
+                <a:cs typeface="+mn-cs"/>
+              </a:defRPr>
+            </a:lvl9pPr>
+          </a:lstStyle>
+          <a:p>
+            <a:r>
+              <a:rPr lang="en-US" sz="3600" b="1" dirty="0">
+                <a:latin typeface="Arial" panose="020B0604020202020204" pitchFamily="34" charset="0"/>
+                <a:ea typeface="Yu Gothic" panose="020B0400000000000000" pitchFamily="34" charset="-128"/>
+                <a:cs typeface="Arial" panose="020B0604020202020204" pitchFamily="34" charset="0"/>
+              </a:rPr>
+              <a:t>(a)</a:t>
+            </a:r>
+          </a:p>
+        </p:txBody>
+      </p:sp>
+      <p:sp>
+        <p:nvSpPr>
+          <p:cNvPr id="7" name="TextBox 6">
+            <a:extLst>
+              <a:ext uri="{FF2B5EF4-FFF2-40B4-BE49-F238E27FC236}">
+                <a16:creationId xmlns:a16="http://schemas.microsoft.com/office/drawing/2014/main" id="{CC49BF9A-8664-D775-C73A-A297EAF95E5C}"/>
+              </a:ext>
+            </a:extLst>
+          </p:cNvPr>
+          <p:cNvSpPr txBox="1"/>
+          <p:nvPr/>
+        </p:nvSpPr>
+        <p:spPr>
+          <a:xfrm>
+            <a:off x="5882134" y="15156386"/>
+            <a:ext cx="1090166" cy="646331"/>
+          </a:xfrm>
+          <a:prstGeom prst="rect">
+            <a:avLst/>
+          </a:prstGeom>
+          <a:noFill/>
+        </p:spPr>
+        <p:txBody>
+          <a:bodyPr wrap="square" rtlCol="0">
+            <a:spAutoFit/>
+          </a:bodyPr>
+          <a:lstStyle>
+            <a:defPPr>
+              <a:defRPr lang="en-US"/>
+            </a:defPPr>
+            <a:lvl1pPr marL="0" algn="l" defTabSz="457200" rtl="0" eaLnBrk="1" latinLnBrk="0" hangingPunct="1">
+              <a:defRPr sz="1800" kern="1200">
+                <a:solidFill>
+                  <a:schemeClr val="tx1"/>
+                </a:solidFill>
+                <a:latin typeface="+mn-lt"/>
+                <a:ea typeface="+mn-ea"/>
+                <a:cs typeface="+mn-cs"/>
+              </a:defRPr>
+            </a:lvl1pPr>
+            <a:lvl2pPr marL="457200" algn="l" defTabSz="457200" rtl="0" eaLnBrk="1" latinLnBrk="0" hangingPunct="1">
+              <a:defRPr sz="1800" kern="1200">
+                <a:solidFill>
+                  <a:schemeClr val="tx1"/>
+                </a:solidFill>
+                <a:latin typeface="+mn-lt"/>
+                <a:ea typeface="+mn-ea"/>
+                <a:cs typeface="+mn-cs"/>
+              </a:defRPr>
+            </a:lvl2pPr>
+            <a:lvl3pPr marL="914400" algn="l" defTabSz="457200" rtl="0" eaLnBrk="1" latinLnBrk="0" hangingPunct="1">
+              <a:defRPr sz="1800" kern="1200">
+                <a:solidFill>
+                  <a:schemeClr val="tx1"/>
+                </a:solidFill>
+                <a:latin typeface="+mn-lt"/>
+                <a:ea typeface="+mn-ea"/>
+                <a:cs typeface="+mn-cs"/>
+              </a:defRPr>
+            </a:lvl3pPr>
+            <a:lvl4pPr marL="1371600" algn="l" defTabSz="457200" rtl="0" eaLnBrk="1" latinLnBrk="0" hangingPunct="1">
+              <a:defRPr sz="1800" kern="1200">
+                <a:solidFill>
+                  <a:schemeClr val="tx1"/>
+                </a:solidFill>
+                <a:latin typeface="+mn-lt"/>
+                <a:ea typeface="+mn-ea"/>
+                <a:cs typeface="+mn-cs"/>
+              </a:defRPr>
+            </a:lvl4pPr>
+            <a:lvl5pPr marL="1828800" algn="l" defTabSz="457200" rtl="0" eaLnBrk="1" latinLnBrk="0" hangingPunct="1">
+              <a:defRPr sz="1800" kern="1200">
+                <a:solidFill>
+                  <a:schemeClr val="tx1"/>
+                </a:solidFill>
+                <a:latin typeface="+mn-lt"/>
+                <a:ea typeface="+mn-ea"/>
+                <a:cs typeface="+mn-cs"/>
+              </a:defRPr>
+            </a:lvl5pPr>
+            <a:lvl6pPr marL="2286000" algn="l" defTabSz="457200" rtl="0" eaLnBrk="1" latinLnBrk="0" hangingPunct="1">
+              <a:defRPr sz="1800" kern="1200">
+                <a:solidFill>
+                  <a:schemeClr val="tx1"/>
+                </a:solidFill>
+                <a:latin typeface="+mn-lt"/>
+                <a:ea typeface="+mn-ea"/>
+                <a:cs typeface="+mn-cs"/>
+              </a:defRPr>
+            </a:lvl6pPr>
+            <a:lvl7pPr marL="2743200" algn="l" defTabSz="457200" rtl="0" eaLnBrk="1" latinLnBrk="0" hangingPunct="1">
+              <a:defRPr sz="1800" kern="1200">
+                <a:solidFill>
+                  <a:schemeClr val="tx1"/>
+                </a:solidFill>
+                <a:latin typeface="+mn-lt"/>
+                <a:ea typeface="+mn-ea"/>
+                <a:cs typeface="+mn-cs"/>
+              </a:defRPr>
+            </a:lvl7pPr>
+            <a:lvl8pPr marL="3200400" algn="l" defTabSz="457200" rtl="0" eaLnBrk="1" latinLnBrk="0" hangingPunct="1">
+              <a:defRPr sz="1800" kern="1200">
+                <a:solidFill>
+                  <a:schemeClr val="tx1"/>
+                </a:solidFill>
+                <a:latin typeface="+mn-lt"/>
+                <a:ea typeface="+mn-ea"/>
+                <a:cs typeface="+mn-cs"/>
+              </a:defRPr>
+            </a:lvl8pPr>
+            <a:lvl9pPr marL="3657600" algn="l" defTabSz="457200" rtl="0" eaLnBrk="1" latinLnBrk="0" hangingPunct="1">
+              <a:defRPr sz="1800" kern="1200">
+                <a:solidFill>
+                  <a:schemeClr val="tx1"/>
+                </a:solidFill>
+                <a:latin typeface="+mn-lt"/>
+                <a:ea typeface="+mn-ea"/>
+                <a:cs typeface="+mn-cs"/>
+              </a:defRPr>
+            </a:lvl9pPr>
+          </a:lstStyle>
+          <a:p>
+            <a:r>
+              <a:rPr lang="en-US" sz="3600" b="1" dirty="0">
+                <a:latin typeface="Arial" panose="020B0604020202020204" pitchFamily="34" charset="0"/>
+                <a:ea typeface="Yu Gothic" panose="020B0400000000000000" pitchFamily="34" charset="-128"/>
+                <a:cs typeface="Arial" panose="020B0604020202020204" pitchFamily="34" charset="0"/>
+              </a:rPr>
+              <a:t>(b)</a:t>
+            </a:r>
+          </a:p>
+        </p:txBody>
+      </p:sp>
+      <p:sp>
+        <p:nvSpPr>
+          <p:cNvPr id="8" name="TextBox 7">
+            <a:extLst>
+              <a:ext uri="{FF2B5EF4-FFF2-40B4-BE49-F238E27FC236}">
+                <a16:creationId xmlns:a16="http://schemas.microsoft.com/office/drawing/2014/main" id="{ABDA08F7-8D43-187D-C0F4-74BB164B302E}"/>
+              </a:ext>
+            </a:extLst>
+          </p:cNvPr>
+          <p:cNvSpPr txBox="1"/>
+          <p:nvPr/>
+        </p:nvSpPr>
+        <p:spPr>
+          <a:xfrm>
+            <a:off x="5882134" y="17814393"/>
+            <a:ext cx="1090166" cy="646331"/>
+          </a:xfrm>
+          <a:prstGeom prst="rect">
+            <a:avLst/>
+          </a:prstGeom>
+          <a:noFill/>
+        </p:spPr>
+        <p:txBody>
+          <a:bodyPr wrap="square" rtlCol="0">
+            <a:spAutoFit/>
+          </a:bodyPr>
+          <a:lstStyle>
+            <a:defPPr>
+              <a:defRPr lang="en-US"/>
+            </a:defPPr>
+            <a:lvl1pPr marL="0" algn="l" defTabSz="457200" rtl="0" eaLnBrk="1" latinLnBrk="0" hangingPunct="1">
+              <a:defRPr sz="1800" kern="1200">
+                <a:solidFill>
+                  <a:schemeClr val="tx1"/>
+                </a:solidFill>
+                <a:latin typeface="+mn-lt"/>
+                <a:ea typeface="+mn-ea"/>
+                <a:cs typeface="+mn-cs"/>
+              </a:defRPr>
+            </a:lvl1pPr>
+            <a:lvl2pPr marL="457200" algn="l" defTabSz="457200" rtl="0" eaLnBrk="1" latinLnBrk="0" hangingPunct="1">
+              <a:defRPr sz="1800" kern="1200">
+                <a:solidFill>
+                  <a:schemeClr val="tx1"/>
+                </a:solidFill>
+                <a:latin typeface="+mn-lt"/>
+                <a:ea typeface="+mn-ea"/>
+                <a:cs typeface="+mn-cs"/>
+              </a:defRPr>
+            </a:lvl2pPr>
+            <a:lvl3pPr marL="914400" algn="l" defTabSz="457200" rtl="0" eaLnBrk="1" latinLnBrk="0" hangingPunct="1">
+              <a:defRPr sz="1800" kern="1200">
+                <a:solidFill>
+                  <a:schemeClr val="tx1"/>
+                </a:solidFill>
+                <a:latin typeface="+mn-lt"/>
+                <a:ea typeface="+mn-ea"/>
+                <a:cs typeface="+mn-cs"/>
+              </a:defRPr>
+            </a:lvl3pPr>
+            <a:lvl4pPr marL="1371600" algn="l" defTabSz="457200" rtl="0" eaLnBrk="1" latinLnBrk="0" hangingPunct="1">
+              <a:defRPr sz="1800" kern="1200">
+                <a:solidFill>
+                  <a:schemeClr val="tx1"/>
+                </a:solidFill>
+                <a:latin typeface="+mn-lt"/>
+                <a:ea typeface="+mn-ea"/>
+                <a:cs typeface="+mn-cs"/>
+              </a:defRPr>
+            </a:lvl4pPr>
+            <a:lvl5pPr marL="1828800" algn="l" defTabSz="457200" rtl="0" eaLnBrk="1" latinLnBrk="0" hangingPunct="1">
+              <a:defRPr sz="1800" kern="1200">
+                <a:solidFill>
+                  <a:schemeClr val="tx1"/>
+                </a:solidFill>
+                <a:latin typeface="+mn-lt"/>
+                <a:ea typeface="+mn-ea"/>
+                <a:cs typeface="+mn-cs"/>
+              </a:defRPr>
+            </a:lvl5pPr>
+            <a:lvl6pPr marL="2286000" algn="l" defTabSz="457200" rtl="0" eaLnBrk="1" latinLnBrk="0" hangingPunct="1">
+              <a:defRPr sz="1800" kern="1200">
+                <a:solidFill>
+                  <a:schemeClr val="tx1"/>
+                </a:solidFill>
+                <a:latin typeface="+mn-lt"/>
+                <a:ea typeface="+mn-ea"/>
+                <a:cs typeface="+mn-cs"/>
+              </a:defRPr>
+            </a:lvl6pPr>
+            <a:lvl7pPr marL="2743200" algn="l" defTabSz="457200" rtl="0" eaLnBrk="1" latinLnBrk="0" hangingPunct="1">
+              <a:defRPr sz="1800" kern="1200">
+                <a:solidFill>
+                  <a:schemeClr val="tx1"/>
+                </a:solidFill>
+                <a:latin typeface="+mn-lt"/>
+                <a:ea typeface="+mn-ea"/>
+                <a:cs typeface="+mn-cs"/>
+              </a:defRPr>
+            </a:lvl7pPr>
+            <a:lvl8pPr marL="3200400" algn="l" defTabSz="457200" rtl="0" eaLnBrk="1" latinLnBrk="0" hangingPunct="1">
+              <a:defRPr sz="1800" kern="1200">
+                <a:solidFill>
+                  <a:schemeClr val="tx1"/>
+                </a:solidFill>
+                <a:latin typeface="+mn-lt"/>
+                <a:ea typeface="+mn-ea"/>
+                <a:cs typeface="+mn-cs"/>
+              </a:defRPr>
+            </a:lvl8pPr>
+            <a:lvl9pPr marL="3657600" algn="l" defTabSz="457200" rtl="0" eaLnBrk="1" latinLnBrk="0" hangingPunct="1">
+              <a:defRPr sz="1800" kern="1200">
+                <a:solidFill>
+                  <a:schemeClr val="tx1"/>
+                </a:solidFill>
+                <a:latin typeface="+mn-lt"/>
+                <a:ea typeface="+mn-ea"/>
+                <a:cs typeface="+mn-cs"/>
+              </a:defRPr>
+            </a:lvl9pPr>
+          </a:lstStyle>
+          <a:p>
+            <a:r>
+              <a:rPr lang="en-US" sz="3600" b="1" dirty="0">
+                <a:latin typeface="Arial" panose="020B0604020202020204" pitchFamily="34" charset="0"/>
+                <a:ea typeface="Yu Gothic" panose="020B0400000000000000" pitchFamily="34" charset="-128"/>
+                <a:cs typeface="Arial" panose="020B0604020202020204" pitchFamily="34" charset="0"/>
+              </a:rPr>
+              <a:t>(c)</a:t>
+            </a:r>
+          </a:p>
+        </p:txBody>
+      </p:sp>
+      <p:sp>
+        <p:nvSpPr>
+          <p:cNvPr id="9" name="TextBox 8">
+            <a:extLst>
+              <a:ext uri="{FF2B5EF4-FFF2-40B4-BE49-F238E27FC236}">
+                <a16:creationId xmlns:a16="http://schemas.microsoft.com/office/drawing/2014/main" id="{13636D3B-3F7E-43BF-5255-F890864D76C8}"/>
+              </a:ext>
+            </a:extLst>
+          </p:cNvPr>
+          <p:cNvSpPr txBox="1"/>
+          <p:nvPr/>
+        </p:nvSpPr>
+        <p:spPr>
+          <a:xfrm>
+            <a:off x="10797034" y="12756085"/>
+            <a:ext cx="1090166" cy="646331"/>
+          </a:xfrm>
+          <a:prstGeom prst="rect">
+            <a:avLst/>
+          </a:prstGeom>
+          <a:noFill/>
+        </p:spPr>
+        <p:txBody>
+          <a:bodyPr wrap="square" rtlCol="0">
+            <a:spAutoFit/>
+          </a:bodyPr>
+          <a:lstStyle>
+            <a:defPPr>
+              <a:defRPr lang="en-US"/>
+            </a:defPPr>
+            <a:lvl1pPr marL="0" algn="l" defTabSz="457200" rtl="0" eaLnBrk="1" latinLnBrk="0" hangingPunct="1">
+              <a:defRPr sz="1800" kern="1200">
+                <a:solidFill>
+                  <a:schemeClr val="tx1"/>
+                </a:solidFill>
+                <a:latin typeface="+mn-lt"/>
+                <a:ea typeface="+mn-ea"/>
+                <a:cs typeface="+mn-cs"/>
+              </a:defRPr>
+            </a:lvl1pPr>
+            <a:lvl2pPr marL="457200" algn="l" defTabSz="457200" rtl="0" eaLnBrk="1" latinLnBrk="0" hangingPunct="1">
+              <a:defRPr sz="1800" kern="1200">
+                <a:solidFill>
+                  <a:schemeClr val="tx1"/>
+                </a:solidFill>
+                <a:latin typeface="+mn-lt"/>
+                <a:ea typeface="+mn-ea"/>
+                <a:cs typeface="+mn-cs"/>
+              </a:defRPr>
+            </a:lvl2pPr>
+            <a:lvl3pPr marL="914400" algn="l" defTabSz="457200" rtl="0" eaLnBrk="1" latinLnBrk="0" hangingPunct="1">
+              <a:defRPr sz="1800" kern="1200">
+                <a:solidFill>
+                  <a:schemeClr val="tx1"/>
+                </a:solidFill>
+                <a:latin typeface="+mn-lt"/>
+                <a:ea typeface="+mn-ea"/>
+                <a:cs typeface="+mn-cs"/>
+              </a:defRPr>
+            </a:lvl3pPr>
+            <a:lvl4pPr marL="1371600" algn="l" defTabSz="457200" rtl="0" eaLnBrk="1" latinLnBrk="0" hangingPunct="1">
+              <a:defRPr sz="1800" kern="1200">
+                <a:solidFill>
+                  <a:schemeClr val="tx1"/>
+                </a:solidFill>
+                <a:latin typeface="+mn-lt"/>
+                <a:ea typeface="+mn-ea"/>
+                <a:cs typeface="+mn-cs"/>
+              </a:defRPr>
+            </a:lvl4pPr>
+            <a:lvl5pPr marL="1828800" algn="l" defTabSz="457200" rtl="0" eaLnBrk="1" latinLnBrk="0" hangingPunct="1">
+              <a:defRPr sz="1800" kern="1200">
+                <a:solidFill>
+                  <a:schemeClr val="tx1"/>
+                </a:solidFill>
+                <a:latin typeface="+mn-lt"/>
+                <a:ea typeface="+mn-ea"/>
+                <a:cs typeface="+mn-cs"/>
+              </a:defRPr>
+            </a:lvl5pPr>
+            <a:lvl6pPr marL="2286000" algn="l" defTabSz="457200" rtl="0" eaLnBrk="1" latinLnBrk="0" hangingPunct="1">
+              <a:defRPr sz="1800" kern="1200">
+                <a:solidFill>
+                  <a:schemeClr val="tx1"/>
+                </a:solidFill>
+                <a:latin typeface="+mn-lt"/>
+                <a:ea typeface="+mn-ea"/>
+                <a:cs typeface="+mn-cs"/>
+              </a:defRPr>
+            </a:lvl6pPr>
+            <a:lvl7pPr marL="2743200" algn="l" defTabSz="457200" rtl="0" eaLnBrk="1" latinLnBrk="0" hangingPunct="1">
+              <a:defRPr sz="1800" kern="1200">
+                <a:solidFill>
+                  <a:schemeClr val="tx1"/>
+                </a:solidFill>
+                <a:latin typeface="+mn-lt"/>
+                <a:ea typeface="+mn-ea"/>
+                <a:cs typeface="+mn-cs"/>
+              </a:defRPr>
+            </a:lvl7pPr>
+            <a:lvl8pPr marL="3200400" algn="l" defTabSz="457200" rtl="0" eaLnBrk="1" latinLnBrk="0" hangingPunct="1">
+              <a:defRPr sz="1800" kern="1200">
+                <a:solidFill>
+                  <a:schemeClr val="tx1"/>
+                </a:solidFill>
+                <a:latin typeface="+mn-lt"/>
+                <a:ea typeface="+mn-ea"/>
+                <a:cs typeface="+mn-cs"/>
+              </a:defRPr>
+            </a:lvl8pPr>
+            <a:lvl9pPr marL="3657600" algn="l" defTabSz="457200" rtl="0" eaLnBrk="1" latinLnBrk="0" hangingPunct="1">
+              <a:defRPr sz="1800" kern="1200">
+                <a:solidFill>
+                  <a:schemeClr val="tx1"/>
+                </a:solidFill>
+                <a:latin typeface="+mn-lt"/>
+                <a:ea typeface="+mn-ea"/>
+                <a:cs typeface="+mn-cs"/>
+              </a:defRPr>
+            </a:lvl9pPr>
+          </a:lstStyle>
+          <a:p>
+            <a:r>
+              <a:rPr lang="en-US" sz="3600" b="1" dirty="0">
+                <a:latin typeface="Arial" panose="020B0604020202020204" pitchFamily="34" charset="0"/>
+                <a:ea typeface="Yu Gothic" panose="020B0400000000000000" pitchFamily="34" charset="-128"/>
+                <a:cs typeface="Arial" panose="020B0604020202020204" pitchFamily="34" charset="0"/>
+              </a:rPr>
+              <a:t>(d)</a:t>
+            </a:r>
+          </a:p>
+        </p:txBody>
+      </p:sp>
+      <p:sp>
+        <p:nvSpPr>
+          <p:cNvPr id="10" name="TextBox 9">
+            <a:extLst>
+              <a:ext uri="{FF2B5EF4-FFF2-40B4-BE49-F238E27FC236}">
+                <a16:creationId xmlns:a16="http://schemas.microsoft.com/office/drawing/2014/main" id="{527BFA4B-4F6D-011A-B88B-DD5AE48380C7}"/>
+              </a:ext>
+            </a:extLst>
+          </p:cNvPr>
+          <p:cNvSpPr txBox="1"/>
+          <p:nvPr/>
+        </p:nvSpPr>
+        <p:spPr>
+          <a:xfrm>
+            <a:off x="10797034" y="15156386"/>
+            <a:ext cx="1090166" cy="646331"/>
+          </a:xfrm>
+          <a:prstGeom prst="rect">
+            <a:avLst/>
+          </a:prstGeom>
+          <a:noFill/>
+        </p:spPr>
+        <p:txBody>
+          <a:bodyPr wrap="square" rtlCol="0">
+            <a:spAutoFit/>
+          </a:bodyPr>
+          <a:lstStyle>
+            <a:defPPr>
+              <a:defRPr lang="en-US"/>
+            </a:defPPr>
+            <a:lvl1pPr marL="0" algn="l" defTabSz="457200" rtl="0" eaLnBrk="1" latinLnBrk="0" hangingPunct="1">
+              <a:defRPr sz="1800" kern="1200">
+                <a:solidFill>
+                  <a:schemeClr val="tx1"/>
+                </a:solidFill>
+                <a:latin typeface="+mn-lt"/>
+                <a:ea typeface="+mn-ea"/>
+                <a:cs typeface="+mn-cs"/>
+              </a:defRPr>
+            </a:lvl1pPr>
+            <a:lvl2pPr marL="457200" algn="l" defTabSz="457200" rtl="0" eaLnBrk="1" latinLnBrk="0" hangingPunct="1">
+              <a:defRPr sz="1800" kern="1200">
+                <a:solidFill>
+                  <a:schemeClr val="tx1"/>
+                </a:solidFill>
+                <a:latin typeface="+mn-lt"/>
+                <a:ea typeface="+mn-ea"/>
+                <a:cs typeface="+mn-cs"/>
+              </a:defRPr>
+            </a:lvl2pPr>
+            <a:lvl3pPr marL="914400" algn="l" defTabSz="457200" rtl="0" eaLnBrk="1" latinLnBrk="0" hangingPunct="1">
+              <a:defRPr sz="1800" kern="1200">
+                <a:solidFill>
+                  <a:schemeClr val="tx1"/>
+                </a:solidFill>
+                <a:latin typeface="+mn-lt"/>
+                <a:ea typeface="+mn-ea"/>
+                <a:cs typeface="+mn-cs"/>
+              </a:defRPr>
+            </a:lvl3pPr>
+            <a:lvl4pPr marL="1371600" algn="l" defTabSz="457200" rtl="0" eaLnBrk="1" latinLnBrk="0" hangingPunct="1">
+              <a:defRPr sz="1800" kern="1200">
+                <a:solidFill>
+                  <a:schemeClr val="tx1"/>
+                </a:solidFill>
+                <a:latin typeface="+mn-lt"/>
+                <a:ea typeface="+mn-ea"/>
+                <a:cs typeface="+mn-cs"/>
+              </a:defRPr>
+            </a:lvl4pPr>
+            <a:lvl5pPr marL="1828800" algn="l" defTabSz="457200" rtl="0" eaLnBrk="1" latinLnBrk="0" hangingPunct="1">
+              <a:defRPr sz="1800" kern="1200">
+                <a:solidFill>
+                  <a:schemeClr val="tx1"/>
+                </a:solidFill>
+                <a:latin typeface="+mn-lt"/>
+                <a:ea typeface="+mn-ea"/>
+                <a:cs typeface="+mn-cs"/>
+              </a:defRPr>
+            </a:lvl5pPr>
+            <a:lvl6pPr marL="2286000" algn="l" defTabSz="457200" rtl="0" eaLnBrk="1" latinLnBrk="0" hangingPunct="1">
+              <a:defRPr sz="1800" kern="1200">
+                <a:solidFill>
+                  <a:schemeClr val="tx1"/>
+                </a:solidFill>
+                <a:latin typeface="+mn-lt"/>
+                <a:ea typeface="+mn-ea"/>
+                <a:cs typeface="+mn-cs"/>
+              </a:defRPr>
+            </a:lvl6pPr>
+            <a:lvl7pPr marL="2743200" algn="l" defTabSz="457200" rtl="0" eaLnBrk="1" latinLnBrk="0" hangingPunct="1">
+              <a:defRPr sz="1800" kern="1200">
+                <a:solidFill>
+                  <a:schemeClr val="tx1"/>
+                </a:solidFill>
+                <a:latin typeface="+mn-lt"/>
+                <a:ea typeface="+mn-ea"/>
+                <a:cs typeface="+mn-cs"/>
+              </a:defRPr>
+            </a:lvl7pPr>
+            <a:lvl8pPr marL="3200400" algn="l" defTabSz="457200" rtl="0" eaLnBrk="1" latinLnBrk="0" hangingPunct="1">
+              <a:defRPr sz="1800" kern="1200">
+                <a:solidFill>
+                  <a:schemeClr val="tx1"/>
+                </a:solidFill>
+                <a:latin typeface="+mn-lt"/>
+                <a:ea typeface="+mn-ea"/>
+                <a:cs typeface="+mn-cs"/>
+              </a:defRPr>
+            </a:lvl8pPr>
+            <a:lvl9pPr marL="3657600" algn="l" defTabSz="457200" rtl="0" eaLnBrk="1" latinLnBrk="0" hangingPunct="1">
+              <a:defRPr sz="1800" kern="1200">
+                <a:solidFill>
+                  <a:schemeClr val="tx1"/>
+                </a:solidFill>
+                <a:latin typeface="+mn-lt"/>
+                <a:ea typeface="+mn-ea"/>
+                <a:cs typeface="+mn-cs"/>
+              </a:defRPr>
+            </a:lvl9pPr>
+          </a:lstStyle>
+          <a:p>
+            <a:r>
+              <a:rPr lang="en-US" sz="3600" b="1" dirty="0">
+                <a:latin typeface="Arial" panose="020B0604020202020204" pitchFamily="34" charset="0"/>
+                <a:ea typeface="Yu Gothic" panose="020B0400000000000000" pitchFamily="34" charset="-128"/>
+                <a:cs typeface="Arial" panose="020B0604020202020204" pitchFamily="34" charset="0"/>
+              </a:rPr>
+              <a:t>(e)</a:t>
+            </a:r>
+          </a:p>
+        </p:txBody>
+      </p:sp>
+      <p:pic>
+        <p:nvPicPr>
+          <p:cNvPr id="5" name="Picture 4">
+            <a:extLst>
+              <a:ext uri="{FF2B5EF4-FFF2-40B4-BE49-F238E27FC236}">
+                <a16:creationId xmlns:a16="http://schemas.microsoft.com/office/drawing/2014/main" id="{76A7918C-F868-1FD2-ED7B-F36107A25E09}"/>
+              </a:ext>
+            </a:extLst>
+          </p:cNvPr>
+          <p:cNvPicPr>
+            <a:picLocks noChangeAspect="1"/>
+          </p:cNvPicPr>
+          <p:nvPr/>
+        </p:nvPicPr>
+        <p:blipFill>
+          <a:blip r:embed="rId3">
+            <a:extLst>
+              <a:ext uri="{28A0092B-C50C-407E-A947-70E740481C1C}">
+                <a14:useLocalDpi xmlns:a14="http://schemas.microsoft.com/office/drawing/2010/main" val="0"/>
+              </a:ext>
+            </a:extLst>
+          </a:blip>
+          <a:stretch>
+            <a:fillRect/>
+          </a:stretch>
+        </p:blipFill>
+        <p:spPr>
+          <a:xfrm>
+            <a:off x="5626319" y="2482850"/>
+            <a:ext cx="11431595" cy="7621064"/>
+          </a:xfrm>
+          <a:prstGeom prst="rect">
+            <a:avLst/>
+          </a:prstGeom>
+        </p:spPr>
+      </p:pic>
+      <p:sp>
+        <p:nvSpPr>
+          <p:cNvPr id="11" name="TextBox 10">
+            <a:extLst>
+              <a:ext uri="{FF2B5EF4-FFF2-40B4-BE49-F238E27FC236}">
+                <a16:creationId xmlns:a16="http://schemas.microsoft.com/office/drawing/2014/main" id="{A0E0BEFD-6D21-AC98-8ABE-124EABA2663D}"/>
+              </a:ext>
+            </a:extLst>
+          </p:cNvPr>
+          <p:cNvSpPr txBox="1"/>
+          <p:nvPr/>
+        </p:nvSpPr>
+        <p:spPr>
+          <a:xfrm>
+            <a:off x="5756151" y="2140834"/>
+            <a:ext cx="1090166" cy="646331"/>
+          </a:xfrm>
+          <a:prstGeom prst="rect">
+            <a:avLst/>
+          </a:prstGeom>
+          <a:noFill/>
+        </p:spPr>
+        <p:txBody>
+          <a:bodyPr wrap="square" rtlCol="0">
+            <a:spAutoFit/>
+          </a:bodyPr>
+          <a:lstStyle>
+            <a:defPPr>
+              <a:defRPr lang="en-US"/>
+            </a:defPPr>
+            <a:lvl1pPr marL="0" algn="l" defTabSz="457200" rtl="0" eaLnBrk="1" latinLnBrk="0" hangingPunct="1">
+              <a:defRPr sz="1800" kern="1200">
+                <a:solidFill>
+                  <a:schemeClr val="tx1"/>
+                </a:solidFill>
+                <a:latin typeface="+mn-lt"/>
+                <a:ea typeface="+mn-ea"/>
+                <a:cs typeface="+mn-cs"/>
+              </a:defRPr>
+            </a:lvl1pPr>
+            <a:lvl2pPr marL="457200" algn="l" defTabSz="457200" rtl="0" eaLnBrk="1" latinLnBrk="0" hangingPunct="1">
+              <a:defRPr sz="1800" kern="1200">
+                <a:solidFill>
+                  <a:schemeClr val="tx1"/>
+                </a:solidFill>
+                <a:latin typeface="+mn-lt"/>
+                <a:ea typeface="+mn-ea"/>
+                <a:cs typeface="+mn-cs"/>
+              </a:defRPr>
+            </a:lvl2pPr>
+            <a:lvl3pPr marL="914400" algn="l" defTabSz="457200" rtl="0" eaLnBrk="1" latinLnBrk="0" hangingPunct="1">
+              <a:defRPr sz="1800" kern="1200">
+                <a:solidFill>
+                  <a:schemeClr val="tx1"/>
+                </a:solidFill>
+                <a:latin typeface="+mn-lt"/>
+                <a:ea typeface="+mn-ea"/>
+                <a:cs typeface="+mn-cs"/>
+              </a:defRPr>
+            </a:lvl3pPr>
+            <a:lvl4pPr marL="1371600" algn="l" defTabSz="457200" rtl="0" eaLnBrk="1" latinLnBrk="0" hangingPunct="1">
+              <a:defRPr sz="1800" kern="1200">
+                <a:solidFill>
+                  <a:schemeClr val="tx1"/>
+                </a:solidFill>
+                <a:latin typeface="+mn-lt"/>
+                <a:ea typeface="+mn-ea"/>
+                <a:cs typeface="+mn-cs"/>
+              </a:defRPr>
+            </a:lvl4pPr>
+            <a:lvl5pPr marL="1828800" algn="l" defTabSz="457200" rtl="0" eaLnBrk="1" latinLnBrk="0" hangingPunct="1">
+              <a:defRPr sz="1800" kern="1200">
+                <a:solidFill>
+                  <a:schemeClr val="tx1"/>
+                </a:solidFill>
+                <a:latin typeface="+mn-lt"/>
+                <a:ea typeface="+mn-ea"/>
+                <a:cs typeface="+mn-cs"/>
+              </a:defRPr>
+            </a:lvl5pPr>
+            <a:lvl6pPr marL="2286000" algn="l" defTabSz="457200" rtl="0" eaLnBrk="1" latinLnBrk="0" hangingPunct="1">
+              <a:defRPr sz="1800" kern="1200">
+                <a:solidFill>
+                  <a:schemeClr val="tx1"/>
+                </a:solidFill>
+                <a:latin typeface="+mn-lt"/>
+                <a:ea typeface="+mn-ea"/>
+                <a:cs typeface="+mn-cs"/>
+              </a:defRPr>
+            </a:lvl6pPr>
+            <a:lvl7pPr marL="2743200" algn="l" defTabSz="457200" rtl="0" eaLnBrk="1" latinLnBrk="0" hangingPunct="1">
+              <a:defRPr sz="1800" kern="1200">
+                <a:solidFill>
+                  <a:schemeClr val="tx1"/>
+                </a:solidFill>
+                <a:latin typeface="+mn-lt"/>
+                <a:ea typeface="+mn-ea"/>
+                <a:cs typeface="+mn-cs"/>
+              </a:defRPr>
+            </a:lvl7pPr>
+            <a:lvl8pPr marL="3200400" algn="l" defTabSz="457200" rtl="0" eaLnBrk="1" latinLnBrk="0" hangingPunct="1">
+              <a:defRPr sz="1800" kern="1200">
+                <a:solidFill>
+                  <a:schemeClr val="tx1"/>
+                </a:solidFill>
+                <a:latin typeface="+mn-lt"/>
+                <a:ea typeface="+mn-ea"/>
+                <a:cs typeface="+mn-cs"/>
+              </a:defRPr>
+            </a:lvl8pPr>
+            <a:lvl9pPr marL="3657600" algn="l" defTabSz="457200" rtl="0" eaLnBrk="1" latinLnBrk="0" hangingPunct="1">
+              <a:defRPr sz="1800" kern="1200">
+                <a:solidFill>
+                  <a:schemeClr val="tx1"/>
+                </a:solidFill>
+                <a:latin typeface="+mn-lt"/>
+                <a:ea typeface="+mn-ea"/>
+                <a:cs typeface="+mn-cs"/>
+              </a:defRPr>
+            </a:lvl9pPr>
+          </a:lstStyle>
+          <a:p>
+            <a:r>
+              <a:rPr lang="en-US" sz="3600" b="1" dirty="0">
+                <a:latin typeface="Arial" panose="020B0604020202020204" pitchFamily="34" charset="0"/>
+                <a:ea typeface="Yu Gothic" panose="020B0400000000000000" pitchFamily="34" charset="-128"/>
+                <a:cs typeface="Arial" panose="020B0604020202020204" pitchFamily="34" charset="0"/>
+              </a:rPr>
+              <a:t>(a)</a:t>
+            </a:r>
+          </a:p>
+        </p:txBody>
+      </p:sp>
+      <p:sp>
+        <p:nvSpPr>
+          <p:cNvPr id="13" name="TextBox 12">
+            <a:extLst>
+              <a:ext uri="{FF2B5EF4-FFF2-40B4-BE49-F238E27FC236}">
+                <a16:creationId xmlns:a16="http://schemas.microsoft.com/office/drawing/2014/main" id="{BA3CE13A-4BC0-6F8A-E8D7-F89223C4B80C}"/>
+              </a:ext>
+            </a:extLst>
+          </p:cNvPr>
+          <p:cNvSpPr txBox="1"/>
+          <p:nvPr/>
+        </p:nvSpPr>
+        <p:spPr>
+          <a:xfrm>
+            <a:off x="5756151" y="4541134"/>
+            <a:ext cx="1090166" cy="646331"/>
+          </a:xfrm>
+          <a:prstGeom prst="rect">
+            <a:avLst/>
+          </a:prstGeom>
+          <a:noFill/>
+        </p:spPr>
+        <p:txBody>
+          <a:bodyPr wrap="square" rtlCol="0">
+            <a:spAutoFit/>
+          </a:bodyPr>
+          <a:lstStyle>
+            <a:defPPr>
+              <a:defRPr lang="en-US"/>
+            </a:defPPr>
+            <a:lvl1pPr marL="0" algn="l" defTabSz="457200" rtl="0" eaLnBrk="1" latinLnBrk="0" hangingPunct="1">
+              <a:defRPr sz="1800" kern="1200">
+                <a:solidFill>
+                  <a:schemeClr val="tx1"/>
+                </a:solidFill>
+                <a:latin typeface="+mn-lt"/>
+                <a:ea typeface="+mn-ea"/>
+                <a:cs typeface="+mn-cs"/>
+              </a:defRPr>
+            </a:lvl1pPr>
+            <a:lvl2pPr marL="457200" algn="l" defTabSz="457200" rtl="0" eaLnBrk="1" latinLnBrk="0" hangingPunct="1">
+              <a:defRPr sz="1800" kern="1200">
+                <a:solidFill>
+                  <a:schemeClr val="tx1"/>
+                </a:solidFill>
+                <a:latin typeface="+mn-lt"/>
+                <a:ea typeface="+mn-ea"/>
+                <a:cs typeface="+mn-cs"/>
+              </a:defRPr>
+            </a:lvl2pPr>
+            <a:lvl3pPr marL="914400" algn="l" defTabSz="457200" rtl="0" eaLnBrk="1" latinLnBrk="0" hangingPunct="1">
+              <a:defRPr sz="1800" kern="1200">
+                <a:solidFill>
+                  <a:schemeClr val="tx1"/>
+                </a:solidFill>
+                <a:latin typeface="+mn-lt"/>
+                <a:ea typeface="+mn-ea"/>
+                <a:cs typeface="+mn-cs"/>
+              </a:defRPr>
+            </a:lvl3pPr>
+            <a:lvl4pPr marL="1371600" algn="l" defTabSz="457200" rtl="0" eaLnBrk="1" latinLnBrk="0" hangingPunct="1">
+              <a:defRPr sz="1800" kern="1200">
+                <a:solidFill>
+                  <a:schemeClr val="tx1"/>
+                </a:solidFill>
+                <a:latin typeface="+mn-lt"/>
+                <a:ea typeface="+mn-ea"/>
+                <a:cs typeface="+mn-cs"/>
+              </a:defRPr>
+            </a:lvl4pPr>
+            <a:lvl5pPr marL="1828800" algn="l" defTabSz="457200" rtl="0" eaLnBrk="1" latinLnBrk="0" hangingPunct="1">
+              <a:defRPr sz="1800" kern="1200">
+                <a:solidFill>
+                  <a:schemeClr val="tx1"/>
+                </a:solidFill>
+                <a:latin typeface="+mn-lt"/>
+                <a:ea typeface="+mn-ea"/>
+                <a:cs typeface="+mn-cs"/>
+              </a:defRPr>
+            </a:lvl5pPr>
+            <a:lvl6pPr marL="2286000" algn="l" defTabSz="457200" rtl="0" eaLnBrk="1" latinLnBrk="0" hangingPunct="1">
+              <a:defRPr sz="1800" kern="1200">
+                <a:solidFill>
+                  <a:schemeClr val="tx1"/>
+                </a:solidFill>
+                <a:latin typeface="+mn-lt"/>
+                <a:ea typeface="+mn-ea"/>
+                <a:cs typeface="+mn-cs"/>
+              </a:defRPr>
+            </a:lvl6pPr>
+            <a:lvl7pPr marL="2743200" algn="l" defTabSz="457200" rtl="0" eaLnBrk="1" latinLnBrk="0" hangingPunct="1">
+              <a:defRPr sz="1800" kern="1200">
+                <a:solidFill>
+                  <a:schemeClr val="tx1"/>
+                </a:solidFill>
+                <a:latin typeface="+mn-lt"/>
+                <a:ea typeface="+mn-ea"/>
+                <a:cs typeface="+mn-cs"/>
+              </a:defRPr>
+            </a:lvl7pPr>
+            <a:lvl8pPr marL="3200400" algn="l" defTabSz="457200" rtl="0" eaLnBrk="1" latinLnBrk="0" hangingPunct="1">
+              <a:defRPr sz="1800" kern="1200">
+                <a:solidFill>
+                  <a:schemeClr val="tx1"/>
+                </a:solidFill>
+                <a:latin typeface="+mn-lt"/>
+                <a:ea typeface="+mn-ea"/>
+                <a:cs typeface="+mn-cs"/>
+              </a:defRPr>
+            </a:lvl8pPr>
+            <a:lvl9pPr marL="3657600" algn="l" defTabSz="457200" rtl="0" eaLnBrk="1" latinLnBrk="0" hangingPunct="1">
+              <a:defRPr sz="1800" kern="1200">
+                <a:solidFill>
+                  <a:schemeClr val="tx1"/>
+                </a:solidFill>
+                <a:latin typeface="+mn-lt"/>
+                <a:ea typeface="+mn-ea"/>
+                <a:cs typeface="+mn-cs"/>
+              </a:defRPr>
+            </a:lvl9pPr>
+          </a:lstStyle>
+          <a:p>
+            <a:r>
+              <a:rPr lang="en-US" sz="3600" b="1" dirty="0">
+                <a:latin typeface="Arial" panose="020B0604020202020204" pitchFamily="34" charset="0"/>
+                <a:ea typeface="Yu Gothic" panose="020B0400000000000000" pitchFamily="34" charset="-128"/>
+                <a:cs typeface="Arial" panose="020B0604020202020204" pitchFamily="34" charset="0"/>
+              </a:rPr>
+              <a:t>(b)</a:t>
+            </a:r>
+          </a:p>
+        </p:txBody>
+      </p:sp>
+      <p:sp>
+        <p:nvSpPr>
+          <p:cNvPr id="14" name="TextBox 13">
+            <a:extLst>
+              <a:ext uri="{FF2B5EF4-FFF2-40B4-BE49-F238E27FC236}">
+                <a16:creationId xmlns:a16="http://schemas.microsoft.com/office/drawing/2014/main" id="{BA5C2273-0936-0A08-0DD7-0D874F81A86A}"/>
+              </a:ext>
+            </a:extLst>
+          </p:cNvPr>
+          <p:cNvSpPr txBox="1"/>
+          <p:nvPr/>
+        </p:nvSpPr>
+        <p:spPr>
+          <a:xfrm>
+            <a:off x="5756151" y="7199141"/>
+            <a:ext cx="1090166" cy="646331"/>
+          </a:xfrm>
+          <a:prstGeom prst="rect">
+            <a:avLst/>
+          </a:prstGeom>
+          <a:noFill/>
+        </p:spPr>
+        <p:txBody>
+          <a:bodyPr wrap="square" rtlCol="0">
+            <a:spAutoFit/>
+          </a:bodyPr>
+          <a:lstStyle>
+            <a:defPPr>
+              <a:defRPr lang="en-US"/>
+            </a:defPPr>
+            <a:lvl1pPr marL="0" algn="l" defTabSz="457200" rtl="0" eaLnBrk="1" latinLnBrk="0" hangingPunct="1">
+              <a:defRPr sz="1800" kern="1200">
+                <a:solidFill>
+                  <a:schemeClr val="tx1"/>
+                </a:solidFill>
+                <a:latin typeface="+mn-lt"/>
+                <a:ea typeface="+mn-ea"/>
+                <a:cs typeface="+mn-cs"/>
+              </a:defRPr>
+            </a:lvl1pPr>
+            <a:lvl2pPr marL="457200" algn="l" defTabSz="457200" rtl="0" eaLnBrk="1" latinLnBrk="0" hangingPunct="1">
+              <a:defRPr sz="1800" kern="1200">
+                <a:solidFill>
+                  <a:schemeClr val="tx1"/>
+                </a:solidFill>
+                <a:latin typeface="+mn-lt"/>
+                <a:ea typeface="+mn-ea"/>
+                <a:cs typeface="+mn-cs"/>
+              </a:defRPr>
+            </a:lvl2pPr>
+            <a:lvl3pPr marL="914400" algn="l" defTabSz="457200" rtl="0" eaLnBrk="1" latinLnBrk="0" hangingPunct="1">
+              <a:defRPr sz="1800" kern="1200">
+                <a:solidFill>
+                  <a:schemeClr val="tx1"/>
+                </a:solidFill>
+                <a:latin typeface="+mn-lt"/>
+                <a:ea typeface="+mn-ea"/>
+                <a:cs typeface="+mn-cs"/>
+              </a:defRPr>
+            </a:lvl3pPr>
+            <a:lvl4pPr marL="1371600" algn="l" defTabSz="457200" rtl="0" eaLnBrk="1" latinLnBrk="0" hangingPunct="1">
+              <a:defRPr sz="1800" kern="1200">
+                <a:solidFill>
+                  <a:schemeClr val="tx1"/>
+                </a:solidFill>
+                <a:latin typeface="+mn-lt"/>
+                <a:ea typeface="+mn-ea"/>
+                <a:cs typeface="+mn-cs"/>
+              </a:defRPr>
+            </a:lvl4pPr>
+            <a:lvl5pPr marL="1828800" algn="l" defTabSz="457200" rtl="0" eaLnBrk="1" latinLnBrk="0" hangingPunct="1">
+              <a:defRPr sz="1800" kern="1200">
+                <a:solidFill>
+                  <a:schemeClr val="tx1"/>
+                </a:solidFill>
+                <a:latin typeface="+mn-lt"/>
+                <a:ea typeface="+mn-ea"/>
+                <a:cs typeface="+mn-cs"/>
+              </a:defRPr>
+            </a:lvl5pPr>
+            <a:lvl6pPr marL="2286000" algn="l" defTabSz="457200" rtl="0" eaLnBrk="1" latinLnBrk="0" hangingPunct="1">
+              <a:defRPr sz="1800" kern="1200">
+                <a:solidFill>
+                  <a:schemeClr val="tx1"/>
+                </a:solidFill>
+                <a:latin typeface="+mn-lt"/>
+                <a:ea typeface="+mn-ea"/>
+                <a:cs typeface="+mn-cs"/>
+              </a:defRPr>
+            </a:lvl6pPr>
+            <a:lvl7pPr marL="2743200" algn="l" defTabSz="457200" rtl="0" eaLnBrk="1" latinLnBrk="0" hangingPunct="1">
+              <a:defRPr sz="1800" kern="1200">
+                <a:solidFill>
+                  <a:schemeClr val="tx1"/>
+                </a:solidFill>
+                <a:latin typeface="+mn-lt"/>
+                <a:ea typeface="+mn-ea"/>
+                <a:cs typeface="+mn-cs"/>
+              </a:defRPr>
+            </a:lvl7pPr>
+            <a:lvl8pPr marL="3200400" algn="l" defTabSz="457200" rtl="0" eaLnBrk="1" latinLnBrk="0" hangingPunct="1">
+              <a:defRPr sz="1800" kern="1200">
+                <a:solidFill>
+                  <a:schemeClr val="tx1"/>
+                </a:solidFill>
+                <a:latin typeface="+mn-lt"/>
+                <a:ea typeface="+mn-ea"/>
+                <a:cs typeface="+mn-cs"/>
+              </a:defRPr>
+            </a:lvl8pPr>
+            <a:lvl9pPr marL="3657600" algn="l" defTabSz="457200" rtl="0" eaLnBrk="1" latinLnBrk="0" hangingPunct="1">
+              <a:defRPr sz="1800" kern="1200">
+                <a:solidFill>
+                  <a:schemeClr val="tx1"/>
+                </a:solidFill>
+                <a:latin typeface="+mn-lt"/>
+                <a:ea typeface="+mn-ea"/>
+                <a:cs typeface="+mn-cs"/>
+              </a:defRPr>
+            </a:lvl9pPr>
+          </a:lstStyle>
+          <a:p>
+            <a:r>
+              <a:rPr lang="en-US" sz="3600" b="1" dirty="0">
+                <a:latin typeface="Arial" panose="020B0604020202020204" pitchFamily="34" charset="0"/>
+                <a:ea typeface="Yu Gothic" panose="020B0400000000000000" pitchFamily="34" charset="-128"/>
+                <a:cs typeface="Arial" panose="020B0604020202020204" pitchFamily="34" charset="0"/>
+              </a:rPr>
+              <a:t>(c)</a:t>
+            </a:r>
+          </a:p>
+        </p:txBody>
+      </p:sp>
+      <p:sp>
+        <p:nvSpPr>
+          <p:cNvPr id="15" name="TextBox 14">
+            <a:extLst>
+              <a:ext uri="{FF2B5EF4-FFF2-40B4-BE49-F238E27FC236}">
+                <a16:creationId xmlns:a16="http://schemas.microsoft.com/office/drawing/2014/main" id="{2AEE357E-0E04-7CA9-79B2-516492109805}"/>
+              </a:ext>
+            </a:extLst>
+          </p:cNvPr>
+          <p:cNvSpPr txBox="1"/>
+          <p:nvPr/>
+        </p:nvSpPr>
+        <p:spPr>
+          <a:xfrm>
+            <a:off x="10671051" y="2140833"/>
+            <a:ext cx="1090166" cy="646331"/>
+          </a:xfrm>
+          <a:prstGeom prst="rect">
+            <a:avLst/>
+          </a:prstGeom>
+          <a:noFill/>
+        </p:spPr>
+        <p:txBody>
+          <a:bodyPr wrap="square" rtlCol="0">
+            <a:spAutoFit/>
+          </a:bodyPr>
+          <a:lstStyle>
+            <a:defPPr>
+              <a:defRPr lang="en-US"/>
+            </a:defPPr>
+            <a:lvl1pPr marL="0" algn="l" defTabSz="457200" rtl="0" eaLnBrk="1" latinLnBrk="0" hangingPunct="1">
+              <a:defRPr sz="1800" kern="1200">
+                <a:solidFill>
+                  <a:schemeClr val="tx1"/>
+                </a:solidFill>
+                <a:latin typeface="+mn-lt"/>
+                <a:ea typeface="+mn-ea"/>
+                <a:cs typeface="+mn-cs"/>
+              </a:defRPr>
+            </a:lvl1pPr>
+            <a:lvl2pPr marL="457200" algn="l" defTabSz="457200" rtl="0" eaLnBrk="1" latinLnBrk="0" hangingPunct="1">
+              <a:defRPr sz="1800" kern="1200">
+                <a:solidFill>
+                  <a:schemeClr val="tx1"/>
+                </a:solidFill>
+                <a:latin typeface="+mn-lt"/>
+                <a:ea typeface="+mn-ea"/>
+                <a:cs typeface="+mn-cs"/>
+              </a:defRPr>
+            </a:lvl2pPr>
+            <a:lvl3pPr marL="914400" algn="l" defTabSz="457200" rtl="0" eaLnBrk="1" latinLnBrk="0" hangingPunct="1">
+              <a:defRPr sz="1800" kern="1200">
+                <a:solidFill>
+                  <a:schemeClr val="tx1"/>
+                </a:solidFill>
+                <a:latin typeface="+mn-lt"/>
+                <a:ea typeface="+mn-ea"/>
+                <a:cs typeface="+mn-cs"/>
+              </a:defRPr>
+            </a:lvl3pPr>
+            <a:lvl4pPr marL="1371600" algn="l" defTabSz="457200" rtl="0" eaLnBrk="1" latinLnBrk="0" hangingPunct="1">
+              <a:defRPr sz="1800" kern="1200">
+                <a:solidFill>
+                  <a:schemeClr val="tx1"/>
+                </a:solidFill>
+                <a:latin typeface="+mn-lt"/>
+                <a:ea typeface="+mn-ea"/>
+                <a:cs typeface="+mn-cs"/>
+              </a:defRPr>
+            </a:lvl4pPr>
+            <a:lvl5pPr marL="1828800" algn="l" defTabSz="457200" rtl="0" eaLnBrk="1" latinLnBrk="0" hangingPunct="1">
+              <a:defRPr sz="1800" kern="1200">
+                <a:solidFill>
+                  <a:schemeClr val="tx1"/>
+                </a:solidFill>
+                <a:latin typeface="+mn-lt"/>
+                <a:ea typeface="+mn-ea"/>
+                <a:cs typeface="+mn-cs"/>
+              </a:defRPr>
+            </a:lvl5pPr>
+            <a:lvl6pPr marL="2286000" algn="l" defTabSz="457200" rtl="0" eaLnBrk="1" latinLnBrk="0" hangingPunct="1">
+              <a:defRPr sz="1800" kern="1200">
+                <a:solidFill>
+                  <a:schemeClr val="tx1"/>
+                </a:solidFill>
+                <a:latin typeface="+mn-lt"/>
+                <a:ea typeface="+mn-ea"/>
+                <a:cs typeface="+mn-cs"/>
+              </a:defRPr>
+            </a:lvl6pPr>
+            <a:lvl7pPr marL="2743200" algn="l" defTabSz="457200" rtl="0" eaLnBrk="1" latinLnBrk="0" hangingPunct="1">
+              <a:defRPr sz="1800" kern="1200">
+                <a:solidFill>
+                  <a:schemeClr val="tx1"/>
+                </a:solidFill>
+                <a:latin typeface="+mn-lt"/>
+                <a:ea typeface="+mn-ea"/>
+                <a:cs typeface="+mn-cs"/>
+              </a:defRPr>
+            </a:lvl7pPr>
+            <a:lvl8pPr marL="3200400" algn="l" defTabSz="457200" rtl="0" eaLnBrk="1" latinLnBrk="0" hangingPunct="1">
+              <a:defRPr sz="1800" kern="1200">
+                <a:solidFill>
+                  <a:schemeClr val="tx1"/>
+                </a:solidFill>
+                <a:latin typeface="+mn-lt"/>
+                <a:ea typeface="+mn-ea"/>
+                <a:cs typeface="+mn-cs"/>
+              </a:defRPr>
+            </a:lvl8pPr>
+            <a:lvl9pPr marL="3657600" algn="l" defTabSz="457200" rtl="0" eaLnBrk="1" latinLnBrk="0" hangingPunct="1">
+              <a:defRPr sz="1800" kern="1200">
+                <a:solidFill>
+                  <a:schemeClr val="tx1"/>
+                </a:solidFill>
+                <a:latin typeface="+mn-lt"/>
+                <a:ea typeface="+mn-ea"/>
+                <a:cs typeface="+mn-cs"/>
+              </a:defRPr>
+            </a:lvl9pPr>
+          </a:lstStyle>
+          <a:p>
+            <a:r>
+              <a:rPr lang="en-US" sz="3600" b="1" dirty="0">
+                <a:latin typeface="Arial" panose="020B0604020202020204" pitchFamily="34" charset="0"/>
+                <a:ea typeface="Yu Gothic" panose="020B0400000000000000" pitchFamily="34" charset="-128"/>
+                <a:cs typeface="Arial" panose="020B0604020202020204" pitchFamily="34" charset="0"/>
+              </a:rPr>
+              <a:t>(d)</a:t>
+            </a:r>
+          </a:p>
+        </p:txBody>
+      </p:sp>
+      <p:sp>
+        <p:nvSpPr>
+          <p:cNvPr id="16" name="TextBox 15">
+            <a:extLst>
+              <a:ext uri="{FF2B5EF4-FFF2-40B4-BE49-F238E27FC236}">
+                <a16:creationId xmlns:a16="http://schemas.microsoft.com/office/drawing/2014/main" id="{95605F93-FD62-B530-BD1E-48BDE9FF44B1}"/>
+              </a:ext>
+            </a:extLst>
+          </p:cNvPr>
+          <p:cNvSpPr txBox="1"/>
+          <p:nvPr/>
+        </p:nvSpPr>
+        <p:spPr>
+          <a:xfrm>
+            <a:off x="10671051" y="4541134"/>
+            <a:ext cx="1090166" cy="646331"/>
+          </a:xfrm>
+          <a:prstGeom prst="rect">
+            <a:avLst/>
+          </a:prstGeom>
+          <a:noFill/>
+        </p:spPr>
+        <p:txBody>
+          <a:bodyPr wrap="square" rtlCol="0">
+            <a:spAutoFit/>
+          </a:bodyPr>
+          <a:lstStyle>
+            <a:defPPr>
+              <a:defRPr lang="en-US"/>
+            </a:defPPr>
+            <a:lvl1pPr marL="0" algn="l" defTabSz="457200" rtl="0" eaLnBrk="1" latinLnBrk="0" hangingPunct="1">
+              <a:defRPr sz="1800" kern="1200">
+                <a:solidFill>
+                  <a:schemeClr val="tx1"/>
+                </a:solidFill>
+                <a:latin typeface="+mn-lt"/>
+                <a:ea typeface="+mn-ea"/>
+                <a:cs typeface="+mn-cs"/>
+              </a:defRPr>
+            </a:lvl1pPr>
+            <a:lvl2pPr marL="457200" algn="l" defTabSz="457200" rtl="0" eaLnBrk="1" latinLnBrk="0" hangingPunct="1">
+              <a:defRPr sz="1800" kern="1200">
+                <a:solidFill>
+                  <a:schemeClr val="tx1"/>
+                </a:solidFill>
+                <a:latin typeface="+mn-lt"/>
+                <a:ea typeface="+mn-ea"/>
+                <a:cs typeface="+mn-cs"/>
+              </a:defRPr>
+            </a:lvl2pPr>
+            <a:lvl3pPr marL="914400" algn="l" defTabSz="457200" rtl="0" eaLnBrk="1" latinLnBrk="0" hangingPunct="1">
+              <a:defRPr sz="1800" kern="1200">
+                <a:solidFill>
+                  <a:schemeClr val="tx1"/>
+                </a:solidFill>
+                <a:latin typeface="+mn-lt"/>
+                <a:ea typeface="+mn-ea"/>
+                <a:cs typeface="+mn-cs"/>
+              </a:defRPr>
+            </a:lvl3pPr>
+            <a:lvl4pPr marL="1371600" algn="l" defTabSz="457200" rtl="0" eaLnBrk="1" latinLnBrk="0" hangingPunct="1">
+              <a:defRPr sz="1800" kern="1200">
+                <a:solidFill>
+                  <a:schemeClr val="tx1"/>
+                </a:solidFill>
+                <a:latin typeface="+mn-lt"/>
+                <a:ea typeface="+mn-ea"/>
+                <a:cs typeface="+mn-cs"/>
+              </a:defRPr>
+            </a:lvl4pPr>
+            <a:lvl5pPr marL="1828800" algn="l" defTabSz="457200" rtl="0" eaLnBrk="1" latinLnBrk="0" hangingPunct="1">
+              <a:defRPr sz="1800" kern="1200">
+                <a:solidFill>
+                  <a:schemeClr val="tx1"/>
+                </a:solidFill>
+                <a:latin typeface="+mn-lt"/>
+                <a:ea typeface="+mn-ea"/>
+                <a:cs typeface="+mn-cs"/>
+              </a:defRPr>
+            </a:lvl5pPr>
+            <a:lvl6pPr marL="2286000" algn="l" defTabSz="457200" rtl="0" eaLnBrk="1" latinLnBrk="0" hangingPunct="1">
+              <a:defRPr sz="1800" kern="1200">
+                <a:solidFill>
+                  <a:schemeClr val="tx1"/>
+                </a:solidFill>
+                <a:latin typeface="+mn-lt"/>
+                <a:ea typeface="+mn-ea"/>
+                <a:cs typeface="+mn-cs"/>
+              </a:defRPr>
+            </a:lvl6pPr>
+            <a:lvl7pPr marL="2743200" algn="l" defTabSz="457200" rtl="0" eaLnBrk="1" latinLnBrk="0" hangingPunct="1">
+              <a:defRPr sz="1800" kern="1200">
+                <a:solidFill>
+                  <a:schemeClr val="tx1"/>
+                </a:solidFill>
+                <a:latin typeface="+mn-lt"/>
+                <a:ea typeface="+mn-ea"/>
+                <a:cs typeface="+mn-cs"/>
+              </a:defRPr>
+            </a:lvl7pPr>
+            <a:lvl8pPr marL="3200400" algn="l" defTabSz="457200" rtl="0" eaLnBrk="1" latinLnBrk="0" hangingPunct="1">
+              <a:defRPr sz="1800" kern="1200">
+                <a:solidFill>
+                  <a:schemeClr val="tx1"/>
+                </a:solidFill>
+                <a:latin typeface="+mn-lt"/>
+                <a:ea typeface="+mn-ea"/>
+                <a:cs typeface="+mn-cs"/>
+              </a:defRPr>
+            </a:lvl8pPr>
+            <a:lvl9pPr marL="3657600" algn="l" defTabSz="457200" rtl="0" eaLnBrk="1" latinLnBrk="0" hangingPunct="1">
+              <a:defRPr sz="1800" kern="1200">
+                <a:solidFill>
+                  <a:schemeClr val="tx1"/>
+                </a:solidFill>
+                <a:latin typeface="+mn-lt"/>
+                <a:ea typeface="+mn-ea"/>
+                <a:cs typeface="+mn-cs"/>
+              </a:defRPr>
+            </a:lvl9pPr>
+          </a:lstStyle>
+          <a:p>
+            <a:r>
+              <a:rPr lang="en-US" sz="3600" b="1" dirty="0">
+                <a:latin typeface="Arial" panose="020B0604020202020204" pitchFamily="34" charset="0"/>
+                <a:ea typeface="Yu Gothic" panose="020B0400000000000000" pitchFamily="34" charset="-128"/>
+                <a:cs typeface="Arial" panose="020B0604020202020204" pitchFamily="34" charset="0"/>
+              </a:rPr>
+              <a:t>(e)</a:t>
+            </a:r>
+          </a:p>
+        </p:txBody>
+      </p:sp>
+    </p:spTree>
+    <p:extLst>
+      <p:ext uri="{BB962C8B-B14F-4D97-AF65-F5344CB8AC3E}">
+        <p14:creationId xmlns:p14="http://schemas.microsoft.com/office/powerpoint/2010/main" val="3447533911"/>
+      </p:ext>
+    </p:extLst>
+  </p:cSld>
+  <p:clrMapOvr>
+    <a:masterClrMapping/>
+  </p:clrMapOvr>
+</p:sld>
+</file>
+
 <file path=ppt/slides/slide2.xml><?xml version="1.0" encoding="utf-8"?>
 <p:sld xmlns:a="http://schemas.openxmlformats.org/drawingml/2006/main" xmlns:r="http://schemas.openxmlformats.org/officeDocument/2006/relationships" xmlns:p="http://schemas.openxmlformats.org/presentationml/2006/main">
   <p:cSld>
@@ -29484,8 +30967,8 @@
         </p:nvSpPr>
         <p:spPr>
           <a:xfrm>
-            <a:off x="14558733" y="3641376"/>
-            <a:ext cx="914400" cy="461894"/>
+            <a:off x="14616789" y="3641375"/>
+            <a:ext cx="914400" cy="1059327"/>
           </a:xfrm>
           <a:prstGeom prst="rect">
             <a:avLst/>
@@ -29636,8 +31119,8 @@
         </p:nvSpPr>
         <p:spPr>
           <a:xfrm>
-            <a:off x="14767235" y="4103270"/>
-            <a:ext cx="497395" cy="1620847"/>
+            <a:off x="14825291" y="4664789"/>
+            <a:ext cx="497395" cy="1059328"/>
           </a:xfrm>
           <a:prstGeom prst="rect">
             <a:avLst/>
@@ -29788,7 +31271,7 @@
         </p:nvSpPr>
         <p:spPr>
           <a:xfrm>
-            <a:off x="12622848" y="3641376"/>
+            <a:off x="12680904" y="3641376"/>
             <a:ext cx="914400" cy="1816241"/>
           </a:xfrm>
           <a:prstGeom prst="rect">
@@ -29940,7 +31423,7 @@
         </p:nvSpPr>
         <p:spPr>
           <a:xfrm>
-            <a:off x="7276046" y="3220931"/>
+            <a:off x="7334102" y="3220931"/>
             <a:ext cx="223846" cy="3141716"/>
           </a:xfrm>
           <a:prstGeom prst="leftBrace">
@@ -29985,7 +31468,7 @@
         </p:nvSpPr>
         <p:spPr>
           <a:xfrm>
-            <a:off x="10903105" y="2639732"/>
+            <a:off x="10961161" y="2639732"/>
             <a:ext cx="5105399" cy="523220"/>
           </a:xfrm>
           <a:prstGeom prst="rect">
@@ -30118,7 +31601,7 @@
         </p:nvSpPr>
         <p:spPr>
           <a:xfrm>
-            <a:off x="12414245" y="5443871"/>
+            <a:off x="12472301" y="5443871"/>
             <a:ext cx="1331605" cy="280246"/>
           </a:xfrm>
           <a:prstGeom prst="rect">
@@ -30284,7 +31767,7 @@
         </p:blipFill>
         <p:spPr>
           <a:xfrm>
-            <a:off x="8011386" y="5507421"/>
+            <a:off x="8069442" y="5507421"/>
             <a:ext cx="914400" cy="914400"/>
           </a:xfrm>
           <a:prstGeom prst="rect">
@@ -30306,7 +31789,7 @@
         </p:nvSpPr>
         <p:spPr>
           <a:xfrm>
-            <a:off x="8950554" y="3556449"/>
+            <a:off x="9008610" y="3556449"/>
             <a:ext cx="1336694" cy="338553"/>
           </a:xfrm>
           <a:prstGeom prst="rect">
@@ -30439,7 +31922,7 @@
         </p:nvSpPr>
         <p:spPr>
           <a:xfrm>
-            <a:off x="8925786" y="4247190"/>
+            <a:off x="8983842" y="4247190"/>
             <a:ext cx="1474307" cy="338554"/>
           </a:xfrm>
           <a:prstGeom prst="rect">
@@ -30572,7 +32055,7 @@
         </p:nvSpPr>
         <p:spPr>
           <a:xfrm>
-            <a:off x="8950554" y="5813340"/>
+            <a:off x="9008610" y="5813340"/>
             <a:ext cx="1658141" cy="338554"/>
           </a:xfrm>
           <a:prstGeom prst="rect">
@@ -30705,7 +32188,7 @@
         </p:nvSpPr>
         <p:spPr>
           <a:xfrm>
-            <a:off x="8748920" y="4937932"/>
+            <a:off x="8806976" y="4937932"/>
             <a:ext cx="1141683" cy="523220"/>
           </a:xfrm>
           <a:prstGeom prst="rect">
@@ -30852,7 +32335,7 @@
         </p:blipFill>
         <p:spPr>
           <a:xfrm>
-            <a:off x="8011386" y="3239342"/>
+            <a:off x="8069442" y="3239342"/>
             <a:ext cx="914400" cy="914400"/>
           </a:xfrm>
           <a:prstGeom prst="rect">
@@ -30888,7 +32371,7 @@
         </p:blipFill>
         <p:spPr>
           <a:xfrm>
-            <a:off x="8011386" y="4097609"/>
+            <a:off x="8069442" y="4097609"/>
             <a:ext cx="914400" cy="914400"/>
           </a:xfrm>
           <a:prstGeom prst="rect">
@@ -30910,7 +32393,7 @@
         </p:nvSpPr>
         <p:spPr>
           <a:xfrm>
-            <a:off x="7779306" y="2645228"/>
+            <a:off x="7837362" y="2645228"/>
             <a:ext cx="2829389" cy="523220"/>
           </a:xfrm>
           <a:prstGeom prst="rect">
@@ -31043,7 +32526,7 @@
         </p:nvSpPr>
         <p:spPr>
           <a:xfrm>
-            <a:off x="10519607" y="3155342"/>
+            <a:off x="10577663" y="3155342"/>
             <a:ext cx="223846" cy="3141716"/>
           </a:xfrm>
           <a:prstGeom prst="leftBrace">
@@ -31090,7 +32573,7 @@
         </p:nvCxnSpPr>
         <p:spPr>
           <a:xfrm>
-            <a:off x="12128672" y="3641376"/>
+            <a:off x="12186728" y="3641376"/>
             <a:ext cx="0" cy="2011680"/>
           </a:xfrm>
           <a:prstGeom prst="straightConnector1">
@@ -31129,7 +32612,7 @@
         </p:nvSpPr>
         <p:spPr>
           <a:xfrm rot="16200000">
-            <a:off x="11325025" y="4467959"/>
+            <a:off x="11383081" y="4467959"/>
             <a:ext cx="1071763" cy="338554"/>
           </a:xfrm>
           <a:prstGeom prst="rect">
@@ -31262,7 +32745,7 @@
         </p:nvSpPr>
         <p:spPr>
           <a:xfrm>
-            <a:off x="10699926" y="3489661"/>
+            <a:off x="10757982" y="3489661"/>
             <a:ext cx="1570321" cy="338554"/>
           </a:xfrm>
           <a:prstGeom prst="rect">
@@ -31395,7 +32878,7 @@
         </p:nvSpPr>
         <p:spPr>
           <a:xfrm>
-            <a:off x="10847537" y="5443871"/>
+            <a:off x="10905593" y="5443871"/>
             <a:ext cx="1125903" cy="338554"/>
           </a:xfrm>
           <a:prstGeom prst="rect">
@@ -31661,7 +33144,7 @@
         </p:nvSpPr>
         <p:spPr>
           <a:xfrm>
-            <a:off x="7276046" y="1741537"/>
+            <a:off x="7334102" y="1741537"/>
             <a:ext cx="1090166" cy="830997"/>
           </a:xfrm>
           <a:prstGeom prst="rect">
@@ -31794,7 +33277,7 @@
         </p:nvSpPr>
         <p:spPr>
           <a:xfrm>
-            <a:off x="10519607" y="1721744"/>
+            <a:off x="10577663" y="1721744"/>
             <a:ext cx="1090166" cy="830997"/>
           </a:xfrm>
           <a:prstGeom prst="rect">
@@ -31913,10 +33396,777 @@
           </a:p>
         </p:txBody>
       </p:sp>
+      <p:sp>
+        <p:nvSpPr>
+          <p:cNvPr id="14" name="TextBox 13">
+            <a:extLst>
+              <a:ext uri="{FF2B5EF4-FFF2-40B4-BE49-F238E27FC236}">
+                <a16:creationId xmlns:a16="http://schemas.microsoft.com/office/drawing/2014/main" id="{B49E3BD8-47F9-9CFE-D129-00772C3D2154}"/>
+              </a:ext>
+            </a:extLst>
+          </p:cNvPr>
+          <p:cNvSpPr txBox="1"/>
+          <p:nvPr/>
+        </p:nvSpPr>
+        <p:spPr>
+          <a:xfrm>
+            <a:off x="5958174" y="4952828"/>
+            <a:ext cx="1293104" cy="338554"/>
+          </a:xfrm>
+          <a:prstGeom prst="rect">
+            <a:avLst/>
+          </a:prstGeom>
+          <a:noFill/>
+        </p:spPr>
+        <p:txBody>
+          <a:bodyPr wrap="square" rtlCol="0">
+            <a:spAutoFit/>
+          </a:bodyPr>
+          <a:lstStyle>
+            <a:defPPr>
+              <a:defRPr lang="en-US"/>
+            </a:defPPr>
+            <a:lvl1pPr marL="0" algn="l" defTabSz="457200" rtl="0" eaLnBrk="1" latinLnBrk="0" hangingPunct="1">
+              <a:defRPr sz="1800" kern="1200">
+                <a:solidFill>
+                  <a:schemeClr val="tx1"/>
+                </a:solidFill>
+                <a:latin typeface="+mn-lt"/>
+                <a:ea typeface="+mn-ea"/>
+                <a:cs typeface="+mn-cs"/>
+              </a:defRPr>
+            </a:lvl1pPr>
+            <a:lvl2pPr marL="457200" algn="l" defTabSz="457200" rtl="0" eaLnBrk="1" latinLnBrk="0" hangingPunct="1">
+              <a:defRPr sz="1800" kern="1200">
+                <a:solidFill>
+                  <a:schemeClr val="tx1"/>
+                </a:solidFill>
+                <a:latin typeface="+mn-lt"/>
+                <a:ea typeface="+mn-ea"/>
+                <a:cs typeface="+mn-cs"/>
+              </a:defRPr>
+            </a:lvl2pPr>
+            <a:lvl3pPr marL="914400" algn="l" defTabSz="457200" rtl="0" eaLnBrk="1" latinLnBrk="0" hangingPunct="1">
+              <a:defRPr sz="1800" kern="1200">
+                <a:solidFill>
+                  <a:schemeClr val="tx1"/>
+                </a:solidFill>
+                <a:latin typeface="+mn-lt"/>
+                <a:ea typeface="+mn-ea"/>
+                <a:cs typeface="+mn-cs"/>
+              </a:defRPr>
+            </a:lvl3pPr>
+            <a:lvl4pPr marL="1371600" algn="l" defTabSz="457200" rtl="0" eaLnBrk="1" latinLnBrk="0" hangingPunct="1">
+              <a:defRPr sz="1800" kern="1200">
+                <a:solidFill>
+                  <a:schemeClr val="tx1"/>
+                </a:solidFill>
+                <a:latin typeface="+mn-lt"/>
+                <a:ea typeface="+mn-ea"/>
+                <a:cs typeface="+mn-cs"/>
+              </a:defRPr>
+            </a:lvl4pPr>
+            <a:lvl5pPr marL="1828800" algn="l" defTabSz="457200" rtl="0" eaLnBrk="1" latinLnBrk="0" hangingPunct="1">
+              <a:defRPr sz="1800" kern="1200">
+                <a:solidFill>
+                  <a:schemeClr val="tx1"/>
+                </a:solidFill>
+                <a:latin typeface="+mn-lt"/>
+                <a:ea typeface="+mn-ea"/>
+                <a:cs typeface="+mn-cs"/>
+              </a:defRPr>
+            </a:lvl5pPr>
+            <a:lvl6pPr marL="2286000" algn="l" defTabSz="457200" rtl="0" eaLnBrk="1" latinLnBrk="0" hangingPunct="1">
+              <a:defRPr sz="1800" kern="1200">
+                <a:solidFill>
+                  <a:schemeClr val="tx1"/>
+                </a:solidFill>
+                <a:latin typeface="+mn-lt"/>
+                <a:ea typeface="+mn-ea"/>
+                <a:cs typeface="+mn-cs"/>
+              </a:defRPr>
+            </a:lvl6pPr>
+            <a:lvl7pPr marL="2743200" algn="l" defTabSz="457200" rtl="0" eaLnBrk="1" latinLnBrk="0" hangingPunct="1">
+              <a:defRPr sz="1800" kern="1200">
+                <a:solidFill>
+                  <a:schemeClr val="tx1"/>
+                </a:solidFill>
+                <a:latin typeface="+mn-lt"/>
+                <a:ea typeface="+mn-ea"/>
+                <a:cs typeface="+mn-cs"/>
+              </a:defRPr>
+            </a:lvl7pPr>
+            <a:lvl8pPr marL="3200400" algn="l" defTabSz="457200" rtl="0" eaLnBrk="1" latinLnBrk="0" hangingPunct="1">
+              <a:defRPr sz="1800" kern="1200">
+                <a:solidFill>
+                  <a:schemeClr val="tx1"/>
+                </a:solidFill>
+                <a:latin typeface="+mn-lt"/>
+                <a:ea typeface="+mn-ea"/>
+                <a:cs typeface="+mn-cs"/>
+              </a:defRPr>
+            </a:lvl8pPr>
+            <a:lvl9pPr marL="3657600" algn="l" defTabSz="457200" rtl="0" eaLnBrk="1" latinLnBrk="0" hangingPunct="1">
+              <a:defRPr sz="1800" kern="1200">
+                <a:solidFill>
+                  <a:schemeClr val="tx1"/>
+                </a:solidFill>
+                <a:latin typeface="+mn-lt"/>
+                <a:ea typeface="+mn-ea"/>
+                <a:cs typeface="+mn-cs"/>
+              </a:defRPr>
+            </a:lvl9pPr>
+          </a:lstStyle>
+          <a:p>
+            <a:r>
+              <a:rPr lang="en-US" sz="1600" b="1" dirty="0">
+                <a:latin typeface="Arial" panose="020B0604020202020204" pitchFamily="34" charset="0"/>
+                <a:ea typeface="Yu Gothic" panose="020B0400000000000000" pitchFamily="34" charset="-128"/>
+                <a:cs typeface="Arial" panose="020B0604020202020204" pitchFamily="34" charset="0"/>
+              </a:rPr>
+              <a:t>Bottleneck</a:t>
+            </a:r>
+          </a:p>
+        </p:txBody>
+      </p:sp>
     </p:spTree>
     <p:extLst>
       <p:ext uri="{BB962C8B-B14F-4D97-AF65-F5344CB8AC3E}">
         <p14:creationId xmlns:p14="http://schemas.microsoft.com/office/powerpoint/2010/main" val="1601061642"/>
+      </p:ext>
+    </p:extLst>
+  </p:cSld>
+  <p:clrMapOvr>
+    <a:masterClrMapping/>
+  </p:clrMapOvr>
+</p:sld>
+</file>
+
+<file path=ppt/slides/slide9.xml><?xml version="1.0" encoding="utf-8"?>
+<p:sld xmlns:a="http://schemas.openxmlformats.org/drawingml/2006/main" xmlns:r="http://schemas.openxmlformats.org/officeDocument/2006/relationships" xmlns:p="http://schemas.openxmlformats.org/presentationml/2006/main">
+  <p:cSld>
+    <p:spTree>
+      <p:nvGrpSpPr>
+        <p:cNvPr id="1" name=""/>
+        <p:cNvGrpSpPr/>
+        <p:nvPr/>
+      </p:nvGrpSpPr>
+      <p:grpSpPr>
+        <a:xfrm>
+          <a:off x="0" y="0"/>
+          <a:ext cx="0" cy="0"/>
+          <a:chOff x="0" y="0"/>
+          <a:chExt cx="0" cy="0"/>
+        </a:xfrm>
+      </p:grpSpPr>
+      <p:pic>
+        <p:nvPicPr>
+          <p:cNvPr id="5" name="Picture 4">
+            <a:extLst>
+              <a:ext uri="{FF2B5EF4-FFF2-40B4-BE49-F238E27FC236}">
+                <a16:creationId xmlns:a16="http://schemas.microsoft.com/office/drawing/2014/main" id="{D28E183A-4C31-52B0-0727-47F9DC3F9356}"/>
+              </a:ext>
+            </a:extLst>
+          </p:cNvPr>
+          <p:cNvPicPr>
+            <a:picLocks noChangeAspect="1"/>
+          </p:cNvPicPr>
+          <p:nvPr/>
+        </p:nvPicPr>
+        <p:blipFill>
+          <a:blip r:embed="rId2">
+            <a:extLst>
+              <a:ext uri="{28A0092B-C50C-407E-A947-70E740481C1C}">
+                <a14:useLocalDpi xmlns:a14="http://schemas.microsoft.com/office/drawing/2010/main" val="0"/>
+              </a:ext>
+            </a:extLst>
+          </a:blip>
+          <a:stretch>
+            <a:fillRect/>
+          </a:stretch>
+        </p:blipFill>
+        <p:spPr>
+          <a:xfrm>
+            <a:off x="3485684" y="2666600"/>
+            <a:ext cx="9223841" cy="7906149"/>
+          </a:xfrm>
+          <a:prstGeom prst="rect">
+            <a:avLst/>
+          </a:prstGeom>
+        </p:spPr>
+      </p:pic>
+      <p:sp>
+        <p:nvSpPr>
+          <p:cNvPr id="6" name="TextBox 5">
+            <a:extLst>
+              <a:ext uri="{FF2B5EF4-FFF2-40B4-BE49-F238E27FC236}">
+                <a16:creationId xmlns:a16="http://schemas.microsoft.com/office/drawing/2014/main" id="{BBD625A1-63C5-F220-8C4F-1BA0CA7ED464}"/>
+              </a:ext>
+            </a:extLst>
+          </p:cNvPr>
+          <p:cNvSpPr txBox="1"/>
+          <p:nvPr/>
+        </p:nvSpPr>
+        <p:spPr>
+          <a:xfrm>
+            <a:off x="3225374" y="2157035"/>
+            <a:ext cx="1090166" cy="830997"/>
+          </a:xfrm>
+          <a:prstGeom prst="rect">
+            <a:avLst/>
+          </a:prstGeom>
+          <a:noFill/>
+        </p:spPr>
+        <p:txBody>
+          <a:bodyPr wrap="square" rtlCol="0">
+            <a:spAutoFit/>
+          </a:bodyPr>
+          <a:lstStyle>
+            <a:defPPr>
+              <a:defRPr lang="en-US"/>
+            </a:defPPr>
+            <a:lvl1pPr marL="0" algn="l" defTabSz="457200" rtl="0" eaLnBrk="1" latinLnBrk="0" hangingPunct="1">
+              <a:defRPr sz="1800" kern="1200">
+                <a:solidFill>
+                  <a:schemeClr val="tx1"/>
+                </a:solidFill>
+                <a:latin typeface="+mn-lt"/>
+                <a:ea typeface="+mn-ea"/>
+                <a:cs typeface="+mn-cs"/>
+              </a:defRPr>
+            </a:lvl1pPr>
+            <a:lvl2pPr marL="457200" algn="l" defTabSz="457200" rtl="0" eaLnBrk="1" latinLnBrk="0" hangingPunct="1">
+              <a:defRPr sz="1800" kern="1200">
+                <a:solidFill>
+                  <a:schemeClr val="tx1"/>
+                </a:solidFill>
+                <a:latin typeface="+mn-lt"/>
+                <a:ea typeface="+mn-ea"/>
+                <a:cs typeface="+mn-cs"/>
+              </a:defRPr>
+            </a:lvl2pPr>
+            <a:lvl3pPr marL="914400" algn="l" defTabSz="457200" rtl="0" eaLnBrk="1" latinLnBrk="0" hangingPunct="1">
+              <a:defRPr sz="1800" kern="1200">
+                <a:solidFill>
+                  <a:schemeClr val="tx1"/>
+                </a:solidFill>
+                <a:latin typeface="+mn-lt"/>
+                <a:ea typeface="+mn-ea"/>
+                <a:cs typeface="+mn-cs"/>
+              </a:defRPr>
+            </a:lvl3pPr>
+            <a:lvl4pPr marL="1371600" algn="l" defTabSz="457200" rtl="0" eaLnBrk="1" latinLnBrk="0" hangingPunct="1">
+              <a:defRPr sz="1800" kern="1200">
+                <a:solidFill>
+                  <a:schemeClr val="tx1"/>
+                </a:solidFill>
+                <a:latin typeface="+mn-lt"/>
+                <a:ea typeface="+mn-ea"/>
+                <a:cs typeface="+mn-cs"/>
+              </a:defRPr>
+            </a:lvl4pPr>
+            <a:lvl5pPr marL="1828800" algn="l" defTabSz="457200" rtl="0" eaLnBrk="1" latinLnBrk="0" hangingPunct="1">
+              <a:defRPr sz="1800" kern="1200">
+                <a:solidFill>
+                  <a:schemeClr val="tx1"/>
+                </a:solidFill>
+                <a:latin typeface="+mn-lt"/>
+                <a:ea typeface="+mn-ea"/>
+                <a:cs typeface="+mn-cs"/>
+              </a:defRPr>
+            </a:lvl5pPr>
+            <a:lvl6pPr marL="2286000" algn="l" defTabSz="457200" rtl="0" eaLnBrk="1" latinLnBrk="0" hangingPunct="1">
+              <a:defRPr sz="1800" kern="1200">
+                <a:solidFill>
+                  <a:schemeClr val="tx1"/>
+                </a:solidFill>
+                <a:latin typeface="+mn-lt"/>
+                <a:ea typeface="+mn-ea"/>
+                <a:cs typeface="+mn-cs"/>
+              </a:defRPr>
+            </a:lvl6pPr>
+            <a:lvl7pPr marL="2743200" algn="l" defTabSz="457200" rtl="0" eaLnBrk="1" latinLnBrk="0" hangingPunct="1">
+              <a:defRPr sz="1800" kern="1200">
+                <a:solidFill>
+                  <a:schemeClr val="tx1"/>
+                </a:solidFill>
+                <a:latin typeface="+mn-lt"/>
+                <a:ea typeface="+mn-ea"/>
+                <a:cs typeface="+mn-cs"/>
+              </a:defRPr>
+            </a:lvl7pPr>
+            <a:lvl8pPr marL="3200400" algn="l" defTabSz="457200" rtl="0" eaLnBrk="1" latinLnBrk="0" hangingPunct="1">
+              <a:defRPr sz="1800" kern="1200">
+                <a:solidFill>
+                  <a:schemeClr val="tx1"/>
+                </a:solidFill>
+                <a:latin typeface="+mn-lt"/>
+                <a:ea typeface="+mn-ea"/>
+                <a:cs typeface="+mn-cs"/>
+              </a:defRPr>
+            </a:lvl8pPr>
+            <a:lvl9pPr marL="3657600" algn="l" defTabSz="457200" rtl="0" eaLnBrk="1" latinLnBrk="0" hangingPunct="1">
+              <a:defRPr sz="1800" kern="1200">
+                <a:solidFill>
+                  <a:schemeClr val="tx1"/>
+                </a:solidFill>
+                <a:latin typeface="+mn-lt"/>
+                <a:ea typeface="+mn-ea"/>
+                <a:cs typeface="+mn-cs"/>
+              </a:defRPr>
+            </a:lvl9pPr>
+          </a:lstStyle>
+          <a:p>
+            <a:r>
+              <a:rPr lang="en-US" sz="4800" b="1" dirty="0">
+                <a:latin typeface="Arial" panose="020B0604020202020204" pitchFamily="34" charset="0"/>
+                <a:ea typeface="Yu Gothic" panose="020B0400000000000000" pitchFamily="34" charset="-128"/>
+                <a:cs typeface="Arial" panose="020B0604020202020204" pitchFamily="34" charset="0"/>
+              </a:rPr>
+              <a:t>(a)</a:t>
+            </a:r>
+          </a:p>
+        </p:txBody>
+      </p:sp>
+      <p:sp>
+        <p:nvSpPr>
+          <p:cNvPr id="7" name="TextBox 6">
+            <a:extLst>
+              <a:ext uri="{FF2B5EF4-FFF2-40B4-BE49-F238E27FC236}">
+                <a16:creationId xmlns:a16="http://schemas.microsoft.com/office/drawing/2014/main" id="{42EB3CC8-DA01-9759-CCD5-B16E85F984DD}"/>
+              </a:ext>
+            </a:extLst>
+          </p:cNvPr>
+          <p:cNvSpPr txBox="1"/>
+          <p:nvPr/>
+        </p:nvSpPr>
+        <p:spPr>
+          <a:xfrm>
+            <a:off x="3225374" y="6080551"/>
+            <a:ext cx="1090166" cy="830997"/>
+          </a:xfrm>
+          <a:prstGeom prst="rect">
+            <a:avLst/>
+          </a:prstGeom>
+          <a:noFill/>
+        </p:spPr>
+        <p:txBody>
+          <a:bodyPr wrap="square" rtlCol="0">
+            <a:spAutoFit/>
+          </a:bodyPr>
+          <a:lstStyle>
+            <a:defPPr>
+              <a:defRPr lang="en-US"/>
+            </a:defPPr>
+            <a:lvl1pPr marL="0" algn="l" defTabSz="457200" rtl="0" eaLnBrk="1" latinLnBrk="0" hangingPunct="1">
+              <a:defRPr sz="1800" kern="1200">
+                <a:solidFill>
+                  <a:schemeClr val="tx1"/>
+                </a:solidFill>
+                <a:latin typeface="+mn-lt"/>
+                <a:ea typeface="+mn-ea"/>
+                <a:cs typeface="+mn-cs"/>
+              </a:defRPr>
+            </a:lvl1pPr>
+            <a:lvl2pPr marL="457200" algn="l" defTabSz="457200" rtl="0" eaLnBrk="1" latinLnBrk="0" hangingPunct="1">
+              <a:defRPr sz="1800" kern="1200">
+                <a:solidFill>
+                  <a:schemeClr val="tx1"/>
+                </a:solidFill>
+                <a:latin typeface="+mn-lt"/>
+                <a:ea typeface="+mn-ea"/>
+                <a:cs typeface="+mn-cs"/>
+              </a:defRPr>
+            </a:lvl2pPr>
+            <a:lvl3pPr marL="914400" algn="l" defTabSz="457200" rtl="0" eaLnBrk="1" latinLnBrk="0" hangingPunct="1">
+              <a:defRPr sz="1800" kern="1200">
+                <a:solidFill>
+                  <a:schemeClr val="tx1"/>
+                </a:solidFill>
+                <a:latin typeface="+mn-lt"/>
+                <a:ea typeface="+mn-ea"/>
+                <a:cs typeface="+mn-cs"/>
+              </a:defRPr>
+            </a:lvl3pPr>
+            <a:lvl4pPr marL="1371600" algn="l" defTabSz="457200" rtl="0" eaLnBrk="1" latinLnBrk="0" hangingPunct="1">
+              <a:defRPr sz="1800" kern="1200">
+                <a:solidFill>
+                  <a:schemeClr val="tx1"/>
+                </a:solidFill>
+                <a:latin typeface="+mn-lt"/>
+                <a:ea typeface="+mn-ea"/>
+                <a:cs typeface="+mn-cs"/>
+              </a:defRPr>
+            </a:lvl4pPr>
+            <a:lvl5pPr marL="1828800" algn="l" defTabSz="457200" rtl="0" eaLnBrk="1" latinLnBrk="0" hangingPunct="1">
+              <a:defRPr sz="1800" kern="1200">
+                <a:solidFill>
+                  <a:schemeClr val="tx1"/>
+                </a:solidFill>
+                <a:latin typeface="+mn-lt"/>
+                <a:ea typeface="+mn-ea"/>
+                <a:cs typeface="+mn-cs"/>
+              </a:defRPr>
+            </a:lvl5pPr>
+            <a:lvl6pPr marL="2286000" algn="l" defTabSz="457200" rtl="0" eaLnBrk="1" latinLnBrk="0" hangingPunct="1">
+              <a:defRPr sz="1800" kern="1200">
+                <a:solidFill>
+                  <a:schemeClr val="tx1"/>
+                </a:solidFill>
+                <a:latin typeface="+mn-lt"/>
+                <a:ea typeface="+mn-ea"/>
+                <a:cs typeface="+mn-cs"/>
+              </a:defRPr>
+            </a:lvl6pPr>
+            <a:lvl7pPr marL="2743200" algn="l" defTabSz="457200" rtl="0" eaLnBrk="1" latinLnBrk="0" hangingPunct="1">
+              <a:defRPr sz="1800" kern="1200">
+                <a:solidFill>
+                  <a:schemeClr val="tx1"/>
+                </a:solidFill>
+                <a:latin typeface="+mn-lt"/>
+                <a:ea typeface="+mn-ea"/>
+                <a:cs typeface="+mn-cs"/>
+              </a:defRPr>
+            </a:lvl7pPr>
+            <a:lvl8pPr marL="3200400" algn="l" defTabSz="457200" rtl="0" eaLnBrk="1" latinLnBrk="0" hangingPunct="1">
+              <a:defRPr sz="1800" kern="1200">
+                <a:solidFill>
+                  <a:schemeClr val="tx1"/>
+                </a:solidFill>
+                <a:latin typeface="+mn-lt"/>
+                <a:ea typeface="+mn-ea"/>
+                <a:cs typeface="+mn-cs"/>
+              </a:defRPr>
+            </a:lvl8pPr>
+            <a:lvl9pPr marL="3657600" algn="l" defTabSz="457200" rtl="0" eaLnBrk="1" latinLnBrk="0" hangingPunct="1">
+              <a:defRPr sz="1800" kern="1200">
+                <a:solidFill>
+                  <a:schemeClr val="tx1"/>
+                </a:solidFill>
+                <a:latin typeface="+mn-lt"/>
+                <a:ea typeface="+mn-ea"/>
+                <a:cs typeface="+mn-cs"/>
+              </a:defRPr>
+            </a:lvl9pPr>
+          </a:lstStyle>
+          <a:p>
+            <a:r>
+              <a:rPr lang="en-US" sz="4800" b="1" dirty="0">
+                <a:latin typeface="Arial" panose="020B0604020202020204" pitchFamily="34" charset="0"/>
+                <a:ea typeface="Yu Gothic" panose="020B0400000000000000" pitchFamily="34" charset="-128"/>
+                <a:cs typeface="Arial" panose="020B0604020202020204" pitchFamily="34" charset="0"/>
+              </a:rPr>
+              <a:t>(b)</a:t>
+            </a:r>
+          </a:p>
+        </p:txBody>
+      </p:sp>
+      <p:pic>
+        <p:nvPicPr>
+          <p:cNvPr id="9" name="Picture 8">
+            <a:extLst>
+              <a:ext uri="{FF2B5EF4-FFF2-40B4-BE49-F238E27FC236}">
+                <a16:creationId xmlns:a16="http://schemas.microsoft.com/office/drawing/2014/main" id="{6FFE4216-2D14-64CF-9F23-AA06B883F175}"/>
+              </a:ext>
+            </a:extLst>
+          </p:cNvPr>
+          <p:cNvPicPr>
+            <a:picLocks noChangeAspect="1"/>
+          </p:cNvPicPr>
+          <p:nvPr/>
+        </p:nvPicPr>
+        <p:blipFill>
+          <a:blip r:embed="rId3">
+            <a:extLst>
+              <a:ext uri="{28A0092B-C50C-407E-A947-70E740481C1C}">
+                <a14:useLocalDpi xmlns:a14="http://schemas.microsoft.com/office/drawing/2010/main" val="0"/>
+              </a:ext>
+            </a:extLst>
+          </a:blip>
+          <a:stretch>
+            <a:fillRect/>
+          </a:stretch>
+        </p:blipFill>
+        <p:spPr>
+          <a:xfrm>
+            <a:off x="6349468" y="12287252"/>
+            <a:ext cx="7621064" cy="7621064"/>
+          </a:xfrm>
+          <a:prstGeom prst="rect">
+            <a:avLst/>
+          </a:prstGeom>
+        </p:spPr>
+      </p:pic>
+      <p:sp>
+        <p:nvSpPr>
+          <p:cNvPr id="12" name="TextBox 11">
+            <a:extLst>
+              <a:ext uri="{FF2B5EF4-FFF2-40B4-BE49-F238E27FC236}">
+                <a16:creationId xmlns:a16="http://schemas.microsoft.com/office/drawing/2014/main" id="{0FFD421C-D1E8-8F90-7ED3-85F22A785B99}"/>
+              </a:ext>
+            </a:extLst>
+          </p:cNvPr>
+          <p:cNvSpPr txBox="1"/>
+          <p:nvPr/>
+        </p:nvSpPr>
+        <p:spPr>
+          <a:xfrm>
+            <a:off x="6247586" y="11777899"/>
+            <a:ext cx="1090166" cy="830997"/>
+          </a:xfrm>
+          <a:prstGeom prst="rect">
+            <a:avLst/>
+          </a:prstGeom>
+          <a:noFill/>
+        </p:spPr>
+        <p:txBody>
+          <a:bodyPr wrap="square" rtlCol="0">
+            <a:spAutoFit/>
+          </a:bodyPr>
+          <a:lstStyle>
+            <a:defPPr>
+              <a:defRPr lang="en-US"/>
+            </a:defPPr>
+            <a:lvl1pPr marL="0" algn="l" defTabSz="457200" rtl="0" eaLnBrk="1" latinLnBrk="0" hangingPunct="1">
+              <a:defRPr sz="1800" kern="1200">
+                <a:solidFill>
+                  <a:schemeClr val="tx1"/>
+                </a:solidFill>
+                <a:latin typeface="+mn-lt"/>
+                <a:ea typeface="+mn-ea"/>
+                <a:cs typeface="+mn-cs"/>
+              </a:defRPr>
+            </a:lvl1pPr>
+            <a:lvl2pPr marL="457200" algn="l" defTabSz="457200" rtl="0" eaLnBrk="1" latinLnBrk="0" hangingPunct="1">
+              <a:defRPr sz="1800" kern="1200">
+                <a:solidFill>
+                  <a:schemeClr val="tx1"/>
+                </a:solidFill>
+                <a:latin typeface="+mn-lt"/>
+                <a:ea typeface="+mn-ea"/>
+                <a:cs typeface="+mn-cs"/>
+              </a:defRPr>
+            </a:lvl2pPr>
+            <a:lvl3pPr marL="914400" algn="l" defTabSz="457200" rtl="0" eaLnBrk="1" latinLnBrk="0" hangingPunct="1">
+              <a:defRPr sz="1800" kern="1200">
+                <a:solidFill>
+                  <a:schemeClr val="tx1"/>
+                </a:solidFill>
+                <a:latin typeface="+mn-lt"/>
+                <a:ea typeface="+mn-ea"/>
+                <a:cs typeface="+mn-cs"/>
+              </a:defRPr>
+            </a:lvl3pPr>
+            <a:lvl4pPr marL="1371600" algn="l" defTabSz="457200" rtl="0" eaLnBrk="1" latinLnBrk="0" hangingPunct="1">
+              <a:defRPr sz="1800" kern="1200">
+                <a:solidFill>
+                  <a:schemeClr val="tx1"/>
+                </a:solidFill>
+                <a:latin typeface="+mn-lt"/>
+                <a:ea typeface="+mn-ea"/>
+                <a:cs typeface="+mn-cs"/>
+              </a:defRPr>
+            </a:lvl4pPr>
+            <a:lvl5pPr marL="1828800" algn="l" defTabSz="457200" rtl="0" eaLnBrk="1" latinLnBrk="0" hangingPunct="1">
+              <a:defRPr sz="1800" kern="1200">
+                <a:solidFill>
+                  <a:schemeClr val="tx1"/>
+                </a:solidFill>
+                <a:latin typeface="+mn-lt"/>
+                <a:ea typeface="+mn-ea"/>
+                <a:cs typeface="+mn-cs"/>
+              </a:defRPr>
+            </a:lvl5pPr>
+            <a:lvl6pPr marL="2286000" algn="l" defTabSz="457200" rtl="0" eaLnBrk="1" latinLnBrk="0" hangingPunct="1">
+              <a:defRPr sz="1800" kern="1200">
+                <a:solidFill>
+                  <a:schemeClr val="tx1"/>
+                </a:solidFill>
+                <a:latin typeface="+mn-lt"/>
+                <a:ea typeface="+mn-ea"/>
+                <a:cs typeface="+mn-cs"/>
+              </a:defRPr>
+            </a:lvl6pPr>
+            <a:lvl7pPr marL="2743200" algn="l" defTabSz="457200" rtl="0" eaLnBrk="1" latinLnBrk="0" hangingPunct="1">
+              <a:defRPr sz="1800" kern="1200">
+                <a:solidFill>
+                  <a:schemeClr val="tx1"/>
+                </a:solidFill>
+                <a:latin typeface="+mn-lt"/>
+                <a:ea typeface="+mn-ea"/>
+                <a:cs typeface="+mn-cs"/>
+              </a:defRPr>
+            </a:lvl7pPr>
+            <a:lvl8pPr marL="3200400" algn="l" defTabSz="457200" rtl="0" eaLnBrk="1" latinLnBrk="0" hangingPunct="1">
+              <a:defRPr sz="1800" kern="1200">
+                <a:solidFill>
+                  <a:schemeClr val="tx1"/>
+                </a:solidFill>
+                <a:latin typeface="+mn-lt"/>
+                <a:ea typeface="+mn-ea"/>
+                <a:cs typeface="+mn-cs"/>
+              </a:defRPr>
+            </a:lvl8pPr>
+            <a:lvl9pPr marL="3657600" algn="l" defTabSz="457200" rtl="0" eaLnBrk="1" latinLnBrk="0" hangingPunct="1">
+              <a:defRPr sz="1800" kern="1200">
+                <a:solidFill>
+                  <a:schemeClr val="tx1"/>
+                </a:solidFill>
+                <a:latin typeface="+mn-lt"/>
+                <a:ea typeface="+mn-ea"/>
+                <a:cs typeface="+mn-cs"/>
+              </a:defRPr>
+            </a:lvl9pPr>
+          </a:lstStyle>
+          <a:p>
+            <a:r>
+              <a:rPr lang="en-US" sz="4800" b="1" dirty="0">
+                <a:latin typeface="Arial" panose="020B0604020202020204" pitchFamily="34" charset="0"/>
+                <a:ea typeface="Yu Gothic" panose="020B0400000000000000" pitchFamily="34" charset="-128"/>
+                <a:cs typeface="Arial" panose="020B0604020202020204" pitchFamily="34" charset="0"/>
+              </a:rPr>
+              <a:t>(a)</a:t>
+            </a:r>
+          </a:p>
+        </p:txBody>
+      </p:sp>
+      <p:sp>
+        <p:nvSpPr>
+          <p:cNvPr id="13" name="TextBox 12">
+            <a:extLst>
+              <a:ext uri="{FF2B5EF4-FFF2-40B4-BE49-F238E27FC236}">
+                <a16:creationId xmlns:a16="http://schemas.microsoft.com/office/drawing/2014/main" id="{D9495A65-3C63-A456-11A8-F67AABA29678}"/>
+              </a:ext>
+            </a:extLst>
+          </p:cNvPr>
+          <p:cNvSpPr txBox="1"/>
+          <p:nvPr/>
+        </p:nvSpPr>
+        <p:spPr>
+          <a:xfrm>
+            <a:off x="6247586" y="15701415"/>
+            <a:ext cx="1090166" cy="830997"/>
+          </a:xfrm>
+          <a:prstGeom prst="rect">
+            <a:avLst/>
+          </a:prstGeom>
+          <a:noFill/>
+        </p:spPr>
+        <p:txBody>
+          <a:bodyPr wrap="square" rtlCol="0">
+            <a:spAutoFit/>
+          </a:bodyPr>
+          <a:lstStyle>
+            <a:defPPr>
+              <a:defRPr lang="en-US"/>
+            </a:defPPr>
+            <a:lvl1pPr marL="0" algn="l" defTabSz="457200" rtl="0" eaLnBrk="1" latinLnBrk="0" hangingPunct="1">
+              <a:defRPr sz="1800" kern="1200">
+                <a:solidFill>
+                  <a:schemeClr val="tx1"/>
+                </a:solidFill>
+                <a:latin typeface="+mn-lt"/>
+                <a:ea typeface="+mn-ea"/>
+                <a:cs typeface="+mn-cs"/>
+              </a:defRPr>
+            </a:lvl1pPr>
+            <a:lvl2pPr marL="457200" algn="l" defTabSz="457200" rtl="0" eaLnBrk="1" latinLnBrk="0" hangingPunct="1">
+              <a:defRPr sz="1800" kern="1200">
+                <a:solidFill>
+                  <a:schemeClr val="tx1"/>
+                </a:solidFill>
+                <a:latin typeface="+mn-lt"/>
+                <a:ea typeface="+mn-ea"/>
+                <a:cs typeface="+mn-cs"/>
+              </a:defRPr>
+            </a:lvl2pPr>
+            <a:lvl3pPr marL="914400" algn="l" defTabSz="457200" rtl="0" eaLnBrk="1" latinLnBrk="0" hangingPunct="1">
+              <a:defRPr sz="1800" kern="1200">
+                <a:solidFill>
+                  <a:schemeClr val="tx1"/>
+                </a:solidFill>
+                <a:latin typeface="+mn-lt"/>
+                <a:ea typeface="+mn-ea"/>
+                <a:cs typeface="+mn-cs"/>
+              </a:defRPr>
+            </a:lvl3pPr>
+            <a:lvl4pPr marL="1371600" algn="l" defTabSz="457200" rtl="0" eaLnBrk="1" latinLnBrk="0" hangingPunct="1">
+              <a:defRPr sz="1800" kern="1200">
+                <a:solidFill>
+                  <a:schemeClr val="tx1"/>
+                </a:solidFill>
+                <a:latin typeface="+mn-lt"/>
+                <a:ea typeface="+mn-ea"/>
+                <a:cs typeface="+mn-cs"/>
+              </a:defRPr>
+            </a:lvl4pPr>
+            <a:lvl5pPr marL="1828800" algn="l" defTabSz="457200" rtl="0" eaLnBrk="1" latinLnBrk="0" hangingPunct="1">
+              <a:defRPr sz="1800" kern="1200">
+                <a:solidFill>
+                  <a:schemeClr val="tx1"/>
+                </a:solidFill>
+                <a:latin typeface="+mn-lt"/>
+                <a:ea typeface="+mn-ea"/>
+                <a:cs typeface="+mn-cs"/>
+              </a:defRPr>
+            </a:lvl5pPr>
+            <a:lvl6pPr marL="2286000" algn="l" defTabSz="457200" rtl="0" eaLnBrk="1" latinLnBrk="0" hangingPunct="1">
+              <a:defRPr sz="1800" kern="1200">
+                <a:solidFill>
+                  <a:schemeClr val="tx1"/>
+                </a:solidFill>
+                <a:latin typeface="+mn-lt"/>
+                <a:ea typeface="+mn-ea"/>
+                <a:cs typeface="+mn-cs"/>
+              </a:defRPr>
+            </a:lvl6pPr>
+            <a:lvl7pPr marL="2743200" algn="l" defTabSz="457200" rtl="0" eaLnBrk="1" latinLnBrk="0" hangingPunct="1">
+              <a:defRPr sz="1800" kern="1200">
+                <a:solidFill>
+                  <a:schemeClr val="tx1"/>
+                </a:solidFill>
+                <a:latin typeface="+mn-lt"/>
+                <a:ea typeface="+mn-ea"/>
+                <a:cs typeface="+mn-cs"/>
+              </a:defRPr>
+            </a:lvl7pPr>
+            <a:lvl8pPr marL="3200400" algn="l" defTabSz="457200" rtl="0" eaLnBrk="1" latinLnBrk="0" hangingPunct="1">
+              <a:defRPr sz="1800" kern="1200">
+                <a:solidFill>
+                  <a:schemeClr val="tx1"/>
+                </a:solidFill>
+                <a:latin typeface="+mn-lt"/>
+                <a:ea typeface="+mn-ea"/>
+                <a:cs typeface="+mn-cs"/>
+              </a:defRPr>
+            </a:lvl8pPr>
+            <a:lvl9pPr marL="3657600" algn="l" defTabSz="457200" rtl="0" eaLnBrk="1" latinLnBrk="0" hangingPunct="1">
+              <a:defRPr sz="1800" kern="1200">
+                <a:solidFill>
+                  <a:schemeClr val="tx1"/>
+                </a:solidFill>
+                <a:latin typeface="+mn-lt"/>
+                <a:ea typeface="+mn-ea"/>
+                <a:cs typeface="+mn-cs"/>
+              </a:defRPr>
+            </a:lvl9pPr>
+          </a:lstStyle>
+          <a:p>
+            <a:r>
+              <a:rPr lang="en-US" sz="4800" b="1" dirty="0">
+                <a:latin typeface="Arial" panose="020B0604020202020204" pitchFamily="34" charset="0"/>
+                <a:ea typeface="Yu Gothic" panose="020B0400000000000000" pitchFamily="34" charset="-128"/>
+                <a:cs typeface="Arial" panose="020B0604020202020204" pitchFamily="34" charset="0"/>
+              </a:rPr>
+              <a:t>(b)</a:t>
+            </a:r>
+          </a:p>
+        </p:txBody>
+      </p:sp>
+    </p:spTree>
+    <p:extLst>
+      <p:ext uri="{BB962C8B-B14F-4D97-AF65-F5344CB8AC3E}">
+        <p14:creationId xmlns:p14="http://schemas.microsoft.com/office/powerpoint/2010/main" val="2756291988"/>
       </p:ext>
     </p:extLst>
   </p:cSld>
